--- a/final_Presentation_New.pptx
+++ b/final_Presentation_New.pptx
@@ -184,7 +184,7 @@
           <a:noFill/>
           <a:extLst>
             <a:ext uri="{909E8E84-426E-40dd-AFC4-6F175D3DCCD1}">
-              <a14:hiddenFill xmlns="" xmlns:a14="http://schemas.microsoft.com/office/drawing/2010/main">
+              <a14:hiddenFill xmlns:a14="http://schemas.microsoft.com/office/drawing/2010/main" xmlns="">
                 <a:solidFill>
                   <a:srgbClr val="FFFFFF"/>
                 </a:solidFill>
@@ -244,7 +244,7 @@
             </a:ln>
             <a:extLst>
               <a:ext uri="{91240B29-F687-4f45-9708-019B960494DF}">
-                <a14:hiddenLine xmlns="" xmlns:a14="http://schemas.microsoft.com/office/drawing/2010/main" w="9525">
+                <a14:hiddenLine xmlns:a14="http://schemas.microsoft.com/office/drawing/2010/main" xmlns="" w="9525">
                   <a:solidFill>
                     <a:srgbClr val="000000"/>
                   </a:solidFill>
@@ -334,7 +334,7 @@
             </a:ln>
             <a:extLst>
               <a:ext uri="{91240B29-F687-4f45-9708-019B960494DF}">
-                <a14:hiddenLine xmlns="" xmlns:a14="http://schemas.microsoft.com/office/drawing/2010/main" w="9525">
+                <a14:hiddenLine xmlns:a14="http://schemas.microsoft.com/office/drawing/2010/main" xmlns="" w="9525">
                   <a:solidFill>
                     <a:srgbClr val="000000"/>
                   </a:solidFill>
@@ -424,7 +424,7 @@
             </a:ln>
             <a:extLst>
               <a:ext uri="{91240B29-F687-4f45-9708-019B960494DF}">
-                <a14:hiddenLine xmlns="" xmlns:a14="http://schemas.microsoft.com/office/drawing/2010/main" w="9525">
+                <a14:hiddenLine xmlns:a14="http://schemas.microsoft.com/office/drawing/2010/main" xmlns="" w="9525">
                   <a:solidFill>
                     <a:srgbClr val="000000"/>
                   </a:solidFill>
@@ -458,7 +458,7 @@
             </a:ln>
             <a:extLst>
               <a:ext uri="{91240B29-F687-4f45-9708-019B960494DF}">
-                <a14:hiddenLine xmlns="" xmlns:a14="http://schemas.microsoft.com/office/drawing/2010/main" w="9525">
+                <a14:hiddenLine xmlns:a14="http://schemas.microsoft.com/office/drawing/2010/main" xmlns="" w="9525">
                   <a:solidFill>
                     <a:srgbClr val="000000"/>
                   </a:solidFill>
@@ -548,7 +548,7 @@
             </a:ln>
             <a:extLst>
               <a:ext uri="{91240B29-F687-4f45-9708-019B960494DF}">
-                <a14:hiddenLine xmlns="" xmlns:a14="http://schemas.microsoft.com/office/drawing/2010/main" w="9525">
+                <a14:hiddenLine xmlns:a14="http://schemas.microsoft.com/office/drawing/2010/main" xmlns="" w="9525">
                   <a:solidFill>
                     <a:srgbClr val="000000"/>
                   </a:solidFill>
@@ -610,7 +610,7 @@
             </a:ln>
             <a:extLst>
               <a:ext uri="{91240B29-F687-4f45-9708-019B960494DF}">
-                <a14:hiddenLine xmlns="" xmlns:a14="http://schemas.microsoft.com/office/drawing/2010/main" w="9525">
+                <a14:hiddenLine xmlns:a14="http://schemas.microsoft.com/office/drawing/2010/main" xmlns="" w="9525">
                   <a:solidFill>
                     <a:srgbClr val="000000"/>
                   </a:solidFill>
@@ -672,7 +672,7 @@
             </a:ln>
             <a:extLst>
               <a:ext uri="{91240B29-F687-4f45-9708-019B960494DF}">
-                <a14:hiddenLine xmlns="" xmlns:a14="http://schemas.microsoft.com/office/drawing/2010/main" w="9525">
+                <a14:hiddenLine xmlns:a14="http://schemas.microsoft.com/office/drawing/2010/main" xmlns="" w="9525">
                   <a:solidFill>
                     <a:srgbClr val="000000"/>
                   </a:solidFill>
@@ -762,7 +762,7 @@
             </a:ln>
             <a:extLst>
               <a:ext uri="{91240B29-F687-4f45-9708-019B960494DF}">
-                <a14:hiddenLine xmlns="" xmlns:a14="http://schemas.microsoft.com/office/drawing/2010/main" w="9525">
+                <a14:hiddenLine xmlns:a14="http://schemas.microsoft.com/office/drawing/2010/main" xmlns="" w="9525">
                   <a:solidFill>
                     <a:srgbClr val="000000"/>
                   </a:solidFill>
@@ -824,7 +824,7 @@
             </a:ln>
             <a:extLst>
               <a:ext uri="{91240B29-F687-4f45-9708-019B960494DF}">
-                <a14:hiddenLine xmlns="" xmlns:a14="http://schemas.microsoft.com/office/drawing/2010/main" w="9525">
+                <a14:hiddenLine xmlns:a14="http://schemas.microsoft.com/office/drawing/2010/main" xmlns="" w="9525">
                   <a:solidFill>
                     <a:srgbClr val="000000"/>
                   </a:solidFill>
@@ -886,7 +886,7 @@
             </a:ln>
             <a:extLst>
               <a:ext uri="{91240B29-F687-4f45-9708-019B960494DF}">
-                <a14:hiddenLine xmlns="" xmlns:a14="http://schemas.microsoft.com/office/drawing/2010/main" w="9525">
+                <a14:hiddenLine xmlns:a14="http://schemas.microsoft.com/office/drawing/2010/main" xmlns="" w="9525">
                   <a:solidFill>
                     <a:srgbClr val="000000"/>
                   </a:solidFill>
@@ -976,7 +976,7 @@
             </a:ln>
             <a:extLst>
               <a:ext uri="{91240B29-F687-4f45-9708-019B960494DF}">
-                <a14:hiddenLine xmlns="" xmlns:a14="http://schemas.microsoft.com/office/drawing/2010/main" w="9525">
+                <a14:hiddenLine xmlns:a14="http://schemas.microsoft.com/office/drawing/2010/main" xmlns="" w="9525">
                   <a:solidFill>
                     <a:srgbClr val="000000"/>
                   </a:solidFill>
@@ -1066,7 +1066,7 @@
             </a:ln>
             <a:extLst>
               <a:ext uri="{91240B29-F687-4f45-9708-019B960494DF}">
-                <a14:hiddenLine xmlns="" xmlns:a14="http://schemas.microsoft.com/office/drawing/2010/main" w="9525">
+                <a14:hiddenLine xmlns:a14="http://schemas.microsoft.com/office/drawing/2010/main" xmlns="" w="9525">
                   <a:solidFill>
                     <a:srgbClr val="000000"/>
                   </a:solidFill>
@@ -1128,7 +1128,7 @@
             </a:ln>
             <a:extLst>
               <a:ext uri="{91240B29-F687-4f45-9708-019B960494DF}">
-                <a14:hiddenLine xmlns="" xmlns:a14="http://schemas.microsoft.com/office/drawing/2010/main" w="9525">
+                <a14:hiddenLine xmlns:a14="http://schemas.microsoft.com/office/drawing/2010/main" xmlns="" w="9525">
                   <a:solidFill>
                     <a:srgbClr val="000000"/>
                   </a:solidFill>
@@ -1238,7 +1238,7 @@
             </a:ln>
             <a:extLst>
               <a:ext uri="{91240B29-F687-4f45-9708-019B960494DF}">
-                <a14:hiddenLine xmlns="" xmlns:a14="http://schemas.microsoft.com/office/drawing/2010/main" w="9525">
+                <a14:hiddenLine xmlns:a14="http://schemas.microsoft.com/office/drawing/2010/main" xmlns="" w="9525">
                   <a:solidFill>
                     <a:srgbClr val="000000"/>
                   </a:solidFill>
@@ -1300,7 +1300,7 @@
             </a:ln>
             <a:extLst>
               <a:ext uri="{91240B29-F687-4f45-9708-019B960494DF}">
-                <a14:hiddenLine xmlns="" xmlns:a14="http://schemas.microsoft.com/office/drawing/2010/main" w="9525">
+                <a14:hiddenLine xmlns:a14="http://schemas.microsoft.com/office/drawing/2010/main" xmlns="" w="9525">
                   <a:solidFill>
                     <a:srgbClr val="000000"/>
                   </a:solidFill>
@@ -1390,7 +1390,7 @@
             </a:ln>
             <a:extLst>
               <a:ext uri="{91240B29-F687-4f45-9708-019B960494DF}">
-                <a14:hiddenLine xmlns="" xmlns:a14="http://schemas.microsoft.com/office/drawing/2010/main" w="9525">
+                <a14:hiddenLine xmlns:a14="http://schemas.microsoft.com/office/drawing/2010/main" xmlns="" w="9525">
                   <a:solidFill>
                     <a:srgbClr val="000000"/>
                   </a:solidFill>
@@ -1480,7 +1480,7 @@
             </a:ln>
             <a:extLst>
               <a:ext uri="{91240B29-F687-4f45-9708-019B960494DF}">
-                <a14:hiddenLine xmlns="" xmlns:a14="http://schemas.microsoft.com/office/drawing/2010/main" w="9525">
+                <a14:hiddenLine xmlns:a14="http://schemas.microsoft.com/office/drawing/2010/main" xmlns="" w="9525">
                   <a:solidFill>
                     <a:srgbClr val="000000"/>
                   </a:solidFill>
@@ -1542,7 +1542,7 @@
             </a:ln>
             <a:extLst>
               <a:ext uri="{91240B29-F687-4f45-9708-019B960494DF}">
-                <a14:hiddenLine xmlns="" xmlns:a14="http://schemas.microsoft.com/office/drawing/2010/main" w="9525">
+                <a14:hiddenLine xmlns:a14="http://schemas.microsoft.com/office/drawing/2010/main" xmlns="" w="9525">
                   <a:solidFill>
                     <a:srgbClr val="000000"/>
                   </a:solidFill>
@@ -1632,7 +1632,7 @@
             </a:ln>
             <a:extLst>
               <a:ext uri="{91240B29-F687-4f45-9708-019B960494DF}">
-                <a14:hiddenLine xmlns="" xmlns:a14="http://schemas.microsoft.com/office/drawing/2010/main" w="9525">
+                <a14:hiddenLine xmlns:a14="http://schemas.microsoft.com/office/drawing/2010/main" xmlns="" w="9525">
                   <a:solidFill>
                     <a:srgbClr val="000000"/>
                   </a:solidFill>
@@ -1722,7 +1722,7 @@
             </a:ln>
             <a:extLst>
               <a:ext uri="{91240B29-F687-4f45-9708-019B960494DF}">
-                <a14:hiddenLine xmlns="" xmlns:a14="http://schemas.microsoft.com/office/drawing/2010/main" w="9525">
+                <a14:hiddenLine xmlns:a14="http://schemas.microsoft.com/office/drawing/2010/main" xmlns="" w="9525">
                   <a:solidFill>
                     <a:srgbClr val="000000"/>
                   </a:solidFill>
@@ -1778,7 +1778,7 @@
             </a:ln>
             <a:extLst>
               <a:ext uri="{91240B29-F687-4f45-9708-019B960494DF}">
-                <a14:hiddenLine xmlns="" xmlns:a14="http://schemas.microsoft.com/office/drawing/2010/main" w="9525">
+                <a14:hiddenLine xmlns:a14="http://schemas.microsoft.com/office/drawing/2010/main" xmlns="" w="9525">
                   <a:solidFill>
                     <a:srgbClr val="000000"/>
                   </a:solidFill>
@@ -1868,7 +1868,7 @@
             </a:ln>
             <a:extLst>
               <a:ext uri="{91240B29-F687-4f45-9708-019B960494DF}">
-                <a14:hiddenLine xmlns="" xmlns:a14="http://schemas.microsoft.com/office/drawing/2010/main" w="9525">
+                <a14:hiddenLine xmlns:a14="http://schemas.microsoft.com/office/drawing/2010/main" xmlns="" w="9525">
                   <a:solidFill>
                     <a:srgbClr val="000000"/>
                   </a:solidFill>
@@ -1924,7 +1924,7 @@
             </a:ln>
             <a:extLst>
               <a:ext uri="{91240B29-F687-4f45-9708-019B960494DF}">
-                <a14:hiddenLine xmlns="" xmlns:a14="http://schemas.microsoft.com/office/drawing/2010/main" w="9525">
+                <a14:hiddenLine xmlns:a14="http://schemas.microsoft.com/office/drawing/2010/main" xmlns="" w="9525">
                   <a:solidFill>
                     <a:srgbClr val="000000"/>
                   </a:solidFill>
@@ -2014,7 +2014,7 @@
             </a:ln>
             <a:extLst>
               <a:ext uri="{91240B29-F687-4f45-9708-019B960494DF}">
-                <a14:hiddenLine xmlns="" xmlns:a14="http://schemas.microsoft.com/office/drawing/2010/main" w="9525">
+                <a14:hiddenLine xmlns:a14="http://schemas.microsoft.com/office/drawing/2010/main" xmlns="" w="9525">
                   <a:solidFill>
                     <a:srgbClr val="000000"/>
                   </a:solidFill>
@@ -2082,7 +2082,7 @@
             </a:ln>
             <a:extLst>
               <a:ext uri="{91240B29-F687-4f45-9708-019B960494DF}">
-                <a14:hiddenLine xmlns="" xmlns:a14="http://schemas.microsoft.com/office/drawing/2010/main" w="9525">
+                <a14:hiddenLine xmlns:a14="http://schemas.microsoft.com/office/drawing/2010/main" xmlns="" w="9525">
                   <a:solidFill>
                     <a:srgbClr val="000000"/>
                   </a:solidFill>
@@ -2172,7 +2172,7 @@
             </a:ln>
             <a:extLst>
               <a:ext uri="{91240B29-F687-4f45-9708-019B960494DF}">
-                <a14:hiddenLine xmlns="" xmlns:a14="http://schemas.microsoft.com/office/drawing/2010/main" w="9525">
+                <a14:hiddenLine xmlns:a14="http://schemas.microsoft.com/office/drawing/2010/main" xmlns="" w="9525">
                   <a:solidFill>
                     <a:srgbClr val="000000"/>
                   </a:solidFill>
@@ -2240,7 +2240,7 @@
             </a:ln>
             <a:extLst>
               <a:ext uri="{91240B29-F687-4f45-9708-019B960494DF}">
-                <a14:hiddenLine xmlns="" xmlns:a14="http://schemas.microsoft.com/office/drawing/2010/main" w="9525">
+                <a14:hiddenLine xmlns:a14="http://schemas.microsoft.com/office/drawing/2010/main" xmlns="" w="9525">
                   <a:solidFill>
                     <a:srgbClr val="000000"/>
                   </a:solidFill>
@@ -2330,7 +2330,7 @@
             </a:ln>
             <a:extLst>
               <a:ext uri="{91240B29-F687-4f45-9708-019B960494DF}">
-                <a14:hiddenLine xmlns="" xmlns:a14="http://schemas.microsoft.com/office/drawing/2010/main" w="9525">
+                <a14:hiddenLine xmlns:a14="http://schemas.microsoft.com/office/drawing/2010/main" xmlns="" w="9525">
                   <a:solidFill>
                     <a:srgbClr val="000000"/>
                   </a:solidFill>
@@ -2364,7 +2364,7 @@
             </a:ln>
             <a:extLst>
               <a:ext uri="{91240B29-F687-4f45-9708-019B960494DF}">
-                <a14:hiddenLine xmlns="" xmlns:a14="http://schemas.microsoft.com/office/drawing/2010/main" w="9525">
+                <a14:hiddenLine xmlns:a14="http://schemas.microsoft.com/office/drawing/2010/main" xmlns="" w="9525">
                   <a:solidFill>
                     <a:srgbClr val="000000"/>
                   </a:solidFill>
@@ -2454,7 +2454,7 @@
             </a:ln>
             <a:extLst>
               <a:ext uri="{91240B29-F687-4f45-9708-019B960494DF}">
-                <a14:hiddenLine xmlns="" xmlns:a14="http://schemas.microsoft.com/office/drawing/2010/main" w="9525">
+                <a14:hiddenLine xmlns:a14="http://schemas.microsoft.com/office/drawing/2010/main" xmlns="" w="9525">
                   <a:solidFill>
                     <a:srgbClr val="000000"/>
                   </a:solidFill>
@@ -2516,7 +2516,7 @@
             </a:ln>
             <a:extLst>
               <a:ext uri="{91240B29-F687-4f45-9708-019B960494DF}">
-                <a14:hiddenLine xmlns="" xmlns:a14="http://schemas.microsoft.com/office/drawing/2010/main" w="9525">
+                <a14:hiddenLine xmlns:a14="http://schemas.microsoft.com/office/drawing/2010/main" xmlns="" w="9525">
                   <a:solidFill>
                     <a:srgbClr val="000000"/>
                   </a:solidFill>
@@ -2578,7 +2578,7 @@
             </a:ln>
             <a:extLst>
               <a:ext uri="{91240B29-F687-4f45-9708-019B960494DF}">
-                <a14:hiddenLine xmlns="" xmlns:a14="http://schemas.microsoft.com/office/drawing/2010/main" w="9525">
+                <a14:hiddenLine xmlns:a14="http://schemas.microsoft.com/office/drawing/2010/main" xmlns="" w="9525">
                   <a:solidFill>
                     <a:srgbClr val="000000"/>
                   </a:solidFill>
@@ -2668,7 +2668,7 @@
             </a:ln>
             <a:extLst>
               <a:ext uri="{91240B29-F687-4f45-9708-019B960494DF}">
-                <a14:hiddenLine xmlns="" xmlns:a14="http://schemas.microsoft.com/office/drawing/2010/main" w="9525">
+                <a14:hiddenLine xmlns:a14="http://schemas.microsoft.com/office/drawing/2010/main" xmlns="" w="9525">
                   <a:solidFill>
                     <a:srgbClr val="000000"/>
                   </a:solidFill>
@@ -2736,7 +2736,7 @@
             </a:ln>
             <a:extLst>
               <a:ext uri="{91240B29-F687-4f45-9708-019B960494DF}">
-                <a14:hiddenLine xmlns="" xmlns:a14="http://schemas.microsoft.com/office/drawing/2010/main" w="9525">
+                <a14:hiddenLine xmlns:a14="http://schemas.microsoft.com/office/drawing/2010/main" xmlns="" w="9525">
                   <a:solidFill>
                     <a:srgbClr val="000000"/>
                   </a:solidFill>
@@ -2798,7 +2798,7 @@
             </a:ln>
             <a:extLst>
               <a:ext uri="{91240B29-F687-4f45-9708-019B960494DF}">
-                <a14:hiddenLine xmlns="" xmlns:a14="http://schemas.microsoft.com/office/drawing/2010/main" w="9525">
+                <a14:hiddenLine xmlns:a14="http://schemas.microsoft.com/office/drawing/2010/main" xmlns="" w="9525">
                   <a:solidFill>
                     <a:srgbClr val="000000"/>
                   </a:solidFill>
@@ -2888,7 +2888,7 @@
             </a:ln>
             <a:extLst>
               <a:ext uri="{91240B29-F687-4f45-9708-019B960494DF}">
-                <a14:hiddenLine xmlns="" xmlns:a14="http://schemas.microsoft.com/office/drawing/2010/main" w="9525">
+                <a14:hiddenLine xmlns:a14="http://schemas.microsoft.com/office/drawing/2010/main" xmlns="" w="9525">
                   <a:solidFill>
                     <a:srgbClr val="000000"/>
                   </a:solidFill>
@@ -2950,7 +2950,7 @@
             </a:ln>
             <a:extLst>
               <a:ext uri="{91240B29-F687-4f45-9708-019B960494DF}">
-                <a14:hiddenLine xmlns="" xmlns:a14="http://schemas.microsoft.com/office/drawing/2010/main" w="9525">
+                <a14:hiddenLine xmlns:a14="http://schemas.microsoft.com/office/drawing/2010/main" xmlns="" w="9525">
                   <a:solidFill>
                     <a:srgbClr val="000000"/>
                   </a:solidFill>
@@ -3040,7 +3040,7 @@
             </a:ln>
             <a:extLst>
               <a:ext uri="{91240B29-F687-4f45-9708-019B960494DF}">
-                <a14:hiddenLine xmlns="" xmlns:a14="http://schemas.microsoft.com/office/drawing/2010/main" w="9525">
+                <a14:hiddenLine xmlns:a14="http://schemas.microsoft.com/office/drawing/2010/main" xmlns="" w="9525">
                   <a:solidFill>
                     <a:srgbClr val="000000"/>
                   </a:solidFill>
@@ -3102,7 +3102,7 @@
             </a:ln>
             <a:extLst>
               <a:ext uri="{91240B29-F687-4f45-9708-019B960494DF}">
-                <a14:hiddenLine xmlns="" xmlns:a14="http://schemas.microsoft.com/office/drawing/2010/main" w="9525">
+                <a14:hiddenLine xmlns:a14="http://schemas.microsoft.com/office/drawing/2010/main" xmlns="" w="9525">
                   <a:solidFill>
                     <a:srgbClr val="000000"/>
                   </a:solidFill>
@@ -3192,7 +3192,7 @@
             </a:ln>
             <a:extLst>
               <a:ext uri="{91240B29-F687-4f45-9708-019B960494DF}">
-                <a14:hiddenLine xmlns="" xmlns:a14="http://schemas.microsoft.com/office/drawing/2010/main" w="9525">
+                <a14:hiddenLine xmlns:a14="http://schemas.microsoft.com/office/drawing/2010/main" xmlns="" w="9525">
                   <a:solidFill>
                     <a:srgbClr val="000000"/>
                   </a:solidFill>
@@ -3226,7 +3226,7 @@
             </a:ln>
             <a:extLst>
               <a:ext uri="{91240B29-F687-4f45-9708-019B960494DF}">
-                <a14:hiddenLine xmlns="" xmlns:a14="http://schemas.microsoft.com/office/drawing/2010/main" w="9525">
+                <a14:hiddenLine xmlns:a14="http://schemas.microsoft.com/office/drawing/2010/main" xmlns="" w="9525">
                   <a:solidFill>
                     <a:srgbClr val="000000"/>
                   </a:solidFill>
@@ -3291,7 +3291,7 @@
             </a:ln>
             <a:extLst>
               <a:ext uri="{91240B29-F687-4f45-9708-019B960494DF}">
-                <a14:hiddenLine xmlns="" xmlns:a14="http://schemas.microsoft.com/office/drawing/2010/main" w="9525">
+                <a14:hiddenLine xmlns:a14="http://schemas.microsoft.com/office/drawing/2010/main" xmlns="" w="9525">
                   <a:solidFill>
                     <a:srgbClr val="000000"/>
                   </a:solidFill>
@@ -3381,7 +3381,7 @@
             </a:ln>
             <a:extLst>
               <a:ext uri="{91240B29-F687-4f45-9708-019B960494DF}">
-                <a14:hiddenLine xmlns="" xmlns:a14="http://schemas.microsoft.com/office/drawing/2010/main" w="9525">
+                <a14:hiddenLine xmlns:a14="http://schemas.microsoft.com/office/drawing/2010/main" xmlns="" w="9525">
                   <a:solidFill>
                     <a:srgbClr val="000000"/>
                   </a:solidFill>
@@ -3443,7 +3443,7 @@
             </a:ln>
             <a:extLst>
               <a:ext uri="{91240B29-F687-4f45-9708-019B960494DF}">
-                <a14:hiddenLine xmlns="" xmlns:a14="http://schemas.microsoft.com/office/drawing/2010/main" w="9525">
+                <a14:hiddenLine xmlns:a14="http://schemas.microsoft.com/office/drawing/2010/main" xmlns="" w="9525">
                   <a:solidFill>
                     <a:srgbClr val="000000"/>
                   </a:solidFill>
@@ -3533,7 +3533,7 @@
             </a:ln>
             <a:extLst>
               <a:ext uri="{91240B29-F687-4f45-9708-019B960494DF}">
-                <a14:hiddenLine xmlns="" xmlns:a14="http://schemas.microsoft.com/office/drawing/2010/main" w="9525">
+                <a14:hiddenLine xmlns:a14="http://schemas.microsoft.com/office/drawing/2010/main" xmlns="" w="9525">
                   <a:solidFill>
                     <a:srgbClr val="000000"/>
                   </a:solidFill>
@@ -3623,7 +3623,7 @@
             </a:ln>
             <a:extLst>
               <a:ext uri="{91240B29-F687-4f45-9708-019B960494DF}">
-                <a14:hiddenLine xmlns="" xmlns:a14="http://schemas.microsoft.com/office/drawing/2010/main" w="9525">
+                <a14:hiddenLine xmlns:a14="http://schemas.microsoft.com/office/drawing/2010/main" xmlns="" w="9525">
                   <a:solidFill>
                     <a:srgbClr val="000000"/>
                   </a:solidFill>
@@ -3688,7 +3688,7 @@
             </a:ln>
             <a:extLst>
               <a:ext uri="{91240B29-F687-4f45-9708-019B960494DF}">
-                <a14:hiddenLine xmlns="" xmlns:a14="http://schemas.microsoft.com/office/drawing/2010/main" w="9525">
+                <a14:hiddenLine xmlns:a14="http://schemas.microsoft.com/office/drawing/2010/main" xmlns="" w="9525">
                   <a:solidFill>
                     <a:srgbClr val="000000"/>
                   </a:solidFill>
@@ -3750,7 +3750,7 @@
             </a:ln>
             <a:extLst>
               <a:ext uri="{91240B29-F687-4f45-9708-019B960494DF}">
-                <a14:hiddenLine xmlns="" xmlns:a14="http://schemas.microsoft.com/office/drawing/2010/main" w="9525">
+                <a14:hiddenLine xmlns:a14="http://schemas.microsoft.com/office/drawing/2010/main" xmlns="" w="9525">
                   <a:solidFill>
                     <a:srgbClr val="000000"/>
                   </a:solidFill>
@@ -3840,7 +3840,7 @@
             </a:ln>
             <a:extLst>
               <a:ext uri="{91240B29-F687-4f45-9708-019B960494DF}">
-                <a14:hiddenLine xmlns="" xmlns:a14="http://schemas.microsoft.com/office/drawing/2010/main" w="9525">
+                <a14:hiddenLine xmlns:a14="http://schemas.microsoft.com/office/drawing/2010/main" xmlns="" w="9525">
                   <a:solidFill>
                     <a:srgbClr val="000000"/>
                   </a:solidFill>
@@ -3930,7 +3930,7 @@
             </a:ln>
             <a:extLst>
               <a:ext uri="{91240B29-F687-4f45-9708-019B960494DF}">
-                <a14:hiddenLine xmlns="" xmlns:a14="http://schemas.microsoft.com/office/drawing/2010/main" w="9525">
+                <a14:hiddenLine xmlns:a14="http://schemas.microsoft.com/office/drawing/2010/main" xmlns="" w="9525">
                   <a:solidFill>
                     <a:srgbClr val="000000"/>
                   </a:solidFill>
@@ -3992,7 +3992,7 @@
             </a:ln>
             <a:extLst>
               <a:ext uri="{91240B29-F687-4f45-9708-019B960494DF}">
-                <a14:hiddenLine xmlns="" xmlns:a14="http://schemas.microsoft.com/office/drawing/2010/main" w="9525">
+                <a14:hiddenLine xmlns:a14="http://schemas.microsoft.com/office/drawing/2010/main" xmlns="" w="9525">
                   <a:solidFill>
                     <a:srgbClr val="000000"/>
                   </a:solidFill>
@@ -4112,7 +4112,7 @@
             </a:ln>
             <a:extLst>
               <a:ext uri="{91240B29-F687-4f45-9708-019B960494DF}">
-                <a14:hiddenLine xmlns="" xmlns:a14="http://schemas.microsoft.com/office/drawing/2010/main" w="9525">
+                <a14:hiddenLine xmlns:a14="http://schemas.microsoft.com/office/drawing/2010/main" xmlns="" w="9525">
                   <a:solidFill>
                     <a:srgbClr val="000000"/>
                   </a:solidFill>
@@ -4180,7 +4180,7 @@
             </a:ln>
             <a:extLst>
               <a:ext uri="{91240B29-F687-4f45-9708-019B960494DF}">
-                <a14:hiddenLine xmlns="" xmlns:a14="http://schemas.microsoft.com/office/drawing/2010/main" w="9525">
+                <a14:hiddenLine xmlns:a14="http://schemas.microsoft.com/office/drawing/2010/main" xmlns="" w="9525">
                   <a:solidFill>
                     <a:srgbClr val="000000"/>
                   </a:solidFill>
@@ -4270,7 +4270,7 @@
             </a:ln>
             <a:extLst>
               <a:ext uri="{91240B29-F687-4f45-9708-019B960494DF}">
-                <a14:hiddenLine xmlns="" xmlns:a14="http://schemas.microsoft.com/office/drawing/2010/main" w="9525">
+                <a14:hiddenLine xmlns:a14="http://schemas.microsoft.com/office/drawing/2010/main" xmlns="" w="9525">
                   <a:solidFill>
                     <a:srgbClr val="000000"/>
                   </a:solidFill>
@@ -4410,7 +4410,7 @@
           <a:p>
             <a:fld id="{48A87A34-81AB-432B-8DAE-1953F412C126}" type="datetimeFigureOut">
               <a:rPr lang="en-US" dirty="0"/>
-              <a:t>4/24/2024</a:t>
+              <a:t>4/24/24</a:t>
             </a:fld>
             <a:endParaRPr lang="en-US" dirty="0"/>
           </a:p>
@@ -4672,7 +4672,7 @@
           <a:p>
             <a:fld id="{48A87A34-81AB-432B-8DAE-1953F412C126}" type="datetimeFigureOut">
               <a:rPr lang="en-US" dirty="0"/>
-              <a:t>4/24/2024</a:t>
+              <a:t>4/24/24</a:t>
             </a:fld>
             <a:endParaRPr lang="en-US" dirty="0"/>
           </a:p>
@@ -4863,7 +4863,7 @@
           <a:p>
             <a:fld id="{48A87A34-81AB-432B-8DAE-1953F412C126}" type="datetimeFigureOut">
               <a:rPr lang="en-US" dirty="0"/>
-              <a:t>4/24/2024</a:t>
+              <a:t>4/24/24</a:t>
             </a:fld>
             <a:endParaRPr lang="en-US" dirty="0"/>
           </a:p>
@@ -5121,7 +5121,7 @@
           <a:p>
             <a:fld id="{48A87A34-81AB-432B-8DAE-1953F412C126}" type="datetimeFigureOut">
               <a:rPr lang="en-US" dirty="0"/>
-              <a:t>4/24/2024</a:t>
+              <a:t>4/24/24</a:t>
             </a:fld>
             <a:endParaRPr lang="en-US" dirty="0"/>
           </a:p>
@@ -5550,7 +5550,7 @@
           <a:p>
             <a:fld id="{48A87A34-81AB-432B-8DAE-1953F412C126}" type="datetimeFigureOut">
               <a:rPr lang="en-US" dirty="0"/>
-              <a:t>4/24/2024</a:t>
+              <a:t>4/24/24</a:t>
             </a:fld>
             <a:endParaRPr lang="en-US" dirty="0"/>
           </a:p>
@@ -6091,7 +6091,7 @@
           <a:p>
             <a:fld id="{48A87A34-81AB-432B-8DAE-1953F412C126}" type="datetimeFigureOut">
               <a:rPr lang="en-US" dirty="0"/>
-              <a:t>4/24/2024</a:t>
+              <a:t>4/24/24</a:t>
             </a:fld>
             <a:endParaRPr lang="en-US" dirty="0"/>
           </a:p>
@@ -6806,7 +6806,7 @@
           <a:p>
             <a:fld id="{48A87A34-81AB-432B-8DAE-1953F412C126}" type="datetimeFigureOut">
               <a:rPr lang="en-US" dirty="0"/>
-              <a:t>4/24/2024</a:t>
+              <a:t>4/24/24</a:t>
             </a:fld>
             <a:endParaRPr lang="en-US" dirty="0"/>
           </a:p>
@@ -6971,7 +6971,7 @@
           <a:p>
             <a:fld id="{48A87A34-81AB-432B-8DAE-1953F412C126}" type="datetimeFigureOut">
               <a:rPr lang="en-US" dirty="0"/>
-              <a:t>4/24/2024</a:t>
+              <a:t>4/24/24</a:t>
             </a:fld>
             <a:endParaRPr lang="en-US" dirty="0"/>
           </a:p>
@@ -7146,7 +7146,7 @@
           <a:p>
             <a:fld id="{48A87A34-81AB-432B-8DAE-1953F412C126}" type="datetimeFigureOut">
               <a:rPr lang="en-US" dirty="0"/>
-              <a:t>4/24/2024</a:t>
+              <a:t>4/24/24</a:t>
             </a:fld>
             <a:endParaRPr lang="en-US" dirty="0"/>
           </a:p>
@@ -7311,7 +7311,7 @@
           <a:p>
             <a:fld id="{48A87A34-81AB-432B-8DAE-1953F412C126}" type="datetimeFigureOut">
               <a:rPr lang="en-US" dirty="0"/>
-              <a:t>4/24/2024</a:t>
+              <a:t>4/24/24</a:t>
             </a:fld>
             <a:endParaRPr lang="en-US" dirty="0"/>
           </a:p>
@@ -7556,7 +7556,7 @@
           <a:p>
             <a:fld id="{48A87A34-81AB-432B-8DAE-1953F412C126}" type="datetimeFigureOut">
               <a:rPr lang="en-US" dirty="0"/>
-              <a:t>4/24/2024</a:t>
+              <a:t>4/24/24</a:t>
             </a:fld>
             <a:endParaRPr lang="en-US" dirty="0"/>
           </a:p>
@@ -7783,7 +7783,7 @@
           <a:p>
             <a:fld id="{48A87A34-81AB-432B-8DAE-1953F412C126}" type="datetimeFigureOut">
               <a:rPr lang="en-US" dirty="0"/>
-              <a:t>4/24/2024</a:t>
+              <a:t>4/24/24</a:t>
             </a:fld>
             <a:endParaRPr lang="en-US" dirty="0"/>
           </a:p>
@@ -8159,7 +8159,7 @@
           <a:p>
             <a:fld id="{48A87A34-81AB-432B-8DAE-1953F412C126}" type="datetimeFigureOut">
               <a:rPr lang="en-US" dirty="0"/>
-              <a:t>4/24/2024</a:t>
+              <a:t>4/24/24</a:t>
             </a:fld>
             <a:endParaRPr lang="en-US" dirty="0"/>
           </a:p>
@@ -8272,7 +8272,7 @@
           <a:p>
             <a:fld id="{48A87A34-81AB-432B-8DAE-1953F412C126}" type="datetimeFigureOut">
               <a:rPr lang="en-US" dirty="0"/>
-              <a:t>4/24/2024</a:t>
+              <a:t>4/24/24</a:t>
             </a:fld>
             <a:endParaRPr lang="en-US" dirty="0"/>
           </a:p>
@@ -8362,7 +8362,7 @@
           <a:p>
             <a:fld id="{48A87A34-81AB-432B-8DAE-1953F412C126}" type="datetimeFigureOut">
               <a:rPr lang="en-US" dirty="0"/>
-              <a:t>4/24/2024</a:t>
+              <a:t>4/24/24</a:t>
             </a:fld>
             <a:endParaRPr lang="en-US" dirty="0"/>
           </a:p>
@@ -8606,7 +8606,7 @@
           <a:p>
             <a:fld id="{48A87A34-81AB-432B-8DAE-1953F412C126}" type="datetimeFigureOut">
               <a:rPr lang="en-US" dirty="0"/>
-              <a:t>4/24/2024</a:t>
+              <a:t>4/24/24</a:t>
             </a:fld>
             <a:endParaRPr lang="en-US" dirty="0"/>
           </a:p>
@@ -8881,7 +8881,7 @@
           <a:p>
             <a:fld id="{48A87A34-81AB-432B-8DAE-1953F412C126}" type="datetimeFigureOut">
               <a:rPr lang="en-US" dirty="0"/>
-              <a:t>4/24/2024</a:t>
+              <a:t>4/24/24</a:t>
             </a:fld>
             <a:endParaRPr lang="en-US" dirty="0"/>
           </a:p>
@@ -8992,7 +8992,7 @@
           <a:noFill/>
           <a:extLst>
             <a:ext uri="{909E8E84-426E-40dd-AFC4-6F175D3DCCD1}">
-              <a14:hiddenFill xmlns="" xmlns:a14="http://schemas.microsoft.com/office/drawing/2010/main">
+              <a14:hiddenFill xmlns:a14="http://schemas.microsoft.com/office/drawing/2010/main" xmlns="">
                 <a:solidFill>
                   <a:srgbClr val="FFFFFF"/>
                 </a:solidFill>
@@ -9066,7 +9066,7 @@
               </a:ln>
               <a:extLst>
                 <a:ext uri="{91240B29-F687-4f45-9708-019B960494DF}">
-                  <a14:hiddenLine xmlns="" xmlns:a14="http://schemas.microsoft.com/office/drawing/2010/main" w="9525">
+                  <a14:hiddenLine xmlns:a14="http://schemas.microsoft.com/office/drawing/2010/main" xmlns="" w="9525">
                     <a:solidFill>
                       <a:srgbClr val="000000"/>
                     </a:solidFill>
@@ -9156,7 +9156,7 @@
               </a:ln>
               <a:extLst>
                 <a:ext uri="{91240B29-F687-4f45-9708-019B960494DF}">
-                  <a14:hiddenLine xmlns="" xmlns:a14="http://schemas.microsoft.com/office/drawing/2010/main" w="9525">
+                  <a14:hiddenLine xmlns:a14="http://schemas.microsoft.com/office/drawing/2010/main" xmlns="" w="9525">
                     <a:solidFill>
                       <a:srgbClr val="000000"/>
                     </a:solidFill>
@@ -9246,7 +9246,7 @@
               </a:ln>
               <a:extLst>
                 <a:ext uri="{91240B29-F687-4f45-9708-019B960494DF}">
-                  <a14:hiddenLine xmlns="" xmlns:a14="http://schemas.microsoft.com/office/drawing/2010/main" w="9525">
+                  <a14:hiddenLine xmlns:a14="http://schemas.microsoft.com/office/drawing/2010/main" xmlns="" w="9525">
                     <a:solidFill>
                       <a:srgbClr val="000000"/>
                     </a:solidFill>
@@ -9308,7 +9308,7 @@
               </a:ln>
               <a:extLst>
                 <a:ext uri="{91240B29-F687-4f45-9708-019B960494DF}">
-                  <a14:hiddenLine xmlns="" xmlns:a14="http://schemas.microsoft.com/office/drawing/2010/main" w="9525">
+                  <a14:hiddenLine xmlns:a14="http://schemas.microsoft.com/office/drawing/2010/main" xmlns="" w="9525">
                     <a:solidFill>
                       <a:srgbClr val="000000"/>
                     </a:solidFill>
@@ -9398,7 +9398,7 @@
               </a:ln>
               <a:extLst>
                 <a:ext uri="{91240B29-F687-4f45-9708-019B960494DF}">
-                  <a14:hiddenLine xmlns="" xmlns:a14="http://schemas.microsoft.com/office/drawing/2010/main" w="9525">
+                  <a14:hiddenLine xmlns:a14="http://schemas.microsoft.com/office/drawing/2010/main" xmlns="" w="9525">
                     <a:solidFill>
                       <a:srgbClr val="000000"/>
                     </a:solidFill>
@@ -9460,7 +9460,7 @@
               </a:ln>
               <a:extLst>
                 <a:ext uri="{91240B29-F687-4f45-9708-019B960494DF}">
-                  <a14:hiddenLine xmlns="" xmlns:a14="http://schemas.microsoft.com/office/drawing/2010/main" w="9525">
+                  <a14:hiddenLine xmlns:a14="http://schemas.microsoft.com/office/drawing/2010/main" xmlns="" w="9525">
                     <a:solidFill>
                       <a:srgbClr val="000000"/>
                     </a:solidFill>
@@ -9522,7 +9522,7 @@
               </a:ln>
               <a:extLst>
                 <a:ext uri="{91240B29-F687-4f45-9708-019B960494DF}">
-                  <a14:hiddenLine xmlns="" xmlns:a14="http://schemas.microsoft.com/office/drawing/2010/main" w="9525">
+                  <a14:hiddenLine xmlns:a14="http://schemas.microsoft.com/office/drawing/2010/main" xmlns="" w="9525">
                     <a:solidFill>
                       <a:srgbClr val="000000"/>
                     </a:solidFill>
@@ -9612,7 +9612,7 @@
               </a:ln>
               <a:extLst>
                 <a:ext uri="{91240B29-F687-4f45-9708-019B960494DF}">
-                  <a14:hiddenLine xmlns="" xmlns:a14="http://schemas.microsoft.com/office/drawing/2010/main" w="9525">
+                  <a14:hiddenLine xmlns:a14="http://schemas.microsoft.com/office/drawing/2010/main" xmlns="" w="9525">
                     <a:solidFill>
                       <a:srgbClr val="000000"/>
                     </a:solidFill>
@@ -9702,7 +9702,7 @@
               </a:ln>
               <a:extLst>
                 <a:ext uri="{91240B29-F687-4f45-9708-019B960494DF}">
-                  <a14:hiddenLine xmlns="" xmlns:a14="http://schemas.microsoft.com/office/drawing/2010/main" w="9525">
+                  <a14:hiddenLine xmlns:a14="http://schemas.microsoft.com/office/drawing/2010/main" xmlns="" w="9525">
                     <a:solidFill>
                       <a:srgbClr val="000000"/>
                     </a:solidFill>
@@ -9764,7 +9764,7 @@
               </a:ln>
               <a:extLst>
                 <a:ext uri="{91240B29-F687-4f45-9708-019B960494DF}">
-                  <a14:hiddenLine xmlns="" xmlns:a14="http://schemas.microsoft.com/office/drawing/2010/main" w="9525">
+                  <a14:hiddenLine xmlns:a14="http://schemas.microsoft.com/office/drawing/2010/main" xmlns="" w="9525">
                     <a:solidFill>
                       <a:srgbClr val="000000"/>
                     </a:solidFill>
@@ -9874,7 +9874,7 @@
               </a:ln>
               <a:extLst>
                 <a:ext uri="{91240B29-F687-4f45-9708-019B960494DF}">
-                  <a14:hiddenLine xmlns="" xmlns:a14="http://schemas.microsoft.com/office/drawing/2010/main" w="9525">
+                  <a14:hiddenLine xmlns:a14="http://schemas.microsoft.com/office/drawing/2010/main" xmlns="" w="9525">
                     <a:solidFill>
                       <a:srgbClr val="000000"/>
                     </a:solidFill>
@@ -9958,7 +9958,7 @@
               </a:ln>
               <a:extLst>
                 <a:ext uri="{91240B29-F687-4f45-9708-019B960494DF}">
-                  <a14:hiddenLine xmlns="" xmlns:a14="http://schemas.microsoft.com/office/drawing/2010/main" w="9525">
+                  <a14:hiddenLine xmlns:a14="http://schemas.microsoft.com/office/drawing/2010/main" xmlns="" w="9525">
                     <a:solidFill>
                       <a:srgbClr val="000000"/>
                     </a:solidFill>
@@ -10020,7 +10020,7 @@
               </a:ln>
               <a:extLst>
                 <a:ext uri="{91240B29-F687-4f45-9708-019B960494DF}">
-                  <a14:hiddenLine xmlns="" xmlns:a14="http://schemas.microsoft.com/office/drawing/2010/main" w="9525">
+                  <a14:hiddenLine xmlns:a14="http://schemas.microsoft.com/office/drawing/2010/main" xmlns="" w="9525">
                     <a:solidFill>
                       <a:srgbClr val="000000"/>
                     </a:solidFill>
@@ -10082,7 +10082,7 @@
               </a:ln>
               <a:extLst>
                 <a:ext uri="{91240B29-F687-4f45-9708-019B960494DF}">
-                  <a14:hiddenLine xmlns="" xmlns:a14="http://schemas.microsoft.com/office/drawing/2010/main" w="9525">
+                  <a14:hiddenLine xmlns:a14="http://schemas.microsoft.com/office/drawing/2010/main" xmlns="" w="9525">
                     <a:solidFill>
                       <a:srgbClr val="000000"/>
                     </a:solidFill>
@@ -10172,7 +10172,7 @@
               </a:ln>
               <a:extLst>
                 <a:ext uri="{91240B29-F687-4f45-9708-019B960494DF}">
-                  <a14:hiddenLine xmlns="" xmlns:a14="http://schemas.microsoft.com/office/drawing/2010/main" w="9525">
+                  <a14:hiddenLine xmlns:a14="http://schemas.microsoft.com/office/drawing/2010/main" xmlns="" w="9525">
                     <a:solidFill>
                       <a:srgbClr val="000000"/>
                     </a:solidFill>
@@ -10206,7 +10206,7 @@
               </a:ln>
               <a:extLst>
                 <a:ext uri="{91240B29-F687-4f45-9708-019B960494DF}">
-                  <a14:hiddenLine xmlns="" xmlns:a14="http://schemas.microsoft.com/office/drawing/2010/main" w="9525">
+                  <a14:hiddenLine xmlns:a14="http://schemas.microsoft.com/office/drawing/2010/main" xmlns="" w="9525">
                     <a:solidFill>
                       <a:srgbClr val="000000"/>
                     </a:solidFill>
@@ -10271,7 +10271,7 @@
               </a:ln>
               <a:extLst>
                 <a:ext uri="{91240B29-F687-4f45-9708-019B960494DF}">
-                  <a14:hiddenLine xmlns="" xmlns:a14="http://schemas.microsoft.com/office/drawing/2010/main" w="9525">
+                  <a14:hiddenLine xmlns:a14="http://schemas.microsoft.com/office/drawing/2010/main" xmlns="" w="9525">
                     <a:solidFill>
                       <a:srgbClr val="000000"/>
                     </a:solidFill>
@@ -10361,7 +10361,7 @@
               </a:ln>
               <a:extLst>
                 <a:ext uri="{91240B29-F687-4f45-9708-019B960494DF}">
-                  <a14:hiddenLine xmlns="" xmlns:a14="http://schemas.microsoft.com/office/drawing/2010/main" w="9525">
+                  <a14:hiddenLine xmlns:a14="http://schemas.microsoft.com/office/drawing/2010/main" xmlns="" w="9525">
                     <a:solidFill>
                       <a:srgbClr val="000000"/>
                     </a:solidFill>
@@ -10423,7 +10423,7 @@
               </a:ln>
               <a:extLst>
                 <a:ext uri="{91240B29-F687-4f45-9708-019B960494DF}">
-                  <a14:hiddenLine xmlns="" xmlns:a14="http://schemas.microsoft.com/office/drawing/2010/main" w="9525">
+                  <a14:hiddenLine xmlns:a14="http://schemas.microsoft.com/office/drawing/2010/main" xmlns="" w="9525">
                     <a:solidFill>
                       <a:srgbClr val="000000"/>
                     </a:solidFill>
@@ -10513,7 +10513,7 @@
               </a:ln>
               <a:extLst>
                 <a:ext uri="{91240B29-F687-4f45-9708-019B960494DF}">
-                  <a14:hiddenLine xmlns="" xmlns:a14="http://schemas.microsoft.com/office/drawing/2010/main" w="9525">
+                  <a14:hiddenLine xmlns:a14="http://schemas.microsoft.com/office/drawing/2010/main" xmlns="" w="9525">
                     <a:solidFill>
                       <a:srgbClr val="000000"/>
                     </a:solidFill>
@@ -10578,7 +10578,7 @@
               </a:ln>
               <a:extLst>
                 <a:ext uri="{91240B29-F687-4f45-9708-019B960494DF}">
-                  <a14:hiddenLine xmlns="" xmlns:a14="http://schemas.microsoft.com/office/drawing/2010/main" w="9525">
+                  <a14:hiddenLine xmlns:a14="http://schemas.microsoft.com/office/drawing/2010/main" xmlns="" w="9525">
                     <a:solidFill>
                       <a:srgbClr val="000000"/>
                     </a:solidFill>
@@ -10640,7 +10640,7 @@
               </a:ln>
               <a:extLst>
                 <a:ext uri="{91240B29-F687-4f45-9708-019B960494DF}">
-                  <a14:hiddenLine xmlns="" xmlns:a14="http://schemas.microsoft.com/office/drawing/2010/main" w="9525">
+                  <a14:hiddenLine xmlns:a14="http://schemas.microsoft.com/office/drawing/2010/main" xmlns="" w="9525">
                     <a:solidFill>
                       <a:srgbClr val="000000"/>
                     </a:solidFill>
@@ -10730,7 +10730,7 @@
               </a:ln>
               <a:extLst>
                 <a:ext uri="{91240B29-F687-4f45-9708-019B960494DF}">
-                  <a14:hiddenLine xmlns="" xmlns:a14="http://schemas.microsoft.com/office/drawing/2010/main" w="9525">
+                  <a14:hiddenLine xmlns:a14="http://schemas.microsoft.com/office/drawing/2010/main" xmlns="" w="9525">
                     <a:solidFill>
                       <a:srgbClr val="000000"/>
                     </a:solidFill>
@@ -10820,7 +10820,7 @@
               </a:ln>
               <a:extLst>
                 <a:ext uri="{91240B29-F687-4f45-9708-019B960494DF}">
-                  <a14:hiddenLine xmlns="" xmlns:a14="http://schemas.microsoft.com/office/drawing/2010/main" w="9525">
+                  <a14:hiddenLine xmlns:a14="http://schemas.microsoft.com/office/drawing/2010/main" xmlns="" w="9525">
                     <a:solidFill>
                       <a:srgbClr val="000000"/>
                     </a:solidFill>
@@ -10885,7 +10885,7 @@
               </a:ln>
               <a:extLst>
                 <a:ext uri="{91240B29-F687-4f45-9708-019B960494DF}">
-                  <a14:hiddenLine xmlns="" xmlns:a14="http://schemas.microsoft.com/office/drawing/2010/main" w="9525">
+                  <a14:hiddenLine xmlns:a14="http://schemas.microsoft.com/office/drawing/2010/main" xmlns="" w="9525">
                     <a:solidFill>
                       <a:srgbClr val="000000"/>
                     </a:solidFill>
@@ -11005,7 +11005,7 @@
               </a:ln>
               <a:extLst>
                 <a:ext uri="{91240B29-F687-4f45-9708-019B960494DF}">
-                  <a14:hiddenLine xmlns="" xmlns:a14="http://schemas.microsoft.com/office/drawing/2010/main" w="9525">
+                  <a14:hiddenLine xmlns:a14="http://schemas.microsoft.com/office/drawing/2010/main" xmlns="" w="9525">
                     <a:solidFill>
                       <a:srgbClr val="000000"/>
                     </a:solidFill>
@@ -11103,7 +11103,7 @@
               </a:ln>
               <a:extLst>
                 <a:ext uri="{91240B29-F687-4f45-9708-019B960494DF}">
-                  <a14:hiddenLine xmlns="" xmlns:a14="http://schemas.microsoft.com/office/drawing/2010/main" w="9525">
+                  <a14:hiddenLine xmlns:a14="http://schemas.microsoft.com/office/drawing/2010/main" xmlns="" w="9525">
                     <a:solidFill>
                       <a:srgbClr val="000000"/>
                     </a:solidFill>
@@ -11218,7 +11218,7 @@
               </a:ln>
               <a:extLst>
                 <a:ext uri="{91240B29-F687-4f45-9708-019B960494DF}">
-                  <a14:hiddenLine xmlns="" xmlns:a14="http://schemas.microsoft.com/office/drawing/2010/main" w="9525">
+                  <a14:hiddenLine xmlns:a14="http://schemas.microsoft.com/office/drawing/2010/main" xmlns="" w="9525">
                     <a:solidFill>
                       <a:srgbClr val="000000"/>
                     </a:solidFill>
@@ -11308,7 +11308,7 @@
               </a:ln>
               <a:extLst>
                 <a:ext uri="{91240B29-F687-4f45-9708-019B960494DF}">
-                  <a14:hiddenLine xmlns="" xmlns:a14="http://schemas.microsoft.com/office/drawing/2010/main" w="9525">
+                  <a14:hiddenLine xmlns:a14="http://schemas.microsoft.com/office/drawing/2010/main" xmlns="" w="9525">
                     <a:solidFill>
                       <a:srgbClr val="000000"/>
                     </a:solidFill>
@@ -11373,7 +11373,7 @@
               </a:ln>
               <a:extLst>
                 <a:ext uri="{91240B29-F687-4f45-9708-019B960494DF}">
-                  <a14:hiddenLine xmlns="" xmlns:a14="http://schemas.microsoft.com/office/drawing/2010/main" w="9525">
+                  <a14:hiddenLine xmlns:a14="http://schemas.microsoft.com/office/drawing/2010/main" xmlns="" w="9525">
                     <a:solidFill>
                       <a:srgbClr val="000000"/>
                     </a:solidFill>
@@ -11463,7 +11463,7 @@
               </a:ln>
               <a:extLst>
                 <a:ext uri="{91240B29-F687-4f45-9708-019B960494DF}">
-                  <a14:hiddenLine xmlns="" xmlns:a14="http://schemas.microsoft.com/office/drawing/2010/main" w="9525">
+                  <a14:hiddenLine xmlns:a14="http://schemas.microsoft.com/office/drawing/2010/main" xmlns="" w="9525">
                     <a:solidFill>
                       <a:srgbClr val="000000"/>
                     </a:solidFill>
@@ -11531,7 +11531,7 @@
               </a:ln>
               <a:extLst>
                 <a:ext uri="{91240B29-F687-4f45-9708-019B960494DF}">
-                  <a14:hiddenLine xmlns="" xmlns:a14="http://schemas.microsoft.com/office/drawing/2010/main" w="9525">
+                  <a14:hiddenLine xmlns:a14="http://schemas.microsoft.com/office/drawing/2010/main" xmlns="" w="9525">
                     <a:solidFill>
                       <a:srgbClr val="000000"/>
                     </a:solidFill>
@@ -11621,7 +11621,7 @@
               </a:ln>
               <a:extLst>
                 <a:ext uri="{91240B29-F687-4f45-9708-019B960494DF}">
-                  <a14:hiddenLine xmlns="" xmlns:a14="http://schemas.microsoft.com/office/drawing/2010/main" w="9525">
+                  <a14:hiddenLine xmlns:a14="http://schemas.microsoft.com/office/drawing/2010/main" xmlns="" w="9525">
                     <a:solidFill>
                       <a:srgbClr val="000000"/>
                     </a:solidFill>
@@ -11689,7 +11689,7 @@
               </a:ln>
               <a:extLst>
                 <a:ext uri="{91240B29-F687-4f45-9708-019B960494DF}">
-                  <a14:hiddenLine xmlns="" xmlns:a14="http://schemas.microsoft.com/office/drawing/2010/main" w="9525">
+                  <a14:hiddenLine xmlns:a14="http://schemas.microsoft.com/office/drawing/2010/main" xmlns="" w="9525">
                     <a:solidFill>
                       <a:srgbClr val="000000"/>
                     </a:solidFill>
@@ -11779,7 +11779,7 @@
               </a:ln>
               <a:extLst>
                 <a:ext uri="{91240B29-F687-4f45-9708-019B960494DF}">
-                  <a14:hiddenLine xmlns="" xmlns:a14="http://schemas.microsoft.com/office/drawing/2010/main" w="9525">
+                  <a14:hiddenLine xmlns:a14="http://schemas.microsoft.com/office/drawing/2010/main" xmlns="" w="9525">
                     <a:solidFill>
                       <a:srgbClr val="000000"/>
                     </a:solidFill>
@@ -11813,7 +11813,7 @@
               </a:ln>
               <a:extLst>
                 <a:ext uri="{91240B29-F687-4f45-9708-019B960494DF}">
-                  <a14:hiddenLine xmlns="" xmlns:a14="http://schemas.microsoft.com/office/drawing/2010/main" w="9525">
+                  <a14:hiddenLine xmlns:a14="http://schemas.microsoft.com/office/drawing/2010/main" xmlns="" w="9525">
                     <a:solidFill>
                       <a:srgbClr val="000000"/>
                     </a:solidFill>
@@ -11954,7 +11954,7 @@
             <a:fld id="{48A87A34-81AB-432B-8DAE-1953F412C126}" type="datetimeFigureOut">
               <a:rPr lang="en-US" dirty="0"/>
               <a:pPr/>
-              <a:t>4/24/2024</a:t>
+              <a:t>4/24/24</a:t>
             </a:fld>
             <a:endParaRPr lang="en-US" dirty="0"/>
           </a:p>
@@ -12570,7 +12570,7 @@
         </p:blipFill>
         <p:spPr>
           <a:xfrm>
-            <a:off x="1141413" y="2051164"/>
+            <a:off x="1141413" y="1942307"/>
             <a:ext cx="9905998" cy="4228460"/>
           </a:xfrm>
           <a:prstGeom prst="rect">
@@ -12592,8 +12592,8 @@
         </p:nvSpPr>
         <p:spPr>
           <a:xfrm>
-            <a:off x="1435260" y="1192192"/>
-            <a:ext cx="9398643" cy="646331"/>
+            <a:off x="1435261" y="1192192"/>
+            <a:ext cx="5498940" cy="646331"/>
           </a:xfrm>
           <a:prstGeom prst="rect">
             <a:avLst/>
@@ -12616,7 +12616,48 @@
             </a:r>
             <a:r>
               <a:rPr lang="en-US" dirty="0"/>
-              <a:t> after we compile the program. We also get three classes being generated once we compile our solution.</a:t>
+              <a:t> after we compile the program. </a:t>
+            </a:r>
+          </a:p>
+          <a:p>
+            <a:r>
+              <a:rPr lang="en-US" dirty="0"/>
+              <a:t>Compilation also generates three classes.</a:t>
+            </a:r>
+          </a:p>
+        </p:txBody>
+      </p:sp>
+      <p:sp>
+        <p:nvSpPr>
+          <p:cNvPr id="4" name="TextBox 3">
+            <a:extLst>
+              <a:ext uri="{FF2B5EF4-FFF2-40B4-BE49-F238E27FC236}">
+                <a16:creationId xmlns:a16="http://schemas.microsoft.com/office/drawing/2014/main" id="{15E2B8B3-739E-3EC7-3576-3BE02493FE98}"/>
+              </a:ext>
+            </a:extLst>
+          </p:cNvPr>
+          <p:cNvSpPr txBox="1"/>
+          <p:nvPr/>
+        </p:nvSpPr>
+        <p:spPr>
+          <a:xfrm>
+            <a:off x="3396342" y="6274551"/>
+            <a:ext cx="4865914" cy="369332"/>
+          </a:xfrm>
+          <a:prstGeom prst="rect">
+            <a:avLst/>
+          </a:prstGeom>
+          <a:noFill/>
+        </p:spPr>
+        <p:txBody>
+          <a:bodyPr wrap="square" rtlCol="0">
+            <a:spAutoFit/>
+          </a:bodyPr>
+          <a:lstStyle/>
+          <a:p>
+            <a:r>
+              <a:rPr lang="en-US" dirty="0"/>
+              <a:t>Screenshot was taken in Mageia8 (22/04/2024)</a:t>
             </a:r>
           </a:p>
         </p:txBody>
@@ -12716,10 +12757,10 @@
       </p:sp>
       <p:sp>
         <p:nvSpPr>
-          <p:cNvPr id="12" name="TextBox 11">
+          <p:cNvPr id="2" name="TextBox 1">
             <a:extLst>
               <a:ext uri="{FF2B5EF4-FFF2-40B4-BE49-F238E27FC236}">
-                <a16:creationId xmlns:a16="http://schemas.microsoft.com/office/drawing/2014/main" id="{44DD9DCD-CC2D-4B06-00B2-0A3AD81ECD9D}"/>
+                <a16:creationId xmlns:a16="http://schemas.microsoft.com/office/drawing/2014/main" id="{613AE58D-1A06-A447-671A-27CC423D2690}"/>
               </a:ext>
             </a:extLst>
           </p:cNvPr>
@@ -12728,8 +12769,8 @@
         </p:nvSpPr>
         <p:spPr>
           <a:xfrm>
-            <a:off x="1214203" y="2413416"/>
-            <a:ext cx="8949128" cy="1200329"/>
+            <a:off x="1328057" y="2079170"/>
+            <a:ext cx="8588828" cy="1569660"/>
           </a:xfrm>
           <a:prstGeom prst="rect">
             <a:avLst/>
@@ -12742,18 +12783,45 @@
           </a:bodyPr>
           <a:lstStyle/>
           <a:p>
-            <a:r>
-              <a:rPr lang="en-US" dirty="0"/>
-              <a:t>After running our solution in </a:t>
-            </a:r>
-            <a:r>
-              <a:rPr lang="en-US" dirty="0" err="1"/>
-              <a:t>ThreadMentor</a:t>
-            </a:r>
-            <a:r>
-              <a:rPr lang="en-US" dirty="0"/>
-              <a:t> for more than 10 times with different values, we were expecting to see at least once starvation, but unfortunately we did not come across it. It is the only problem that our solution can have, since only 4 Philosophers sit at the table. $ philosopher only at the table allows us to avoid </a:t>
-            </a:r>
+            <a:pPr marL="342900" indent="-342900">
+              <a:buFont typeface="Arial" panose="020B0604020202020204" pitchFamily="34" charset="0"/>
+              <a:buChar char="•"/>
+            </a:pPr>
+            <a:r>
+              <a:rPr lang="en-US" sz="2400" cap="all" dirty="0"/>
+              <a:t>starvation</a:t>
+            </a:r>
+          </a:p>
+          <a:p>
+            <a:pPr marL="342900" indent="-342900">
+              <a:buFont typeface="Arial" panose="020B0604020202020204" pitchFamily="34" charset="0"/>
+              <a:buChar char="•"/>
+            </a:pPr>
+            <a:r>
+              <a:rPr lang="en-US" sz="2400" cap="all" dirty="0"/>
+              <a:t>Mutex Locks</a:t>
+            </a:r>
+          </a:p>
+          <a:p>
+            <a:pPr marL="342900" indent="-342900">
+              <a:buFont typeface="Arial" panose="020B0604020202020204" pitchFamily="34" charset="0"/>
+              <a:buChar char="•"/>
+            </a:pPr>
+            <a:r>
+              <a:rPr lang="en-US" sz="2400" cap="all" dirty="0"/>
+              <a:t>Semaphores</a:t>
+            </a:r>
+          </a:p>
+          <a:p>
+            <a:pPr marL="342900" indent="-342900">
+              <a:buFont typeface="Arial" panose="020B0604020202020204" pitchFamily="34" charset="0"/>
+              <a:buChar char="•"/>
+            </a:pPr>
+            <a:endParaRPr lang="en-US" sz="2400" cap="all" dirty="0">
+              <a:solidFill>
+                <a:schemeClr val="tx2"/>
+              </a:solidFill>
+            </a:endParaRPr>
           </a:p>
         </p:txBody>
       </p:sp>
@@ -13607,7 +13675,7 @@
           <a:noFill/>
           <a:extLst>
             <a:ext uri="{909E8E84-426E-40dd-AFC4-6F175D3DCCD1}">
-              <a14:hiddenFill xmlns:a14="http://schemas.microsoft.com/office/drawing/2010/main" xmlns:p14="http://schemas.microsoft.com/office/powerpoint/2010/main" xmlns:a16="http://schemas.microsoft.com/office/drawing/2014/main" xmlns="">
+              <a14:hiddenFill xmlns="" xmlns:a16="http://schemas.microsoft.com/office/drawing/2014/main" xmlns:p14="http://schemas.microsoft.com/office/powerpoint/2010/main" xmlns:a14="http://schemas.microsoft.com/office/drawing/2010/main">
                 <a:solidFill>
                   <a:srgbClr val="FFFFFF"/>
                 </a:solidFill>
@@ -13846,7 +13914,7 @@
             </a:ln>
             <a:extLst>
               <a:ext uri="{91240B29-F687-4f45-9708-019B960494DF}">
-                <a14:hiddenLine xmlns:a14="http://schemas.microsoft.com/office/drawing/2010/main" xmlns:p14="http://schemas.microsoft.com/office/powerpoint/2010/main" xmlns:a16="http://schemas.microsoft.com/office/drawing/2014/main" xmlns="" w="9525">
+                <a14:hiddenLine xmlns="" xmlns:a16="http://schemas.microsoft.com/office/drawing/2014/main" xmlns:p14="http://schemas.microsoft.com/office/powerpoint/2010/main" xmlns:a14="http://schemas.microsoft.com/office/drawing/2010/main" w="9525">
                   <a:solidFill>
                     <a:srgbClr val="000000"/>
                   </a:solidFill>
@@ -13958,7 +14026,7 @@
             </a:ln>
             <a:extLst>
               <a:ext uri="{91240B29-F687-4f45-9708-019B960494DF}">
-                <a14:hiddenLine xmlns:a14="http://schemas.microsoft.com/office/drawing/2010/main" xmlns:p14="http://schemas.microsoft.com/office/powerpoint/2010/main" xmlns:a16="http://schemas.microsoft.com/office/drawing/2014/main" xmlns="" w="9525">
+                <a14:hiddenLine xmlns="" xmlns:a16="http://schemas.microsoft.com/office/drawing/2014/main" xmlns:p14="http://schemas.microsoft.com/office/powerpoint/2010/main" xmlns:a14="http://schemas.microsoft.com/office/drawing/2010/main" w="9525">
                   <a:solidFill>
                     <a:srgbClr val="000000"/>
                   </a:solidFill>
@@ -14070,7 +14138,7 @@
             </a:ln>
             <a:extLst>
               <a:ext uri="{91240B29-F687-4f45-9708-019B960494DF}">
-                <a14:hiddenLine xmlns:a14="http://schemas.microsoft.com/office/drawing/2010/main" xmlns:p14="http://schemas.microsoft.com/office/powerpoint/2010/main" xmlns:a16="http://schemas.microsoft.com/office/drawing/2014/main" xmlns="" w="9525">
+                <a14:hiddenLine xmlns="" xmlns:a16="http://schemas.microsoft.com/office/drawing/2014/main" xmlns:p14="http://schemas.microsoft.com/office/powerpoint/2010/main" xmlns:a14="http://schemas.microsoft.com/office/drawing/2010/main" w="9525">
                   <a:solidFill>
                     <a:srgbClr val="000000"/>
                   </a:solidFill>
@@ -14154,7 +14222,7 @@
             </a:ln>
             <a:extLst>
               <a:ext uri="{91240B29-F687-4f45-9708-019B960494DF}">
-                <a14:hiddenLine xmlns:a14="http://schemas.microsoft.com/office/drawing/2010/main" xmlns:p14="http://schemas.microsoft.com/office/powerpoint/2010/main" xmlns:a16="http://schemas.microsoft.com/office/drawing/2014/main" xmlns="" w="9525">
+                <a14:hiddenLine xmlns="" xmlns:a16="http://schemas.microsoft.com/office/drawing/2014/main" xmlns:p14="http://schemas.microsoft.com/office/powerpoint/2010/main" xmlns:a14="http://schemas.microsoft.com/office/drawing/2010/main" w="9525">
                   <a:solidFill>
                     <a:srgbClr val="000000"/>
                   </a:solidFill>
@@ -14266,7 +14334,7 @@
             </a:ln>
             <a:extLst>
               <a:ext uri="{91240B29-F687-4f45-9708-019B960494DF}">
-                <a14:hiddenLine xmlns:a14="http://schemas.microsoft.com/office/drawing/2010/main" xmlns:p14="http://schemas.microsoft.com/office/powerpoint/2010/main" xmlns:a16="http://schemas.microsoft.com/office/drawing/2014/main" xmlns="" w="9525">
+                <a14:hiddenLine xmlns="" xmlns:a16="http://schemas.microsoft.com/office/drawing/2014/main" xmlns:p14="http://schemas.microsoft.com/office/powerpoint/2010/main" xmlns:a14="http://schemas.microsoft.com/office/drawing/2010/main" w="9525">
                   <a:solidFill>
                     <a:srgbClr val="000000"/>
                   </a:solidFill>
@@ -14350,7 +14418,7 @@
             </a:ln>
             <a:extLst>
               <a:ext uri="{91240B29-F687-4f45-9708-019B960494DF}">
-                <a14:hiddenLine xmlns:a14="http://schemas.microsoft.com/office/drawing/2010/main" xmlns:p14="http://schemas.microsoft.com/office/powerpoint/2010/main" xmlns:a16="http://schemas.microsoft.com/office/drawing/2014/main" xmlns="" w="9525">
+                <a14:hiddenLine xmlns="" xmlns:a16="http://schemas.microsoft.com/office/drawing/2014/main" xmlns:p14="http://schemas.microsoft.com/office/powerpoint/2010/main" xmlns:a14="http://schemas.microsoft.com/office/drawing/2010/main" w="9525">
                   <a:solidFill>
                     <a:srgbClr val="000000"/>
                   </a:solidFill>
@@ -14434,7 +14502,7 @@
             </a:ln>
             <a:extLst>
               <a:ext uri="{91240B29-F687-4f45-9708-019B960494DF}">
-                <a14:hiddenLine xmlns:a14="http://schemas.microsoft.com/office/drawing/2010/main" xmlns:p14="http://schemas.microsoft.com/office/powerpoint/2010/main" xmlns:a16="http://schemas.microsoft.com/office/drawing/2014/main" xmlns="" w="9525">
+                <a14:hiddenLine xmlns="" xmlns:a16="http://schemas.microsoft.com/office/drawing/2014/main" xmlns:p14="http://schemas.microsoft.com/office/powerpoint/2010/main" xmlns:a14="http://schemas.microsoft.com/office/drawing/2010/main" w="9525">
                   <a:solidFill>
                     <a:srgbClr val="000000"/>
                   </a:solidFill>
@@ -14546,7 +14614,7 @@
             </a:ln>
             <a:extLst>
               <a:ext uri="{91240B29-F687-4f45-9708-019B960494DF}">
-                <a14:hiddenLine xmlns:a14="http://schemas.microsoft.com/office/drawing/2010/main" xmlns:p14="http://schemas.microsoft.com/office/powerpoint/2010/main" xmlns:a16="http://schemas.microsoft.com/office/drawing/2014/main" xmlns="" w="9525">
+                <a14:hiddenLine xmlns="" xmlns:a16="http://schemas.microsoft.com/office/drawing/2014/main" xmlns:p14="http://schemas.microsoft.com/office/powerpoint/2010/main" xmlns:a14="http://schemas.microsoft.com/office/drawing/2010/main" w="9525">
                   <a:solidFill>
                     <a:srgbClr val="000000"/>
                   </a:solidFill>
@@ -14658,7 +14726,7 @@
             </a:ln>
             <a:extLst>
               <a:ext uri="{91240B29-F687-4f45-9708-019B960494DF}">
-                <a14:hiddenLine xmlns:a14="http://schemas.microsoft.com/office/drawing/2010/main" xmlns:p14="http://schemas.microsoft.com/office/powerpoint/2010/main" xmlns:a16="http://schemas.microsoft.com/office/drawing/2014/main" xmlns="" w="9525">
+                <a14:hiddenLine xmlns="" xmlns:a16="http://schemas.microsoft.com/office/drawing/2014/main" xmlns:p14="http://schemas.microsoft.com/office/powerpoint/2010/main" xmlns:a14="http://schemas.microsoft.com/office/drawing/2010/main" w="9525">
                   <a:solidFill>
                     <a:srgbClr val="000000"/>
                   </a:solidFill>
@@ -14742,7 +14810,7 @@
             </a:ln>
             <a:extLst>
               <a:ext uri="{91240B29-F687-4f45-9708-019B960494DF}">
-                <a14:hiddenLine xmlns:a14="http://schemas.microsoft.com/office/drawing/2010/main" xmlns:p14="http://schemas.microsoft.com/office/powerpoint/2010/main" xmlns:a16="http://schemas.microsoft.com/office/drawing/2014/main" xmlns="" w="9525">
+                <a14:hiddenLine xmlns="" xmlns:a16="http://schemas.microsoft.com/office/drawing/2014/main" xmlns:p14="http://schemas.microsoft.com/office/powerpoint/2010/main" xmlns:a14="http://schemas.microsoft.com/office/drawing/2010/main" w="9525">
                   <a:solidFill>
                     <a:srgbClr val="000000"/>
                   </a:solidFill>
@@ -14874,7 +14942,7 @@
             </a:ln>
             <a:extLst>
               <a:ext uri="{91240B29-F687-4f45-9708-019B960494DF}">
-                <a14:hiddenLine xmlns:a14="http://schemas.microsoft.com/office/drawing/2010/main" xmlns:p14="http://schemas.microsoft.com/office/powerpoint/2010/main" xmlns:a16="http://schemas.microsoft.com/office/drawing/2014/main" xmlns="" w="9525">
+                <a14:hiddenLine xmlns="" xmlns:a16="http://schemas.microsoft.com/office/drawing/2014/main" xmlns:p14="http://schemas.microsoft.com/office/powerpoint/2010/main" xmlns:a14="http://schemas.microsoft.com/office/drawing/2010/main" w="9525">
                   <a:solidFill>
                     <a:srgbClr val="000000"/>
                   </a:solidFill>
@@ -15002,7 +15070,7 @@
             </a:ln>
             <a:extLst>
               <a:ext uri="{91240B29-F687-4f45-9708-019B960494DF}">
-                <a14:hiddenLine xmlns:a14="http://schemas.microsoft.com/office/drawing/2010/main" xmlns:p14="http://schemas.microsoft.com/office/powerpoint/2010/main" xmlns:a16="http://schemas.microsoft.com/office/drawing/2014/main" xmlns="" w="9525">
+                <a14:hiddenLine xmlns="" xmlns:a16="http://schemas.microsoft.com/office/drawing/2014/main" xmlns:p14="http://schemas.microsoft.com/office/powerpoint/2010/main" xmlns:a14="http://schemas.microsoft.com/office/drawing/2010/main" w="9525">
                   <a:solidFill>
                     <a:srgbClr val="000000"/>
                   </a:solidFill>
@@ -15086,7 +15154,7 @@
             </a:ln>
             <a:extLst>
               <a:ext uri="{91240B29-F687-4f45-9708-019B960494DF}">
-                <a14:hiddenLine xmlns:a14="http://schemas.microsoft.com/office/drawing/2010/main" xmlns:p14="http://schemas.microsoft.com/office/powerpoint/2010/main" xmlns:a16="http://schemas.microsoft.com/office/drawing/2014/main" xmlns="" w="9525">
+                <a14:hiddenLine xmlns="" xmlns:a16="http://schemas.microsoft.com/office/drawing/2014/main" xmlns:p14="http://schemas.microsoft.com/office/powerpoint/2010/main" xmlns:a14="http://schemas.microsoft.com/office/drawing/2010/main" w="9525">
                   <a:solidFill>
                     <a:srgbClr val="000000"/>
                   </a:solidFill>
@@ -15170,7 +15238,7 @@
             </a:ln>
             <a:extLst>
               <a:ext uri="{91240B29-F687-4f45-9708-019B960494DF}">
-                <a14:hiddenLine xmlns:a14="http://schemas.microsoft.com/office/drawing/2010/main" xmlns:p14="http://schemas.microsoft.com/office/powerpoint/2010/main" xmlns:a16="http://schemas.microsoft.com/office/drawing/2014/main" xmlns="" w="9525">
+                <a14:hiddenLine xmlns="" xmlns:a16="http://schemas.microsoft.com/office/drawing/2014/main" xmlns:p14="http://schemas.microsoft.com/office/powerpoint/2010/main" xmlns:a14="http://schemas.microsoft.com/office/drawing/2010/main" w="9525">
                   <a:solidFill>
                     <a:srgbClr val="000000"/>
                   </a:solidFill>
@@ -15282,7 +15350,7 @@
             </a:ln>
             <a:extLst>
               <a:ext uri="{91240B29-F687-4f45-9708-019B960494DF}">
-                <a14:hiddenLine xmlns:a14="http://schemas.microsoft.com/office/drawing/2010/main" xmlns:p14="http://schemas.microsoft.com/office/powerpoint/2010/main" xmlns:a16="http://schemas.microsoft.com/office/drawing/2014/main" xmlns="" w="9525">
+                <a14:hiddenLine xmlns="" xmlns:a16="http://schemas.microsoft.com/office/drawing/2014/main" xmlns:p14="http://schemas.microsoft.com/office/powerpoint/2010/main" xmlns:a14="http://schemas.microsoft.com/office/drawing/2010/main" w="9525">
                   <a:solidFill>
                     <a:srgbClr val="000000"/>
                   </a:solidFill>
@@ -15338,7 +15406,7 @@
             </a:ln>
             <a:extLst>
               <a:ext uri="{91240B29-F687-4f45-9708-019B960494DF}">
-                <a14:hiddenLine xmlns:a14="http://schemas.microsoft.com/office/drawing/2010/main" xmlns:p14="http://schemas.microsoft.com/office/powerpoint/2010/main" xmlns:a16="http://schemas.microsoft.com/office/drawing/2014/main" xmlns="" w="9525">
+                <a14:hiddenLine xmlns="" xmlns:a16="http://schemas.microsoft.com/office/drawing/2014/main" xmlns:p14="http://schemas.microsoft.com/office/powerpoint/2010/main" xmlns:a14="http://schemas.microsoft.com/office/drawing/2010/main" w="9525">
                   <a:solidFill>
                     <a:srgbClr val="000000"/>
                   </a:solidFill>
@@ -15425,7 +15493,7 @@
             </a:ln>
             <a:extLst>
               <a:ext uri="{91240B29-F687-4f45-9708-019B960494DF}">
-                <a14:hiddenLine xmlns:a14="http://schemas.microsoft.com/office/drawing/2010/main" xmlns:p14="http://schemas.microsoft.com/office/powerpoint/2010/main" xmlns:a16="http://schemas.microsoft.com/office/drawing/2014/main" xmlns="" w="9525">
+                <a14:hiddenLine xmlns="" xmlns:a16="http://schemas.microsoft.com/office/drawing/2014/main" xmlns:p14="http://schemas.microsoft.com/office/powerpoint/2010/main" xmlns:a14="http://schemas.microsoft.com/office/drawing/2010/main" w="9525">
                   <a:solidFill>
                     <a:srgbClr val="000000"/>
                   </a:solidFill>
@@ -15537,7 +15605,7 @@
             </a:ln>
             <a:extLst>
               <a:ext uri="{91240B29-F687-4f45-9708-019B960494DF}">
-                <a14:hiddenLine xmlns:a14="http://schemas.microsoft.com/office/drawing/2010/main" xmlns:p14="http://schemas.microsoft.com/office/powerpoint/2010/main" xmlns:a16="http://schemas.microsoft.com/office/drawing/2014/main" xmlns="" w="9525">
+                <a14:hiddenLine xmlns="" xmlns:a16="http://schemas.microsoft.com/office/drawing/2014/main" xmlns:p14="http://schemas.microsoft.com/office/powerpoint/2010/main" xmlns:a14="http://schemas.microsoft.com/office/drawing/2010/main" w="9525">
                   <a:solidFill>
                     <a:srgbClr val="000000"/>
                   </a:solidFill>
@@ -15621,7 +15689,7 @@
             </a:ln>
             <a:extLst>
               <a:ext uri="{91240B29-F687-4f45-9708-019B960494DF}">
-                <a14:hiddenLine xmlns:a14="http://schemas.microsoft.com/office/drawing/2010/main" xmlns:p14="http://schemas.microsoft.com/office/powerpoint/2010/main" xmlns:a16="http://schemas.microsoft.com/office/drawing/2014/main" xmlns="" w="9525">
+                <a14:hiddenLine xmlns="" xmlns:a16="http://schemas.microsoft.com/office/drawing/2014/main" xmlns:p14="http://schemas.microsoft.com/office/powerpoint/2010/main" xmlns:a14="http://schemas.microsoft.com/office/drawing/2010/main" w="9525">
                   <a:solidFill>
                     <a:srgbClr val="000000"/>
                   </a:solidFill>
@@ -15733,7 +15801,7 @@
             </a:ln>
             <a:extLst>
               <a:ext uri="{91240B29-F687-4f45-9708-019B960494DF}">
-                <a14:hiddenLine xmlns:a14="http://schemas.microsoft.com/office/drawing/2010/main" xmlns:p14="http://schemas.microsoft.com/office/powerpoint/2010/main" xmlns:a16="http://schemas.microsoft.com/office/drawing/2014/main" xmlns="" w="9525">
+                <a14:hiddenLine xmlns="" xmlns:a16="http://schemas.microsoft.com/office/drawing/2014/main" xmlns:p14="http://schemas.microsoft.com/office/powerpoint/2010/main" xmlns:a14="http://schemas.microsoft.com/office/drawing/2010/main" w="9525">
                   <a:solidFill>
                     <a:srgbClr val="000000"/>
                   </a:solidFill>
@@ -15820,7 +15888,7 @@
             </a:ln>
             <a:extLst>
               <a:ext uri="{91240B29-F687-4f45-9708-019B960494DF}">
-                <a14:hiddenLine xmlns:a14="http://schemas.microsoft.com/office/drawing/2010/main" xmlns:p14="http://schemas.microsoft.com/office/powerpoint/2010/main" xmlns:a16="http://schemas.microsoft.com/office/drawing/2014/main" xmlns="" w="9525">
+                <a14:hiddenLine xmlns="" xmlns:a16="http://schemas.microsoft.com/office/drawing/2014/main" xmlns:p14="http://schemas.microsoft.com/office/powerpoint/2010/main" xmlns:a14="http://schemas.microsoft.com/office/drawing/2010/main" w="9525">
                   <a:solidFill>
                     <a:srgbClr val="000000"/>
                   </a:solidFill>
@@ -15904,7 +15972,7 @@
             </a:ln>
             <a:extLst>
               <a:ext uri="{91240B29-F687-4f45-9708-019B960494DF}">
-                <a14:hiddenLine xmlns:a14="http://schemas.microsoft.com/office/drawing/2010/main" xmlns:p14="http://schemas.microsoft.com/office/powerpoint/2010/main" xmlns:a16="http://schemas.microsoft.com/office/drawing/2014/main" xmlns="" w="9525">
+                <a14:hiddenLine xmlns="" xmlns:a16="http://schemas.microsoft.com/office/drawing/2014/main" xmlns:p14="http://schemas.microsoft.com/office/powerpoint/2010/main" xmlns:a14="http://schemas.microsoft.com/office/drawing/2010/main" w="9525">
                   <a:solidFill>
                     <a:srgbClr val="000000"/>
                   </a:solidFill>
@@ -16016,7 +16084,7 @@
             </a:ln>
             <a:extLst>
               <a:ext uri="{91240B29-F687-4f45-9708-019B960494DF}">
-                <a14:hiddenLine xmlns:a14="http://schemas.microsoft.com/office/drawing/2010/main" xmlns:p14="http://schemas.microsoft.com/office/powerpoint/2010/main" xmlns:a16="http://schemas.microsoft.com/office/drawing/2014/main" xmlns="" w="9525">
+                <a14:hiddenLine xmlns="" xmlns:a16="http://schemas.microsoft.com/office/drawing/2014/main" xmlns:p14="http://schemas.microsoft.com/office/powerpoint/2010/main" xmlns:a14="http://schemas.microsoft.com/office/drawing/2010/main" w="9525">
                   <a:solidFill>
                     <a:srgbClr val="000000"/>
                   </a:solidFill>
@@ -16128,7 +16196,7 @@
             </a:ln>
             <a:extLst>
               <a:ext uri="{91240B29-F687-4f45-9708-019B960494DF}">
-                <a14:hiddenLine xmlns:a14="http://schemas.microsoft.com/office/drawing/2010/main" xmlns:p14="http://schemas.microsoft.com/office/powerpoint/2010/main" xmlns:a16="http://schemas.microsoft.com/office/drawing/2014/main" xmlns="" w="9525">
+                <a14:hiddenLine xmlns="" xmlns:a16="http://schemas.microsoft.com/office/drawing/2014/main" xmlns:p14="http://schemas.microsoft.com/office/powerpoint/2010/main" xmlns:a14="http://schemas.microsoft.com/office/drawing/2010/main" w="9525">
                   <a:solidFill>
                     <a:srgbClr val="000000"/>
                   </a:solidFill>
@@ -16215,7 +16283,7 @@
             </a:ln>
             <a:extLst>
               <a:ext uri="{91240B29-F687-4f45-9708-019B960494DF}">
-                <a14:hiddenLine xmlns:a14="http://schemas.microsoft.com/office/drawing/2010/main" xmlns:p14="http://schemas.microsoft.com/office/powerpoint/2010/main" xmlns:a16="http://schemas.microsoft.com/office/drawing/2014/main" xmlns="" w="9525">
+                <a14:hiddenLine xmlns="" xmlns:a16="http://schemas.microsoft.com/office/drawing/2014/main" xmlns:p14="http://schemas.microsoft.com/office/powerpoint/2010/main" xmlns:a14="http://schemas.microsoft.com/office/drawing/2010/main" w="9525">
                   <a:solidFill>
                     <a:srgbClr val="000000"/>
                   </a:solidFill>
@@ -16357,7 +16425,7 @@
             </a:ln>
             <a:extLst>
               <a:ext uri="{91240B29-F687-4f45-9708-019B960494DF}">
-                <a14:hiddenLine xmlns:a14="http://schemas.microsoft.com/office/drawing/2010/main" xmlns:p14="http://schemas.microsoft.com/office/powerpoint/2010/main" xmlns:a16="http://schemas.microsoft.com/office/drawing/2014/main" xmlns="" w="9525">
+                <a14:hiddenLine xmlns="" xmlns:a16="http://schemas.microsoft.com/office/drawing/2014/main" xmlns:p14="http://schemas.microsoft.com/office/powerpoint/2010/main" xmlns:a14="http://schemas.microsoft.com/office/drawing/2010/main" w="9525">
                   <a:solidFill>
                     <a:srgbClr val="000000"/>
                   </a:solidFill>
@@ -16862,7 +16930,7 @@
               </a:ln>
               <a:extLst>
                 <a:ext uri="{91240B29-F687-4f45-9708-019B960494DF}">
-                  <a14:hiddenLine xmlns:a14="http://schemas.microsoft.com/office/drawing/2010/main" xmlns:p14="http://schemas.microsoft.com/office/powerpoint/2010/main" xmlns:a16="http://schemas.microsoft.com/office/drawing/2014/main" xmlns="" w="9525">
+                  <a14:hiddenLine xmlns="" xmlns:a16="http://schemas.microsoft.com/office/drawing/2014/main" xmlns:p14="http://schemas.microsoft.com/office/powerpoint/2010/main" xmlns:a14="http://schemas.microsoft.com/office/drawing/2010/main" w="9525">
                     <a:solidFill>
                       <a:srgbClr val="000000"/>
                     </a:solidFill>
@@ -16974,7 +17042,7 @@
               </a:ln>
               <a:extLst>
                 <a:ext uri="{91240B29-F687-4f45-9708-019B960494DF}">
-                  <a14:hiddenLine xmlns:a14="http://schemas.microsoft.com/office/drawing/2010/main" xmlns:p14="http://schemas.microsoft.com/office/powerpoint/2010/main" xmlns:a16="http://schemas.microsoft.com/office/drawing/2014/main" xmlns="" w="9525">
+                  <a14:hiddenLine xmlns="" xmlns:a16="http://schemas.microsoft.com/office/drawing/2014/main" xmlns:p14="http://schemas.microsoft.com/office/powerpoint/2010/main" xmlns:a14="http://schemas.microsoft.com/office/drawing/2010/main" w="9525">
                     <a:solidFill>
                       <a:srgbClr val="000000"/>
                     </a:solidFill>
@@ -17086,7 +17154,7 @@
               </a:ln>
               <a:extLst>
                 <a:ext uri="{91240B29-F687-4f45-9708-019B960494DF}">
-                  <a14:hiddenLine xmlns:a14="http://schemas.microsoft.com/office/drawing/2010/main" xmlns:p14="http://schemas.microsoft.com/office/powerpoint/2010/main" xmlns:a16="http://schemas.microsoft.com/office/drawing/2014/main" xmlns="" w="9525">
+                  <a14:hiddenLine xmlns="" xmlns:a16="http://schemas.microsoft.com/office/drawing/2014/main" xmlns:p14="http://schemas.microsoft.com/office/powerpoint/2010/main" xmlns:a14="http://schemas.microsoft.com/office/drawing/2010/main" w="9525">
                     <a:solidFill>
                       <a:srgbClr val="000000"/>
                     </a:solidFill>
@@ -17170,7 +17238,7 @@
               </a:ln>
               <a:extLst>
                 <a:ext uri="{91240B29-F687-4f45-9708-019B960494DF}">
-                  <a14:hiddenLine xmlns:a14="http://schemas.microsoft.com/office/drawing/2010/main" xmlns:p14="http://schemas.microsoft.com/office/powerpoint/2010/main" xmlns:a16="http://schemas.microsoft.com/office/drawing/2014/main" xmlns="" w="9525">
+                  <a14:hiddenLine xmlns="" xmlns:a16="http://schemas.microsoft.com/office/drawing/2014/main" xmlns:p14="http://schemas.microsoft.com/office/powerpoint/2010/main" xmlns:a14="http://schemas.microsoft.com/office/drawing/2010/main" w="9525">
                     <a:solidFill>
                       <a:srgbClr val="000000"/>
                     </a:solidFill>
@@ -17282,7 +17350,7 @@
               </a:ln>
               <a:extLst>
                 <a:ext uri="{91240B29-F687-4f45-9708-019B960494DF}">
-                  <a14:hiddenLine xmlns:a14="http://schemas.microsoft.com/office/drawing/2010/main" xmlns:p14="http://schemas.microsoft.com/office/powerpoint/2010/main" xmlns:a16="http://schemas.microsoft.com/office/drawing/2014/main" xmlns="" w="9525">
+                  <a14:hiddenLine xmlns="" xmlns:a16="http://schemas.microsoft.com/office/drawing/2014/main" xmlns:p14="http://schemas.microsoft.com/office/powerpoint/2010/main" xmlns:a14="http://schemas.microsoft.com/office/drawing/2010/main" w="9525">
                     <a:solidFill>
                       <a:srgbClr val="000000"/>
                     </a:solidFill>
@@ -17366,7 +17434,7 @@
               </a:ln>
               <a:extLst>
                 <a:ext uri="{91240B29-F687-4f45-9708-019B960494DF}">
-                  <a14:hiddenLine xmlns:a14="http://schemas.microsoft.com/office/drawing/2010/main" xmlns:p14="http://schemas.microsoft.com/office/powerpoint/2010/main" xmlns:a16="http://schemas.microsoft.com/office/drawing/2014/main" xmlns="" w="9525">
+                  <a14:hiddenLine xmlns="" xmlns:a16="http://schemas.microsoft.com/office/drawing/2014/main" xmlns:p14="http://schemas.microsoft.com/office/powerpoint/2010/main" xmlns:a14="http://schemas.microsoft.com/office/drawing/2010/main" w="9525">
                     <a:solidFill>
                       <a:srgbClr val="000000"/>
                     </a:solidFill>
@@ -17450,7 +17518,7 @@
               </a:ln>
               <a:extLst>
                 <a:ext uri="{91240B29-F687-4f45-9708-019B960494DF}">
-                  <a14:hiddenLine xmlns:a14="http://schemas.microsoft.com/office/drawing/2010/main" xmlns:p14="http://schemas.microsoft.com/office/powerpoint/2010/main" xmlns:a16="http://schemas.microsoft.com/office/drawing/2014/main" xmlns="" w="9525">
+                  <a14:hiddenLine xmlns="" xmlns:a16="http://schemas.microsoft.com/office/drawing/2014/main" xmlns:p14="http://schemas.microsoft.com/office/powerpoint/2010/main" xmlns:a14="http://schemas.microsoft.com/office/drawing/2010/main" w="9525">
                     <a:solidFill>
                       <a:srgbClr val="000000"/>
                     </a:solidFill>
@@ -17562,7 +17630,7 @@
               </a:ln>
               <a:extLst>
                 <a:ext uri="{91240B29-F687-4f45-9708-019B960494DF}">
-                  <a14:hiddenLine xmlns:a14="http://schemas.microsoft.com/office/drawing/2010/main" xmlns:p14="http://schemas.microsoft.com/office/powerpoint/2010/main" xmlns:a16="http://schemas.microsoft.com/office/drawing/2014/main" xmlns="" w="9525">
+                  <a14:hiddenLine xmlns="" xmlns:a16="http://schemas.microsoft.com/office/drawing/2014/main" xmlns:p14="http://schemas.microsoft.com/office/powerpoint/2010/main" xmlns:a14="http://schemas.microsoft.com/office/drawing/2010/main" w="9525">
                     <a:solidFill>
                       <a:srgbClr val="000000"/>
                     </a:solidFill>
@@ -17674,7 +17742,7 @@
               </a:ln>
               <a:extLst>
                 <a:ext uri="{91240B29-F687-4f45-9708-019B960494DF}">
-                  <a14:hiddenLine xmlns:a14="http://schemas.microsoft.com/office/drawing/2010/main" xmlns:p14="http://schemas.microsoft.com/office/powerpoint/2010/main" xmlns:a16="http://schemas.microsoft.com/office/drawing/2014/main" xmlns="" w="9525">
+                  <a14:hiddenLine xmlns="" xmlns:a16="http://schemas.microsoft.com/office/drawing/2014/main" xmlns:p14="http://schemas.microsoft.com/office/powerpoint/2010/main" xmlns:a14="http://schemas.microsoft.com/office/drawing/2010/main" w="9525">
                     <a:solidFill>
                       <a:srgbClr val="000000"/>
                     </a:solidFill>
@@ -17758,7 +17826,7 @@
               </a:ln>
               <a:extLst>
                 <a:ext uri="{91240B29-F687-4f45-9708-019B960494DF}">
-                  <a14:hiddenLine xmlns:a14="http://schemas.microsoft.com/office/drawing/2010/main" xmlns:p14="http://schemas.microsoft.com/office/powerpoint/2010/main" xmlns:a16="http://schemas.microsoft.com/office/drawing/2014/main" xmlns="" w="9525">
+                  <a14:hiddenLine xmlns="" xmlns:a16="http://schemas.microsoft.com/office/drawing/2014/main" xmlns:p14="http://schemas.microsoft.com/office/powerpoint/2010/main" xmlns:a14="http://schemas.microsoft.com/office/drawing/2010/main" w="9525">
                     <a:solidFill>
                       <a:srgbClr val="000000"/>
                     </a:solidFill>
@@ -17890,7 +17958,7 @@
               </a:ln>
               <a:extLst>
                 <a:ext uri="{91240B29-F687-4f45-9708-019B960494DF}">
-                  <a14:hiddenLine xmlns:a14="http://schemas.microsoft.com/office/drawing/2010/main" xmlns:p14="http://schemas.microsoft.com/office/powerpoint/2010/main" xmlns:a16="http://schemas.microsoft.com/office/drawing/2014/main" xmlns="" w="9525">
+                  <a14:hiddenLine xmlns="" xmlns:a16="http://schemas.microsoft.com/office/drawing/2014/main" xmlns:p14="http://schemas.microsoft.com/office/powerpoint/2010/main" xmlns:a14="http://schemas.microsoft.com/office/drawing/2010/main" w="9525">
                     <a:solidFill>
                       <a:srgbClr val="000000"/>
                     </a:solidFill>
@@ -18018,7 +18086,7 @@
               </a:ln>
               <a:extLst>
                 <a:ext uri="{91240B29-F687-4f45-9708-019B960494DF}">
-                  <a14:hiddenLine xmlns:a14="http://schemas.microsoft.com/office/drawing/2010/main" xmlns:p14="http://schemas.microsoft.com/office/powerpoint/2010/main" xmlns:a16="http://schemas.microsoft.com/office/drawing/2014/main" xmlns="" w="9525">
+                  <a14:hiddenLine xmlns="" xmlns:a16="http://schemas.microsoft.com/office/drawing/2014/main" xmlns:p14="http://schemas.microsoft.com/office/powerpoint/2010/main" xmlns:a14="http://schemas.microsoft.com/office/drawing/2010/main" w="9525">
                     <a:solidFill>
                       <a:srgbClr val="000000"/>
                     </a:solidFill>
@@ -18102,7 +18170,7 @@
               </a:ln>
               <a:extLst>
                 <a:ext uri="{91240B29-F687-4f45-9708-019B960494DF}">
-                  <a14:hiddenLine xmlns:a14="http://schemas.microsoft.com/office/drawing/2010/main" xmlns:p14="http://schemas.microsoft.com/office/powerpoint/2010/main" xmlns:a16="http://schemas.microsoft.com/office/drawing/2014/main" xmlns="" w="9525">
+                  <a14:hiddenLine xmlns="" xmlns:a16="http://schemas.microsoft.com/office/drawing/2014/main" xmlns:p14="http://schemas.microsoft.com/office/powerpoint/2010/main" xmlns:a14="http://schemas.microsoft.com/office/drawing/2010/main" w="9525">
                     <a:solidFill>
                       <a:srgbClr val="000000"/>
                     </a:solidFill>
@@ -18186,7 +18254,7 @@
               </a:ln>
               <a:extLst>
                 <a:ext uri="{91240B29-F687-4f45-9708-019B960494DF}">
-                  <a14:hiddenLine xmlns:a14="http://schemas.microsoft.com/office/drawing/2010/main" xmlns:p14="http://schemas.microsoft.com/office/powerpoint/2010/main" xmlns:a16="http://schemas.microsoft.com/office/drawing/2014/main" xmlns="" w="9525">
+                  <a14:hiddenLine xmlns="" xmlns:a16="http://schemas.microsoft.com/office/drawing/2014/main" xmlns:p14="http://schemas.microsoft.com/office/powerpoint/2010/main" xmlns:a14="http://schemas.microsoft.com/office/drawing/2010/main" w="9525">
                     <a:solidFill>
                       <a:srgbClr val="000000"/>
                     </a:solidFill>
@@ -18298,7 +18366,7 @@
               </a:ln>
               <a:extLst>
                 <a:ext uri="{91240B29-F687-4f45-9708-019B960494DF}">
-                  <a14:hiddenLine xmlns:a14="http://schemas.microsoft.com/office/drawing/2010/main" xmlns:p14="http://schemas.microsoft.com/office/powerpoint/2010/main" xmlns:a16="http://schemas.microsoft.com/office/drawing/2014/main" xmlns="" w="9525">
+                  <a14:hiddenLine xmlns="" xmlns:a16="http://schemas.microsoft.com/office/drawing/2014/main" xmlns:p14="http://schemas.microsoft.com/office/powerpoint/2010/main" xmlns:a14="http://schemas.microsoft.com/office/drawing/2010/main" w="9525">
                     <a:solidFill>
                       <a:srgbClr val="000000"/>
                     </a:solidFill>
@@ -18354,7 +18422,7 @@
               </a:ln>
               <a:extLst>
                 <a:ext uri="{91240B29-F687-4f45-9708-019B960494DF}">
-                  <a14:hiddenLine xmlns:a14="http://schemas.microsoft.com/office/drawing/2010/main" xmlns:p14="http://schemas.microsoft.com/office/powerpoint/2010/main" xmlns:a16="http://schemas.microsoft.com/office/drawing/2014/main" xmlns="" w="9525">
+                  <a14:hiddenLine xmlns="" xmlns:a16="http://schemas.microsoft.com/office/drawing/2014/main" xmlns:p14="http://schemas.microsoft.com/office/powerpoint/2010/main" xmlns:a14="http://schemas.microsoft.com/office/drawing/2010/main" w="9525">
                     <a:solidFill>
                       <a:srgbClr val="000000"/>
                     </a:solidFill>
@@ -18441,7 +18509,7 @@
               </a:ln>
               <a:extLst>
                 <a:ext uri="{91240B29-F687-4f45-9708-019B960494DF}">
-                  <a14:hiddenLine xmlns:a14="http://schemas.microsoft.com/office/drawing/2010/main" xmlns:p14="http://schemas.microsoft.com/office/powerpoint/2010/main" xmlns:a16="http://schemas.microsoft.com/office/drawing/2014/main" xmlns="" w="9525">
+                  <a14:hiddenLine xmlns="" xmlns:a16="http://schemas.microsoft.com/office/drawing/2014/main" xmlns:p14="http://schemas.microsoft.com/office/powerpoint/2010/main" xmlns:a14="http://schemas.microsoft.com/office/drawing/2010/main" w="9525">
                     <a:solidFill>
                       <a:srgbClr val="000000"/>
                     </a:solidFill>
@@ -18553,7 +18621,7 @@
               </a:ln>
               <a:extLst>
                 <a:ext uri="{91240B29-F687-4f45-9708-019B960494DF}">
-                  <a14:hiddenLine xmlns:a14="http://schemas.microsoft.com/office/drawing/2010/main" xmlns:p14="http://schemas.microsoft.com/office/powerpoint/2010/main" xmlns:a16="http://schemas.microsoft.com/office/drawing/2014/main" xmlns="" w="9525">
+                  <a14:hiddenLine xmlns="" xmlns:a16="http://schemas.microsoft.com/office/drawing/2014/main" xmlns:p14="http://schemas.microsoft.com/office/powerpoint/2010/main" xmlns:a14="http://schemas.microsoft.com/office/drawing/2010/main" w="9525">
                     <a:solidFill>
                       <a:srgbClr val="000000"/>
                     </a:solidFill>
@@ -18637,7 +18705,7 @@
               </a:ln>
               <a:extLst>
                 <a:ext uri="{91240B29-F687-4f45-9708-019B960494DF}">
-                  <a14:hiddenLine xmlns:a14="http://schemas.microsoft.com/office/drawing/2010/main" xmlns:p14="http://schemas.microsoft.com/office/powerpoint/2010/main" xmlns:a16="http://schemas.microsoft.com/office/drawing/2014/main" xmlns="" w="9525">
+                  <a14:hiddenLine xmlns="" xmlns:a16="http://schemas.microsoft.com/office/drawing/2014/main" xmlns:p14="http://schemas.microsoft.com/office/powerpoint/2010/main" xmlns:a14="http://schemas.microsoft.com/office/drawing/2010/main" w="9525">
                     <a:solidFill>
                       <a:srgbClr val="000000"/>
                     </a:solidFill>
@@ -18749,7 +18817,7 @@
               </a:ln>
               <a:extLst>
                 <a:ext uri="{91240B29-F687-4f45-9708-019B960494DF}">
-                  <a14:hiddenLine xmlns:a14="http://schemas.microsoft.com/office/drawing/2010/main" xmlns:p14="http://schemas.microsoft.com/office/powerpoint/2010/main" xmlns:a16="http://schemas.microsoft.com/office/drawing/2014/main" xmlns="" w="9525">
+                  <a14:hiddenLine xmlns="" xmlns:a16="http://schemas.microsoft.com/office/drawing/2014/main" xmlns:p14="http://schemas.microsoft.com/office/powerpoint/2010/main" xmlns:a14="http://schemas.microsoft.com/office/drawing/2010/main" w="9525">
                     <a:solidFill>
                       <a:srgbClr val="000000"/>
                     </a:solidFill>
@@ -18836,7 +18904,7 @@
               </a:ln>
               <a:extLst>
                 <a:ext uri="{91240B29-F687-4f45-9708-019B960494DF}">
-                  <a14:hiddenLine xmlns:a14="http://schemas.microsoft.com/office/drawing/2010/main" xmlns:p14="http://schemas.microsoft.com/office/powerpoint/2010/main" xmlns:a16="http://schemas.microsoft.com/office/drawing/2014/main" xmlns="" w="9525">
+                  <a14:hiddenLine xmlns="" xmlns:a16="http://schemas.microsoft.com/office/drawing/2014/main" xmlns:p14="http://schemas.microsoft.com/office/powerpoint/2010/main" xmlns:a14="http://schemas.microsoft.com/office/drawing/2010/main" w="9525">
                     <a:solidFill>
                       <a:srgbClr val="000000"/>
                     </a:solidFill>
@@ -18920,7 +18988,7 @@
               </a:ln>
               <a:extLst>
                 <a:ext uri="{91240B29-F687-4f45-9708-019B960494DF}">
-                  <a14:hiddenLine xmlns:a14="http://schemas.microsoft.com/office/drawing/2010/main" xmlns:p14="http://schemas.microsoft.com/office/powerpoint/2010/main" xmlns:a16="http://schemas.microsoft.com/office/drawing/2014/main" xmlns="" w="9525">
+                  <a14:hiddenLine xmlns="" xmlns:a16="http://schemas.microsoft.com/office/drawing/2014/main" xmlns:p14="http://schemas.microsoft.com/office/powerpoint/2010/main" xmlns:a14="http://schemas.microsoft.com/office/drawing/2010/main" w="9525">
                     <a:solidFill>
                       <a:srgbClr val="000000"/>
                     </a:solidFill>
@@ -19032,7 +19100,7 @@
               </a:ln>
               <a:extLst>
                 <a:ext uri="{91240B29-F687-4f45-9708-019B960494DF}">
-                  <a14:hiddenLine xmlns:a14="http://schemas.microsoft.com/office/drawing/2010/main" xmlns:p14="http://schemas.microsoft.com/office/powerpoint/2010/main" xmlns:a16="http://schemas.microsoft.com/office/drawing/2014/main" xmlns="" w="9525">
+                  <a14:hiddenLine xmlns="" xmlns:a16="http://schemas.microsoft.com/office/drawing/2014/main" xmlns:p14="http://schemas.microsoft.com/office/powerpoint/2010/main" xmlns:a14="http://schemas.microsoft.com/office/drawing/2010/main" w="9525">
                     <a:solidFill>
                       <a:srgbClr val="000000"/>
                     </a:solidFill>
@@ -19144,7 +19212,7 @@
               </a:ln>
               <a:extLst>
                 <a:ext uri="{91240B29-F687-4f45-9708-019B960494DF}">
-                  <a14:hiddenLine xmlns:a14="http://schemas.microsoft.com/office/drawing/2010/main" xmlns:p14="http://schemas.microsoft.com/office/powerpoint/2010/main" xmlns:a16="http://schemas.microsoft.com/office/drawing/2014/main" xmlns="" w="9525">
+                  <a14:hiddenLine xmlns="" xmlns:a16="http://schemas.microsoft.com/office/drawing/2014/main" xmlns:p14="http://schemas.microsoft.com/office/powerpoint/2010/main" xmlns:a14="http://schemas.microsoft.com/office/drawing/2010/main" w="9525">
                     <a:solidFill>
                       <a:srgbClr val="000000"/>
                     </a:solidFill>
@@ -19231,7 +19299,7 @@
               </a:ln>
               <a:extLst>
                 <a:ext uri="{91240B29-F687-4f45-9708-019B960494DF}">
-                  <a14:hiddenLine xmlns:a14="http://schemas.microsoft.com/office/drawing/2010/main" xmlns:p14="http://schemas.microsoft.com/office/powerpoint/2010/main" xmlns:a16="http://schemas.microsoft.com/office/drawing/2014/main" xmlns="" w="9525">
+                  <a14:hiddenLine xmlns="" xmlns:a16="http://schemas.microsoft.com/office/drawing/2014/main" xmlns:p14="http://schemas.microsoft.com/office/powerpoint/2010/main" xmlns:a14="http://schemas.microsoft.com/office/drawing/2010/main" w="9525">
                     <a:solidFill>
                       <a:srgbClr val="000000"/>
                     </a:solidFill>
@@ -19373,7 +19441,7 @@
               </a:ln>
               <a:extLst>
                 <a:ext uri="{91240B29-F687-4f45-9708-019B960494DF}">
-                  <a14:hiddenLine xmlns:a14="http://schemas.microsoft.com/office/drawing/2010/main" xmlns:p14="http://schemas.microsoft.com/office/powerpoint/2010/main" xmlns:a16="http://schemas.microsoft.com/office/drawing/2014/main" xmlns="" w="9525">
+                  <a14:hiddenLine xmlns="" xmlns:a16="http://schemas.microsoft.com/office/drawing/2014/main" xmlns:p14="http://schemas.microsoft.com/office/powerpoint/2010/main" xmlns:a14="http://schemas.microsoft.com/office/drawing/2010/main" w="9525">
                     <a:solidFill>
                       <a:srgbClr val="000000"/>
                     </a:solidFill>
@@ -19505,7 +19573,7 @@
               </a:ln>
               <a:extLst>
                 <a:ext uri="{91240B29-F687-4f45-9708-019B960494DF}">
-                  <a14:hiddenLine xmlns:a14="http://schemas.microsoft.com/office/drawing/2010/main" xmlns:p14="http://schemas.microsoft.com/office/powerpoint/2010/main" xmlns:a16="http://schemas.microsoft.com/office/drawing/2014/main" xmlns="" w="9525">
+                  <a14:hiddenLine xmlns="" xmlns:a16="http://schemas.microsoft.com/office/drawing/2014/main" xmlns:p14="http://schemas.microsoft.com/office/powerpoint/2010/main" xmlns:a14="http://schemas.microsoft.com/office/drawing/2010/main" w="9525">
                     <a:solidFill>
                       <a:srgbClr val="000000"/>
                     </a:solidFill>
@@ -19642,7 +19710,7 @@
               </a:ln>
               <a:extLst>
                 <a:ext uri="{91240B29-F687-4f45-9708-019B960494DF}">
-                  <a14:hiddenLine xmlns:a14="http://schemas.microsoft.com/office/drawing/2010/main" xmlns:p14="http://schemas.microsoft.com/office/powerpoint/2010/main" xmlns:a16="http://schemas.microsoft.com/office/drawing/2014/main" xmlns="" w="9525">
+                  <a14:hiddenLine xmlns="" xmlns:a16="http://schemas.microsoft.com/office/drawing/2014/main" xmlns:p14="http://schemas.microsoft.com/office/powerpoint/2010/main" xmlns:a14="http://schemas.microsoft.com/office/drawing/2010/main" w="9525">
                     <a:solidFill>
                       <a:srgbClr val="000000"/>
                     </a:solidFill>
@@ -19754,7 +19822,7 @@
               </a:ln>
               <a:extLst>
                 <a:ext uri="{91240B29-F687-4f45-9708-019B960494DF}">
-                  <a14:hiddenLine xmlns:a14="http://schemas.microsoft.com/office/drawing/2010/main" xmlns:p14="http://schemas.microsoft.com/office/powerpoint/2010/main" xmlns:a16="http://schemas.microsoft.com/office/drawing/2014/main" xmlns="" w="9525">
+                  <a14:hiddenLine xmlns="" xmlns:a16="http://schemas.microsoft.com/office/drawing/2014/main" xmlns:p14="http://schemas.microsoft.com/office/powerpoint/2010/main" xmlns:a14="http://schemas.microsoft.com/office/drawing/2010/main" w="9525">
                     <a:solidFill>
                       <a:srgbClr val="000000"/>
                     </a:solidFill>
@@ -19841,7 +19909,7 @@
               </a:ln>
               <a:extLst>
                 <a:ext uri="{91240B29-F687-4f45-9708-019B960494DF}">
-                  <a14:hiddenLine xmlns:a14="http://schemas.microsoft.com/office/drawing/2010/main" xmlns:p14="http://schemas.microsoft.com/office/powerpoint/2010/main" xmlns:a16="http://schemas.microsoft.com/office/drawing/2014/main" xmlns="" w="9525">
+                  <a14:hiddenLine xmlns="" xmlns:a16="http://schemas.microsoft.com/office/drawing/2014/main" xmlns:p14="http://schemas.microsoft.com/office/powerpoint/2010/main" xmlns:a14="http://schemas.microsoft.com/office/drawing/2010/main" w="9525">
                     <a:solidFill>
                       <a:srgbClr val="000000"/>
                     </a:solidFill>
@@ -19953,7 +20021,7 @@
               </a:ln>
               <a:extLst>
                 <a:ext uri="{91240B29-F687-4f45-9708-019B960494DF}">
-                  <a14:hiddenLine xmlns:a14="http://schemas.microsoft.com/office/drawing/2010/main" xmlns:p14="http://schemas.microsoft.com/office/powerpoint/2010/main" xmlns:a16="http://schemas.microsoft.com/office/drawing/2014/main" xmlns="" w="9525">
+                  <a14:hiddenLine xmlns="" xmlns:a16="http://schemas.microsoft.com/office/drawing/2014/main" xmlns:p14="http://schemas.microsoft.com/office/powerpoint/2010/main" xmlns:a14="http://schemas.microsoft.com/office/drawing/2010/main" w="9525">
                     <a:solidFill>
                       <a:srgbClr val="000000"/>
                     </a:solidFill>
@@ -20043,7 +20111,7 @@
               </a:ln>
               <a:extLst>
                 <a:ext uri="{91240B29-F687-4f45-9708-019B960494DF}">
-                  <a14:hiddenLine xmlns:a14="http://schemas.microsoft.com/office/drawing/2010/main" xmlns:p14="http://schemas.microsoft.com/office/powerpoint/2010/main" xmlns:a16="http://schemas.microsoft.com/office/drawing/2014/main" xmlns="" w="9525">
+                  <a14:hiddenLine xmlns="" xmlns:a16="http://schemas.microsoft.com/office/drawing/2014/main" xmlns:p14="http://schemas.microsoft.com/office/powerpoint/2010/main" xmlns:a14="http://schemas.microsoft.com/office/drawing/2010/main" w="9525">
                     <a:solidFill>
                       <a:srgbClr val="000000"/>
                     </a:solidFill>
@@ -20155,7 +20223,7 @@
               </a:ln>
               <a:extLst>
                 <a:ext uri="{91240B29-F687-4f45-9708-019B960494DF}">
-                  <a14:hiddenLine xmlns:a14="http://schemas.microsoft.com/office/drawing/2010/main" xmlns:p14="http://schemas.microsoft.com/office/powerpoint/2010/main" xmlns:a16="http://schemas.microsoft.com/office/drawing/2014/main" xmlns="" w="9525">
+                  <a14:hiddenLine xmlns="" xmlns:a16="http://schemas.microsoft.com/office/drawing/2014/main" xmlns:p14="http://schemas.microsoft.com/office/powerpoint/2010/main" xmlns:a14="http://schemas.microsoft.com/office/drawing/2010/main" w="9525">
                     <a:solidFill>
                       <a:srgbClr val="000000"/>
                     </a:solidFill>
@@ -20245,7 +20313,7 @@
               </a:ln>
               <a:extLst>
                 <a:ext uri="{91240B29-F687-4f45-9708-019B960494DF}">
-                  <a14:hiddenLine xmlns:a14="http://schemas.microsoft.com/office/drawing/2010/main" xmlns:p14="http://schemas.microsoft.com/office/powerpoint/2010/main" xmlns:a16="http://schemas.microsoft.com/office/drawing/2014/main" xmlns="" w="9525">
+                  <a14:hiddenLine xmlns="" xmlns:a16="http://schemas.microsoft.com/office/drawing/2014/main" xmlns:p14="http://schemas.microsoft.com/office/powerpoint/2010/main" xmlns:a14="http://schemas.microsoft.com/office/drawing/2010/main" w="9525">
                     <a:solidFill>
                       <a:srgbClr val="000000"/>
                     </a:solidFill>
@@ -20357,7 +20425,7 @@
               </a:ln>
               <a:extLst>
                 <a:ext uri="{91240B29-F687-4f45-9708-019B960494DF}">
-                  <a14:hiddenLine xmlns:a14="http://schemas.microsoft.com/office/drawing/2010/main" xmlns:p14="http://schemas.microsoft.com/office/powerpoint/2010/main" xmlns:a16="http://schemas.microsoft.com/office/drawing/2014/main" xmlns="" w="9525">
+                  <a14:hiddenLine xmlns="" xmlns:a16="http://schemas.microsoft.com/office/drawing/2014/main" xmlns:p14="http://schemas.microsoft.com/office/powerpoint/2010/main" xmlns:a14="http://schemas.microsoft.com/office/drawing/2010/main" w="9525">
                     <a:solidFill>
                       <a:srgbClr val="000000"/>
                     </a:solidFill>
@@ -20413,7 +20481,7 @@
               </a:ln>
               <a:extLst>
                 <a:ext uri="{91240B29-F687-4f45-9708-019B960494DF}">
-                  <a14:hiddenLine xmlns:a14="http://schemas.microsoft.com/office/drawing/2010/main" xmlns:p14="http://schemas.microsoft.com/office/powerpoint/2010/main" xmlns:a16="http://schemas.microsoft.com/office/drawing/2014/main" xmlns="" w="9525">
+                  <a14:hiddenLine xmlns="" xmlns:a16="http://schemas.microsoft.com/office/drawing/2014/main" xmlns:p14="http://schemas.microsoft.com/office/powerpoint/2010/main" xmlns:a14="http://schemas.microsoft.com/office/drawing/2010/main" w="9525">
                     <a:solidFill>
                       <a:srgbClr val="000000"/>
                     </a:solidFill>
@@ -20482,7 +20550,7 @@
           <a:noFill/>
           <a:extLst>
             <a:ext uri="{909E8E84-426E-40dd-AFC4-6F175D3DCCD1}">
-              <a14:hiddenFill xmlns:a14="http://schemas.microsoft.com/office/drawing/2010/main" xmlns:p14="http://schemas.microsoft.com/office/powerpoint/2010/main" xmlns:a16="http://schemas.microsoft.com/office/drawing/2014/main" xmlns="">
+              <a14:hiddenFill xmlns="" xmlns:a16="http://schemas.microsoft.com/office/drawing/2014/main" xmlns:p14="http://schemas.microsoft.com/office/powerpoint/2010/main" xmlns:a14="http://schemas.microsoft.com/office/drawing/2010/main">
                 <a:solidFill>
                   <a:srgbClr val="FFFFFF"/>
                 </a:solidFill>
@@ -21521,8 +21589,8 @@
         </p:nvSpPr>
         <p:spPr>
           <a:xfrm>
-            <a:off x="1141412" y="1066799"/>
-            <a:ext cx="9905998" cy="859553"/>
+            <a:off x="1143001" y="359228"/>
+            <a:ext cx="9905998" cy="598715"/>
           </a:xfrm>
         </p:spPr>
         <p:txBody>
@@ -21561,9 +21629,16 @@
             <p:ph idx="1"/>
           </p:nvPr>
         </p:nvSpPr>
-        <p:spPr/>
+        <p:spPr>
+          <a:xfrm>
+            <a:off x="265196" y="3860324"/>
+            <a:ext cx="11807062" cy="2906488"/>
+          </a:xfrm>
+        </p:spPr>
         <p:txBody>
-          <a:bodyPr/>
+          <a:bodyPr>
+            <a:normAutofit/>
+          </a:bodyPr>
           <a:lstStyle/>
           <a:p>
             <a:r>
@@ -21572,20 +21647,26 @@
                   <a:schemeClr val="bg1"/>
                 </a:solidFill>
                 <a:effectLst/>
+                <a:highlight>
+                  <a:srgbClr val="000000"/>
+                </a:highlight>
                 <a:latin typeface="Cambria" panose="02040503050406030204" pitchFamily="18" charset="0"/>
                 <a:ea typeface="MS Mincho" panose="02020609040205080304" pitchFamily="49" charset="-128"/>
                 <a:cs typeface="Times New Roman" panose="02020603050405020304" pitchFamily="18" charset="0"/>
               </a:rPr>
-              <a:t>JN</a:t>
+              <a:t>.</a:t>
             </a:r>
             <a:r>
               <a:rPr lang="en-IE" sz="1800" dirty="0">
                 <a:effectLst/>
+                <a:highlight>
+                  <a:srgbClr val="000000"/>
+                </a:highlight>
                 <a:latin typeface="Cambria" panose="02040503050406030204" pitchFamily="18" charset="0"/>
                 <a:ea typeface="MS Mincho" panose="02020609040205080304" pitchFamily="49" charset="-128"/>
                 <a:cs typeface="Times New Roman" panose="02020603050405020304" pitchFamily="18" charset="0"/>
               </a:rPr>
-              <a:t> – Join: This Thread has joined with another thread.</a:t>
+              <a:t>SW: Semaphore Wait: A Philosopher attempts to sit down, but all chairs are occupied(decrements the semaphore).</a:t>
             </a:r>
           </a:p>
           <a:p>
@@ -21595,30 +21676,50 @@
                   <a:schemeClr val="bg1"/>
                 </a:solidFill>
                 <a:effectLst/>
+                <a:highlight>
+                  <a:srgbClr val="000000"/>
+                </a:highlight>
                 <a:latin typeface="Cambria" panose="02040503050406030204" pitchFamily="18" charset="0"/>
                 <a:ea typeface="MS Mincho" panose="02020609040205080304" pitchFamily="49" charset="-128"/>
                 <a:cs typeface="Times New Roman" panose="02020603050405020304" pitchFamily="18" charset="0"/>
               </a:rPr>
-              <a:t>SW </a:t>
+              <a:t>.</a:t>
             </a:r>
             <a:r>
               <a:rPr lang="en-IE" sz="1800" dirty="0">
                 <a:effectLst/>
+                <a:highlight>
+                  <a:srgbClr val="000000"/>
+                </a:highlight>
                 <a:latin typeface="Cambria" panose="02040503050406030204" pitchFamily="18" charset="0"/>
                 <a:ea typeface="MS Mincho" panose="02020609040205080304" pitchFamily="49" charset="-128"/>
                 <a:cs typeface="Times New Roman" panose="02020603050405020304" pitchFamily="18" charset="0"/>
               </a:rPr>
-              <a:t>– Semaphore Wait: This thread is waiting on semaphore.</a:t>
-            </a:r>
-            <a:endParaRPr lang="en-IE" sz="1800" dirty="0">
-              <a:solidFill>
-                <a:schemeClr val="bg1"/>
-              </a:solidFill>
-              <a:effectLst/>
-              <a:latin typeface="Cambria" panose="02040503050406030204" pitchFamily="18" charset="0"/>
-              <a:ea typeface="MS Mincho" panose="02020609040205080304" pitchFamily="49" charset="-128"/>
-              <a:cs typeface="Times New Roman" panose="02020603050405020304" pitchFamily="18" charset="0"/>
-            </a:endParaRPr>
+              <a:t>SE</a:t>
+            </a:r>
+            <a:r>
+              <a:rPr lang="en-IE" sz="1800" dirty="0">
+                <a:highlight>
+                  <a:srgbClr val="000000"/>
+                </a:highlight>
+                <a:latin typeface="Cambria" panose="02040503050406030204" pitchFamily="18" charset="0"/>
+                <a:ea typeface="MS Mincho" panose="02020609040205080304" pitchFamily="49" charset="-128"/>
+                <a:cs typeface="Times New Roman" panose="02020603050405020304" pitchFamily="18" charset="0"/>
+              </a:rPr>
+              <a:t>:</a:t>
+            </a:r>
+            <a:r>
+              <a:rPr lang="en-IE" sz="1800" dirty="0">
+                <a:effectLst/>
+                <a:highlight>
+                  <a:srgbClr val="000000"/>
+                </a:highlight>
+                <a:latin typeface="Cambria" panose="02040503050406030204" pitchFamily="18" charset="0"/>
+                <a:ea typeface="MS Mincho" panose="02020609040205080304" pitchFamily="49" charset="-128"/>
+                <a:cs typeface="Times New Roman" panose="02020603050405020304" pitchFamily="18" charset="0"/>
+              </a:rPr>
+              <a:t> Semaphore Enter: The Philosopher sits down which decrements semaphore.</a:t>
+            </a:r>
           </a:p>
           <a:p>
             <a:r>
@@ -21627,20 +21728,123 @@
                   <a:schemeClr val="bg1"/>
                 </a:solidFill>
                 <a:effectLst/>
+                <a:highlight>
+                  <a:srgbClr val="000000"/>
+                </a:highlight>
                 <a:latin typeface="Cambria" panose="02040503050406030204" pitchFamily="18" charset="0"/>
                 <a:ea typeface="MS Mincho" panose="02020609040205080304" pitchFamily="49" charset="-128"/>
                 <a:cs typeface="Times New Roman" panose="02020603050405020304" pitchFamily="18" charset="0"/>
               </a:rPr>
-              <a:t>SE</a:t>
+              <a:t>.</a:t>
             </a:r>
             <a:r>
               <a:rPr lang="en-IE" sz="1800" dirty="0">
                 <a:effectLst/>
+                <a:highlight>
+                  <a:srgbClr val="000000"/>
+                </a:highlight>
                 <a:latin typeface="Cambria" panose="02040503050406030204" pitchFamily="18" charset="0"/>
                 <a:ea typeface="MS Mincho" panose="02020609040205080304" pitchFamily="49" charset="-128"/>
                 <a:cs typeface="Times New Roman" panose="02020603050405020304" pitchFamily="18" charset="0"/>
               </a:rPr>
-              <a:t> – Semaphore Enter: This thread has been let through a semaphore.</a:t>
+              <a:t>SS</a:t>
+            </a:r>
+            <a:r>
+              <a:rPr lang="en-IE" sz="1800" dirty="0">
+                <a:highlight>
+                  <a:srgbClr val="000000"/>
+                </a:highlight>
+                <a:latin typeface="Cambria" panose="02040503050406030204" pitchFamily="18" charset="0"/>
+                <a:ea typeface="MS Mincho" panose="02020609040205080304" pitchFamily="49" charset="-128"/>
+                <a:cs typeface="Times New Roman" panose="02020603050405020304" pitchFamily="18" charset="0"/>
+              </a:rPr>
+              <a:t>:</a:t>
+            </a:r>
+            <a:r>
+              <a:rPr lang="en-IE" sz="1800" dirty="0">
+                <a:effectLst/>
+                <a:highlight>
+                  <a:srgbClr val="000000"/>
+                </a:highlight>
+                <a:latin typeface="Cambria" panose="02040503050406030204" pitchFamily="18" charset="0"/>
+                <a:ea typeface="MS Mincho" panose="02020609040205080304" pitchFamily="49" charset="-128"/>
+                <a:cs typeface="Times New Roman" panose="02020603050405020304" pitchFamily="18" charset="0"/>
+              </a:rPr>
+              <a:t> Semaphore Signal: The Philosopher gets up, which increments semaphores and allows others to sit down.</a:t>
+            </a:r>
+          </a:p>
+          <a:p>
+            <a:r>
+              <a:rPr lang="en-IE" sz="1800" dirty="0">
+                <a:solidFill>
+                  <a:schemeClr val="bg1"/>
+                </a:solidFill>
+                <a:highlight>
+                  <a:srgbClr val="000000"/>
+                </a:highlight>
+                <a:latin typeface="Cambria" panose="02040503050406030204" pitchFamily="18" charset="0"/>
+                <a:ea typeface="MS Mincho" panose="02020609040205080304" pitchFamily="49" charset="-128"/>
+                <a:cs typeface="Times New Roman" panose="02020603050405020304" pitchFamily="18" charset="0"/>
+              </a:rPr>
+              <a:t>.</a:t>
+            </a:r>
+            <a:r>
+              <a:rPr lang="en-IE" sz="1800" dirty="0">
+                <a:effectLst/>
+                <a:highlight>
+                  <a:srgbClr val="000000"/>
+                </a:highlight>
+                <a:latin typeface="Cambria" panose="02040503050406030204" pitchFamily="18" charset="0"/>
+                <a:ea typeface="MS Mincho" panose="02020609040205080304" pitchFamily="49" charset="-128"/>
+                <a:cs typeface="Times New Roman" panose="02020603050405020304" pitchFamily="18" charset="0"/>
+              </a:rPr>
+              <a:t>MW</a:t>
+            </a:r>
+            <a:r>
+              <a:rPr lang="en-IE" sz="1800" dirty="0">
+                <a:highlight>
+                  <a:srgbClr val="000000"/>
+                </a:highlight>
+                <a:latin typeface="Cambria" panose="02040503050406030204" pitchFamily="18" charset="0"/>
+                <a:ea typeface="MS Mincho" panose="02020609040205080304" pitchFamily="49" charset="-128"/>
+                <a:cs typeface="Times New Roman" panose="02020603050405020304" pitchFamily="18" charset="0"/>
+              </a:rPr>
+              <a:t>:</a:t>
+            </a:r>
+            <a:r>
+              <a:rPr lang="en-IE" sz="1800" dirty="0">
+                <a:effectLst/>
+                <a:highlight>
+                  <a:srgbClr val="000000"/>
+                </a:highlight>
+                <a:latin typeface="Cambria" panose="02040503050406030204" pitchFamily="18" charset="0"/>
+                <a:ea typeface="MS Mincho" panose="02020609040205080304" pitchFamily="49" charset="-128"/>
+                <a:cs typeface="Times New Roman" panose="02020603050405020304" pitchFamily="18" charset="0"/>
+              </a:rPr>
+              <a:t> Mutex Wait: </a:t>
+            </a:r>
+            <a:r>
+              <a:rPr lang="en-IE" sz="1800" dirty="0">
+                <a:highlight>
+                  <a:srgbClr val="000000"/>
+                </a:highlight>
+                <a:latin typeface="Cambria" panose="02040503050406030204" pitchFamily="18" charset="0"/>
+                <a:ea typeface="MS Mincho" panose="02020609040205080304" pitchFamily="49" charset="-128"/>
+                <a:cs typeface="Times New Roman" panose="02020603050405020304" pitchFamily="18" charset="0"/>
+              </a:rPr>
+              <a:t>One of the Philosophers trying to pick up a fork(mutex), but fork is already in use</a:t>
+            </a:r>
+            <a:r>
+              <a:rPr lang="en-IE" sz="1800" dirty="0">
+                <a:effectLst/>
+                <a:highlight>
+                  <a:srgbClr val="000000"/>
+                </a:highlight>
+                <a:latin typeface="Cambria" panose="02040503050406030204" pitchFamily="18" charset="0"/>
+                <a:ea typeface="MS Mincho" panose="02020609040205080304" pitchFamily="49" charset="-128"/>
+                <a:cs typeface="Times New Roman" panose="02020603050405020304" pitchFamily="18" charset="0"/>
+              </a:rPr>
+              <a:t>.</a:t>
             </a:r>
           </a:p>
           <a:p>
@@ -21650,21 +21854,70 @@
                   <a:schemeClr val="bg1"/>
                 </a:solidFill>
                 <a:effectLst/>
+                <a:highlight>
+                  <a:srgbClr val="000000"/>
+                </a:highlight>
                 <a:latin typeface="Cambria" panose="02040503050406030204" pitchFamily="18" charset="0"/>
                 <a:ea typeface="MS Mincho" panose="02020609040205080304" pitchFamily="49" charset="-128"/>
                 <a:cs typeface="Times New Roman" panose="02020603050405020304" pitchFamily="18" charset="0"/>
               </a:rPr>
-              <a:t>SS</a:t>
+              <a:t>.</a:t>
             </a:r>
             <a:r>
               <a:rPr lang="en-IE" sz="1800" dirty="0">
                 <a:effectLst/>
+                <a:highlight>
+                  <a:srgbClr val="000000"/>
+                </a:highlight>
                 <a:latin typeface="Cambria" panose="02040503050406030204" pitchFamily="18" charset="0"/>
                 <a:ea typeface="MS Mincho" panose="02020609040205080304" pitchFamily="49" charset="-128"/>
                 <a:cs typeface="Times New Roman" panose="02020603050405020304" pitchFamily="18" charset="0"/>
               </a:rPr>
-              <a:t> – Semaphore Signal: This Thread has signalled a semaphore.</a:t>
-            </a:r>
+              <a:t>ML</a:t>
+            </a:r>
+            <a:r>
+              <a:rPr lang="en-IE" sz="1800" dirty="0">
+                <a:highlight>
+                  <a:srgbClr val="000000"/>
+                </a:highlight>
+                <a:latin typeface="Cambria" panose="02040503050406030204" pitchFamily="18" charset="0"/>
+                <a:ea typeface="MS Mincho" panose="02020609040205080304" pitchFamily="49" charset="-128"/>
+                <a:cs typeface="Times New Roman" panose="02020603050405020304" pitchFamily="18" charset="0"/>
+              </a:rPr>
+              <a:t>:</a:t>
+            </a:r>
+            <a:r>
+              <a:rPr lang="en-IE" sz="1800" dirty="0">
+                <a:effectLst/>
+                <a:highlight>
+                  <a:srgbClr val="000000"/>
+                </a:highlight>
+                <a:latin typeface="Cambria" panose="02040503050406030204" pitchFamily="18" charset="0"/>
+                <a:ea typeface="MS Mincho" panose="02020609040205080304" pitchFamily="49" charset="-128"/>
+                <a:cs typeface="Times New Roman" panose="02020603050405020304" pitchFamily="18" charset="0"/>
+              </a:rPr>
+              <a:t> Mutex Lock: </a:t>
+            </a:r>
+            <a:r>
+              <a:rPr lang="en-IE" sz="1800" dirty="0">
+                <a:highlight>
+                  <a:srgbClr val="000000"/>
+                </a:highlight>
+                <a:latin typeface="Cambria" panose="02040503050406030204" pitchFamily="18" charset="0"/>
+                <a:ea typeface="MS Mincho" panose="02020609040205080304" pitchFamily="49" charset="-128"/>
+                <a:cs typeface="Times New Roman" panose="02020603050405020304" pitchFamily="18" charset="0"/>
+              </a:rPr>
+              <a:t>One of the Philosophers picks up a fork(mutex) and locks the mutex lock.</a:t>
+            </a:r>
+            <a:endParaRPr lang="en-IE" sz="1800" dirty="0">
+              <a:effectLst/>
+              <a:highlight>
+                <a:srgbClr val="000000"/>
+              </a:highlight>
+              <a:latin typeface="Cambria" panose="02040503050406030204" pitchFamily="18" charset="0"/>
+              <a:ea typeface="MS Mincho" panose="02020609040205080304" pitchFamily="49" charset="-128"/>
+              <a:cs typeface="Times New Roman" panose="02020603050405020304" pitchFamily="18" charset="0"/>
+            </a:endParaRPr>
           </a:p>
           <a:p>
             <a:r>
@@ -21673,61 +21926,21 @@
                   <a:schemeClr val="bg1"/>
                 </a:solidFill>
                 <a:effectLst/>
+                <a:highlight>
+                  <a:srgbClr val="000000"/>
+                </a:highlight>
                 <a:latin typeface="Cambria" panose="02040503050406030204" pitchFamily="18" charset="0"/>
                 <a:ea typeface="MS Mincho" panose="02020609040205080304" pitchFamily="49" charset="-128"/>
                 <a:cs typeface="Times New Roman" panose="02020603050405020304" pitchFamily="18" charset="0"/>
               </a:rPr>
-              <a:t>MW</a:t>
+              <a:t>.</a:t>
             </a:r>
             <a:r>
               <a:rPr lang="en-IE" sz="1800" dirty="0">
                 <a:effectLst/>
-                <a:latin typeface="Cambria" panose="02040503050406030204" pitchFamily="18" charset="0"/>
-                <a:ea typeface="MS Mincho" panose="02020609040205080304" pitchFamily="49" charset="-128"/>
-                <a:cs typeface="Times New Roman" panose="02020603050405020304" pitchFamily="18" charset="0"/>
-              </a:rPr>
-              <a:t> – Mutex Wait: This thread is waiting to obtain(lock) a mutex.</a:t>
-            </a:r>
-          </a:p>
-          <a:p>
-            <a:r>
-              <a:rPr lang="en-IE" sz="1800" dirty="0">
-                <a:solidFill>
-                  <a:schemeClr val="bg1"/>
-                </a:solidFill>
-                <a:effectLst/>
-                <a:latin typeface="Cambria" panose="02040503050406030204" pitchFamily="18" charset="0"/>
-                <a:ea typeface="MS Mincho" panose="02020609040205080304" pitchFamily="49" charset="-128"/>
-                <a:cs typeface="Times New Roman" panose="02020603050405020304" pitchFamily="18" charset="0"/>
-              </a:rPr>
-              <a:t>ML</a:t>
-            </a:r>
-            <a:r>
-              <a:rPr lang="en-IE" sz="1800" dirty="0">
-                <a:effectLst/>
-                <a:latin typeface="Cambria" panose="02040503050406030204" pitchFamily="18" charset="0"/>
-                <a:ea typeface="MS Mincho" panose="02020609040205080304" pitchFamily="49" charset="-128"/>
-                <a:cs typeface="Times New Roman" panose="02020603050405020304" pitchFamily="18" charset="0"/>
-              </a:rPr>
-              <a:t> – Mutex Lock: This thread has obtained(locked) a mutex.</a:t>
-            </a:r>
-            <a:endParaRPr lang="en-IE" sz="1800" dirty="0">
-              <a:solidFill>
-                <a:schemeClr val="bg1"/>
-              </a:solidFill>
-              <a:effectLst/>
-              <a:latin typeface="Cambria" panose="02040503050406030204" pitchFamily="18" charset="0"/>
-              <a:ea typeface="MS Mincho" panose="02020609040205080304" pitchFamily="49" charset="-128"/>
-              <a:cs typeface="Times New Roman" panose="02020603050405020304" pitchFamily="18" charset="0"/>
-            </a:endParaRPr>
-          </a:p>
-          <a:p>
-            <a:r>
-              <a:rPr lang="en-IE" sz="1800" dirty="0">
-                <a:solidFill>
-                  <a:schemeClr val="bg1"/>
-                </a:solidFill>
-                <a:effectLst/>
+                <a:highlight>
+                  <a:srgbClr val="000000"/>
+                </a:highlight>
                 <a:latin typeface="Cambria" panose="02040503050406030204" pitchFamily="18" charset="0"/>
                 <a:ea typeface="MS Mincho" panose="02020609040205080304" pitchFamily="49" charset="-128"/>
                 <a:cs typeface="Times New Roman" panose="02020603050405020304" pitchFamily="18" charset="0"/>
@@ -21736,16 +21949,80 @@
             </a:r>
             <a:r>
               <a:rPr lang="en-IE" sz="1800" dirty="0">
-                <a:effectLst/>
+                <a:highlight>
+                  <a:srgbClr val="000000"/>
+                </a:highlight>
                 <a:latin typeface="Cambria" panose="02040503050406030204" pitchFamily="18" charset="0"/>
                 <a:ea typeface="MS Mincho" panose="02020609040205080304" pitchFamily="49" charset="-128"/>
                 <a:cs typeface="Times New Roman" panose="02020603050405020304" pitchFamily="18" charset="0"/>
               </a:rPr>
-              <a:t> – Mutex Unlock: This thread has obtained(locked) a mutex.</a:t>
-            </a:r>
+              <a:t>:</a:t>
+            </a:r>
+            <a:r>
+              <a:rPr lang="en-IE" sz="1800" dirty="0">
+                <a:effectLst/>
+                <a:highlight>
+                  <a:srgbClr val="000000"/>
+                </a:highlight>
+                <a:latin typeface="Cambria" panose="02040503050406030204" pitchFamily="18" charset="0"/>
+                <a:ea typeface="MS Mincho" panose="02020609040205080304" pitchFamily="49" charset="-128"/>
+                <a:cs typeface="Times New Roman" panose="02020603050405020304" pitchFamily="18" charset="0"/>
+              </a:rPr>
+              <a:t> Mutex Unlock: </a:t>
+            </a:r>
+            <a:r>
+              <a:rPr lang="en-IE" sz="1800" dirty="0">
+                <a:highlight>
+                  <a:srgbClr val="000000"/>
+                </a:highlight>
+                <a:latin typeface="Cambria" panose="02040503050406030204" pitchFamily="18" charset="0"/>
+                <a:ea typeface="MS Mincho" panose="02020609040205080304" pitchFamily="49" charset="-128"/>
+                <a:cs typeface="Times New Roman" panose="02020603050405020304" pitchFamily="18" charset="0"/>
+              </a:rPr>
+              <a:t>Philosopher puts down a fork and unlocks the mutex lock.</a:t>
+            </a:r>
+            <a:endParaRPr lang="en-IE" sz="1800" dirty="0">
+              <a:effectLst/>
+              <a:highlight>
+                <a:srgbClr val="000000"/>
+              </a:highlight>
+              <a:latin typeface="Cambria" panose="02040503050406030204" pitchFamily="18" charset="0"/>
+              <a:ea typeface="MS Mincho" panose="02020609040205080304" pitchFamily="49" charset="-128"/>
+              <a:cs typeface="Times New Roman" panose="02020603050405020304" pitchFamily="18" charset="0"/>
+            </a:endParaRPr>
           </a:p>
         </p:txBody>
       </p:sp>
+      <p:pic>
+        <p:nvPicPr>
+          <p:cNvPr id="7" name="Picture 6" descr="A screenshot of a computer&#10;&#10;Description automatically generated">
+            <a:extLst>
+              <a:ext uri="{FF2B5EF4-FFF2-40B4-BE49-F238E27FC236}">
+                <a16:creationId xmlns:a16="http://schemas.microsoft.com/office/drawing/2014/main" id="{C0E4A68E-2614-C9BE-4D0B-BC035A1FA3AF}"/>
+              </a:ext>
+            </a:extLst>
+          </p:cNvPr>
+          <p:cNvPicPr>
+            <a:picLocks noChangeAspect="1"/>
+          </p:cNvPicPr>
+          <p:nvPr/>
+        </p:nvPicPr>
+        <p:blipFill>
+          <a:blip r:embed="rId2"/>
+          <a:stretch>
+            <a:fillRect/>
+          </a:stretch>
+        </p:blipFill>
+        <p:spPr>
+          <a:xfrm>
+            <a:off x="539645" y="1109273"/>
+            <a:ext cx="14568492" cy="2469674"/>
+          </a:xfrm>
+          <a:prstGeom prst="rect">
+            <a:avLst/>
+          </a:prstGeom>
+        </p:spPr>
+      </p:pic>
     </p:spTree>
     <p:extLst>
       <p:ext uri="{BB962C8B-B14F-4D97-AF65-F5344CB8AC3E}">

--- a/final_Presentation_New.pptx
+++ b/final_Presentation_New.pptx
@@ -12,9 +12,9 @@
     <p:sldId id="271" r:id="rId6"/>
     <p:sldId id="266" r:id="rId7"/>
     <p:sldId id="259" r:id="rId8"/>
-    <p:sldId id="267" r:id="rId9"/>
-    <p:sldId id="264" r:id="rId10"/>
-    <p:sldId id="269" r:id="rId11"/>
+    <p:sldId id="264" r:id="rId9"/>
+    <p:sldId id="269" r:id="rId10"/>
+    <p:sldId id="267" r:id="rId11"/>
     <p:sldId id="270" r:id="rId12"/>
     <p:sldId id="261" r:id="rId13"/>
     <p:sldId id="262" r:id="rId14"/>
@@ -12524,8 +12524,8 @@
         </p:nvSpPr>
         <p:spPr>
           <a:xfrm>
-            <a:off x="1141413" y="387024"/>
-            <a:ext cx="9905998" cy="916368"/>
+            <a:off x="1143001" y="359228"/>
+            <a:ext cx="9905998" cy="598715"/>
           </a:xfrm>
         </p:spPr>
         <p:txBody>
@@ -12538,7 +12538,7 @@
                   <a:schemeClr val="bg1"/>
                 </a:solidFill>
               </a:rPr>
-              <a:t>FILEs after compilation</a:t>
+              <a:t>Tags used in our solution int threadmentor</a:t>
             </a:r>
             <a:endParaRPr lang="en-IE" dirty="0">
               <a:solidFill>
@@ -12548,12 +12548,392 @@
           </a:p>
         </p:txBody>
       </p:sp>
+      <p:sp>
+        <p:nvSpPr>
+          <p:cNvPr id="3" name="Content Placeholder 2">
+            <a:extLst>
+              <a:ext uri="{FF2B5EF4-FFF2-40B4-BE49-F238E27FC236}">
+                <a16:creationId xmlns:a16="http://schemas.microsoft.com/office/drawing/2014/main" id="{6E13F4D0-4940-9F8D-A2CC-27836A627B5A}"/>
+              </a:ext>
+            </a:extLst>
+          </p:cNvPr>
+          <p:cNvSpPr>
+            <a:spLocks noGrp="1"/>
+          </p:cNvSpPr>
+          <p:nvPr>
+            <p:ph idx="1"/>
+          </p:nvPr>
+        </p:nvSpPr>
+        <p:spPr>
+          <a:xfrm>
+            <a:off x="265196" y="3860324"/>
+            <a:ext cx="11807062" cy="2906488"/>
+          </a:xfrm>
+        </p:spPr>
+        <p:txBody>
+          <a:bodyPr>
+            <a:normAutofit/>
+          </a:bodyPr>
+          <a:lstStyle/>
+          <a:p>
+            <a:r>
+              <a:rPr lang="en-IE" sz="1800" dirty="0">
+                <a:solidFill>
+                  <a:schemeClr val="bg1"/>
+                </a:solidFill>
+                <a:effectLst/>
+                <a:highlight>
+                  <a:srgbClr val="000000"/>
+                </a:highlight>
+                <a:latin typeface="Cambria" panose="02040503050406030204" pitchFamily="18" charset="0"/>
+                <a:ea typeface="MS Mincho" panose="02020609040205080304" pitchFamily="49" charset="-128"/>
+                <a:cs typeface="Times New Roman" panose="02020603050405020304" pitchFamily="18" charset="0"/>
+              </a:rPr>
+              <a:t>.</a:t>
+            </a:r>
+            <a:r>
+              <a:rPr lang="en-IE" sz="1800" dirty="0">
+                <a:effectLst/>
+                <a:highlight>
+                  <a:srgbClr val="000000"/>
+                </a:highlight>
+                <a:latin typeface="Cambria" panose="02040503050406030204" pitchFamily="18" charset="0"/>
+                <a:ea typeface="MS Mincho" panose="02020609040205080304" pitchFamily="49" charset="-128"/>
+                <a:cs typeface="Times New Roman" panose="02020603050405020304" pitchFamily="18" charset="0"/>
+              </a:rPr>
+              <a:t>SW: Semaphore Wait: A Philosopher attempts to sit down, but all chairs are occupied(decrements the semaphore).</a:t>
+            </a:r>
+          </a:p>
+          <a:p>
+            <a:r>
+              <a:rPr lang="en-IE" sz="1800" dirty="0">
+                <a:solidFill>
+                  <a:schemeClr val="bg1"/>
+                </a:solidFill>
+                <a:effectLst/>
+                <a:highlight>
+                  <a:srgbClr val="000000"/>
+                </a:highlight>
+                <a:latin typeface="Cambria" panose="02040503050406030204" pitchFamily="18" charset="0"/>
+                <a:ea typeface="MS Mincho" panose="02020609040205080304" pitchFamily="49" charset="-128"/>
+                <a:cs typeface="Times New Roman" panose="02020603050405020304" pitchFamily="18" charset="0"/>
+              </a:rPr>
+              <a:t>.</a:t>
+            </a:r>
+            <a:r>
+              <a:rPr lang="en-IE" sz="1800" dirty="0">
+                <a:effectLst/>
+                <a:highlight>
+                  <a:srgbClr val="000000"/>
+                </a:highlight>
+                <a:latin typeface="Cambria" panose="02040503050406030204" pitchFamily="18" charset="0"/>
+                <a:ea typeface="MS Mincho" panose="02020609040205080304" pitchFamily="49" charset="-128"/>
+                <a:cs typeface="Times New Roman" panose="02020603050405020304" pitchFamily="18" charset="0"/>
+              </a:rPr>
+              <a:t>SE</a:t>
+            </a:r>
+            <a:r>
+              <a:rPr lang="en-IE" sz="1800" dirty="0">
+                <a:highlight>
+                  <a:srgbClr val="000000"/>
+                </a:highlight>
+                <a:latin typeface="Cambria" panose="02040503050406030204" pitchFamily="18" charset="0"/>
+                <a:ea typeface="MS Mincho" panose="02020609040205080304" pitchFamily="49" charset="-128"/>
+                <a:cs typeface="Times New Roman" panose="02020603050405020304" pitchFamily="18" charset="0"/>
+              </a:rPr>
+              <a:t>:</a:t>
+            </a:r>
+            <a:r>
+              <a:rPr lang="en-IE" sz="1800" dirty="0">
+                <a:effectLst/>
+                <a:highlight>
+                  <a:srgbClr val="000000"/>
+                </a:highlight>
+                <a:latin typeface="Cambria" panose="02040503050406030204" pitchFamily="18" charset="0"/>
+                <a:ea typeface="MS Mincho" panose="02020609040205080304" pitchFamily="49" charset="-128"/>
+                <a:cs typeface="Times New Roman" panose="02020603050405020304" pitchFamily="18" charset="0"/>
+              </a:rPr>
+              <a:t> Semaphore Enter: The Philosopher sits down which decrements semaphore.</a:t>
+            </a:r>
+          </a:p>
+          <a:p>
+            <a:r>
+              <a:rPr lang="en-IE" sz="1800" dirty="0">
+                <a:solidFill>
+                  <a:schemeClr val="bg1"/>
+                </a:solidFill>
+                <a:effectLst/>
+                <a:highlight>
+                  <a:srgbClr val="000000"/>
+                </a:highlight>
+                <a:latin typeface="Cambria" panose="02040503050406030204" pitchFamily="18" charset="0"/>
+                <a:ea typeface="MS Mincho" panose="02020609040205080304" pitchFamily="49" charset="-128"/>
+                <a:cs typeface="Times New Roman" panose="02020603050405020304" pitchFamily="18" charset="0"/>
+              </a:rPr>
+              <a:t>.</a:t>
+            </a:r>
+            <a:r>
+              <a:rPr lang="en-IE" sz="1800" dirty="0">
+                <a:effectLst/>
+                <a:highlight>
+                  <a:srgbClr val="000000"/>
+                </a:highlight>
+                <a:latin typeface="Cambria" panose="02040503050406030204" pitchFamily="18" charset="0"/>
+                <a:ea typeface="MS Mincho" panose="02020609040205080304" pitchFamily="49" charset="-128"/>
+                <a:cs typeface="Times New Roman" panose="02020603050405020304" pitchFamily="18" charset="0"/>
+              </a:rPr>
+              <a:t>SS</a:t>
+            </a:r>
+            <a:r>
+              <a:rPr lang="en-IE" sz="1800" dirty="0">
+                <a:highlight>
+                  <a:srgbClr val="000000"/>
+                </a:highlight>
+                <a:latin typeface="Cambria" panose="02040503050406030204" pitchFamily="18" charset="0"/>
+                <a:ea typeface="MS Mincho" panose="02020609040205080304" pitchFamily="49" charset="-128"/>
+                <a:cs typeface="Times New Roman" panose="02020603050405020304" pitchFamily="18" charset="0"/>
+              </a:rPr>
+              <a:t>:</a:t>
+            </a:r>
+            <a:r>
+              <a:rPr lang="en-IE" sz="1800" dirty="0">
+                <a:effectLst/>
+                <a:highlight>
+                  <a:srgbClr val="000000"/>
+                </a:highlight>
+                <a:latin typeface="Cambria" panose="02040503050406030204" pitchFamily="18" charset="0"/>
+                <a:ea typeface="MS Mincho" panose="02020609040205080304" pitchFamily="49" charset="-128"/>
+                <a:cs typeface="Times New Roman" panose="02020603050405020304" pitchFamily="18" charset="0"/>
+              </a:rPr>
+              <a:t> Semaphore Signal: The Philosopher gets up, which increments semaphores and allows others to sit down.</a:t>
+            </a:r>
+          </a:p>
+          <a:p>
+            <a:r>
+              <a:rPr lang="en-IE" sz="1800" dirty="0">
+                <a:solidFill>
+                  <a:schemeClr val="bg1"/>
+                </a:solidFill>
+                <a:highlight>
+                  <a:srgbClr val="000000"/>
+                </a:highlight>
+                <a:latin typeface="Cambria" panose="02040503050406030204" pitchFamily="18" charset="0"/>
+                <a:ea typeface="MS Mincho" panose="02020609040205080304" pitchFamily="49" charset="-128"/>
+                <a:cs typeface="Times New Roman" panose="02020603050405020304" pitchFamily="18" charset="0"/>
+              </a:rPr>
+              <a:t>.</a:t>
+            </a:r>
+            <a:r>
+              <a:rPr lang="en-IE" sz="1800" dirty="0">
+                <a:effectLst/>
+                <a:highlight>
+                  <a:srgbClr val="000000"/>
+                </a:highlight>
+                <a:latin typeface="Cambria" panose="02040503050406030204" pitchFamily="18" charset="0"/>
+                <a:ea typeface="MS Mincho" panose="02020609040205080304" pitchFamily="49" charset="-128"/>
+                <a:cs typeface="Times New Roman" panose="02020603050405020304" pitchFamily="18" charset="0"/>
+              </a:rPr>
+              <a:t>MW</a:t>
+            </a:r>
+            <a:r>
+              <a:rPr lang="en-IE" sz="1800" dirty="0">
+                <a:highlight>
+                  <a:srgbClr val="000000"/>
+                </a:highlight>
+                <a:latin typeface="Cambria" panose="02040503050406030204" pitchFamily="18" charset="0"/>
+                <a:ea typeface="MS Mincho" panose="02020609040205080304" pitchFamily="49" charset="-128"/>
+                <a:cs typeface="Times New Roman" panose="02020603050405020304" pitchFamily="18" charset="0"/>
+              </a:rPr>
+              <a:t>:</a:t>
+            </a:r>
+            <a:r>
+              <a:rPr lang="en-IE" sz="1800" dirty="0">
+                <a:effectLst/>
+                <a:highlight>
+                  <a:srgbClr val="000000"/>
+                </a:highlight>
+                <a:latin typeface="Cambria" panose="02040503050406030204" pitchFamily="18" charset="0"/>
+                <a:ea typeface="MS Mincho" panose="02020609040205080304" pitchFamily="49" charset="-128"/>
+                <a:cs typeface="Times New Roman" panose="02020603050405020304" pitchFamily="18" charset="0"/>
+              </a:rPr>
+              <a:t> Mutex Wait: </a:t>
+            </a:r>
+            <a:r>
+              <a:rPr lang="en-IE" sz="1800" dirty="0">
+                <a:highlight>
+                  <a:srgbClr val="000000"/>
+                </a:highlight>
+                <a:latin typeface="Cambria" panose="02040503050406030204" pitchFamily="18" charset="0"/>
+                <a:ea typeface="MS Mincho" panose="02020609040205080304" pitchFamily="49" charset="-128"/>
+                <a:cs typeface="Times New Roman" panose="02020603050405020304" pitchFamily="18" charset="0"/>
+              </a:rPr>
+              <a:t>One of the Philosophers trying to pick up a fork(mutex), but fork is already in use</a:t>
+            </a:r>
+            <a:r>
+              <a:rPr lang="en-IE" sz="1800" dirty="0">
+                <a:effectLst/>
+                <a:highlight>
+                  <a:srgbClr val="000000"/>
+                </a:highlight>
+                <a:latin typeface="Cambria" panose="02040503050406030204" pitchFamily="18" charset="0"/>
+                <a:ea typeface="MS Mincho" panose="02020609040205080304" pitchFamily="49" charset="-128"/>
+                <a:cs typeface="Times New Roman" panose="02020603050405020304" pitchFamily="18" charset="0"/>
+              </a:rPr>
+              <a:t>.</a:t>
+            </a:r>
+          </a:p>
+          <a:p>
+            <a:r>
+              <a:rPr lang="en-IE" sz="1800" dirty="0">
+                <a:solidFill>
+                  <a:schemeClr val="bg1"/>
+                </a:solidFill>
+                <a:effectLst/>
+                <a:highlight>
+                  <a:srgbClr val="000000"/>
+                </a:highlight>
+                <a:latin typeface="Cambria" panose="02040503050406030204" pitchFamily="18" charset="0"/>
+                <a:ea typeface="MS Mincho" panose="02020609040205080304" pitchFamily="49" charset="-128"/>
+                <a:cs typeface="Times New Roman" panose="02020603050405020304" pitchFamily="18" charset="0"/>
+              </a:rPr>
+              <a:t>.</a:t>
+            </a:r>
+            <a:r>
+              <a:rPr lang="en-IE" sz="1800" dirty="0">
+                <a:effectLst/>
+                <a:highlight>
+                  <a:srgbClr val="000000"/>
+                </a:highlight>
+                <a:latin typeface="Cambria" panose="02040503050406030204" pitchFamily="18" charset="0"/>
+                <a:ea typeface="MS Mincho" panose="02020609040205080304" pitchFamily="49" charset="-128"/>
+                <a:cs typeface="Times New Roman" panose="02020603050405020304" pitchFamily="18" charset="0"/>
+              </a:rPr>
+              <a:t>ML</a:t>
+            </a:r>
+            <a:r>
+              <a:rPr lang="en-IE" sz="1800" dirty="0">
+                <a:highlight>
+                  <a:srgbClr val="000000"/>
+                </a:highlight>
+                <a:latin typeface="Cambria" panose="02040503050406030204" pitchFamily="18" charset="0"/>
+                <a:ea typeface="MS Mincho" panose="02020609040205080304" pitchFamily="49" charset="-128"/>
+                <a:cs typeface="Times New Roman" panose="02020603050405020304" pitchFamily="18" charset="0"/>
+              </a:rPr>
+              <a:t>:</a:t>
+            </a:r>
+            <a:r>
+              <a:rPr lang="en-IE" sz="1800" dirty="0">
+                <a:effectLst/>
+                <a:highlight>
+                  <a:srgbClr val="000000"/>
+                </a:highlight>
+                <a:latin typeface="Cambria" panose="02040503050406030204" pitchFamily="18" charset="0"/>
+                <a:ea typeface="MS Mincho" panose="02020609040205080304" pitchFamily="49" charset="-128"/>
+                <a:cs typeface="Times New Roman" panose="02020603050405020304" pitchFamily="18" charset="0"/>
+              </a:rPr>
+              <a:t> Mutex Lock: </a:t>
+            </a:r>
+            <a:r>
+              <a:rPr lang="en-IE" sz="1800" dirty="0">
+                <a:highlight>
+                  <a:srgbClr val="000000"/>
+                </a:highlight>
+                <a:latin typeface="Cambria" panose="02040503050406030204" pitchFamily="18" charset="0"/>
+                <a:ea typeface="MS Mincho" panose="02020609040205080304" pitchFamily="49" charset="-128"/>
+                <a:cs typeface="Times New Roman" panose="02020603050405020304" pitchFamily="18" charset="0"/>
+              </a:rPr>
+              <a:t>One of the Philosophers picks up a fork(mutex) and locks the mutex lock.</a:t>
+            </a:r>
+            <a:endParaRPr lang="en-IE" sz="1800" dirty="0">
+              <a:effectLst/>
+              <a:highlight>
+                <a:srgbClr val="000000"/>
+              </a:highlight>
+              <a:latin typeface="Cambria" panose="02040503050406030204" pitchFamily="18" charset="0"/>
+              <a:ea typeface="MS Mincho" panose="02020609040205080304" pitchFamily="49" charset="-128"/>
+              <a:cs typeface="Times New Roman" panose="02020603050405020304" pitchFamily="18" charset="0"/>
+            </a:endParaRPr>
+          </a:p>
+          <a:p>
+            <a:r>
+              <a:rPr lang="en-IE" sz="1800" dirty="0">
+                <a:solidFill>
+                  <a:schemeClr val="bg1"/>
+                </a:solidFill>
+                <a:effectLst/>
+                <a:highlight>
+                  <a:srgbClr val="000000"/>
+                </a:highlight>
+                <a:latin typeface="Cambria" panose="02040503050406030204" pitchFamily="18" charset="0"/>
+                <a:ea typeface="MS Mincho" panose="02020609040205080304" pitchFamily="49" charset="-128"/>
+                <a:cs typeface="Times New Roman" panose="02020603050405020304" pitchFamily="18" charset="0"/>
+              </a:rPr>
+              <a:t>.</a:t>
+            </a:r>
+            <a:r>
+              <a:rPr lang="en-IE" sz="1800" dirty="0">
+                <a:effectLst/>
+                <a:highlight>
+                  <a:srgbClr val="000000"/>
+                </a:highlight>
+                <a:latin typeface="Cambria" panose="02040503050406030204" pitchFamily="18" charset="0"/>
+                <a:ea typeface="MS Mincho" panose="02020609040205080304" pitchFamily="49" charset="-128"/>
+                <a:cs typeface="Times New Roman" panose="02020603050405020304" pitchFamily="18" charset="0"/>
+              </a:rPr>
+              <a:t>MU</a:t>
+            </a:r>
+            <a:r>
+              <a:rPr lang="en-IE" sz="1800" dirty="0">
+                <a:highlight>
+                  <a:srgbClr val="000000"/>
+                </a:highlight>
+                <a:latin typeface="Cambria" panose="02040503050406030204" pitchFamily="18" charset="0"/>
+                <a:ea typeface="MS Mincho" panose="02020609040205080304" pitchFamily="49" charset="-128"/>
+                <a:cs typeface="Times New Roman" panose="02020603050405020304" pitchFamily="18" charset="0"/>
+              </a:rPr>
+              <a:t>:</a:t>
+            </a:r>
+            <a:r>
+              <a:rPr lang="en-IE" sz="1800" dirty="0">
+                <a:effectLst/>
+                <a:highlight>
+                  <a:srgbClr val="000000"/>
+                </a:highlight>
+                <a:latin typeface="Cambria" panose="02040503050406030204" pitchFamily="18" charset="0"/>
+                <a:ea typeface="MS Mincho" panose="02020609040205080304" pitchFamily="49" charset="-128"/>
+                <a:cs typeface="Times New Roman" panose="02020603050405020304" pitchFamily="18" charset="0"/>
+              </a:rPr>
+              <a:t> Mutex Unlock: </a:t>
+            </a:r>
+            <a:r>
+              <a:rPr lang="en-IE" sz="1800" dirty="0">
+                <a:highlight>
+                  <a:srgbClr val="000000"/>
+                </a:highlight>
+                <a:latin typeface="Cambria" panose="02040503050406030204" pitchFamily="18" charset="0"/>
+                <a:ea typeface="MS Mincho" panose="02020609040205080304" pitchFamily="49" charset="-128"/>
+                <a:cs typeface="Times New Roman" panose="02020603050405020304" pitchFamily="18" charset="0"/>
+              </a:rPr>
+              <a:t>Philosopher puts down a fork and unlocks the mutex lock.</a:t>
+            </a:r>
+            <a:endParaRPr lang="en-IE" sz="1800" dirty="0">
+              <a:effectLst/>
+              <a:highlight>
+                <a:srgbClr val="000000"/>
+              </a:highlight>
+              <a:latin typeface="Cambria" panose="02040503050406030204" pitchFamily="18" charset="0"/>
+              <a:ea typeface="MS Mincho" panose="02020609040205080304" pitchFamily="49" charset="-128"/>
+              <a:cs typeface="Times New Roman" panose="02020603050405020304" pitchFamily="18" charset="0"/>
+            </a:endParaRPr>
+          </a:p>
+        </p:txBody>
+      </p:sp>
       <p:pic>
         <p:nvPicPr>
-          <p:cNvPr id="7" name="Picture 6" descr="A group of icons with text&#10;&#10;Description automatically generated">
+          <p:cNvPr id="7" name="Picture 6" descr="A screenshot of a computer&#10;&#10;Description automatically generated">
             <a:extLst>
               <a:ext uri="{FF2B5EF4-FFF2-40B4-BE49-F238E27FC236}">
-                <a16:creationId xmlns:a16="http://schemas.microsoft.com/office/drawing/2014/main" id="{665889E4-31A3-CFA1-8A30-757C920BF566}"/>
+                <a16:creationId xmlns:a16="http://schemas.microsoft.com/office/drawing/2014/main" id="{C0E4A68E-2614-C9BE-4D0B-BC035A1FA3AF}"/>
               </a:ext>
             </a:extLst>
           </p:cNvPr>
@@ -12570,8 +12950,8 @@
         </p:blipFill>
         <p:spPr>
           <a:xfrm>
-            <a:off x="1141413" y="1942307"/>
-            <a:ext cx="9905998" cy="4228460"/>
+            <a:off x="528759" y="959326"/>
+            <a:ext cx="14568492" cy="2469674"/>
           </a:xfrm>
           <a:prstGeom prst="rect">
             <a:avLst/>
@@ -12580,10 +12960,10 @@
       </p:pic>
       <p:sp>
         <p:nvSpPr>
-          <p:cNvPr id="3" name="TextBox 2">
+          <p:cNvPr id="9" name="TextBox 8">
             <a:extLst>
               <a:ext uri="{FF2B5EF4-FFF2-40B4-BE49-F238E27FC236}">
-                <a16:creationId xmlns:a16="http://schemas.microsoft.com/office/drawing/2014/main" id="{3B5AF558-87D9-D45E-1B11-39E19DD2B549}"/>
+                <a16:creationId xmlns:a16="http://schemas.microsoft.com/office/drawing/2014/main" id="{4FDCB1CC-AE8E-0894-A573-D7AB81E37511}"/>
               </a:ext>
             </a:extLst>
           </p:cNvPr>
@@ -12592,8 +12972,8 @@
         </p:nvSpPr>
         <p:spPr>
           <a:xfrm>
-            <a:off x="1435261" y="1192192"/>
-            <a:ext cx="5498940" cy="646331"/>
+            <a:off x="2366892" y="3429000"/>
+            <a:ext cx="7603670" cy="369332"/>
           </a:xfrm>
           <a:prstGeom prst="rect">
             <a:avLst/>
@@ -12601,63 +12981,23 @@
           <a:noFill/>
         </p:spPr>
         <p:txBody>
-          <a:bodyPr wrap="square" rtlCol="0">
+          <a:bodyPr wrap="square">
             <a:spAutoFit/>
           </a:bodyPr>
           <a:lstStyle/>
           <a:p>
+            <a:pPr algn="ctr"/>
             <a:r>
               <a:rPr lang="en-US" dirty="0"/>
-              <a:t>We can remove </a:t>
+              <a:t>Screenshot is from </a:t>
             </a:r>
             <a:r>
               <a:rPr lang="en-US" dirty="0" err="1"/>
-              <a:t>Makefile</a:t>
+              <a:t>ThreadMentor</a:t>
             </a:r>
             <a:r>
               <a:rPr lang="en-US" dirty="0"/>
-              <a:t> after we compile the program. </a:t>
-            </a:r>
-          </a:p>
-          <a:p>
-            <a:r>
-              <a:rPr lang="en-US" dirty="0"/>
-              <a:t>Compilation also generates three classes.</a:t>
-            </a:r>
-          </a:p>
-        </p:txBody>
-      </p:sp>
-      <p:sp>
-        <p:nvSpPr>
-          <p:cNvPr id="4" name="TextBox 3">
-            <a:extLst>
-              <a:ext uri="{FF2B5EF4-FFF2-40B4-BE49-F238E27FC236}">
-                <a16:creationId xmlns:a16="http://schemas.microsoft.com/office/drawing/2014/main" id="{15E2B8B3-739E-3EC7-3576-3BE02493FE98}"/>
-              </a:ext>
-            </a:extLst>
-          </p:cNvPr>
-          <p:cNvSpPr txBox="1"/>
-          <p:nvPr/>
-        </p:nvSpPr>
-        <p:spPr>
-          <a:xfrm>
-            <a:off x="3396342" y="6274551"/>
-            <a:ext cx="4865914" cy="369332"/>
-          </a:xfrm>
-          <a:prstGeom prst="rect">
-            <a:avLst/>
-          </a:prstGeom>
-          <a:noFill/>
-        </p:spPr>
-        <p:txBody>
-          <a:bodyPr wrap="square" rtlCol="0">
-            <a:spAutoFit/>
-          </a:bodyPr>
-          <a:lstStyle/>
-          <a:p>
-            <a:r>
-              <a:rPr lang="en-US" dirty="0"/>
-              <a:t>Screenshot was taken in Mageia8 (22/04/2024)</a:t>
+              <a:t> four chair solution was taken on 20/04/2024</a:t>
             </a:r>
           </a:p>
         </p:txBody>
@@ -12665,7 +13005,7 @@
     </p:spTree>
     <p:extLst>
       <p:ext uri="{BB962C8B-B14F-4D97-AF65-F5344CB8AC3E}">
-        <p14:creationId xmlns:p14="http://schemas.microsoft.com/office/powerpoint/2010/main" val="3032352033"/>
+        <p14:creationId xmlns:p14="http://schemas.microsoft.com/office/powerpoint/2010/main" val="1761199311"/>
       </p:ext>
     </p:extLst>
   </p:cSld>
@@ -12709,7 +13049,7 @@
         <p:spPr>
           <a:xfrm>
             <a:off x="1446213" y="619761"/>
-            <a:ext cx="9905998" cy="803882"/>
+            <a:ext cx="4802187" cy="803882"/>
           </a:xfrm>
           <a:prstGeom prst="rect">
             <a:avLst/>
@@ -12745,7 +13085,7 @@
                   <a:schemeClr val="bg1"/>
                 </a:solidFill>
               </a:rPr>
-              <a:t>Results and Analysis:</a:t>
+              <a:t>Analysis and Results:</a:t>
             </a:r>
             <a:endParaRPr lang="en-IE" dirty="0">
               <a:solidFill>
@@ -12757,10 +13097,10 @@
       </p:sp>
       <p:sp>
         <p:nvSpPr>
-          <p:cNvPr id="2" name="TextBox 1">
+          <p:cNvPr id="5" name="TextBox 4">
             <a:extLst>
               <a:ext uri="{FF2B5EF4-FFF2-40B4-BE49-F238E27FC236}">
-                <a16:creationId xmlns:a16="http://schemas.microsoft.com/office/drawing/2014/main" id="{613AE58D-1A06-A447-671A-27CC423D2690}"/>
+                <a16:creationId xmlns:a16="http://schemas.microsoft.com/office/drawing/2014/main" id="{18653AAD-EC51-EFDA-389F-1E6AEA7F616D}"/>
               </a:ext>
             </a:extLst>
           </p:cNvPr>
@@ -12769,8 +13109,8 @@
         </p:nvSpPr>
         <p:spPr>
           <a:xfrm>
-            <a:off x="1328057" y="2079170"/>
-            <a:ext cx="8588828" cy="1569660"/>
+            <a:off x="838200" y="1433450"/>
+            <a:ext cx="2090058" cy="461665"/>
           </a:xfrm>
           <a:prstGeom prst="rect">
             <a:avLst/>
@@ -12783,45 +13123,132 @@
           </a:bodyPr>
           <a:lstStyle/>
           <a:p>
-            <a:pPr marL="342900" indent="-342900">
-              <a:buFont typeface="Arial" panose="020B0604020202020204" pitchFamily="34" charset="0"/>
-              <a:buChar char="•"/>
-            </a:pPr>
-            <a:r>
-              <a:rPr lang="en-US" sz="2400" cap="all" dirty="0"/>
-              <a:t>starvation</a:t>
-            </a:r>
-          </a:p>
-          <a:p>
-            <a:pPr marL="342900" indent="-342900">
-              <a:buFont typeface="Arial" panose="020B0604020202020204" pitchFamily="34" charset="0"/>
-              <a:buChar char="•"/>
-            </a:pPr>
-            <a:r>
-              <a:rPr lang="en-US" sz="2400" cap="all" dirty="0"/>
-              <a:t>Mutex Locks</a:t>
-            </a:r>
-          </a:p>
-          <a:p>
-            <a:pPr marL="342900" indent="-342900">
-              <a:buFont typeface="Arial" panose="020B0604020202020204" pitchFamily="34" charset="0"/>
-              <a:buChar char="•"/>
-            </a:pPr>
-            <a:r>
-              <a:rPr lang="en-US" sz="2400" cap="all" dirty="0"/>
-              <a:t>Semaphores</a:t>
-            </a:r>
-          </a:p>
-          <a:p>
-            <a:pPr marL="342900" indent="-342900">
-              <a:buFont typeface="Arial" panose="020B0604020202020204" pitchFamily="34" charset="0"/>
-              <a:buChar char="•"/>
-            </a:pPr>
-            <a:endParaRPr lang="en-US" sz="2400" cap="all" dirty="0">
-              <a:solidFill>
-                <a:schemeClr val="tx2"/>
-              </a:solidFill>
+            <a:r>
+              <a:rPr lang="en-US" sz="2400" cap="all" dirty="0">
+                <a:highlight>
+                  <a:srgbClr val="000000"/>
+                </a:highlight>
+              </a:rPr>
+              <a:t>1. starvation</a:t>
+            </a:r>
+          </a:p>
+        </p:txBody>
+      </p:sp>
+      <p:sp>
+        <p:nvSpPr>
+          <p:cNvPr id="9" name="TextBox 8">
+            <a:extLst>
+              <a:ext uri="{FF2B5EF4-FFF2-40B4-BE49-F238E27FC236}">
+                <a16:creationId xmlns:a16="http://schemas.microsoft.com/office/drawing/2014/main" id="{59FF38AE-7B85-F8CD-24F6-0B1E003E99D2}"/>
+              </a:ext>
+            </a:extLst>
+          </p:cNvPr>
+          <p:cNvSpPr txBox="1"/>
+          <p:nvPr/>
+        </p:nvSpPr>
+        <p:spPr>
+          <a:xfrm>
+            <a:off x="838200" y="2857076"/>
+            <a:ext cx="9307286" cy="2031325"/>
+          </a:xfrm>
+          <a:prstGeom prst="rect">
+            <a:avLst/>
+          </a:prstGeom>
+          <a:noFill/>
+        </p:spPr>
+        <p:txBody>
+          <a:bodyPr wrap="square" rtlCol="0">
+            <a:spAutoFit/>
+          </a:bodyPr>
+          <a:lstStyle/>
+          <a:p>
+            <a:r>
+              <a:rPr lang="en-IE" b="0" i="0" u="none" strike="noStrike" dirty="0">
+                <a:effectLst/>
+                <a:highlight>
+                  <a:srgbClr val="000000"/>
+                </a:highlight>
+                <a:latin typeface="-webkit-standard"/>
+              </a:rPr>
+              <a:t>Let’s imagine two philosophers are fast thinkers and fast eaters. They think fast and get hungry fast. Then, they sit down in opposite chairs as shown below. Because they are so fast, it is possible that they can lock their chopsticks and eat. After finish eating and before their neighbours can lock the chopsticks and eat, they come back again and lock the chopsticks and eat. In this case, the other three philosophers, even though they have been sitting for a long time, they have no chance to eat. This is called starvation. Note that it is not a deadlock because there is no circular waiting, and everyone has a chance to eat! (</a:t>
+            </a:r>
+            <a:r>
+              <a:rPr lang="en-IE" sz="1800" dirty="0" err="1">
+                <a:highlight>
+                  <a:srgbClr val="000000"/>
+                </a:highlight>
+              </a:rPr>
+              <a:t>Dr.</a:t>
+            </a:r>
+            <a:r>
+              <a:rPr lang="en-IE" sz="1800" dirty="0">
+                <a:highlight>
+                  <a:srgbClr val="000000"/>
+                </a:highlight>
+              </a:rPr>
+              <a:t> C.-K. </a:t>
+            </a:r>
+            <a:r>
+              <a:rPr lang="en-IE" sz="1800" dirty="0" err="1">
+                <a:highlight>
+                  <a:srgbClr val="000000"/>
+                </a:highlight>
+              </a:rPr>
+              <a:t>Shene</a:t>
+            </a:r>
+            <a:r>
+              <a:rPr lang="en-IE" sz="1800" dirty="0">
+                <a:highlight>
+                  <a:srgbClr val="000000"/>
+                </a:highlight>
+              </a:rPr>
+              <a:t>, 2001)</a:t>
+            </a:r>
+            <a:endParaRPr lang="en-US" dirty="0">
+              <a:highlight>
+                <a:srgbClr val="000000"/>
+              </a:highlight>
             </a:endParaRPr>
+          </a:p>
+        </p:txBody>
+      </p:sp>
+      <p:sp>
+        <p:nvSpPr>
+          <p:cNvPr id="11" name="TextBox 10">
+            <a:extLst>
+              <a:ext uri="{FF2B5EF4-FFF2-40B4-BE49-F238E27FC236}">
+                <a16:creationId xmlns:a16="http://schemas.microsoft.com/office/drawing/2014/main" id="{CC69E8F7-2D13-547F-41E5-25440BD8F8B1}"/>
+              </a:ext>
+            </a:extLst>
+          </p:cNvPr>
+          <p:cNvSpPr txBox="1"/>
+          <p:nvPr/>
+        </p:nvSpPr>
+        <p:spPr>
+          <a:xfrm>
+            <a:off x="838199" y="2191429"/>
+            <a:ext cx="8098971" cy="369332"/>
+          </a:xfrm>
+          <a:prstGeom prst="rect">
+            <a:avLst/>
+          </a:prstGeom>
+          <a:noFill/>
+        </p:spPr>
+        <p:txBody>
+          <a:bodyPr wrap="square" rtlCol="0">
+            <a:spAutoFit/>
+          </a:bodyPr>
+          <a:lstStyle/>
+          <a:p>
+            <a:r>
+              <a:rPr lang="en-US" dirty="0">
+                <a:highlight>
+                  <a:srgbClr val="000000"/>
+                </a:highlight>
+                <a:latin typeface="-webkit-standard"/>
+              </a:rPr>
+              <a:t>Catching a starvation was unsuccessful due to a very less chance of occurrence, but:</a:t>
+            </a:r>
           </a:p>
         </p:txBody>
       </p:sp>
@@ -12855,97 +13282,6 @@
           <a:chExt cx="0" cy="0"/>
         </a:xfrm>
       </p:grpSpPr>
-      <p:sp>
-        <p:nvSpPr>
-          <p:cNvPr id="2" name="Title 1">
-            <a:extLst>
-              <a:ext uri="{FF2B5EF4-FFF2-40B4-BE49-F238E27FC236}">
-                <a16:creationId xmlns:a16="http://schemas.microsoft.com/office/drawing/2014/main" id="{75958C27-AEAD-28B8-6C38-2699A6354868}"/>
-              </a:ext>
-            </a:extLst>
-          </p:cNvPr>
-          <p:cNvSpPr>
-            <a:spLocks noGrp="1"/>
-          </p:cNvSpPr>
-          <p:nvPr>
-            <p:ph type="title"/>
-          </p:nvPr>
-        </p:nvSpPr>
-        <p:spPr>
-          <a:xfrm>
-            <a:off x="1446213" y="619761"/>
-            <a:ext cx="9905998" cy="803882"/>
-          </a:xfrm>
-        </p:spPr>
-        <p:txBody>
-          <a:bodyPr/>
-          <a:lstStyle/>
-          <a:p>
-            <a:r>
-              <a:rPr lang="en-GB" dirty="0">
-                <a:solidFill>
-                  <a:schemeClr val="bg1"/>
-                </a:solidFill>
-              </a:rPr>
-              <a:t>Results and Analysis</a:t>
-            </a:r>
-            <a:endParaRPr lang="en-IE" dirty="0">
-              <a:solidFill>
-                <a:schemeClr val="bg1"/>
-              </a:solidFill>
-            </a:endParaRPr>
-          </a:p>
-        </p:txBody>
-      </p:sp>
-      <p:sp>
-        <p:nvSpPr>
-          <p:cNvPr id="9" name="TextBox 8">
-            <a:extLst>
-              <a:ext uri="{FF2B5EF4-FFF2-40B4-BE49-F238E27FC236}">
-                <a16:creationId xmlns:a16="http://schemas.microsoft.com/office/drawing/2014/main" id="{C185EAF9-FD17-69BE-A8E1-F77037846927}"/>
-              </a:ext>
-            </a:extLst>
-          </p:cNvPr>
-          <p:cNvSpPr txBox="1"/>
-          <p:nvPr/>
-        </p:nvSpPr>
-        <p:spPr>
-          <a:xfrm>
-            <a:off x="794587" y="4667301"/>
-            <a:ext cx="10717859" cy="1754326"/>
-          </a:xfrm>
-          <a:prstGeom prst="rect">
-            <a:avLst/>
-          </a:prstGeom>
-          <a:noFill/>
-        </p:spPr>
-        <p:txBody>
-          <a:bodyPr wrap="square" rtlCol="0">
-            <a:spAutoFit/>
-          </a:bodyPr>
-          <a:lstStyle/>
-          <a:p>
-            <a:r>
-              <a:rPr lang="en-GB" sz="1800" dirty="0">
-                <a:effectLst/>
-                <a:latin typeface="Arial" panose="020B0604020202020204" pitchFamily="34" charset="0"/>
-                <a:ea typeface="SimSun" panose="02010600030101010101" pitchFamily="2" charset="-122"/>
-                <a:cs typeface="Mangal" panose="02040503050203030202" pitchFamily="18" charset="0"/>
-              </a:rPr>
-              <a:t>Philosopher0 finished eating, because thread is finished. Philospoher1 was locked from eating(red line) and MU means chopsticks are unlocked and he is eating. Philosopher</a:t>
-            </a:r>
-            <a:r>
-              <a:rPr lang="en-GB" dirty="0">
-                <a:latin typeface="Arial" panose="020B0604020202020204" pitchFamily="34" charset="0"/>
-                <a:ea typeface="SimSun" panose="02010600030101010101" pitchFamily="2" charset="-122"/>
-                <a:cs typeface="Mangal" panose="02040503050203030202" pitchFamily="18" charset="0"/>
-              </a:rPr>
-              <a:t>2 is in wait phase(MLW). Philosopher3 was eating, after semaphore signal, the Philosopehr3 had to give up the chair, and once he took his seat back(SE) he waited for the chopstick(MW). Philosopher4 was eating, after he gave a signal(SS) so bouncer asked him to wait, and after some time he entered eating again(SE)  and MW means he waited for chopsticks. </a:t>
-            </a:r>
-            <a:endParaRPr lang="en-IE" dirty="0"/>
-          </a:p>
-        </p:txBody>
-      </p:sp>
       <p:pic>
         <p:nvPicPr>
           <p:cNvPr id="10" name="Picture 9" descr="A screenshot of a computer&#10;&#10;Description automatically generated">
@@ -12968,14 +13304,219 @@
         </p:blipFill>
         <p:spPr>
           <a:xfrm>
-            <a:off x="1446213" y="1453044"/>
-            <a:ext cx="7772400" cy="3004580"/>
+            <a:off x="1544183" y="1596710"/>
+            <a:ext cx="7772400" cy="2720336"/>
           </a:xfrm>
           <a:prstGeom prst="rect">
             <a:avLst/>
           </a:prstGeom>
         </p:spPr>
       </p:pic>
+      <p:sp>
+        <p:nvSpPr>
+          <p:cNvPr id="5" name="Title 1">
+            <a:extLst>
+              <a:ext uri="{FF2B5EF4-FFF2-40B4-BE49-F238E27FC236}">
+                <a16:creationId xmlns:a16="http://schemas.microsoft.com/office/drawing/2014/main" id="{A3640B12-9F3F-ABBB-9440-DC78B1D190ED}"/>
+              </a:ext>
+            </a:extLst>
+          </p:cNvPr>
+          <p:cNvSpPr txBox="1">
+            <a:spLocks/>
+          </p:cNvSpPr>
+          <p:nvPr/>
+        </p:nvSpPr>
+        <p:spPr>
+          <a:xfrm>
+            <a:off x="1351329" y="227876"/>
+            <a:ext cx="4802187" cy="803882"/>
+          </a:xfrm>
+          <a:prstGeom prst="rect">
+            <a:avLst/>
+          </a:prstGeom>
+        </p:spPr>
+        <p:txBody>
+          <a:bodyPr vert="horz" lIns="91440" tIns="45720" rIns="91440" bIns="45720" rtlCol="0" anchor="ctr">
+            <a:normAutofit/>
+          </a:bodyPr>
+          <a:lstStyle>
+            <a:lvl1pPr algn="l" defTabSz="914400" rtl="0" eaLnBrk="1" latinLnBrk="0" hangingPunct="1">
+              <a:lnSpc>
+                <a:spcPct val="90000"/>
+              </a:lnSpc>
+              <a:spcBef>
+                <a:spcPct val="0"/>
+              </a:spcBef>
+              <a:buNone/>
+              <a:defRPr sz="3600" kern="1200" cap="all" baseline="0">
+                <a:solidFill>
+                  <a:schemeClr val="tx1"/>
+                </a:solidFill>
+                <a:latin typeface="+mj-lt"/>
+                <a:ea typeface="+mj-ea"/>
+                <a:cs typeface="+mj-cs"/>
+              </a:defRPr>
+            </a:lvl1pPr>
+          </a:lstStyle>
+          <a:p>
+            <a:r>
+              <a:rPr lang="en-GB" dirty="0">
+                <a:solidFill>
+                  <a:schemeClr val="bg1"/>
+                </a:solidFill>
+              </a:rPr>
+              <a:t>Analysis and Results:</a:t>
+            </a:r>
+            <a:endParaRPr lang="en-IE" dirty="0">
+              <a:solidFill>
+                <a:schemeClr val="bg1"/>
+              </a:solidFill>
+            </a:endParaRPr>
+          </a:p>
+        </p:txBody>
+      </p:sp>
+      <p:sp>
+        <p:nvSpPr>
+          <p:cNvPr id="7" name="TextBox 6">
+            <a:extLst>
+              <a:ext uri="{FF2B5EF4-FFF2-40B4-BE49-F238E27FC236}">
+                <a16:creationId xmlns:a16="http://schemas.microsoft.com/office/drawing/2014/main" id="{437D62BE-E757-ACBB-B559-C876553F405E}"/>
+              </a:ext>
+            </a:extLst>
+          </p:cNvPr>
+          <p:cNvSpPr txBox="1"/>
+          <p:nvPr/>
+        </p:nvSpPr>
+        <p:spPr>
+          <a:xfrm>
+            <a:off x="1056664" y="945014"/>
+            <a:ext cx="2298473" cy="461665"/>
+          </a:xfrm>
+          <a:prstGeom prst="rect">
+            <a:avLst/>
+          </a:prstGeom>
+          <a:noFill/>
+        </p:spPr>
+        <p:txBody>
+          <a:bodyPr wrap="square" rtlCol="0">
+            <a:spAutoFit/>
+          </a:bodyPr>
+          <a:lstStyle/>
+          <a:p>
+            <a:r>
+              <a:rPr lang="en-US" sz="2400" cap="all" dirty="0">
+                <a:highlight>
+                  <a:srgbClr val="000000"/>
+                </a:highlight>
+              </a:rPr>
+              <a:t>2. SEMAPHOREs</a:t>
+            </a:r>
+          </a:p>
+        </p:txBody>
+      </p:sp>
+      <p:sp>
+        <p:nvSpPr>
+          <p:cNvPr id="12" name="TextBox 11">
+            <a:extLst>
+              <a:ext uri="{FF2B5EF4-FFF2-40B4-BE49-F238E27FC236}">
+                <a16:creationId xmlns:a16="http://schemas.microsoft.com/office/drawing/2014/main" id="{6467BD9A-F792-EB51-CB95-0EAD95465667}"/>
+              </a:ext>
+            </a:extLst>
+          </p:cNvPr>
+          <p:cNvSpPr txBox="1"/>
+          <p:nvPr/>
+        </p:nvSpPr>
+        <p:spPr>
+          <a:xfrm>
+            <a:off x="384087" y="4881998"/>
+            <a:ext cx="11423826" cy="1477328"/>
+          </a:xfrm>
+          <a:prstGeom prst="rect">
+            <a:avLst/>
+          </a:prstGeom>
+          <a:noFill/>
+        </p:spPr>
+        <p:txBody>
+          <a:bodyPr wrap="square" rtlCol="0">
+            <a:spAutoFit/>
+          </a:bodyPr>
+          <a:lstStyle/>
+          <a:p>
+            <a:r>
+              <a:rPr lang="en-GB" sz="1800" dirty="0">
+                <a:effectLst/>
+                <a:highlight>
+                  <a:srgbClr val="000000"/>
+                </a:highlight>
+                <a:latin typeface="Arial" panose="020B0604020202020204" pitchFamily="34" charset="0"/>
+                <a:ea typeface="SimSun" panose="02010600030101010101" pitchFamily="2" charset="-122"/>
+                <a:cs typeface="Mangal" panose="02040503050203030202" pitchFamily="18" charset="0"/>
+              </a:rPr>
+              <a:t>Philosopher0 finished eating, because thread is finished. Philospoher1 was locked from eating(red line) and MU means chopsticks are unlocked and he is eating. Philosopher</a:t>
+            </a:r>
+            <a:r>
+              <a:rPr lang="en-GB" dirty="0">
+                <a:highlight>
+                  <a:srgbClr val="000000"/>
+                </a:highlight>
+                <a:latin typeface="Arial" panose="020B0604020202020204" pitchFamily="34" charset="0"/>
+                <a:ea typeface="SimSun" panose="02010600030101010101" pitchFamily="2" charset="-122"/>
+                <a:cs typeface="Mangal" panose="02040503050203030202" pitchFamily="18" charset="0"/>
+              </a:rPr>
+              <a:t>2 is in wait phase(MLW). Philosopher3 was eating, after semaphore signal, the Philosopehr3 had to give up the chair, and once he took his seat back(SE) he waited for the chopstick(MW). Philosopher4 was eating, after he gave a signal(SS) so bouncer asked him to wait, and after some time he entered eating again(SE)  and MW means he waited for chopsticks. </a:t>
+            </a:r>
+            <a:endParaRPr lang="en-IE" dirty="0">
+              <a:highlight>
+                <a:srgbClr val="000000"/>
+              </a:highlight>
+            </a:endParaRPr>
+          </a:p>
+        </p:txBody>
+      </p:sp>
+      <p:sp>
+        <p:nvSpPr>
+          <p:cNvPr id="13" name="TextBox 12">
+            <a:extLst>
+              <a:ext uri="{FF2B5EF4-FFF2-40B4-BE49-F238E27FC236}">
+                <a16:creationId xmlns:a16="http://schemas.microsoft.com/office/drawing/2014/main" id="{CF863A1C-F4E5-B2FE-A79E-EBD9C8B8D582}"/>
+              </a:ext>
+            </a:extLst>
+          </p:cNvPr>
+          <p:cNvSpPr txBox="1"/>
+          <p:nvPr/>
+        </p:nvSpPr>
+        <p:spPr>
+          <a:xfrm>
+            <a:off x="1712913" y="4327932"/>
+            <a:ext cx="7603670" cy="369332"/>
+          </a:xfrm>
+          <a:prstGeom prst="rect">
+            <a:avLst/>
+          </a:prstGeom>
+          <a:noFill/>
+        </p:spPr>
+        <p:txBody>
+          <a:bodyPr wrap="square">
+            <a:spAutoFit/>
+          </a:bodyPr>
+          <a:lstStyle/>
+          <a:p>
+            <a:pPr algn="ctr"/>
+            <a:r>
+              <a:rPr lang="en-US" dirty="0"/>
+              <a:t>Screenshot is from </a:t>
+            </a:r>
+            <a:r>
+              <a:rPr lang="en-US" dirty="0" err="1"/>
+              <a:t>ThreadMentor</a:t>
+            </a:r>
+            <a:r>
+              <a:rPr lang="en-US" dirty="0"/>
+              <a:t> four chair solution was taken on 20/04/2024</a:t>
+            </a:r>
+          </a:p>
+        </p:txBody>
+      </p:sp>
     </p:spTree>
     <p:extLst>
       <p:ext uri="{BB962C8B-B14F-4D97-AF65-F5344CB8AC3E}">
@@ -16527,6 +17068,15 @@
               <a:defRPr/>
             </a:pPr>
             <a:r>
+              <a:rPr lang="en-GB" sz="2000" dirty="0">
+                <a:solidFill>
+                  <a:prstClr val="white"/>
+                </a:solidFill>
+                <a:latin typeface="Tw Cen MT" panose="020B0602020104020603"/>
+              </a:rPr>
+              <a:t>Analysis</a:t>
+            </a:r>
+            <a:r>
               <a:rPr kumimoji="0" lang="en-GB" sz="2000" b="0" i="0" u="none" strike="noStrike" kern="1200" cap="none" spc="0" normalizeH="0" baseline="0" noProof="0" dirty="0">
                 <a:ln>
                   <a:noFill/>
@@ -16541,7 +17091,7 @@
                 <a:ea typeface="+mn-ea"/>
                 <a:cs typeface="+mn-cs"/>
               </a:rPr>
-              <a:t>Results and Analysis </a:t>
+              <a:t> </a:t>
             </a:r>
           </a:p>
           <a:p>
@@ -16683,15 +17233,7 @@
           <a:p>
             <a:r>
               <a:rPr lang="en-GB" dirty="0"/>
-              <a:t>Concurrency: </a:t>
-            </a:r>
-            <a:r>
-              <a:rPr lang="en-GB" dirty="0" err="1"/>
-              <a:t>Os</a:t>
-            </a:r>
-            <a:r>
-              <a:rPr lang="en-GB" dirty="0"/>
-              <a:t> ability to execute simultaneous tasks</a:t>
+              <a:t>Concurrency: OS ability to execute simultaneous tasks</a:t>
             </a:r>
           </a:p>
           <a:p>
@@ -21576,7 +22118,7 @@
           <p:cNvPr id="2" name="Title 1">
             <a:extLst>
               <a:ext uri="{FF2B5EF4-FFF2-40B4-BE49-F238E27FC236}">
-                <a16:creationId xmlns:a16="http://schemas.microsoft.com/office/drawing/2014/main" id="{7B98C2F0-4798-FBFD-6F0F-EE0914E2AB57}"/>
+                <a16:creationId xmlns:a16="http://schemas.microsoft.com/office/drawing/2014/main" id="{EF7350A4-D056-2AD6-8543-2741CCBB9C33}"/>
               </a:ext>
             </a:extLst>
           </p:cNvPr>
@@ -21589,12 +22131,14 @@
         </p:nvSpPr>
         <p:spPr>
           <a:xfrm>
-            <a:off x="1143001" y="359228"/>
-            <a:ext cx="9905998" cy="598715"/>
+            <a:off x="983848" y="618518"/>
+            <a:ext cx="10063563" cy="573674"/>
           </a:xfrm>
         </p:spPr>
         <p:txBody>
-          <a:bodyPr/>
+          <a:bodyPr>
+            <a:normAutofit fontScale="90000"/>
+          </a:bodyPr>
           <a:lstStyle/>
           <a:p>
             <a:r>
@@ -21603,7 +22147,7 @@
                   <a:schemeClr val="bg1"/>
                 </a:solidFill>
               </a:rPr>
-              <a:t>Tags used in our solution int threadmentor</a:t>
+              <a:t>MAKEFILE</a:t>
             </a:r>
             <a:endParaRPr lang="en-IE" dirty="0">
               <a:solidFill>
@@ -21618,7 +22162,7 @@
           <p:cNvPr id="3" name="Content Placeholder 2">
             <a:extLst>
               <a:ext uri="{FF2B5EF4-FFF2-40B4-BE49-F238E27FC236}">
-                <a16:creationId xmlns:a16="http://schemas.microsoft.com/office/drawing/2014/main" id="{6E13F4D0-4940-9F8D-A2CC-27836A627B5A}"/>
+                <a16:creationId xmlns:a16="http://schemas.microsoft.com/office/drawing/2014/main" id="{584EF30F-E1F6-77AC-DDA7-0A152AD0B3F7}"/>
               </a:ext>
             </a:extLst>
           </p:cNvPr>
@@ -21631,402 +22175,373 @@
         </p:nvSpPr>
         <p:spPr>
           <a:xfrm>
-            <a:off x="265196" y="3860324"/>
-            <a:ext cx="11807062" cy="2906488"/>
+            <a:off x="983849" y="1983269"/>
+            <a:ext cx="9828314" cy="3387384"/>
           </a:xfrm>
         </p:spPr>
         <p:txBody>
           <a:bodyPr>
-            <a:normAutofit/>
+            <a:normAutofit lnSpcReduction="10000"/>
           </a:bodyPr>
           <a:lstStyle/>
           <a:p>
-            <a:r>
-              <a:rPr lang="en-IE" sz="1800" dirty="0">
+            <a:pPr marL="0" indent="0">
+              <a:buNone/>
+            </a:pPr>
+            <a:r>
+              <a:rPr lang="en-US" cap="all" dirty="0">
                 <a:solidFill>
                   <a:schemeClr val="bg1"/>
                 </a:solidFill>
-                <a:effectLst/>
-                <a:highlight>
-                  <a:srgbClr val="000000"/>
-                </a:highlight>
-                <a:latin typeface="Cambria" panose="02040503050406030204" pitchFamily="18" charset="0"/>
-                <a:ea typeface="MS Mincho" panose="02020609040205080304" pitchFamily="49" charset="-128"/>
-                <a:cs typeface="Times New Roman" panose="02020603050405020304" pitchFamily="18" charset="0"/>
               </a:rPr>
-              <a:t>.</a:t>
-            </a:r>
-            <a:r>
-              <a:rPr lang="en-IE" sz="1800" dirty="0">
-                <a:effectLst/>
-                <a:highlight>
-                  <a:srgbClr val="000000"/>
-                </a:highlight>
-                <a:latin typeface="Cambria" panose="02040503050406030204" pitchFamily="18" charset="0"/>
-                <a:ea typeface="MS Mincho" panose="02020609040205080304" pitchFamily="49" charset="-128"/>
-                <a:cs typeface="Times New Roman" panose="02020603050405020304" pitchFamily="18" charset="0"/>
-              </a:rPr>
-              <a:t>SW: Semaphore Wait: A Philosopher attempts to sit down, but all chairs are occupied(decrements the semaphore).</a:t>
-            </a:r>
-          </a:p>
-          <a:p>
-            <a:r>
-              <a:rPr lang="en-IE" sz="1800" dirty="0">
+              <a:t>For our case we need only three files to compile:</a:t>
+            </a:r>
+            <a:endParaRPr lang="en-US" sz="2400" cap="all" dirty="0">
+              <a:solidFill>
+                <a:schemeClr val="bg1"/>
+              </a:solidFill>
+            </a:endParaRPr>
+          </a:p>
+          <a:p>
+            <a:pPr marL="342900" indent="-342900"/>
+            <a:r>
+              <a:rPr lang="en-US" cap="all" dirty="0">
                 <a:solidFill>
                   <a:schemeClr val="bg1"/>
                 </a:solidFill>
+              </a:rPr>
+              <a:t>First: </a:t>
+            </a:r>
+            <a:r>
+              <a:rPr lang="en-US" cap="all" dirty="0">
+                <a:solidFill>
+                  <a:schemeClr val="tx2"/>
+                </a:solidFill>
+              </a:rPr>
+              <a:t>Philosopher-4chairs.h: </a:t>
+            </a:r>
+            <a:r>
+              <a:rPr lang="en-GB" sz="1800" dirty="0">
                 <a:effectLst/>
-                <a:highlight>
-                  <a:srgbClr val="000000"/>
-                </a:highlight>
-                <a:latin typeface="Cambria" panose="02040503050406030204" pitchFamily="18" charset="0"/>
-                <a:ea typeface="MS Mincho" panose="02020609040205080304" pitchFamily="49" charset="-128"/>
-                <a:cs typeface="Times New Roman" panose="02020603050405020304" pitchFamily="18" charset="0"/>
+                <a:latin typeface="Arial" panose="020B0604020202020204" pitchFamily="34" charset="0"/>
+                <a:ea typeface="SimSun" panose="02010600030101010101" pitchFamily="2" charset="-122"/>
+                <a:cs typeface="Mangal" panose="02040503050203030202" pitchFamily="18" charset="0"/>
               </a:rPr>
-              <a:t>.</a:t>
-            </a:r>
-            <a:r>
-              <a:rPr lang="en-IE" sz="1800" dirty="0">
+              <a:t>Foundation and takes two arguments: </a:t>
+            </a:r>
+            <a:r>
+              <a:rPr lang="en-GB" sz="1800" b="1" dirty="0">
                 <a:effectLst/>
-                <a:highlight>
-                  <a:srgbClr val="000000"/>
-                </a:highlight>
-                <a:latin typeface="Cambria" panose="02040503050406030204" pitchFamily="18" charset="0"/>
-                <a:ea typeface="MS Mincho" panose="02020609040205080304" pitchFamily="49" charset="-128"/>
-                <a:cs typeface="Times New Roman" panose="02020603050405020304" pitchFamily="18" charset="0"/>
+                <a:latin typeface="Arial" panose="020B0604020202020204" pitchFamily="34" charset="0"/>
+                <a:ea typeface="SimSun" panose="02010600030101010101" pitchFamily="2" charset="-122"/>
+                <a:cs typeface="Mangal" panose="02040503050203030202" pitchFamily="18" charset="0"/>
               </a:rPr>
-              <a:t>SE</a:t>
-            </a:r>
-            <a:r>
-              <a:rPr lang="en-IE" sz="1800" dirty="0">
-                <a:highlight>
-                  <a:srgbClr val="000000"/>
-                </a:highlight>
-                <a:latin typeface="Cambria" panose="02040503050406030204" pitchFamily="18" charset="0"/>
-                <a:ea typeface="MS Mincho" panose="02020609040205080304" pitchFamily="49" charset="-128"/>
-                <a:cs typeface="Times New Roman" panose="02020603050405020304" pitchFamily="18" charset="0"/>
+              <a:t>NUMBER(philosophers)</a:t>
+            </a:r>
+            <a:r>
+              <a:rPr lang="en-GB" sz="1800" dirty="0">
+                <a:effectLst/>
+                <a:latin typeface="Arial" panose="020B0604020202020204" pitchFamily="34" charset="0"/>
+                <a:ea typeface="SimSun" panose="02010600030101010101" pitchFamily="2" charset="-122"/>
+                <a:cs typeface="Mangal" panose="02040503050203030202" pitchFamily="18" charset="0"/>
               </a:rPr>
-              <a:t>:</a:t>
-            </a:r>
-            <a:r>
-              <a:rPr lang="en-IE" sz="1800" dirty="0">
+              <a:t>, and </a:t>
+            </a:r>
+            <a:r>
+              <a:rPr lang="en-GB" sz="1800" b="1" dirty="0">
                 <a:effectLst/>
-                <a:highlight>
-                  <a:srgbClr val="000000"/>
-                </a:highlight>
-                <a:latin typeface="Cambria" panose="02040503050406030204" pitchFamily="18" charset="0"/>
-                <a:ea typeface="MS Mincho" panose="02020609040205080304" pitchFamily="49" charset="-128"/>
-                <a:cs typeface="Times New Roman" panose="02020603050405020304" pitchFamily="18" charset="0"/>
+                <a:latin typeface="Arial" panose="020B0604020202020204" pitchFamily="34" charset="0"/>
+                <a:ea typeface="SimSun" panose="02010600030101010101" pitchFamily="2" charset="-122"/>
+                <a:cs typeface="Mangal" panose="02040503050203030202" pitchFamily="18" charset="0"/>
               </a:rPr>
-              <a:t> Semaphore Enter: The Philosopher sits down which decrements semaphore.</a:t>
-            </a:r>
-          </a:p>
-          <a:p>
-            <a:r>
-              <a:rPr lang="en-IE" sz="1800" dirty="0">
+              <a:t>ITER(eating cycles)</a:t>
+            </a:r>
+            <a:r>
+              <a:rPr lang="en-GB" sz="1800" b="1" dirty="0">
+                <a:latin typeface="Arial" panose="020B0604020202020204" pitchFamily="34" charset="0"/>
+                <a:ea typeface="SimSun" panose="02010600030101010101" pitchFamily="2" charset="-122"/>
+                <a:cs typeface="Mangal" panose="02040503050203030202" pitchFamily="18" charset="0"/>
+              </a:rPr>
+              <a:t>. </a:t>
+            </a:r>
+            <a:endParaRPr lang="en-US" sz="2400" cap="all" dirty="0">
+              <a:solidFill>
+                <a:schemeClr val="tx2"/>
+              </a:solidFill>
+            </a:endParaRPr>
+          </a:p>
+          <a:p>
+            <a:pPr marL="342900" indent="-342900"/>
+            <a:r>
+              <a:rPr lang="en-US" sz="2400" cap="all" dirty="0">
                 <a:solidFill>
                   <a:schemeClr val="bg1"/>
                 </a:solidFill>
+              </a:rPr>
+              <a:t>SECOND: </a:t>
+            </a:r>
+            <a:r>
+              <a:rPr lang="en-US" cap="all" dirty="0">
+                <a:solidFill>
+                  <a:schemeClr val="tx2"/>
+                </a:solidFill>
+              </a:rPr>
+              <a:t>Philosopher-4chairs.cpp: </a:t>
+            </a:r>
+            <a:r>
+              <a:rPr lang="en-GB" sz="1800" dirty="0">
                 <a:effectLst/>
-                <a:highlight>
-                  <a:srgbClr val="000000"/>
-                </a:highlight>
-                <a:latin typeface="Cambria" panose="02040503050406030204" pitchFamily="18" charset="0"/>
-                <a:ea typeface="MS Mincho" panose="02020609040205080304" pitchFamily="49" charset="-128"/>
-                <a:cs typeface="Times New Roman" panose="02020603050405020304" pitchFamily="18" charset="0"/>
+                <a:latin typeface="Arial" panose="020B0604020202020204" pitchFamily="34" charset="0"/>
+                <a:ea typeface="SimSun" panose="02010600030101010101" pitchFamily="2" charset="-122"/>
+                <a:cs typeface="Mangal" panose="02040503050203030202" pitchFamily="18" charset="0"/>
               </a:rPr>
-              <a:t>.</a:t>
+              <a:t>Establishes rules(</a:t>
+            </a:r>
+            <a:r>
+              <a:rPr lang="en-GB" sz="1800" dirty="0" err="1">
+                <a:effectLst/>
+                <a:latin typeface="Arial" panose="020B0604020202020204" pitchFamily="34" charset="0"/>
+                <a:ea typeface="SimSun" panose="02010600030101010101" pitchFamily="2" charset="-122"/>
+                <a:cs typeface="Mangal" panose="02040503050203030202" pitchFamily="18" charset="0"/>
+              </a:rPr>
+              <a:t>Semaphors</a:t>
+            </a:r>
+            <a:r>
+              <a:rPr lang="en-GB" sz="1800" dirty="0">
+                <a:effectLst/>
+                <a:latin typeface="Arial" panose="020B0604020202020204" pitchFamily="34" charset="0"/>
+                <a:ea typeface="SimSun" panose="02010600030101010101" pitchFamily="2" charset="-122"/>
+                <a:cs typeface="Mangal" panose="02040503050203030202" pitchFamily="18" charset="0"/>
+              </a:rPr>
+              <a:t>, Mutex Locks), acts like a bouncer</a:t>
+            </a:r>
+            <a:r>
+              <a:rPr lang="en-IE" sz="1400" dirty="0">
+                <a:effectLst/>
+                <a:latin typeface="Arial" panose="020B0604020202020204" pitchFamily="34" charset="0"/>
+                <a:ea typeface="SimSun" panose="02010600030101010101" pitchFamily="2" charset="-122"/>
+                <a:cs typeface="Mangal" panose="02040503050203030202" pitchFamily="18" charset="0"/>
+              </a:rPr>
+              <a:t> </a:t>
             </a:r>
             <a:r>
               <a:rPr lang="en-IE" sz="1800" dirty="0">
                 <a:effectLst/>
-                <a:highlight>
-                  <a:srgbClr val="000000"/>
-                </a:highlight>
-                <a:latin typeface="Cambria" panose="02040503050406030204" pitchFamily="18" charset="0"/>
-                <a:ea typeface="MS Mincho" panose="02020609040205080304" pitchFamily="49" charset="-128"/>
-                <a:cs typeface="Times New Roman" panose="02020603050405020304" pitchFamily="18" charset="0"/>
+                <a:latin typeface="Arial" panose="020B0604020202020204" pitchFamily="34" charset="0"/>
+                <a:ea typeface="SimSun" panose="02010600030101010101" pitchFamily="2" charset="-122"/>
+                <a:cs typeface="Mangal" panose="02040503050203030202" pitchFamily="18" charset="0"/>
               </a:rPr>
-              <a:t>SS</a:t>
-            </a:r>
-            <a:r>
-              <a:rPr lang="en-IE" sz="1800" dirty="0">
-                <a:highlight>
-                  <a:srgbClr val="000000"/>
-                </a:highlight>
-                <a:latin typeface="Cambria" panose="02040503050406030204" pitchFamily="18" charset="0"/>
-                <a:ea typeface="MS Mincho" panose="02020609040205080304" pitchFamily="49" charset="-128"/>
-                <a:cs typeface="Times New Roman" panose="02020603050405020304" pitchFamily="18" charset="0"/>
+              <a:t>with help of semaphores and </a:t>
+            </a:r>
+            <a:r>
+              <a:rPr lang="en-GB" sz="1800" dirty="0">
+                <a:effectLst/>
+                <a:latin typeface="Arial" panose="020B0604020202020204" pitchFamily="34" charset="0"/>
+                <a:ea typeface="SimSun" panose="02010600030101010101" pitchFamily="2" charset="-122"/>
+                <a:cs typeface="Mangal" panose="02040503050203030202" pitchFamily="18" charset="0"/>
               </a:rPr>
-              <a:t>:</a:t>
-            </a:r>
-            <a:r>
-              <a:rPr lang="en-IE" sz="1800" dirty="0">
-                <a:effectLst/>
-                <a:highlight>
-                  <a:srgbClr val="000000"/>
-                </a:highlight>
-                <a:latin typeface="Cambria" panose="02040503050406030204" pitchFamily="18" charset="0"/>
-                <a:ea typeface="MS Mincho" panose="02020609040205080304" pitchFamily="49" charset="-128"/>
-                <a:cs typeface="Times New Roman" panose="02020603050405020304" pitchFamily="18" charset="0"/>
-              </a:rPr>
-              <a:t> Semaphore Signal: The Philosopher gets up, which increments semaphores and allows others to sit down.</a:t>
-            </a:r>
-          </a:p>
-          <a:p>
-            <a:r>
-              <a:rPr lang="en-IE" sz="1800" dirty="0">
+              <a:t>Mutexes locks, to make sure everyone picks up and puts down their chopsticks and seats </a:t>
+            </a:r>
+          </a:p>
+          <a:p>
+            <a:pPr marL="342900" indent="-342900"/>
+            <a:r>
+              <a:rPr lang="en-US" sz="2400" cap="all" dirty="0">
                 <a:solidFill>
                   <a:schemeClr val="bg1"/>
                 </a:solidFill>
-                <a:highlight>
-                  <a:srgbClr val="000000"/>
-                </a:highlight>
-                <a:latin typeface="Cambria" panose="02040503050406030204" pitchFamily="18" charset="0"/>
-                <a:ea typeface="MS Mincho" panose="02020609040205080304" pitchFamily="49" charset="-128"/>
-                <a:cs typeface="Times New Roman" panose="02020603050405020304" pitchFamily="18" charset="0"/>
               </a:rPr>
-              <a:t>.</a:t>
-            </a:r>
-            <a:r>
-              <a:rPr lang="en-IE" sz="1800" dirty="0">
+              <a:t>THIRD: </a:t>
+            </a:r>
+            <a:r>
+              <a:rPr lang="en-US" cap="all" dirty="0">
+                <a:solidFill>
+                  <a:schemeClr val="tx2"/>
+                </a:solidFill>
+              </a:rPr>
+              <a:t>main.cpp: </a:t>
+            </a:r>
+            <a:r>
+              <a:rPr lang="en-GB" sz="1800" dirty="0">
                 <a:effectLst/>
-                <a:highlight>
-                  <a:srgbClr val="000000"/>
-                </a:highlight>
-                <a:latin typeface="Cambria" panose="02040503050406030204" pitchFamily="18" charset="0"/>
-                <a:ea typeface="MS Mincho" panose="02020609040205080304" pitchFamily="49" charset="-128"/>
-                <a:cs typeface="Times New Roman" panose="02020603050405020304" pitchFamily="18" charset="0"/>
+                <a:latin typeface="Arial" panose="020B0604020202020204" pitchFamily="34" charset="0"/>
+                <a:ea typeface="SimSun" panose="02010600030101010101" pitchFamily="2" charset="-122"/>
+                <a:cs typeface="Mangal" panose="02040503050203030202" pitchFamily="18" charset="0"/>
               </a:rPr>
-              <a:t>MW</a:t>
-            </a:r>
-            <a:r>
-              <a:rPr lang="en-IE" sz="1800" dirty="0">
-                <a:highlight>
-                  <a:srgbClr val="000000"/>
-                </a:highlight>
-                <a:latin typeface="Cambria" panose="02040503050406030204" pitchFamily="18" charset="0"/>
-                <a:ea typeface="MS Mincho" panose="02020609040205080304" pitchFamily="49" charset="-128"/>
-                <a:cs typeface="Times New Roman" panose="02020603050405020304" pitchFamily="18" charset="0"/>
+              <a:t>Depends on </a:t>
+            </a:r>
+            <a:r>
+              <a:rPr lang="en-GB" sz="1800" dirty="0">
+                <a:latin typeface="Arial" panose="020B0604020202020204" pitchFamily="34" charset="0"/>
+                <a:ea typeface="SimSun" panose="02010600030101010101" pitchFamily="2" charset="-122"/>
+                <a:cs typeface="Mangal" panose="02040503050203030202" pitchFamily="18" charset="0"/>
               </a:rPr>
-              <a:t>:</a:t>
-            </a:r>
-            <a:r>
-              <a:rPr lang="en-IE" sz="1800" dirty="0">
+              <a:t>eating cycles, </a:t>
+            </a:r>
+            <a:r>
+              <a:rPr lang="en-GB" sz="1800" dirty="0">
                 <a:effectLst/>
-                <a:highlight>
-                  <a:srgbClr val="000000"/>
-                </a:highlight>
-                <a:latin typeface="Cambria" panose="02040503050406030204" pitchFamily="18" charset="0"/>
-                <a:ea typeface="MS Mincho" panose="02020609040205080304" pitchFamily="49" charset="-128"/>
-                <a:cs typeface="Times New Roman" panose="02020603050405020304" pitchFamily="18" charset="0"/>
+                <a:latin typeface="Arial" panose="020B0604020202020204" pitchFamily="34" charset="0"/>
+                <a:ea typeface="SimSun" panose="02010600030101010101" pitchFamily="2" charset="-122"/>
+                <a:cs typeface="Mangal" panose="02040503050203030202" pitchFamily="18" charset="0"/>
               </a:rPr>
-              <a:t> Mutex Wait: </a:t>
-            </a:r>
-            <a:r>
-              <a:rPr lang="en-IE" sz="1800" dirty="0">
-                <a:highlight>
-                  <a:srgbClr val="000000"/>
-                </a:highlight>
-                <a:latin typeface="Cambria" panose="02040503050406030204" pitchFamily="18" charset="0"/>
-                <a:ea typeface="MS Mincho" panose="02020609040205080304" pitchFamily="49" charset="-128"/>
-                <a:cs typeface="Times New Roman" panose="02020603050405020304" pitchFamily="18" charset="0"/>
-              </a:rPr>
-              <a:t>One of the Philosophers trying to pick up a fork(mutex), but fork is already in use</a:t>
-            </a:r>
-            <a:r>
-              <a:rPr lang="en-IE" sz="1800" dirty="0">
-                <a:effectLst/>
-                <a:highlight>
-                  <a:srgbClr val="000000"/>
-                </a:highlight>
-                <a:latin typeface="Cambria" panose="02040503050406030204" pitchFamily="18" charset="0"/>
-                <a:ea typeface="MS Mincho" panose="02020609040205080304" pitchFamily="49" charset="-128"/>
-                <a:cs typeface="Times New Roman" panose="02020603050405020304" pitchFamily="18" charset="0"/>
-              </a:rPr>
-              <a:t>.</a:t>
-            </a:r>
-          </a:p>
-          <a:p>
-            <a:r>
-              <a:rPr lang="en-IE" sz="1800" dirty="0">
-                <a:solidFill>
-                  <a:schemeClr val="bg1"/>
-                </a:solidFill>
-                <a:effectLst/>
-                <a:highlight>
-                  <a:srgbClr val="000000"/>
-                </a:highlight>
-                <a:latin typeface="Cambria" panose="02040503050406030204" pitchFamily="18" charset="0"/>
-                <a:ea typeface="MS Mincho" panose="02020609040205080304" pitchFamily="49" charset="-128"/>
-                <a:cs typeface="Times New Roman" panose="02020603050405020304" pitchFamily="18" charset="0"/>
-              </a:rPr>
-              <a:t>.</a:t>
-            </a:r>
-            <a:r>
-              <a:rPr lang="en-IE" sz="1800" dirty="0">
-                <a:effectLst/>
-                <a:highlight>
-                  <a:srgbClr val="000000"/>
-                </a:highlight>
-                <a:latin typeface="Cambria" panose="02040503050406030204" pitchFamily="18" charset="0"/>
-                <a:ea typeface="MS Mincho" panose="02020609040205080304" pitchFamily="49" charset="-128"/>
-                <a:cs typeface="Times New Roman" panose="02020603050405020304" pitchFamily="18" charset="0"/>
-              </a:rPr>
-              <a:t>ML</a:t>
-            </a:r>
-            <a:r>
-              <a:rPr lang="en-IE" sz="1800" dirty="0">
-                <a:highlight>
-                  <a:srgbClr val="000000"/>
-                </a:highlight>
-                <a:latin typeface="Cambria" panose="02040503050406030204" pitchFamily="18" charset="0"/>
-                <a:ea typeface="MS Mincho" panose="02020609040205080304" pitchFamily="49" charset="-128"/>
-                <a:cs typeface="Times New Roman" panose="02020603050405020304" pitchFamily="18" charset="0"/>
-              </a:rPr>
-              <a:t>:</a:t>
-            </a:r>
-            <a:r>
-              <a:rPr lang="en-IE" sz="1800" dirty="0">
-                <a:effectLst/>
-                <a:highlight>
-                  <a:srgbClr val="000000"/>
-                </a:highlight>
-                <a:latin typeface="Cambria" panose="02040503050406030204" pitchFamily="18" charset="0"/>
-                <a:ea typeface="MS Mincho" panose="02020609040205080304" pitchFamily="49" charset="-128"/>
-                <a:cs typeface="Times New Roman" panose="02020603050405020304" pitchFamily="18" charset="0"/>
-              </a:rPr>
-              <a:t> Mutex Lock: </a:t>
-            </a:r>
-            <a:r>
-              <a:rPr lang="en-IE" sz="1800" dirty="0">
-                <a:highlight>
-                  <a:srgbClr val="000000"/>
-                </a:highlight>
-                <a:latin typeface="Cambria" panose="02040503050406030204" pitchFamily="18" charset="0"/>
-                <a:ea typeface="MS Mincho" panose="02020609040205080304" pitchFamily="49" charset="-128"/>
-                <a:cs typeface="Times New Roman" panose="02020603050405020304" pitchFamily="18" charset="0"/>
-              </a:rPr>
-              <a:t>One of the Philosophers picks up a fork(mutex) and locks the mutex lock.</a:t>
-            </a:r>
-            <a:endParaRPr lang="en-IE" sz="1800" dirty="0">
-              <a:effectLst/>
-              <a:highlight>
-                <a:srgbClr val="000000"/>
-              </a:highlight>
-              <a:latin typeface="Cambria" panose="02040503050406030204" pitchFamily="18" charset="0"/>
-              <a:ea typeface="MS Mincho" panose="02020609040205080304" pitchFamily="49" charset="-128"/>
-              <a:cs typeface="Times New Roman" panose="02020603050405020304" pitchFamily="18" charset="0"/>
+              <a:t>generates threads for each philosopher, waits for everyone to complete, and exiting(ends the program).</a:t>
+            </a:r>
+            <a:endParaRPr lang="en-US" cap="all" dirty="0">
+              <a:solidFill>
+                <a:schemeClr val="tx2"/>
+              </a:solidFill>
             </a:endParaRPr>
           </a:p>
           <a:p>
-            <a:r>
-              <a:rPr lang="en-IE" sz="1800" dirty="0">
-                <a:solidFill>
-                  <a:schemeClr val="bg1"/>
-                </a:solidFill>
-                <a:effectLst/>
-                <a:highlight>
-                  <a:srgbClr val="000000"/>
-                </a:highlight>
-                <a:latin typeface="Cambria" panose="02040503050406030204" pitchFamily="18" charset="0"/>
-                <a:ea typeface="MS Mincho" panose="02020609040205080304" pitchFamily="49" charset="-128"/>
-                <a:cs typeface="Times New Roman" panose="02020603050405020304" pitchFamily="18" charset="0"/>
-              </a:rPr>
-              <a:t>.</a:t>
-            </a:r>
-            <a:r>
-              <a:rPr lang="en-IE" sz="1800" dirty="0">
-                <a:effectLst/>
-                <a:highlight>
-                  <a:srgbClr val="000000"/>
-                </a:highlight>
-                <a:latin typeface="Cambria" panose="02040503050406030204" pitchFamily="18" charset="0"/>
-                <a:ea typeface="MS Mincho" panose="02020609040205080304" pitchFamily="49" charset="-128"/>
-                <a:cs typeface="Times New Roman" panose="02020603050405020304" pitchFamily="18" charset="0"/>
-              </a:rPr>
-              <a:t>MU</a:t>
-            </a:r>
-            <a:r>
-              <a:rPr lang="en-IE" sz="1800" dirty="0">
-                <a:highlight>
-                  <a:srgbClr val="000000"/>
-                </a:highlight>
-                <a:latin typeface="Cambria" panose="02040503050406030204" pitchFamily="18" charset="0"/>
-                <a:ea typeface="MS Mincho" panose="02020609040205080304" pitchFamily="49" charset="-128"/>
-                <a:cs typeface="Times New Roman" panose="02020603050405020304" pitchFamily="18" charset="0"/>
-              </a:rPr>
-              <a:t>:</a:t>
-            </a:r>
-            <a:r>
-              <a:rPr lang="en-IE" sz="1800" dirty="0">
-                <a:effectLst/>
-                <a:highlight>
-                  <a:srgbClr val="000000"/>
-                </a:highlight>
-                <a:latin typeface="Cambria" panose="02040503050406030204" pitchFamily="18" charset="0"/>
-                <a:ea typeface="MS Mincho" panose="02020609040205080304" pitchFamily="49" charset="-128"/>
-                <a:cs typeface="Times New Roman" panose="02020603050405020304" pitchFamily="18" charset="0"/>
-              </a:rPr>
-              <a:t> Mutex Unlock: </a:t>
-            </a:r>
-            <a:r>
-              <a:rPr lang="en-IE" sz="1800" dirty="0">
-                <a:highlight>
-                  <a:srgbClr val="000000"/>
-                </a:highlight>
-                <a:latin typeface="Cambria" panose="02040503050406030204" pitchFamily="18" charset="0"/>
-                <a:ea typeface="MS Mincho" panose="02020609040205080304" pitchFamily="49" charset="-128"/>
-                <a:cs typeface="Times New Roman" panose="02020603050405020304" pitchFamily="18" charset="0"/>
-              </a:rPr>
-              <a:t>Philosopher puts down a fork and unlocks the mutex lock.</a:t>
-            </a:r>
-            <a:endParaRPr lang="en-IE" sz="1800" dirty="0">
-              <a:effectLst/>
-              <a:highlight>
-                <a:srgbClr val="000000"/>
-              </a:highlight>
-              <a:latin typeface="Cambria" panose="02040503050406030204" pitchFamily="18" charset="0"/>
-              <a:ea typeface="MS Mincho" panose="02020609040205080304" pitchFamily="49" charset="-128"/>
-              <a:cs typeface="Times New Roman" panose="02020603050405020304" pitchFamily="18" charset="0"/>
-            </a:endParaRPr>
+            <a:pPr marL="0" indent="0">
+              <a:buNone/>
+            </a:pPr>
+            <a:endParaRPr lang="en-GB" dirty="0"/>
           </a:p>
         </p:txBody>
       </p:sp>
-      <p:pic>
-        <p:nvPicPr>
-          <p:cNvPr id="7" name="Picture 6" descr="A screenshot of a computer&#10;&#10;Description automatically generated">
+      <p:sp>
+        <p:nvSpPr>
+          <p:cNvPr id="4" name="TextBox 3">
             <a:extLst>
               <a:ext uri="{FF2B5EF4-FFF2-40B4-BE49-F238E27FC236}">
-                <a16:creationId xmlns:a16="http://schemas.microsoft.com/office/drawing/2014/main" id="{C0E4A68E-2614-C9BE-4D0B-BC035A1FA3AF}"/>
+                <a16:creationId xmlns:a16="http://schemas.microsoft.com/office/drawing/2014/main" id="{ADE946F4-1C91-F018-3EE0-B9C8F40550E0}"/>
               </a:ext>
             </a:extLst>
           </p:cNvPr>
-          <p:cNvPicPr>
-            <a:picLocks noChangeAspect="1"/>
-          </p:cNvPicPr>
+          <p:cNvSpPr txBox="1"/>
           <p:nvPr/>
-        </p:nvPicPr>
-        <p:blipFill>
-          <a:blip r:embed="rId2"/>
-          <a:stretch>
-            <a:fillRect/>
-          </a:stretch>
-        </p:blipFill>
+        </p:nvSpPr>
         <p:spPr>
           <a:xfrm>
-            <a:off x="539645" y="1109273"/>
-            <a:ext cx="14568492" cy="2469674"/>
+            <a:off x="1400537" y="5879939"/>
+            <a:ext cx="9646874" cy="646331"/>
           </a:xfrm>
           <a:prstGeom prst="rect">
             <a:avLst/>
           </a:prstGeom>
+          <a:noFill/>
         </p:spPr>
-      </p:pic>
+        <p:txBody>
+          <a:bodyPr wrap="square" rtlCol="0">
+            <a:spAutoFit/>
+          </a:bodyPr>
+          <a:lstStyle/>
+          <a:p>
+            <a:r>
+              <a:rPr lang="en-US" dirty="0"/>
+              <a:t>Code snippets were taken from: </a:t>
+            </a:r>
+            <a:r>
+              <a:rPr lang="en-US" dirty="0">
+                <a:solidFill>
+                  <a:srgbClr val="FF0000"/>
+                </a:solidFill>
+              </a:rPr>
+              <a:t>https://</a:t>
+            </a:r>
+            <a:r>
+              <a:rPr lang="en-US" dirty="0" err="1">
+                <a:solidFill>
+                  <a:srgbClr val="FF0000"/>
+                </a:solidFill>
+              </a:rPr>
+              <a:t>pages.mtu.edu</a:t>
+            </a:r>
+            <a:r>
+              <a:rPr lang="en-US" dirty="0">
+                <a:solidFill>
+                  <a:srgbClr val="FF0000"/>
+                </a:solidFill>
+              </a:rPr>
+              <a:t>/~</a:t>
+            </a:r>
+            <a:r>
+              <a:rPr lang="en-US" dirty="0" err="1">
+                <a:solidFill>
+                  <a:srgbClr val="FF0000"/>
+                </a:solidFill>
+              </a:rPr>
+              <a:t>shene</a:t>
+            </a:r>
+            <a:r>
+              <a:rPr lang="en-US" dirty="0">
+                <a:solidFill>
+                  <a:srgbClr val="FF0000"/>
+                </a:solidFill>
+              </a:rPr>
+              <a:t>/NSF-3/e-Book/SEMA/TM-example-philos-4chairs.html</a:t>
+            </a:r>
+          </a:p>
+        </p:txBody>
+      </p:sp>
+      <p:sp>
+        <p:nvSpPr>
+          <p:cNvPr id="5" name="TextBox 4">
+            <a:extLst>
+              <a:ext uri="{FF2B5EF4-FFF2-40B4-BE49-F238E27FC236}">
+                <a16:creationId xmlns:a16="http://schemas.microsoft.com/office/drawing/2014/main" id="{019C868E-F6E5-EF29-4DD4-ECE872316D69}"/>
+              </a:ext>
+            </a:extLst>
+          </p:cNvPr>
+          <p:cNvSpPr txBox="1"/>
+          <p:nvPr/>
+        </p:nvSpPr>
+        <p:spPr>
+          <a:xfrm>
+            <a:off x="1073239" y="1192192"/>
+            <a:ext cx="10359341" cy="646331"/>
+          </a:xfrm>
+          <a:prstGeom prst="rect">
+            <a:avLst/>
+          </a:prstGeom>
+          <a:noFill/>
+        </p:spPr>
+        <p:txBody>
+          <a:bodyPr wrap="square" rtlCol="0">
+            <a:spAutoFit/>
+          </a:bodyPr>
+          <a:lstStyle/>
+          <a:p>
+            <a:r>
+              <a:rPr lang="en-IE" b="0" i="0" u="none" strike="noStrike" dirty="0">
+                <a:solidFill>
+                  <a:srgbClr val="ECECEC"/>
+                </a:solidFill>
+                <a:effectLst/>
+                <a:latin typeface="Söhne"/>
+              </a:rPr>
+              <a:t>This </a:t>
+            </a:r>
+            <a:r>
+              <a:rPr lang="en-IE" b="0" i="0" u="none" strike="noStrike" dirty="0" err="1">
+                <a:solidFill>
+                  <a:srgbClr val="ECECEC"/>
+                </a:solidFill>
+                <a:effectLst/>
+                <a:latin typeface="Söhne"/>
+              </a:rPr>
+              <a:t>Makefile</a:t>
+            </a:r>
+            <a:r>
+              <a:rPr lang="en-IE" b="0" i="0" u="none" strike="noStrike" dirty="0">
+                <a:solidFill>
+                  <a:srgbClr val="ECECEC"/>
+                </a:solidFill>
+                <a:effectLst/>
+                <a:latin typeface="Söhne"/>
+              </a:rPr>
+              <a:t> is designed for compiling C++ programs. It specifies the compiler command(CMD), allows for passing a CMD value, and defines the paths to the source files and libraries used in the compilation process.</a:t>
+            </a:r>
+            <a:endParaRPr lang="en-US" dirty="0"/>
+          </a:p>
+        </p:txBody>
+      </p:sp>
     </p:spTree>
     <p:extLst>
       <p:ext uri="{BB962C8B-B14F-4D97-AF65-F5344CB8AC3E}">
-        <p14:creationId xmlns:p14="http://schemas.microsoft.com/office/powerpoint/2010/main" val="1549833965"/>
+        <p14:creationId xmlns:p14="http://schemas.microsoft.com/office/powerpoint/2010/main" val="1615137160"/>
       </p:ext>
     </p:extLst>
   </p:cSld>
@@ -22058,7 +22573,7 @@
           <p:cNvPr id="2" name="Title 1">
             <a:extLst>
               <a:ext uri="{FF2B5EF4-FFF2-40B4-BE49-F238E27FC236}">
-                <a16:creationId xmlns:a16="http://schemas.microsoft.com/office/drawing/2014/main" id="{EF7350A4-D056-2AD6-8543-2741CCBB9C33}"/>
+                <a16:creationId xmlns:a16="http://schemas.microsoft.com/office/drawing/2014/main" id="{7B98C2F0-4798-FBFD-6F0F-EE0914E2AB57}"/>
               </a:ext>
             </a:extLst>
           </p:cNvPr>
@@ -22071,14 +22586,12 @@
         </p:nvSpPr>
         <p:spPr>
           <a:xfrm>
-            <a:off x="983848" y="618518"/>
-            <a:ext cx="10063563" cy="573674"/>
+            <a:off x="1141413" y="387024"/>
+            <a:ext cx="9905998" cy="916368"/>
           </a:xfrm>
         </p:spPr>
         <p:txBody>
-          <a:bodyPr>
-            <a:normAutofit fontScale="90000"/>
-          </a:bodyPr>
+          <a:bodyPr/>
           <a:lstStyle/>
           <a:p>
             <a:r>
@@ -22087,7 +22600,7 @@
                   <a:schemeClr val="bg1"/>
                 </a:solidFill>
               </a:rPr>
-              <a:t>MAKEFILE</a:t>
+              <a:t>FILEs after compilation</a:t>
             </a:r>
             <a:endParaRPr lang="en-IE" dirty="0">
               <a:solidFill>
@@ -22097,256 +22610,42 @@
           </a:p>
         </p:txBody>
       </p:sp>
-      <p:sp>
-        <p:nvSpPr>
-          <p:cNvPr id="3" name="Content Placeholder 2">
+      <p:pic>
+        <p:nvPicPr>
+          <p:cNvPr id="7" name="Picture 6" descr="A group of icons with text&#10;&#10;Description automatically generated">
             <a:extLst>
               <a:ext uri="{FF2B5EF4-FFF2-40B4-BE49-F238E27FC236}">
-                <a16:creationId xmlns:a16="http://schemas.microsoft.com/office/drawing/2014/main" id="{584EF30F-E1F6-77AC-DDA7-0A152AD0B3F7}"/>
+                <a16:creationId xmlns:a16="http://schemas.microsoft.com/office/drawing/2014/main" id="{665889E4-31A3-CFA1-8A30-757C920BF566}"/>
               </a:ext>
             </a:extLst>
           </p:cNvPr>
-          <p:cNvSpPr>
-            <a:spLocks noGrp="1"/>
-          </p:cNvSpPr>
-          <p:nvPr>
-            <p:ph idx="1"/>
-          </p:nvPr>
-        </p:nvSpPr>
+          <p:cNvPicPr>
+            <a:picLocks noChangeAspect="1"/>
+          </p:cNvPicPr>
+          <p:nvPr/>
+        </p:nvPicPr>
+        <p:blipFill>
+          <a:blip r:embed="rId2"/>
+          <a:stretch>
+            <a:fillRect/>
+          </a:stretch>
+        </p:blipFill>
         <p:spPr>
           <a:xfrm>
-            <a:off x="983849" y="1983269"/>
-            <a:ext cx="9828314" cy="3387384"/>
+            <a:off x="1141413" y="1942307"/>
+            <a:ext cx="9905998" cy="4228460"/>
           </a:xfrm>
+          <a:prstGeom prst="rect">
+            <a:avLst/>
+          </a:prstGeom>
         </p:spPr>
-        <p:txBody>
-          <a:bodyPr>
-            <a:normAutofit lnSpcReduction="10000"/>
-          </a:bodyPr>
-          <a:lstStyle/>
-          <a:p>
-            <a:pPr marL="0" indent="0">
-              <a:buNone/>
-            </a:pPr>
-            <a:r>
-              <a:rPr lang="en-US" cap="all" dirty="0">
-                <a:solidFill>
-                  <a:schemeClr val="bg1"/>
-                </a:solidFill>
-              </a:rPr>
-              <a:t>For our case we need only three files to compile:</a:t>
-            </a:r>
-            <a:endParaRPr lang="en-US" sz="2400" cap="all" dirty="0">
-              <a:solidFill>
-                <a:schemeClr val="bg1"/>
-              </a:solidFill>
-            </a:endParaRPr>
-          </a:p>
-          <a:p>
-            <a:pPr marL="342900" indent="-342900"/>
-            <a:r>
-              <a:rPr lang="en-US" cap="all" dirty="0">
-                <a:solidFill>
-                  <a:schemeClr val="bg1"/>
-                </a:solidFill>
-              </a:rPr>
-              <a:t>First: </a:t>
-            </a:r>
-            <a:r>
-              <a:rPr lang="en-US" cap="all" dirty="0">
-                <a:solidFill>
-                  <a:schemeClr val="tx2"/>
-                </a:solidFill>
-              </a:rPr>
-              <a:t>Philosopher-4chairs.h: </a:t>
-            </a:r>
-            <a:r>
-              <a:rPr lang="en-GB" sz="1800" dirty="0">
-                <a:effectLst/>
-                <a:latin typeface="Arial" panose="020B0604020202020204" pitchFamily="34" charset="0"/>
-                <a:ea typeface="SimSun" panose="02010600030101010101" pitchFamily="2" charset="-122"/>
-                <a:cs typeface="Mangal" panose="02040503050203030202" pitchFamily="18" charset="0"/>
-              </a:rPr>
-              <a:t>Foundation and takes two arguments: </a:t>
-            </a:r>
-            <a:r>
-              <a:rPr lang="en-GB" sz="1800" b="1" dirty="0">
-                <a:effectLst/>
-                <a:latin typeface="Arial" panose="020B0604020202020204" pitchFamily="34" charset="0"/>
-                <a:ea typeface="SimSun" panose="02010600030101010101" pitchFamily="2" charset="-122"/>
-                <a:cs typeface="Mangal" panose="02040503050203030202" pitchFamily="18" charset="0"/>
-              </a:rPr>
-              <a:t>NUMBER(philosophers)</a:t>
-            </a:r>
-            <a:r>
-              <a:rPr lang="en-GB" sz="1800" dirty="0">
-                <a:effectLst/>
-                <a:latin typeface="Arial" panose="020B0604020202020204" pitchFamily="34" charset="0"/>
-                <a:ea typeface="SimSun" panose="02010600030101010101" pitchFamily="2" charset="-122"/>
-                <a:cs typeface="Mangal" panose="02040503050203030202" pitchFamily="18" charset="0"/>
-              </a:rPr>
-              <a:t>, and </a:t>
-            </a:r>
-            <a:r>
-              <a:rPr lang="en-GB" sz="1800" b="1" dirty="0">
-                <a:effectLst/>
-                <a:latin typeface="Arial" panose="020B0604020202020204" pitchFamily="34" charset="0"/>
-                <a:ea typeface="SimSun" panose="02010600030101010101" pitchFamily="2" charset="-122"/>
-                <a:cs typeface="Mangal" panose="02040503050203030202" pitchFamily="18" charset="0"/>
-              </a:rPr>
-              <a:t>ITER(eating cycles)</a:t>
-            </a:r>
-            <a:r>
-              <a:rPr lang="en-GB" sz="1800" b="1" dirty="0">
-                <a:latin typeface="Arial" panose="020B0604020202020204" pitchFamily="34" charset="0"/>
-                <a:ea typeface="SimSun" panose="02010600030101010101" pitchFamily="2" charset="-122"/>
-                <a:cs typeface="Mangal" panose="02040503050203030202" pitchFamily="18" charset="0"/>
-              </a:rPr>
-              <a:t>. </a:t>
-            </a:r>
-            <a:endParaRPr lang="en-US" sz="2400" cap="all" dirty="0">
-              <a:solidFill>
-                <a:schemeClr val="tx2"/>
-              </a:solidFill>
-            </a:endParaRPr>
-          </a:p>
-          <a:p>
-            <a:pPr marL="342900" indent="-342900"/>
-            <a:r>
-              <a:rPr lang="en-US" sz="2400" cap="all" dirty="0">
-                <a:solidFill>
-                  <a:schemeClr val="bg1"/>
-                </a:solidFill>
-              </a:rPr>
-              <a:t>SECOND: </a:t>
-            </a:r>
-            <a:r>
-              <a:rPr lang="en-US" cap="all" dirty="0">
-                <a:solidFill>
-                  <a:schemeClr val="tx2"/>
-                </a:solidFill>
-              </a:rPr>
-              <a:t>Philosopher-4chairs.cpp: </a:t>
-            </a:r>
-            <a:r>
-              <a:rPr lang="en-GB" sz="1800" dirty="0">
-                <a:effectLst/>
-                <a:latin typeface="Arial" panose="020B0604020202020204" pitchFamily="34" charset="0"/>
-                <a:ea typeface="SimSun" panose="02010600030101010101" pitchFamily="2" charset="-122"/>
-                <a:cs typeface="Mangal" panose="02040503050203030202" pitchFamily="18" charset="0"/>
-              </a:rPr>
-              <a:t>Establishes rules(</a:t>
-            </a:r>
-            <a:r>
-              <a:rPr lang="en-GB" sz="1800" dirty="0" err="1">
-                <a:effectLst/>
-                <a:latin typeface="Arial" panose="020B0604020202020204" pitchFamily="34" charset="0"/>
-                <a:ea typeface="SimSun" panose="02010600030101010101" pitchFamily="2" charset="-122"/>
-                <a:cs typeface="Mangal" panose="02040503050203030202" pitchFamily="18" charset="0"/>
-              </a:rPr>
-              <a:t>Semaphors</a:t>
-            </a:r>
-            <a:r>
-              <a:rPr lang="en-GB" sz="1800" dirty="0">
-                <a:effectLst/>
-                <a:latin typeface="Arial" panose="020B0604020202020204" pitchFamily="34" charset="0"/>
-                <a:ea typeface="SimSun" panose="02010600030101010101" pitchFamily="2" charset="-122"/>
-                <a:cs typeface="Mangal" panose="02040503050203030202" pitchFamily="18" charset="0"/>
-              </a:rPr>
-              <a:t>, Mutex Locks), acts like a bouncer</a:t>
-            </a:r>
-            <a:r>
-              <a:rPr lang="en-IE" sz="1400" dirty="0">
-                <a:effectLst/>
-                <a:latin typeface="Arial" panose="020B0604020202020204" pitchFamily="34" charset="0"/>
-                <a:ea typeface="SimSun" panose="02010600030101010101" pitchFamily="2" charset="-122"/>
-                <a:cs typeface="Mangal" panose="02040503050203030202" pitchFamily="18" charset="0"/>
-              </a:rPr>
-              <a:t> </a:t>
-            </a:r>
-            <a:r>
-              <a:rPr lang="en-IE" sz="1800" dirty="0">
-                <a:effectLst/>
-                <a:latin typeface="Arial" panose="020B0604020202020204" pitchFamily="34" charset="0"/>
-                <a:ea typeface="SimSun" panose="02010600030101010101" pitchFamily="2" charset="-122"/>
-                <a:cs typeface="Mangal" panose="02040503050203030202" pitchFamily="18" charset="0"/>
-              </a:rPr>
-              <a:t>with help of semaphores and </a:t>
-            </a:r>
-            <a:r>
-              <a:rPr lang="en-GB" sz="1800" dirty="0">
-                <a:effectLst/>
-                <a:latin typeface="Arial" panose="020B0604020202020204" pitchFamily="34" charset="0"/>
-                <a:ea typeface="SimSun" panose="02010600030101010101" pitchFamily="2" charset="-122"/>
-                <a:cs typeface="Mangal" panose="02040503050203030202" pitchFamily="18" charset="0"/>
-              </a:rPr>
-              <a:t>Mutexes locks, to make sure everyone picks up and puts down their chopsticks and seats </a:t>
-            </a:r>
-          </a:p>
-          <a:p>
-            <a:pPr marL="342900" indent="-342900"/>
-            <a:r>
-              <a:rPr lang="en-US" sz="2400" cap="all" dirty="0">
-                <a:solidFill>
-                  <a:schemeClr val="bg1"/>
-                </a:solidFill>
-              </a:rPr>
-              <a:t>THIRD: </a:t>
-            </a:r>
-            <a:r>
-              <a:rPr lang="en-US" cap="all" dirty="0">
-                <a:solidFill>
-                  <a:schemeClr val="tx2"/>
-                </a:solidFill>
-              </a:rPr>
-              <a:t>main.cpp: </a:t>
-            </a:r>
-            <a:r>
-              <a:rPr lang="en-GB" sz="1800" dirty="0">
-                <a:effectLst/>
-                <a:latin typeface="Arial" panose="020B0604020202020204" pitchFamily="34" charset="0"/>
-                <a:ea typeface="SimSun" panose="02010600030101010101" pitchFamily="2" charset="-122"/>
-                <a:cs typeface="Mangal" panose="02040503050203030202" pitchFamily="18" charset="0"/>
-              </a:rPr>
-              <a:t>Depends on </a:t>
-            </a:r>
-            <a:r>
-              <a:rPr lang="en-GB" sz="1800" dirty="0">
-                <a:latin typeface="Arial" panose="020B0604020202020204" pitchFamily="34" charset="0"/>
-                <a:ea typeface="SimSun" panose="02010600030101010101" pitchFamily="2" charset="-122"/>
-                <a:cs typeface="Mangal" panose="02040503050203030202" pitchFamily="18" charset="0"/>
-              </a:rPr>
-              <a:t>eating cycles, </a:t>
-            </a:r>
-            <a:r>
-              <a:rPr lang="en-GB" sz="1800" dirty="0">
-                <a:effectLst/>
-                <a:latin typeface="Arial" panose="020B0604020202020204" pitchFamily="34" charset="0"/>
-                <a:ea typeface="SimSun" panose="02010600030101010101" pitchFamily="2" charset="-122"/>
-                <a:cs typeface="Mangal" panose="02040503050203030202" pitchFamily="18" charset="0"/>
-              </a:rPr>
-              <a:t>generates threads for each philosopher, waits for everyone to complete, and exiting(ends the program).</a:t>
-            </a:r>
-            <a:endParaRPr lang="en-US" cap="all" dirty="0">
-              <a:solidFill>
-                <a:schemeClr val="tx2"/>
-              </a:solidFill>
-            </a:endParaRPr>
-          </a:p>
-          <a:p>
-            <a:pPr marL="0" indent="0">
-              <a:buNone/>
-            </a:pPr>
-            <a:endParaRPr lang="en-GB" dirty="0"/>
-          </a:p>
-        </p:txBody>
-      </p:sp>
+      </p:pic>
       <p:sp>
         <p:nvSpPr>
-          <p:cNvPr id="4" name="TextBox 3">
+          <p:cNvPr id="3" name="TextBox 2">
             <a:extLst>
               <a:ext uri="{FF2B5EF4-FFF2-40B4-BE49-F238E27FC236}">
-                <a16:creationId xmlns:a16="http://schemas.microsoft.com/office/drawing/2014/main" id="{ADE946F4-1C91-F018-3EE0-B9C8F40550E0}"/>
+                <a16:creationId xmlns:a16="http://schemas.microsoft.com/office/drawing/2014/main" id="{3B5AF558-87D9-D45E-1B11-39E19DD2B549}"/>
               </a:ext>
             </a:extLst>
           </p:cNvPr>
@@ -22355,8 +22654,8 @@
         </p:nvSpPr>
         <p:spPr>
           <a:xfrm>
-            <a:off x="1400537" y="5879939"/>
-            <a:ext cx="9646874" cy="646331"/>
+            <a:off x="1435261" y="1192192"/>
+            <a:ext cx="5498940" cy="646331"/>
           </a:xfrm>
           <a:prstGeom prst="rect">
             <a:avLst/>
@@ -22371,57 +22670,31 @@
           <a:p>
             <a:r>
               <a:rPr lang="en-US" dirty="0"/>
-              <a:t>Code snippets were taken from: </a:t>
-            </a:r>
-            <a:r>
-              <a:rPr lang="en-US" dirty="0">
-                <a:solidFill>
-                  <a:srgbClr val="FF0000"/>
-                </a:solidFill>
-              </a:rPr>
-              <a:t>https://</a:t>
-            </a:r>
-            <a:r>
-              <a:rPr lang="en-US" dirty="0" err="1">
-                <a:solidFill>
-                  <a:srgbClr val="FF0000"/>
-                </a:solidFill>
-              </a:rPr>
-              <a:t>pages.mtu.edu</a:t>
-            </a:r>
-            <a:r>
-              <a:rPr lang="en-US" dirty="0">
-                <a:solidFill>
-                  <a:srgbClr val="FF0000"/>
-                </a:solidFill>
-              </a:rPr>
-              <a:t>/~</a:t>
-            </a:r>
-            <a:r>
-              <a:rPr lang="en-US" dirty="0" err="1">
-                <a:solidFill>
-                  <a:srgbClr val="FF0000"/>
-                </a:solidFill>
-              </a:rPr>
-              <a:t>shene</a:t>
-            </a:r>
-            <a:r>
-              <a:rPr lang="en-US" dirty="0">
-                <a:solidFill>
-                  <a:srgbClr val="FF0000"/>
-                </a:solidFill>
-              </a:rPr>
-              <a:t>/NSF-3/e-Book/SEMA/TM-example-philos-4chairs.html</a:t>
+              <a:t>We can remove </a:t>
+            </a:r>
+            <a:r>
+              <a:rPr lang="en-US" dirty="0" err="1"/>
+              <a:t>Makefile</a:t>
+            </a:r>
+            <a:r>
+              <a:rPr lang="en-US" dirty="0"/>
+              <a:t> after we compile the program. </a:t>
+            </a:r>
+          </a:p>
+          <a:p>
+            <a:r>
+              <a:rPr lang="en-US" dirty="0"/>
+              <a:t>Compilation also generates three classes.</a:t>
             </a:r>
           </a:p>
         </p:txBody>
       </p:sp>
       <p:sp>
         <p:nvSpPr>
-          <p:cNvPr id="5" name="TextBox 4">
+          <p:cNvPr id="4" name="TextBox 3">
             <a:extLst>
               <a:ext uri="{FF2B5EF4-FFF2-40B4-BE49-F238E27FC236}">
-                <a16:creationId xmlns:a16="http://schemas.microsoft.com/office/drawing/2014/main" id="{019C868E-F6E5-EF29-4DD4-ECE872316D69}"/>
+                <a16:creationId xmlns:a16="http://schemas.microsoft.com/office/drawing/2014/main" id="{15E2B8B3-739E-3EC7-3576-3BE02493FE98}"/>
               </a:ext>
             </a:extLst>
           </p:cNvPr>
@@ -22430,8 +22703,8 @@
         </p:nvSpPr>
         <p:spPr>
           <a:xfrm>
-            <a:off x="1073239" y="1192192"/>
-            <a:ext cx="10359341" cy="646331"/>
+            <a:off x="3396342" y="6274551"/>
+            <a:ext cx="4865914" cy="369332"/>
           </a:xfrm>
           <a:prstGeom prst="rect">
             <a:avLst/>
@@ -22445,43 +22718,16 @@
           <a:lstStyle/>
           <a:p>
             <a:r>
-              <a:rPr lang="en-IE" b="0" i="0" u="none" strike="noStrike" dirty="0">
-                <a:solidFill>
-                  <a:srgbClr val="ECECEC"/>
-                </a:solidFill>
-                <a:effectLst/>
-                <a:latin typeface="Söhne"/>
-              </a:rPr>
-              <a:t>This </a:t>
-            </a:r>
-            <a:r>
-              <a:rPr lang="en-IE" b="0" i="0" u="none" strike="noStrike" dirty="0" err="1">
-                <a:solidFill>
-                  <a:srgbClr val="ECECEC"/>
-                </a:solidFill>
-                <a:effectLst/>
-                <a:latin typeface="Söhne"/>
-              </a:rPr>
-              <a:t>Makefile</a:t>
-            </a:r>
-            <a:r>
-              <a:rPr lang="en-IE" b="0" i="0" u="none" strike="noStrike" dirty="0">
-                <a:solidFill>
-                  <a:srgbClr val="ECECEC"/>
-                </a:solidFill>
-                <a:effectLst/>
-                <a:latin typeface="Söhne"/>
-              </a:rPr>
-              <a:t> is designed for compiling C++ programs. It specifies the compiler command(CMD), allows for passing a CMD value, and defines the paths to the source files and libraries used in the compilation process.</a:t>
-            </a:r>
-            <a:endParaRPr lang="en-US" dirty="0"/>
+              <a:rPr lang="en-US" dirty="0"/>
+              <a:t>Screenshot was taken in Mageia8 (22/04/2024)</a:t>
+            </a:r>
           </a:p>
         </p:txBody>
       </p:sp>
     </p:spTree>
     <p:extLst>
       <p:ext uri="{BB962C8B-B14F-4D97-AF65-F5344CB8AC3E}">
-        <p14:creationId xmlns:p14="http://schemas.microsoft.com/office/powerpoint/2010/main" val="1615137160"/>
+        <p14:creationId xmlns:p14="http://schemas.microsoft.com/office/powerpoint/2010/main" val="3032352033"/>
       </p:ext>
     </p:extLst>
   </p:cSld>

--- a/final_Presentation_New.pptx
+++ b/final_Presentation_New.pptx
@@ -13110,7 +13110,7 @@
         <p:spPr>
           <a:xfrm>
             <a:off x="838200" y="1433450"/>
-            <a:ext cx="2090058" cy="461665"/>
+            <a:ext cx="3592286" cy="461665"/>
           </a:xfrm>
           <a:prstGeom prst="rect">
             <a:avLst/>
@@ -13129,7 +13129,7 @@
                   <a:srgbClr val="000000"/>
                 </a:highlight>
               </a:rPr>
-              <a:t>1. starvation</a:t>
+              <a:t>1. Starvation example</a:t>
             </a:r>
           </a:p>
         </p:txBody>
@@ -13390,7 +13390,7 @@
         <p:spPr>
           <a:xfrm>
             <a:off x="1056664" y="945014"/>
-            <a:ext cx="2298473" cy="461665"/>
+            <a:ext cx="4016079" cy="461665"/>
           </a:xfrm>
           <a:prstGeom prst="rect">
             <a:avLst/>
@@ -13409,7 +13409,7 @@
                   <a:srgbClr val="000000"/>
                 </a:highlight>
               </a:rPr>
-              <a:t>2. SEMAPHOREs</a:t>
+              <a:t>2. SEMAPHOREs example</a:t>
             </a:r>
           </a:p>
         </p:txBody>
@@ -13504,7 +13504,7 @@
             <a:pPr algn="ctr"/>
             <a:r>
               <a:rPr lang="en-US" dirty="0"/>
-              <a:t>Screenshot is from </a:t>
+              <a:t>Screenshots is from </a:t>
             </a:r>
             <a:r>
               <a:rPr lang="en-US" dirty="0" err="1"/>
@@ -13517,6 +13517,66 @@
           </a:p>
         </p:txBody>
       </p:sp>
+      <p:pic>
+        <p:nvPicPr>
+          <p:cNvPr id="14" name="Picture 13">
+            <a:extLst>
+              <a:ext uri="{FF2B5EF4-FFF2-40B4-BE49-F238E27FC236}">
+                <a16:creationId xmlns:a16="http://schemas.microsoft.com/office/drawing/2014/main" id="{B3446EEC-F174-6B81-6333-38C801F983E7}"/>
+              </a:ext>
+            </a:extLst>
+          </p:cNvPr>
+          <p:cNvPicPr>
+            <a:picLocks noChangeAspect="1"/>
+          </p:cNvPicPr>
+          <p:nvPr/>
+        </p:nvPicPr>
+        <p:blipFill>
+          <a:blip r:embed="rId3"/>
+          <a:stretch>
+            <a:fillRect/>
+          </a:stretch>
+        </p:blipFill>
+        <p:spPr>
+          <a:xfrm>
+            <a:off x="5932714" y="1500036"/>
+            <a:ext cx="6141176" cy="653893"/>
+          </a:xfrm>
+          <a:prstGeom prst="rect">
+            <a:avLst/>
+          </a:prstGeom>
+        </p:spPr>
+      </p:pic>
+      <p:pic>
+        <p:nvPicPr>
+          <p:cNvPr id="15" name="Picture 14">
+            <a:extLst>
+              <a:ext uri="{FF2B5EF4-FFF2-40B4-BE49-F238E27FC236}">
+                <a16:creationId xmlns:a16="http://schemas.microsoft.com/office/drawing/2014/main" id="{72763516-3FD1-9D24-4F66-F0356D4067D8}"/>
+              </a:ext>
+            </a:extLst>
+          </p:cNvPr>
+          <p:cNvPicPr>
+            <a:picLocks noChangeAspect="1"/>
+          </p:cNvPicPr>
+          <p:nvPr/>
+        </p:nvPicPr>
+        <p:blipFill>
+          <a:blip r:embed="rId4"/>
+          <a:stretch>
+            <a:fillRect/>
+          </a:stretch>
+        </p:blipFill>
+        <p:spPr>
+          <a:xfrm>
+            <a:off x="0" y="1585824"/>
+            <a:ext cx="5719649" cy="593580"/>
+          </a:xfrm>
+          <a:prstGeom prst="rect">
+            <a:avLst/>
+          </a:prstGeom>
+        </p:spPr>
+      </p:pic>
     </p:spTree>
     <p:extLst>
       <p:ext uri="{BB962C8B-B14F-4D97-AF65-F5344CB8AC3E}">
@@ -13549,44 +13609,163 @@
       </p:grpSpPr>
       <p:sp>
         <p:nvSpPr>
-          <p:cNvPr id="2" name="Title 1">
+          <p:cNvPr id="3" name="Title 1">
             <a:extLst>
               <a:ext uri="{FF2B5EF4-FFF2-40B4-BE49-F238E27FC236}">
-                <a16:creationId xmlns:a16="http://schemas.microsoft.com/office/drawing/2014/main" id="{5B9231B8-B5A7-358F-5CA1-7B0A146AA819}"/>
+                <a16:creationId xmlns:a16="http://schemas.microsoft.com/office/drawing/2014/main" id="{8834E112-135F-E5AF-906F-8B99F329DD62}"/>
               </a:ext>
             </a:extLst>
           </p:cNvPr>
-          <p:cNvSpPr>
-            <a:spLocks noGrp="1"/>
+          <p:cNvSpPr txBox="1">
+            <a:spLocks/>
           </p:cNvSpPr>
-          <p:nvPr>
-            <p:ph type="title"/>
-          </p:nvPr>
+          <p:nvPr/>
         </p:nvSpPr>
-        <p:spPr/>
+        <p:spPr>
+          <a:xfrm>
+            <a:off x="1351329" y="227876"/>
+            <a:ext cx="4802187" cy="803882"/>
+          </a:xfrm>
+          <a:prstGeom prst="rect">
+            <a:avLst/>
+          </a:prstGeom>
+        </p:spPr>
         <p:txBody>
-          <a:bodyPr/>
+          <a:bodyPr vert="horz" lIns="91440" tIns="45720" rIns="91440" bIns="45720" rtlCol="0" anchor="ctr">
+            <a:normAutofit/>
+          </a:bodyPr>
+          <a:lstStyle>
+            <a:lvl1pPr algn="l" defTabSz="914400" rtl="0" eaLnBrk="1" latinLnBrk="0" hangingPunct="1">
+              <a:lnSpc>
+                <a:spcPct val="90000"/>
+              </a:lnSpc>
+              <a:spcBef>
+                <a:spcPct val="0"/>
+              </a:spcBef>
+              <a:buNone/>
+              <a:defRPr sz="3600" kern="1200" cap="all" baseline="0">
+                <a:solidFill>
+                  <a:schemeClr val="tx1"/>
+                </a:solidFill>
+                <a:latin typeface="+mj-lt"/>
+                <a:ea typeface="+mj-ea"/>
+                <a:cs typeface="+mj-cs"/>
+              </a:defRPr>
+            </a:lvl1pPr>
+          </a:lstStyle>
+          <a:p>
+            <a:r>
+              <a:rPr lang="en-GB" dirty="0">
+                <a:solidFill>
+                  <a:schemeClr val="bg1"/>
+                </a:solidFill>
+              </a:rPr>
+              <a:t>Analysis and Results:</a:t>
+            </a:r>
+            <a:endParaRPr lang="en-IE" dirty="0">
+              <a:solidFill>
+                <a:schemeClr val="bg1"/>
+              </a:solidFill>
+            </a:endParaRPr>
+          </a:p>
+        </p:txBody>
+      </p:sp>
+      <p:sp>
+        <p:nvSpPr>
+          <p:cNvPr id="4" name="TextBox 3">
+            <a:extLst>
+              <a:ext uri="{FF2B5EF4-FFF2-40B4-BE49-F238E27FC236}">
+                <a16:creationId xmlns:a16="http://schemas.microsoft.com/office/drawing/2014/main" id="{DC73AC3A-3464-A56A-1EA8-77C7D7A6B600}"/>
+              </a:ext>
+            </a:extLst>
+          </p:cNvPr>
+          <p:cNvSpPr txBox="1"/>
+          <p:nvPr/>
+        </p:nvSpPr>
+        <p:spPr>
+          <a:xfrm>
+            <a:off x="1056664" y="945014"/>
+            <a:ext cx="3863679" cy="461665"/>
+          </a:xfrm>
+          <a:prstGeom prst="rect">
+            <a:avLst/>
+          </a:prstGeom>
+          <a:noFill/>
+        </p:spPr>
+        <p:txBody>
+          <a:bodyPr wrap="square" rtlCol="0">
+            <a:spAutoFit/>
+          </a:bodyPr>
           <a:lstStyle/>
           <a:p>
-            <a:endParaRPr lang="en-IE"/>
+            <a:r>
+              <a:rPr lang="en-US" sz="2400" cap="all" dirty="0">
+                <a:highlight>
+                  <a:srgbClr val="000000"/>
+                </a:highlight>
+              </a:rPr>
+              <a:t>3. MUTEX lock example</a:t>
+            </a:r>
+          </a:p>
+        </p:txBody>
+      </p:sp>
+      <p:sp>
+        <p:nvSpPr>
+          <p:cNvPr id="13" name="TextBox 12">
+            <a:extLst>
+              <a:ext uri="{FF2B5EF4-FFF2-40B4-BE49-F238E27FC236}">
+                <a16:creationId xmlns:a16="http://schemas.microsoft.com/office/drawing/2014/main" id="{75BED417-8FC5-A715-59B9-43C3FAC9D2B3}"/>
+              </a:ext>
+            </a:extLst>
+          </p:cNvPr>
+          <p:cNvSpPr txBox="1"/>
+          <p:nvPr/>
+        </p:nvSpPr>
+        <p:spPr>
+          <a:xfrm>
+            <a:off x="1056663" y="4223657"/>
+            <a:ext cx="7425573" cy="369332"/>
+          </a:xfrm>
+          <a:prstGeom prst="rect">
+            <a:avLst/>
+          </a:prstGeom>
+          <a:noFill/>
+        </p:spPr>
+        <p:txBody>
+          <a:bodyPr wrap="square">
+            <a:spAutoFit/>
+          </a:bodyPr>
+          <a:lstStyle/>
+          <a:p>
+            <a:pPr algn="ctr"/>
+            <a:r>
+              <a:rPr lang="en-US" dirty="0"/>
+              <a:t>Screenshot is from </a:t>
+            </a:r>
+            <a:r>
+              <a:rPr lang="en-US" dirty="0" err="1"/>
+              <a:t>ThreadMentor</a:t>
+            </a:r>
+            <a:r>
+              <a:rPr lang="en-US" dirty="0"/>
+              <a:t> four chair solution was taken on 20/04/2024</a:t>
+            </a:r>
           </a:p>
         </p:txBody>
       </p:sp>
       <p:pic>
         <p:nvPicPr>
-          <p:cNvPr id="5" name="Content Placeholder 4">
+          <p:cNvPr id="14" name="Picture 13">
             <a:extLst>
               <a:ext uri="{FF2B5EF4-FFF2-40B4-BE49-F238E27FC236}">
-                <a16:creationId xmlns:a16="http://schemas.microsoft.com/office/drawing/2014/main" id="{458AC970-EC79-5BE6-967E-4E50A093B62C}"/>
+                <a16:creationId xmlns:a16="http://schemas.microsoft.com/office/drawing/2014/main" id="{626ACA3A-47A0-4B82-2E78-FD572B97A0A3}"/>
               </a:ext>
             </a:extLst>
           </p:cNvPr>
           <p:cNvPicPr>
-            <a:picLocks noGrp="1" noChangeAspect="1"/>
+            <a:picLocks noChangeAspect="1"/>
           </p:cNvPicPr>
-          <p:nvPr>
-            <p:ph idx="1"/>
-          </p:nvPr>
+          <p:nvPr/>
         </p:nvPicPr>
         <p:blipFill>
           <a:blip r:embed="rId2"/>
@@ -13596,17 +13775,20 @@
         </p:blipFill>
         <p:spPr>
           <a:xfrm>
-            <a:off x="1141412" y="618518"/>
-            <a:ext cx="7435967" cy="2329339"/>
+            <a:off x="496573" y="1569357"/>
+            <a:ext cx="5613400" cy="685800"/>
           </a:xfrm>
+          <a:prstGeom prst="rect">
+            <a:avLst/>
+          </a:prstGeom>
         </p:spPr>
       </p:pic>
       <p:pic>
         <p:nvPicPr>
-          <p:cNvPr id="7" name="Picture 6">
+          <p:cNvPr id="15" name="Picture 14">
             <a:extLst>
               <a:ext uri="{FF2B5EF4-FFF2-40B4-BE49-F238E27FC236}">
-                <a16:creationId xmlns:a16="http://schemas.microsoft.com/office/drawing/2014/main" id="{9D8E77FA-53A4-0174-20D8-E6DF7645771E}"/>
+                <a16:creationId xmlns:a16="http://schemas.microsoft.com/office/drawing/2014/main" id="{A96AAAB2-7448-636B-5B16-2FCB7DFD3F30}"/>
               </a:ext>
             </a:extLst>
           </p:cNvPr>
@@ -13623,8 +13805,8 @@
         </p:blipFill>
         <p:spPr>
           <a:xfrm>
-            <a:off x="1141412" y="3612830"/>
-            <a:ext cx="6722428" cy="653893"/>
+            <a:off x="6513827" y="1569357"/>
+            <a:ext cx="5181600" cy="762000"/>
           </a:xfrm>
           <a:prstGeom prst="rect">
             <a:avLst/>
@@ -13633,10 +13815,10 @@
       </p:pic>
       <p:pic>
         <p:nvPicPr>
-          <p:cNvPr id="9" name="Picture 8">
+          <p:cNvPr id="16" name="Picture 15">
             <a:extLst>
               <a:ext uri="{FF2B5EF4-FFF2-40B4-BE49-F238E27FC236}">
-                <a16:creationId xmlns:a16="http://schemas.microsoft.com/office/drawing/2014/main" id="{B206604F-0083-42C4-E6D9-88CDC0E7B9A0}"/>
+                <a16:creationId xmlns:a16="http://schemas.microsoft.com/office/drawing/2014/main" id="{C2237232-1DB5-8B8F-7D66-33B00CC7C92D}"/>
               </a:ext>
             </a:extLst>
           </p:cNvPr>
@@ -13653,8 +13835,8 @@
         </p:blipFill>
         <p:spPr>
           <a:xfrm>
-            <a:off x="1141412" y="5208399"/>
-            <a:ext cx="6811328" cy="593580"/>
+            <a:off x="496573" y="2417835"/>
+            <a:ext cx="11198854" cy="1848354"/>
           </a:xfrm>
           <a:prstGeom prst="rect">
             <a:avLst/>
@@ -13663,10 +13845,10 @@
       </p:pic>
       <p:sp>
         <p:nvSpPr>
-          <p:cNvPr id="10" name="TextBox 9">
+          <p:cNvPr id="17" name="TextBox 16">
             <a:extLst>
               <a:ext uri="{FF2B5EF4-FFF2-40B4-BE49-F238E27FC236}">
-                <a16:creationId xmlns:a16="http://schemas.microsoft.com/office/drawing/2014/main" id="{3D7A6236-46CA-1A27-CD18-9BA83FB5CDC5}"/>
+                <a16:creationId xmlns:a16="http://schemas.microsoft.com/office/drawing/2014/main" id="{C19E6CE4-AD21-925B-5394-987F3AF28673}"/>
               </a:ext>
             </a:extLst>
           </p:cNvPr>
@@ -13675,8 +13857,8 @@
         </p:nvSpPr>
         <p:spPr>
           <a:xfrm>
-            <a:off x="1141412" y="3074670"/>
-            <a:ext cx="5990908" cy="369332"/>
+            <a:off x="968829" y="5181600"/>
+            <a:ext cx="8969828" cy="369332"/>
           </a:xfrm>
           <a:prstGeom prst="rect">
             <a:avLst/>
@@ -13690,46 +13872,9 @@
           <a:lstStyle/>
           <a:p>
             <a:r>
-              <a:rPr lang="en-GB" dirty="0"/>
-              <a:t>Philosopher 3 leaves table</a:t>
-            </a:r>
-            <a:endParaRPr lang="en-IE" dirty="0"/>
-          </a:p>
-        </p:txBody>
-      </p:sp>
-      <p:sp>
-        <p:nvSpPr>
-          <p:cNvPr id="11" name="TextBox 10">
-            <a:extLst>
-              <a:ext uri="{FF2B5EF4-FFF2-40B4-BE49-F238E27FC236}">
-                <a16:creationId xmlns:a16="http://schemas.microsoft.com/office/drawing/2014/main" id="{E8A5B6B8-744B-E96A-D37D-F3B90F3F5172}"/>
-              </a:ext>
-            </a:extLst>
-          </p:cNvPr>
-          <p:cNvSpPr txBox="1"/>
-          <p:nvPr/>
-        </p:nvSpPr>
-        <p:spPr>
-          <a:xfrm>
-            <a:off x="1245870" y="4617720"/>
-            <a:ext cx="6469380" cy="369332"/>
-          </a:xfrm>
-          <a:prstGeom prst="rect">
-            <a:avLst/>
-          </a:prstGeom>
-          <a:noFill/>
-        </p:spPr>
-        <p:txBody>
-          <a:bodyPr wrap="square" rtlCol="0">
-            <a:spAutoFit/>
-          </a:bodyPr>
-          <a:lstStyle/>
-          <a:p>
-            <a:r>
-              <a:rPr lang="en-GB" dirty="0"/>
-              <a:t>Philosopher 0 waits to join </a:t>
-            </a:r>
-            <a:endParaRPr lang="en-IE" dirty="0"/>
+              <a:rPr lang="en-US" dirty="0"/>
+              <a:t>Explanation of screenshots</a:t>
+            </a:r>
           </a:p>
         </p:txBody>
       </p:sp>

--- a/final_Presentation_New.pptx
+++ b/final_Presentation_New.pptx
@@ -18,8 +18,9 @@
     <p:sldId id="270" r:id="rId12"/>
     <p:sldId id="261" r:id="rId13"/>
     <p:sldId id="262" r:id="rId14"/>
-    <p:sldId id="268" r:id="rId15"/>
-    <p:sldId id="265" r:id="rId16"/>
+    <p:sldId id="274" r:id="rId15"/>
+    <p:sldId id="268" r:id="rId16"/>
+    <p:sldId id="265" r:id="rId17"/>
   </p:sldIdLst>
   <p:sldSz cx="12192000" cy="6858000"/>
   <p:notesSz cx="6858000" cy="9144000"/>
@@ -13048,7 +13049,7 @@
         </p:nvSpPr>
         <p:spPr>
           <a:xfrm>
-            <a:off x="1446213" y="619761"/>
+            <a:off x="1121229" y="398735"/>
             <a:ext cx="4802187" cy="803882"/>
           </a:xfrm>
           <a:prstGeom prst="rect">
@@ -13109,7 +13110,7 @@
         </p:nvSpPr>
         <p:spPr>
           <a:xfrm>
-            <a:off x="838200" y="1433450"/>
+            <a:off x="1121229" y="1202617"/>
             <a:ext cx="3592286" cy="461665"/>
           </a:xfrm>
           <a:prstGeom prst="rect">
@@ -13125,90 +13126,12 @@
           <a:p>
             <a:r>
               <a:rPr lang="en-US" sz="2400" cap="all" dirty="0">
-                <a:highlight>
-                  <a:srgbClr val="000000"/>
-                </a:highlight>
+                <a:solidFill>
+                  <a:schemeClr val="bg1"/>
+                </a:solidFill>
               </a:rPr>
               <a:t>1. Starvation example</a:t>
             </a:r>
-          </a:p>
-        </p:txBody>
-      </p:sp>
-      <p:sp>
-        <p:nvSpPr>
-          <p:cNvPr id="9" name="TextBox 8">
-            <a:extLst>
-              <a:ext uri="{FF2B5EF4-FFF2-40B4-BE49-F238E27FC236}">
-                <a16:creationId xmlns:a16="http://schemas.microsoft.com/office/drawing/2014/main" id="{59FF38AE-7B85-F8CD-24F6-0B1E003E99D2}"/>
-              </a:ext>
-            </a:extLst>
-          </p:cNvPr>
-          <p:cNvSpPr txBox="1"/>
-          <p:nvPr/>
-        </p:nvSpPr>
-        <p:spPr>
-          <a:xfrm>
-            <a:off x="838200" y="2857076"/>
-            <a:ext cx="9307286" cy="2031325"/>
-          </a:xfrm>
-          <a:prstGeom prst="rect">
-            <a:avLst/>
-          </a:prstGeom>
-          <a:noFill/>
-        </p:spPr>
-        <p:txBody>
-          <a:bodyPr wrap="square" rtlCol="0">
-            <a:spAutoFit/>
-          </a:bodyPr>
-          <a:lstStyle/>
-          <a:p>
-            <a:r>
-              <a:rPr lang="en-IE" b="0" i="0" u="none" strike="noStrike" dirty="0">
-                <a:effectLst/>
-                <a:highlight>
-                  <a:srgbClr val="000000"/>
-                </a:highlight>
-                <a:latin typeface="-webkit-standard"/>
-              </a:rPr>
-              <a:t>Let’s imagine two philosophers are fast thinkers and fast eaters. They think fast and get hungry fast. Then, they sit down in opposite chairs as shown below. Because they are so fast, it is possible that they can lock their chopsticks and eat. After finish eating and before their neighbours can lock the chopsticks and eat, they come back again and lock the chopsticks and eat. In this case, the other three philosophers, even though they have been sitting for a long time, they have no chance to eat. This is called starvation. Note that it is not a deadlock because there is no circular waiting, and everyone has a chance to eat! (</a:t>
-            </a:r>
-            <a:r>
-              <a:rPr lang="en-IE" sz="1800" dirty="0" err="1">
-                <a:highlight>
-                  <a:srgbClr val="000000"/>
-                </a:highlight>
-              </a:rPr>
-              <a:t>Dr.</a:t>
-            </a:r>
-            <a:r>
-              <a:rPr lang="en-IE" sz="1800" dirty="0">
-                <a:highlight>
-                  <a:srgbClr val="000000"/>
-                </a:highlight>
-              </a:rPr>
-              <a:t> C.-K. </a:t>
-            </a:r>
-            <a:r>
-              <a:rPr lang="en-IE" sz="1800" dirty="0" err="1">
-                <a:highlight>
-                  <a:srgbClr val="000000"/>
-                </a:highlight>
-              </a:rPr>
-              <a:t>Shene</a:t>
-            </a:r>
-            <a:r>
-              <a:rPr lang="en-IE" sz="1800" dirty="0">
-                <a:highlight>
-                  <a:srgbClr val="000000"/>
-                </a:highlight>
-              </a:rPr>
-              <a:t>, 2001)</a:t>
-            </a:r>
-            <a:endParaRPr lang="en-US" dirty="0">
-              <a:highlight>
-                <a:srgbClr val="000000"/>
-              </a:highlight>
-            </a:endParaRPr>
           </a:p>
         </p:txBody>
       </p:sp>
@@ -13226,7 +13149,7 @@
         </p:nvSpPr>
         <p:spPr>
           <a:xfrm>
-            <a:off x="838199" y="2191429"/>
+            <a:off x="838200" y="2210745"/>
             <a:ext cx="8098971" cy="369332"/>
           </a:xfrm>
           <a:prstGeom prst="rect">
@@ -13249,6 +13172,171 @@
               </a:rPr>
               <a:t>Catching a starvation was unsuccessful due to a very less chance of occurrence, but:</a:t>
             </a:r>
+          </a:p>
+        </p:txBody>
+      </p:sp>
+      <p:sp>
+        <p:nvSpPr>
+          <p:cNvPr id="13" name="TextBox 12">
+            <a:extLst>
+              <a:ext uri="{FF2B5EF4-FFF2-40B4-BE49-F238E27FC236}">
+                <a16:creationId xmlns:a16="http://schemas.microsoft.com/office/drawing/2014/main" id="{BAED5A1F-C4F9-6C25-3F5A-71883437B048}"/>
+              </a:ext>
+            </a:extLst>
+          </p:cNvPr>
+          <p:cNvSpPr txBox="1"/>
+          <p:nvPr/>
+        </p:nvSpPr>
+        <p:spPr>
+          <a:xfrm>
+            <a:off x="838200" y="2944161"/>
+            <a:ext cx="7924800" cy="2585323"/>
+          </a:xfrm>
+          <a:prstGeom prst="rect">
+            <a:avLst/>
+          </a:prstGeom>
+          <a:noFill/>
+        </p:spPr>
+        <p:txBody>
+          <a:bodyPr wrap="square" rtlCol="0">
+            <a:spAutoFit/>
+          </a:bodyPr>
+          <a:lstStyle/>
+          <a:p>
+            <a:pPr marL="285750" indent="-285750">
+              <a:buFont typeface="Arial" panose="020B0604020202020204" pitchFamily="34" charset="0"/>
+              <a:buChar char="•"/>
+            </a:pPr>
+            <a:r>
+              <a:rPr lang="en-IE" b="0" i="0" u="none" strike="noStrike" dirty="0">
+                <a:solidFill>
+                  <a:schemeClr val="bg1"/>
+                </a:solidFill>
+                <a:effectLst/>
+                <a:highlight>
+                  <a:srgbClr val="000000"/>
+                </a:highlight>
+                <a:latin typeface="Nunito" pitchFamily="2" charset="77"/>
+              </a:rPr>
+              <a:t>.</a:t>
+            </a:r>
+            <a:r>
+              <a:rPr lang="en-IE" b="0" i="0" u="none" strike="noStrike" dirty="0">
+                <a:solidFill>
+                  <a:srgbClr val="FFFFFF"/>
+                </a:solidFill>
+                <a:effectLst/>
+                <a:highlight>
+                  <a:srgbClr val="000000"/>
+                </a:highlight>
+                <a:latin typeface="Nunito" pitchFamily="2" charset="77"/>
+              </a:rPr>
+              <a:t>Starvation is a problem that occurs when high priority processes keep executing and low priority processes get blocked for indefinite time. In heavily loaded computer system, a steady stream of higher-priority processes can prevent a low-priority process from ever getting the CPU. In starvation resources are continuously utilised by high priority processes. (</a:t>
+            </a:r>
+            <a:r>
+              <a:rPr lang="en-IE" b="0" i="0" u="none" strike="noStrike" dirty="0" err="1">
+                <a:solidFill>
+                  <a:srgbClr val="FFFFFF"/>
+                </a:solidFill>
+                <a:effectLst/>
+                <a:highlight>
+                  <a:srgbClr val="000000"/>
+                </a:highlight>
+                <a:latin typeface="Nunito" pitchFamily="2" charset="77"/>
+              </a:rPr>
+              <a:t>GeeksforGeeks</a:t>
+            </a:r>
+            <a:r>
+              <a:rPr lang="en-IE" b="0" i="0" u="none" strike="noStrike" dirty="0">
+                <a:solidFill>
+                  <a:srgbClr val="FFFFFF"/>
+                </a:solidFill>
+                <a:effectLst/>
+                <a:highlight>
+                  <a:srgbClr val="000000"/>
+                </a:highlight>
+                <a:latin typeface="Nunito" pitchFamily="2" charset="77"/>
+              </a:rPr>
+              <a:t>, 2024).</a:t>
+            </a:r>
+          </a:p>
+          <a:p>
+            <a:pPr marL="285750" indent="-285750">
+              <a:buFont typeface="Arial" panose="020B0604020202020204" pitchFamily="34" charset="0"/>
+              <a:buChar char="•"/>
+            </a:pPr>
+            <a:endParaRPr lang="en-IE" dirty="0">
+              <a:solidFill>
+                <a:srgbClr val="FFFFFF"/>
+              </a:solidFill>
+              <a:highlight>
+                <a:srgbClr val="000000"/>
+              </a:highlight>
+              <a:latin typeface="Nunito" pitchFamily="2" charset="77"/>
+            </a:endParaRPr>
+          </a:p>
+          <a:p>
+            <a:pPr marL="285750" indent="-285750">
+              <a:buFont typeface="Arial" panose="020B0604020202020204" pitchFamily="34" charset="0"/>
+              <a:buChar char="•"/>
+            </a:pPr>
+            <a:r>
+              <a:rPr lang="en-IE" b="0" i="0" u="none" strike="noStrike" dirty="0">
+                <a:solidFill>
+                  <a:schemeClr val="bg1"/>
+                </a:solidFill>
+                <a:effectLst/>
+                <a:highlight>
+                  <a:srgbClr val="000000"/>
+                </a:highlight>
+                <a:latin typeface="Nunito" pitchFamily="2" charset="77"/>
+              </a:rPr>
+              <a:t>.</a:t>
+            </a:r>
+            <a:r>
+              <a:rPr lang="en-IE" b="0" i="0" u="none" strike="noStrike" dirty="0">
+                <a:solidFill>
+                  <a:srgbClr val="FFFFFF"/>
+                </a:solidFill>
+                <a:effectLst/>
+                <a:highlight>
+                  <a:srgbClr val="000000"/>
+                </a:highlight>
+                <a:latin typeface="Nunito" pitchFamily="2" charset="77"/>
+              </a:rPr>
+              <a:t>Problem of starvation can be resolved using Aging. In Aging priority of long waiting processes is gradually increased. (</a:t>
+            </a:r>
+            <a:r>
+              <a:rPr lang="en-IE" b="0" i="0" u="none" strike="noStrike" dirty="0" err="1">
+                <a:solidFill>
+                  <a:srgbClr val="FFFFFF"/>
+                </a:solidFill>
+                <a:effectLst/>
+                <a:highlight>
+                  <a:srgbClr val="000000"/>
+                </a:highlight>
+                <a:latin typeface="Nunito" pitchFamily="2" charset="77"/>
+              </a:rPr>
+              <a:t>GeeksforGeeks</a:t>
+            </a:r>
+            <a:r>
+              <a:rPr lang="en-IE" b="0" i="0" u="none" strike="noStrike" dirty="0">
+                <a:solidFill>
+                  <a:srgbClr val="FFFFFF"/>
+                </a:solidFill>
+                <a:effectLst/>
+                <a:highlight>
+                  <a:srgbClr val="000000"/>
+                </a:highlight>
+                <a:latin typeface="Nunito" pitchFamily="2" charset="77"/>
+              </a:rPr>
+              <a:t>, 2024).</a:t>
+            </a:r>
+            <a:endParaRPr lang="en-US" dirty="0">
+              <a:highlight>
+                <a:srgbClr val="000000"/>
+              </a:highlight>
+            </a:endParaRPr>
           </a:p>
         </p:txBody>
       </p:sp>
@@ -13282,36 +13370,6 @@
           <a:chExt cx="0" cy="0"/>
         </a:xfrm>
       </p:grpSpPr>
-      <p:pic>
-        <p:nvPicPr>
-          <p:cNvPr id="10" name="Picture 9" descr="A screenshot of a computer&#10;&#10;Description automatically generated">
-            <a:extLst>
-              <a:ext uri="{FF2B5EF4-FFF2-40B4-BE49-F238E27FC236}">
-                <a16:creationId xmlns:a16="http://schemas.microsoft.com/office/drawing/2014/main" id="{5DFF34A6-89D0-C5C8-71C4-43834D3A2C72}"/>
-              </a:ext>
-            </a:extLst>
-          </p:cNvPr>
-          <p:cNvPicPr>
-            <a:picLocks noChangeAspect="1"/>
-          </p:cNvPicPr>
-          <p:nvPr/>
-        </p:nvPicPr>
-        <p:blipFill>
-          <a:blip r:embed="rId2"/>
-          <a:stretch>
-            <a:fillRect/>
-          </a:stretch>
-        </p:blipFill>
-        <p:spPr>
-          <a:xfrm>
-            <a:off x="1544183" y="1596710"/>
-            <a:ext cx="7772400" cy="2720336"/>
-          </a:xfrm>
-          <a:prstGeom prst="rect">
-            <a:avLst/>
-          </a:prstGeom>
-        </p:spPr>
-      </p:pic>
       <p:sp>
         <p:nvSpPr>
           <p:cNvPr id="5" name="Title 1">
@@ -13389,7 +13447,7 @@
         </p:nvSpPr>
         <p:spPr>
           <a:xfrm>
-            <a:off x="1056664" y="945014"/>
+            <a:off x="1351329" y="950814"/>
             <a:ext cx="4016079" cy="461665"/>
           </a:xfrm>
           <a:prstGeom prst="rect">
@@ -13405,9 +13463,9 @@
           <a:p>
             <a:r>
               <a:rPr lang="en-US" sz="2400" cap="all" dirty="0">
-                <a:highlight>
-                  <a:srgbClr val="000000"/>
-                </a:highlight>
+                <a:solidFill>
+                  <a:schemeClr val="bg1"/>
+                </a:solidFill>
               </a:rPr>
               <a:t>2. SEMAPHOREs example</a:t>
             </a:r>
@@ -13487,8 +13545,8 @@
         </p:nvSpPr>
         <p:spPr>
           <a:xfrm>
-            <a:off x="1712913" y="4327932"/>
-            <a:ext cx="7603670" cy="369332"/>
+            <a:off x="1355184" y="4290692"/>
+            <a:ext cx="8182201" cy="369332"/>
           </a:xfrm>
           <a:prstGeom prst="rect">
             <a:avLst/>
@@ -13504,7 +13562,7 @@
             <a:pPr algn="ctr"/>
             <a:r>
               <a:rPr lang="en-US" dirty="0"/>
-              <a:t>Screenshots is from </a:t>
+              <a:t>Screenshots are from </a:t>
             </a:r>
             <a:r>
               <a:rPr lang="en-US" dirty="0" err="1"/>
@@ -13519,10 +13577,46 @@
       </p:sp>
       <p:pic>
         <p:nvPicPr>
-          <p:cNvPr id="14" name="Picture 13">
+          <p:cNvPr id="16" name="Picture 15" descr="A screenshot of a computer&#10;&#10;Description automatically generated">
             <a:extLst>
               <a:ext uri="{FF2B5EF4-FFF2-40B4-BE49-F238E27FC236}">
-                <a16:creationId xmlns:a16="http://schemas.microsoft.com/office/drawing/2014/main" id="{B3446EEC-F174-6B81-6333-38C801F983E7}"/>
+                <a16:creationId xmlns:a16="http://schemas.microsoft.com/office/drawing/2014/main" id="{8FE45936-74E8-EE1D-031A-582371550AC9}"/>
+              </a:ext>
+            </a:extLst>
+          </p:cNvPr>
+          <p:cNvPicPr>
+            <a:picLocks noChangeAspect="1"/>
+          </p:cNvPicPr>
+          <p:nvPr/>
+        </p:nvPicPr>
+        <p:blipFill>
+          <a:blip r:embed="rId2">
+            <a:extLst>
+              <a:ext uri="{28A0092B-C50C-407E-A947-70E740481C1C}">
+                <a14:useLocalDpi xmlns:a14="http://schemas.microsoft.com/office/drawing/2010/main" val="0"/>
+              </a:ext>
+            </a:extLst>
+          </a:blip>
+          <a:stretch>
+            <a:fillRect/>
+          </a:stretch>
+        </p:blipFill>
+        <p:spPr>
+          <a:xfrm>
+            <a:off x="542309" y="1907362"/>
+            <a:ext cx="11222414" cy="2323498"/>
+          </a:xfrm>
+          <a:prstGeom prst="rect">
+            <a:avLst/>
+          </a:prstGeom>
+        </p:spPr>
+      </p:pic>
+      <p:pic>
+        <p:nvPicPr>
+          <p:cNvPr id="18" name="Picture 17">
+            <a:extLst>
+              <a:ext uri="{FF2B5EF4-FFF2-40B4-BE49-F238E27FC236}">
+                <a16:creationId xmlns:a16="http://schemas.microsoft.com/office/drawing/2014/main" id="{219A7230-9577-A07D-74C5-A6E94A4933DD}"/>
               </a:ext>
             </a:extLst>
           </p:cNvPr>
@@ -13539,8 +13633,8 @@
         </p:blipFill>
         <p:spPr>
           <a:xfrm>
-            <a:off x="5932714" y="1500036"/>
-            <a:ext cx="6141176" cy="653893"/>
+            <a:off x="25198" y="1874701"/>
+            <a:ext cx="5719649" cy="593580"/>
           </a:xfrm>
           <a:prstGeom prst="rect">
             <a:avLst/>
@@ -13549,10 +13643,10 @@
       </p:pic>
       <p:pic>
         <p:nvPicPr>
-          <p:cNvPr id="15" name="Picture 14">
+          <p:cNvPr id="20" name="Picture 19">
             <a:extLst>
               <a:ext uri="{FF2B5EF4-FFF2-40B4-BE49-F238E27FC236}">
-                <a16:creationId xmlns:a16="http://schemas.microsoft.com/office/drawing/2014/main" id="{72763516-3FD1-9D24-4F66-F0356D4067D8}"/>
+                <a16:creationId xmlns:a16="http://schemas.microsoft.com/office/drawing/2014/main" id="{AD3CCCD9-2747-5566-23EB-E9824CF64CAB}"/>
               </a:ext>
             </a:extLst>
           </p:cNvPr>
@@ -13569,8 +13663,8 @@
         </p:blipFill>
         <p:spPr>
           <a:xfrm>
-            <a:off x="0" y="1585824"/>
-            <a:ext cx="5719649" cy="593580"/>
+            <a:off x="5744847" y="1847530"/>
+            <a:ext cx="6141176" cy="653893"/>
           </a:xfrm>
           <a:prstGeom prst="rect">
             <a:avLst/>
@@ -13684,7 +13778,7 @@
         </p:nvSpPr>
         <p:spPr>
           <a:xfrm>
-            <a:off x="1056664" y="945014"/>
+            <a:off x="1351329" y="945014"/>
             <a:ext cx="3863679" cy="461665"/>
           </a:xfrm>
           <a:prstGeom prst="rect">
@@ -13700,9 +13794,9 @@
           <a:p>
             <a:r>
               <a:rPr lang="en-US" sz="2400" cap="all" dirty="0">
-                <a:highlight>
-                  <a:srgbClr val="000000"/>
-                </a:highlight>
+                <a:solidFill>
+                  <a:schemeClr val="bg1"/>
+                </a:solidFill>
               </a:rPr>
               <a:t>3. MUTEX lock example</a:t>
             </a:r>
@@ -13724,7 +13818,7 @@
         <p:spPr>
           <a:xfrm>
             <a:off x="1056663" y="4223657"/>
-            <a:ext cx="7425573" cy="369332"/>
+            <a:ext cx="7425573" cy="646331"/>
           </a:xfrm>
           <a:prstGeom prst="rect">
             <a:avLst/>
@@ -13740,7 +13834,7 @@
             <a:pPr algn="ctr"/>
             <a:r>
               <a:rPr lang="en-US" dirty="0"/>
-              <a:t>Screenshot is from </a:t>
+              <a:t>Screenshots is from </a:t>
             </a:r>
             <a:r>
               <a:rPr lang="en-US" dirty="0" err="1"/>
@@ -13843,6 +13937,299 @@
           </a:prstGeom>
         </p:spPr>
       </p:pic>
+    </p:spTree>
+    <p:extLst>
+      <p:ext uri="{BB962C8B-B14F-4D97-AF65-F5344CB8AC3E}">
+        <p14:creationId xmlns:p14="http://schemas.microsoft.com/office/powerpoint/2010/main" val="1544165744"/>
+      </p:ext>
+    </p:extLst>
+  </p:cSld>
+  <p:clrMapOvr>
+    <a:masterClrMapping/>
+  </p:clrMapOvr>
+</p:sld>
+</file>
+
+<file path=ppt/slides/slide14.xml><?xml version="1.0" encoding="utf-8"?>
+<p:sld xmlns:a="http://schemas.openxmlformats.org/drawingml/2006/main" xmlns:r="http://schemas.openxmlformats.org/officeDocument/2006/relationships" xmlns:p="http://schemas.openxmlformats.org/presentationml/2006/main">
+  <p:cSld>
+    <p:spTree>
+      <p:nvGrpSpPr>
+        <p:cNvPr id="1" name=""/>
+        <p:cNvGrpSpPr/>
+        <p:nvPr/>
+      </p:nvGrpSpPr>
+      <p:grpSpPr>
+        <a:xfrm>
+          <a:off x="0" y="0"/>
+          <a:ext cx="0" cy="0"/>
+          <a:chOff x="0" y="0"/>
+          <a:chExt cx="0" cy="0"/>
+        </a:xfrm>
+      </p:grpSpPr>
+      <p:sp>
+        <p:nvSpPr>
+          <p:cNvPr id="3" name="Title 1">
+            <a:extLst>
+              <a:ext uri="{FF2B5EF4-FFF2-40B4-BE49-F238E27FC236}">
+                <a16:creationId xmlns:a16="http://schemas.microsoft.com/office/drawing/2014/main" id="{8834E112-135F-E5AF-906F-8B99F329DD62}"/>
+              </a:ext>
+            </a:extLst>
+          </p:cNvPr>
+          <p:cNvSpPr txBox="1">
+            <a:spLocks/>
+          </p:cNvSpPr>
+          <p:nvPr/>
+        </p:nvSpPr>
+        <p:spPr>
+          <a:xfrm>
+            <a:off x="1056664" y="312240"/>
+            <a:ext cx="4802187" cy="803882"/>
+          </a:xfrm>
+          <a:prstGeom prst="rect">
+            <a:avLst/>
+          </a:prstGeom>
+        </p:spPr>
+        <p:txBody>
+          <a:bodyPr vert="horz" lIns="91440" tIns="45720" rIns="91440" bIns="45720" rtlCol="0" anchor="ctr">
+            <a:normAutofit/>
+          </a:bodyPr>
+          <a:lstStyle>
+            <a:lvl1pPr algn="l" defTabSz="914400" rtl="0" eaLnBrk="1" latinLnBrk="0" hangingPunct="1">
+              <a:lnSpc>
+                <a:spcPct val="90000"/>
+              </a:lnSpc>
+              <a:spcBef>
+                <a:spcPct val="0"/>
+              </a:spcBef>
+              <a:buNone/>
+              <a:defRPr sz="3600" kern="1200" cap="all" baseline="0">
+                <a:solidFill>
+                  <a:schemeClr val="tx1"/>
+                </a:solidFill>
+                <a:latin typeface="+mj-lt"/>
+                <a:ea typeface="+mj-ea"/>
+                <a:cs typeface="+mj-cs"/>
+              </a:defRPr>
+            </a:lvl1pPr>
+          </a:lstStyle>
+          <a:p>
+            <a:r>
+              <a:rPr lang="en-GB" dirty="0">
+                <a:solidFill>
+                  <a:schemeClr val="bg1"/>
+                </a:solidFill>
+              </a:rPr>
+              <a:t>Analysis and Results:</a:t>
+            </a:r>
+            <a:endParaRPr lang="en-IE" dirty="0">
+              <a:solidFill>
+                <a:schemeClr val="bg1"/>
+              </a:solidFill>
+            </a:endParaRPr>
+          </a:p>
+        </p:txBody>
+      </p:sp>
+      <p:sp>
+        <p:nvSpPr>
+          <p:cNvPr id="4" name="TextBox 3">
+            <a:extLst>
+              <a:ext uri="{FF2B5EF4-FFF2-40B4-BE49-F238E27FC236}">
+                <a16:creationId xmlns:a16="http://schemas.microsoft.com/office/drawing/2014/main" id="{DC73AC3A-3464-A56A-1EA8-77C7D7A6B600}"/>
+              </a:ext>
+            </a:extLst>
+          </p:cNvPr>
+          <p:cNvSpPr txBox="1"/>
+          <p:nvPr/>
+        </p:nvSpPr>
+        <p:spPr>
+          <a:xfrm>
+            <a:off x="1056664" y="1116122"/>
+            <a:ext cx="3863679" cy="461665"/>
+          </a:xfrm>
+          <a:prstGeom prst="rect">
+            <a:avLst/>
+          </a:prstGeom>
+          <a:noFill/>
+        </p:spPr>
+        <p:txBody>
+          <a:bodyPr wrap="square" rtlCol="0">
+            <a:spAutoFit/>
+          </a:bodyPr>
+          <a:lstStyle/>
+          <a:p>
+            <a:r>
+              <a:rPr lang="en-US" sz="2400" cap="all" dirty="0">
+                <a:solidFill>
+                  <a:schemeClr val="bg1"/>
+                </a:solidFill>
+              </a:rPr>
+              <a:t>4. DEADLOCK example</a:t>
+            </a:r>
+          </a:p>
+        </p:txBody>
+      </p:sp>
+      <p:sp>
+        <p:nvSpPr>
+          <p:cNvPr id="13" name="TextBox 12">
+            <a:extLst>
+              <a:ext uri="{FF2B5EF4-FFF2-40B4-BE49-F238E27FC236}">
+                <a16:creationId xmlns:a16="http://schemas.microsoft.com/office/drawing/2014/main" id="{75BED417-8FC5-A715-59B9-43C3FAC9D2B3}"/>
+              </a:ext>
+            </a:extLst>
+          </p:cNvPr>
+          <p:cNvSpPr txBox="1"/>
+          <p:nvPr/>
+        </p:nvSpPr>
+        <p:spPr>
+          <a:xfrm>
+            <a:off x="947058" y="2100754"/>
+            <a:ext cx="4802187" cy="3785652"/>
+          </a:xfrm>
+          <a:prstGeom prst="rect">
+            <a:avLst/>
+          </a:prstGeom>
+          <a:noFill/>
+        </p:spPr>
+        <p:txBody>
+          <a:bodyPr wrap="square">
+            <a:spAutoFit/>
+          </a:bodyPr>
+          <a:lstStyle/>
+          <a:p>
+            <a:pPr marL="342900" indent="-342900">
+              <a:buFont typeface="Arial" panose="020B0604020202020204" pitchFamily="34" charset="0"/>
+              <a:buChar char="•"/>
+            </a:pPr>
+            <a:r>
+              <a:rPr lang="en-US" sz="2000" dirty="0">
+                <a:solidFill>
+                  <a:schemeClr val="bg1"/>
+                </a:solidFill>
+                <a:highlight>
+                  <a:srgbClr val="000000"/>
+                </a:highlight>
+              </a:rPr>
+              <a:t>/</a:t>
+            </a:r>
+            <a:r>
+              <a:rPr lang="en-US" sz="2000" dirty="0">
+                <a:highlight>
+                  <a:srgbClr val="000000"/>
+                </a:highlight>
+              </a:rPr>
+              <a:t>Our case excludes a deadlock.</a:t>
+            </a:r>
+          </a:p>
+          <a:p>
+            <a:pPr marL="342900" indent="-342900">
+              <a:buFont typeface="Arial" panose="020B0604020202020204" pitchFamily="34" charset="0"/>
+              <a:buChar char="•"/>
+            </a:pPr>
+            <a:endParaRPr lang="en-US" sz="2000" dirty="0">
+              <a:solidFill>
+                <a:schemeClr val="bg1"/>
+              </a:solidFill>
+              <a:highlight>
+                <a:srgbClr val="000000"/>
+              </a:highlight>
+            </a:endParaRPr>
+          </a:p>
+          <a:p>
+            <a:pPr marL="342900" indent="-342900">
+              <a:buFont typeface="Arial" panose="020B0604020202020204" pitchFamily="34" charset="0"/>
+              <a:buChar char="•"/>
+            </a:pPr>
+            <a:r>
+              <a:rPr lang="en-US" sz="2000" dirty="0">
+                <a:solidFill>
+                  <a:schemeClr val="bg1"/>
+                </a:solidFill>
+                <a:highlight>
+                  <a:srgbClr val="000000"/>
+                </a:highlight>
+              </a:rPr>
+              <a:t>.</a:t>
+            </a:r>
+            <a:r>
+              <a:rPr lang="en-US" sz="2000" dirty="0">
+                <a:highlight>
+                  <a:srgbClr val="000000"/>
+                </a:highlight>
+              </a:rPr>
+              <a:t>A Deadlock is a situation where each of the processes waits for a resource which is being taken by some another process. (</a:t>
+            </a:r>
+            <a:r>
+              <a:rPr lang="en-US" sz="2000" dirty="0" err="1">
+                <a:highlight>
+                  <a:srgbClr val="000000"/>
+                </a:highlight>
+              </a:rPr>
+              <a:t>Javatpoint</a:t>
+            </a:r>
+            <a:r>
+              <a:rPr lang="en-US" sz="2000" dirty="0">
+                <a:highlight>
+                  <a:srgbClr val="000000"/>
+                </a:highlight>
+              </a:rPr>
+              <a:t>, 2024)</a:t>
+            </a:r>
+          </a:p>
+          <a:p>
+            <a:pPr marL="342900" indent="-342900">
+              <a:buFont typeface="Arial" panose="020B0604020202020204" pitchFamily="34" charset="0"/>
+              <a:buChar char="•"/>
+            </a:pPr>
+            <a:endParaRPr lang="en-US" sz="2000" dirty="0">
+              <a:highlight>
+                <a:srgbClr val="000000"/>
+              </a:highlight>
+            </a:endParaRPr>
+          </a:p>
+          <a:p>
+            <a:pPr marL="342900" indent="-342900">
+              <a:buFont typeface="Arial" panose="020B0604020202020204" pitchFamily="34" charset="0"/>
+              <a:buChar char="•"/>
+            </a:pPr>
+            <a:r>
+              <a:rPr lang="en-US" sz="2000" dirty="0">
+                <a:solidFill>
+                  <a:schemeClr val="bg1"/>
+                </a:solidFill>
+                <a:highlight>
+                  <a:srgbClr val="000000"/>
+                </a:highlight>
+              </a:rPr>
+              <a:t>.</a:t>
+            </a:r>
+            <a:r>
+              <a:rPr lang="en-US" sz="2000" dirty="0">
+                <a:highlight>
+                  <a:srgbClr val="000000"/>
+                </a:highlight>
+              </a:rPr>
+              <a:t>In this situation, none of the process gets executed since the resource it needs, is held by some other process which is also waiting for some other resource to be released. (</a:t>
+            </a:r>
+            <a:r>
+              <a:rPr lang="en-US" sz="2000" dirty="0" err="1">
+                <a:highlight>
+                  <a:srgbClr val="000000"/>
+                </a:highlight>
+              </a:rPr>
+              <a:t>Javatpoint</a:t>
+            </a:r>
+            <a:r>
+              <a:rPr lang="en-US" sz="2000" dirty="0">
+                <a:highlight>
+                  <a:srgbClr val="000000"/>
+                </a:highlight>
+              </a:rPr>
+              <a:t>, 2024)</a:t>
+            </a:r>
+          </a:p>
+        </p:txBody>
+      </p:sp>
       <p:sp>
         <p:nvSpPr>
           <p:cNvPr id="17" name="TextBox 16">
@@ -13857,8 +14244,8 @@
         </p:nvSpPr>
         <p:spPr>
           <a:xfrm>
-            <a:off x="968829" y="5181600"/>
-            <a:ext cx="8969828" cy="369332"/>
+            <a:off x="6691086" y="4757246"/>
+            <a:ext cx="5283200" cy="646331"/>
           </a:xfrm>
           <a:prstGeom prst="rect">
             <a:avLst/>
@@ -13871,17 +14258,77 @@
           </a:bodyPr>
           <a:lstStyle/>
           <a:p>
+            <a:pPr algn="ctr"/>
             <a:r>
               <a:rPr lang="en-US" dirty="0"/>
-              <a:t>Explanation of screenshots</a:t>
-            </a:r>
+              <a:t>Source: https://</a:t>
+            </a:r>
+            <a:r>
+              <a:rPr lang="en-US" dirty="0" err="1"/>
+              <a:t>media.geeksforgeeks.org</a:t>
+            </a:r>
+            <a:r>
+              <a:rPr lang="en-US" dirty="0"/>
+              <a:t>/wp-content/</a:t>
+            </a:r>
+            <a:r>
+              <a:rPr lang="en-US" dirty="0" err="1"/>
+              <a:t>cdn</a:t>
+            </a:r>
+            <a:r>
+              <a:rPr lang="en-US" dirty="0"/>
+              <a:t>-uploads/</a:t>
+            </a:r>
+            <a:r>
+              <a:rPr lang="en-US" dirty="0" err="1"/>
+              <a:t>gq</a:t>
+            </a:r>
+            <a:r>
+              <a:rPr lang="en-US" dirty="0"/>
+              <a:t>/2015/06/</a:t>
+            </a:r>
+            <a:r>
+              <a:rPr lang="en-US" dirty="0" err="1"/>
+              <a:t>deadlock.png</a:t>
+            </a:r>
+            <a:endParaRPr lang="en-US" dirty="0"/>
           </a:p>
         </p:txBody>
       </p:sp>
+      <p:pic>
+        <p:nvPicPr>
+          <p:cNvPr id="5" name="Picture 4">
+            <a:extLst>
+              <a:ext uri="{FF2B5EF4-FFF2-40B4-BE49-F238E27FC236}">
+                <a16:creationId xmlns:a16="http://schemas.microsoft.com/office/drawing/2014/main" id="{34C44AE2-AE5B-0A9C-6394-3B2683AF7F9A}"/>
+              </a:ext>
+            </a:extLst>
+          </p:cNvPr>
+          <p:cNvPicPr>
+            <a:picLocks noChangeAspect="1"/>
+          </p:cNvPicPr>
+          <p:nvPr/>
+        </p:nvPicPr>
+        <p:blipFill>
+          <a:blip r:embed="rId2"/>
+          <a:stretch>
+            <a:fillRect/>
+          </a:stretch>
+        </p:blipFill>
+        <p:spPr>
+          <a:xfrm>
+            <a:off x="6556828" y="1175846"/>
+            <a:ext cx="5283200" cy="3657600"/>
+          </a:xfrm>
+          <a:prstGeom prst="rect">
+            <a:avLst/>
+          </a:prstGeom>
+        </p:spPr>
+      </p:pic>
     </p:spTree>
     <p:extLst>
       <p:ext uri="{BB962C8B-B14F-4D97-AF65-F5344CB8AC3E}">
-        <p14:creationId xmlns:p14="http://schemas.microsoft.com/office/powerpoint/2010/main" val="1544165744"/>
+        <p14:creationId xmlns:p14="http://schemas.microsoft.com/office/powerpoint/2010/main" val="408934568"/>
       </p:ext>
     </p:extLst>
   </p:cSld>
@@ -13891,7 +14338,7 @@
 </p:sld>
 </file>
 
-<file path=ppt/slides/slide14.xml><?xml version="1.0" encoding="utf-8"?>
+<file path=ppt/slides/slide15.xml><?xml version="1.0" encoding="utf-8"?>
 <p:sld xmlns:a="http://schemas.openxmlformats.org/drawingml/2006/main" xmlns:r="http://schemas.openxmlformats.org/officeDocument/2006/relationships" xmlns:p="http://schemas.openxmlformats.org/presentationml/2006/main">
   <p:cSld>
     <p:spTree>
@@ -13995,7 +14442,7 @@
 </p:sld>
 </file>
 
-<file path=ppt/slides/slide15.xml><?xml version="1.0" encoding="utf-8"?>
+<file path=ppt/slides/slide16.xml><?xml version="1.0" encoding="utf-8"?>
 <p:sld xmlns:a="http://schemas.openxmlformats.org/drawingml/2006/main" xmlns:r="http://schemas.openxmlformats.org/officeDocument/2006/relationships" xmlns:p="http://schemas.openxmlformats.org/presentationml/2006/main">
   <p:cSld>
     <p:spTree>
@@ -14060,7 +14507,7 @@
         <p:spPr/>
         <p:txBody>
           <a:bodyPr>
-            <a:normAutofit fontScale="92500" lnSpcReduction="20000"/>
+            <a:normAutofit fontScale="62500" lnSpcReduction="20000"/>
           </a:bodyPr>
           <a:lstStyle/>
           <a:p>
@@ -14082,6 +14529,47 @@
           <a:p>
             <a:r>
               <a:rPr lang="en-IE" sz="2100" dirty="0" err="1"/>
+              <a:t>GeeksforGeeks</a:t>
+            </a:r>
+            <a:r>
+              <a:rPr lang="en-IE" sz="2100" dirty="0"/>
+              <a:t>. (2024), Difference between Deadlock and Starvation in OS. Retrieved April 24, 2024, from </a:t>
+            </a:r>
+            <a:r>
+              <a:rPr lang="en-IE" sz="2100" b="0" i="0" u="none" strike="noStrike" dirty="0">
+                <a:effectLst/>
+                <a:latin typeface="Söhne"/>
+                <a:hlinkClick r:id="rId3"/>
+              </a:rPr>
+              <a:t>https://www.geeksforgeeks.org/difference-between-deadlock-and-starvation-in-os/</a:t>
+            </a:r>
+            <a:endParaRPr lang="en-IE" sz="2100" dirty="0"/>
+          </a:p>
+          <a:p>
+            <a:r>
+              <a:rPr lang="en-IE" sz="2100" dirty="0" err="1"/>
+              <a:t>Javatpoint</a:t>
+            </a:r>
+            <a:r>
+              <a:rPr lang="en-IE" sz="2100" dirty="0"/>
+              <a:t>, (2024). OS Deadlocks Introduction. Accessed April 24, 2024, from </a:t>
+            </a:r>
+            <a:r>
+              <a:rPr lang="en-IE" sz="2100" b="0" i="0" u="none" strike="noStrike" dirty="0">
+                <a:effectLst/>
+                <a:latin typeface="Söhne"/>
+                <a:hlinkClick r:id="rId4"/>
+              </a:rPr>
+              <a:t>https://www.javatpoint.com/os-deadlocks-introduction</a:t>
+            </a:r>
+            <a:endParaRPr lang="en-IE" sz="2100" b="0" i="0" u="none" strike="noStrike" dirty="0">
+              <a:effectLst/>
+              <a:latin typeface="Söhne"/>
+            </a:endParaRPr>
+          </a:p>
+          <a:p>
+            <a:r>
+              <a:rPr lang="en-IE" sz="2100" dirty="0" err="1"/>
               <a:t>Dr.</a:t>
             </a:r>
             <a:r>
@@ -14110,7 +14598,15 @@
             </a:r>
             <a:r>
               <a:rPr lang="en-IE" sz="2100" dirty="0"/>
-              <a:t> E-Book (tudublin.ie). Accessed 31 Jan. 2024.</a:t>
+              <a:t> E-Book (</a:t>
+            </a:r>
+            <a:r>
+              <a:rPr lang="en-IE" sz="2100" dirty="0" err="1"/>
+              <a:t>tudublin.ie</a:t>
+            </a:r>
+            <a:r>
+              <a:rPr lang="en-IE" sz="2100" dirty="0"/>
+              <a:t>). Accessed 31 Jan. 2024.</a:t>
             </a:r>
           </a:p>
           <a:p>
@@ -14176,7 +14672,7 @@
                 <a:effectLst/>
                 <a:ea typeface="MS Mincho" panose="02020609040205080304" pitchFamily="49" charset="-128"/>
                 <a:cs typeface="Times New Roman" panose="02020603050405020304" pitchFamily="18" charset="0"/>
-                <a:hlinkClick r:id="rId3"/>
+                <a:hlinkClick r:id="rId5"/>
               </a:rPr>
               <a:t>https://www.researchgate.net/publication/220094570_ThreadMentor_A_pedagogical_tool_for_multithreaded_programming</a:t>
             </a:r>

--- a/final_Presentation_New.pptx
+++ b/final_Presentation_New.pptx
@@ -13817,8 +13817,8 @@
         </p:nvSpPr>
         <p:spPr>
           <a:xfrm>
-            <a:off x="1056663" y="4223657"/>
-            <a:ext cx="7425573" cy="646331"/>
+            <a:off x="882492" y="3972171"/>
+            <a:ext cx="9350079" cy="369332"/>
           </a:xfrm>
           <a:prstGeom prst="rect">
             <a:avLst/>
@@ -13833,8 +13833,12 @@
           <a:p>
             <a:pPr algn="ctr"/>
             <a:r>
+              <a:rPr lang="en-US"/>
+              <a:t>Screenshots are </a:t>
+            </a:r>
+            <a:r>
               <a:rPr lang="en-US" dirty="0"/>
-              <a:t>Screenshots is from </a:t>
+              <a:t>from </a:t>
             </a:r>
             <a:r>
               <a:rPr lang="en-US" dirty="0" err="1"/>
@@ -13849,10 +13853,10 @@
       </p:sp>
       <p:pic>
         <p:nvPicPr>
-          <p:cNvPr id="14" name="Picture 13">
+          <p:cNvPr id="16" name="Picture 15">
             <a:extLst>
               <a:ext uri="{FF2B5EF4-FFF2-40B4-BE49-F238E27FC236}">
-                <a16:creationId xmlns:a16="http://schemas.microsoft.com/office/drawing/2014/main" id="{626ACA3A-47A0-4B82-2E78-FD572B97A0A3}"/>
+                <a16:creationId xmlns:a16="http://schemas.microsoft.com/office/drawing/2014/main" id="{C2237232-1DB5-8B8F-7D66-33B00CC7C92D}"/>
               </a:ext>
             </a:extLst>
           </p:cNvPr>
@@ -13869,8 +13873,8 @@
         </p:blipFill>
         <p:spPr>
           <a:xfrm>
-            <a:off x="496573" y="1569357"/>
-            <a:ext cx="5613400" cy="685800"/>
+            <a:off x="496573" y="2123817"/>
+            <a:ext cx="11198854" cy="1848354"/>
           </a:xfrm>
           <a:prstGeom prst="rect">
             <a:avLst/>
@@ -13879,10 +13883,10 @@
       </p:pic>
       <p:pic>
         <p:nvPicPr>
-          <p:cNvPr id="15" name="Picture 14">
+          <p:cNvPr id="18" name="Picture 17">
             <a:extLst>
               <a:ext uri="{FF2B5EF4-FFF2-40B4-BE49-F238E27FC236}">
-                <a16:creationId xmlns:a16="http://schemas.microsoft.com/office/drawing/2014/main" id="{A96AAAB2-7448-636B-5B16-2FCB7DFD3F30}"/>
+                <a16:creationId xmlns:a16="http://schemas.microsoft.com/office/drawing/2014/main" id="{44248326-00DA-BA9E-7D7F-005876FD4F87}"/>
               </a:ext>
             </a:extLst>
           </p:cNvPr>
@@ -13899,8 +13903,8 @@
         </p:blipFill>
         <p:spPr>
           <a:xfrm>
-            <a:off x="6513827" y="1569357"/>
-            <a:ext cx="5181600" cy="762000"/>
+            <a:off x="476468" y="1655174"/>
+            <a:ext cx="5613400" cy="685800"/>
           </a:xfrm>
           <a:prstGeom prst="rect">
             <a:avLst/>
@@ -13909,10 +13913,10 @@
       </p:pic>
       <p:pic>
         <p:nvPicPr>
-          <p:cNvPr id="16" name="Picture 15">
+          <p:cNvPr id="19" name="Picture 18">
             <a:extLst>
               <a:ext uri="{FF2B5EF4-FFF2-40B4-BE49-F238E27FC236}">
-                <a16:creationId xmlns:a16="http://schemas.microsoft.com/office/drawing/2014/main" id="{C2237232-1DB5-8B8F-7D66-33B00CC7C92D}"/>
+                <a16:creationId xmlns:a16="http://schemas.microsoft.com/office/drawing/2014/main" id="{97BA64AB-243E-C97C-D9F2-ECE0A7670E89}"/>
               </a:ext>
             </a:extLst>
           </p:cNvPr>
@@ -13929,8 +13933,8 @@
         </p:blipFill>
         <p:spPr>
           <a:xfrm>
-            <a:off x="496573" y="2417835"/>
-            <a:ext cx="11198854" cy="1848354"/>
+            <a:off x="6513827" y="1617074"/>
+            <a:ext cx="5181600" cy="762000"/>
           </a:xfrm>
           <a:prstGeom prst="rect">
             <a:avLst/>

--- a/final_Presentation_New.pptx
+++ b/final_Presentation_New.pptx
@@ -2,25 +2,25 @@
 <file path=ppt/presentation.xml><?xml version="1.0" encoding="utf-8"?>
 <p:presentation xmlns:a="http://schemas.openxmlformats.org/drawingml/2006/main" xmlns:r="http://schemas.openxmlformats.org/officeDocument/2006/relationships" xmlns:p="http://schemas.openxmlformats.org/presentationml/2006/main" autoCompressPictures="0">
   <p:sldMasterIdLst>
-    <p:sldMasterId id="2147483648" r:id="rId1"/>
+    <p:sldMasterId id="2147483648" r:id="rId4"/>
   </p:sldMasterIdLst>
   <p:sldIdLst>
-    <p:sldId id="256" r:id="rId2"/>
-    <p:sldId id="257" r:id="rId3"/>
-    <p:sldId id="272" r:id="rId4"/>
-    <p:sldId id="273" r:id="rId5"/>
-    <p:sldId id="271" r:id="rId6"/>
-    <p:sldId id="266" r:id="rId7"/>
-    <p:sldId id="259" r:id="rId8"/>
-    <p:sldId id="264" r:id="rId9"/>
-    <p:sldId id="269" r:id="rId10"/>
-    <p:sldId id="267" r:id="rId11"/>
-    <p:sldId id="270" r:id="rId12"/>
-    <p:sldId id="261" r:id="rId13"/>
-    <p:sldId id="262" r:id="rId14"/>
-    <p:sldId id="274" r:id="rId15"/>
-    <p:sldId id="268" r:id="rId16"/>
-    <p:sldId id="265" r:id="rId17"/>
+    <p:sldId id="256" r:id="rId5"/>
+    <p:sldId id="257" r:id="rId6"/>
+    <p:sldId id="272" r:id="rId7"/>
+    <p:sldId id="273" r:id="rId8"/>
+    <p:sldId id="271" r:id="rId9"/>
+    <p:sldId id="266" r:id="rId10"/>
+    <p:sldId id="259" r:id="rId11"/>
+    <p:sldId id="264" r:id="rId12"/>
+    <p:sldId id="269" r:id="rId13"/>
+    <p:sldId id="267" r:id="rId14"/>
+    <p:sldId id="270" r:id="rId15"/>
+    <p:sldId id="261" r:id="rId16"/>
+    <p:sldId id="262" r:id="rId17"/>
+    <p:sldId id="274" r:id="rId18"/>
+    <p:sldId id="268" r:id="rId19"/>
+    <p:sldId id="265" r:id="rId20"/>
   </p:sldIdLst>
   <p:sldSz cx="12192000" cy="6858000"/>
   <p:notesSz cx="6858000" cy="9144000"/>
@@ -127,14 +127,6 @@
 </p:presentation>
 </file>
 
-<file path=ppt/revisionInfo.xml><?xml version="1.0" encoding="utf-8"?>
-<p1510:revInfo xmlns:a="http://schemas.openxmlformats.org/drawingml/2006/main" xmlns:r="http://schemas.openxmlformats.org/officeDocument/2006/relationships" xmlns:p1510="http://schemas.microsoft.com/office/powerpoint/2015/10/main">
-  <p1510:revLst>
-    <p1510:client id="{C81C3E87-704E-4C9D-AA90-DDB035063D06}" v="4" dt="2024-03-01T13:18:37.159"/>
-  </p1510:revLst>
-</p1510:revInfo>
-</file>
-
 <file path=ppt/slideLayouts/slideLayout1.xml><?xml version="1.0" encoding="utf-8"?>
 <p:sldLayout xmlns:a="http://schemas.openxmlformats.org/drawingml/2006/main" xmlns:r="http://schemas.openxmlformats.org/officeDocument/2006/relationships" xmlns:p="http://schemas.openxmlformats.org/presentationml/2006/main" showMasterSp="0" type="title" preserve="1">
   <p:cSld name="Title Slide">
@@ -185,7 +177,7 @@
           <a:noFill/>
           <a:extLst>
             <a:ext uri="{909E8E84-426E-40dd-AFC4-6F175D3DCCD1}">
-              <a14:hiddenFill xmlns:a14="http://schemas.microsoft.com/office/drawing/2010/main" xmlns="">
+              <a14:hiddenFill xmlns="" xmlns:a14="http://schemas.microsoft.com/office/drawing/2010/main">
                 <a:solidFill>
                   <a:srgbClr val="FFFFFF"/>
                 </a:solidFill>
@@ -245,7 +237,7 @@
             </a:ln>
             <a:extLst>
               <a:ext uri="{91240B29-F687-4f45-9708-019B960494DF}">
-                <a14:hiddenLine xmlns:a14="http://schemas.microsoft.com/office/drawing/2010/main" xmlns="" w="9525">
+                <a14:hiddenLine xmlns="" xmlns:a14="http://schemas.microsoft.com/office/drawing/2010/main" w="9525">
                   <a:solidFill>
                     <a:srgbClr val="000000"/>
                   </a:solidFill>
@@ -335,7 +327,7 @@
             </a:ln>
             <a:extLst>
               <a:ext uri="{91240B29-F687-4f45-9708-019B960494DF}">
-                <a14:hiddenLine xmlns:a14="http://schemas.microsoft.com/office/drawing/2010/main" xmlns="" w="9525">
+                <a14:hiddenLine xmlns="" xmlns:a14="http://schemas.microsoft.com/office/drawing/2010/main" w="9525">
                   <a:solidFill>
                     <a:srgbClr val="000000"/>
                   </a:solidFill>
@@ -425,7 +417,7 @@
             </a:ln>
             <a:extLst>
               <a:ext uri="{91240B29-F687-4f45-9708-019B960494DF}">
-                <a14:hiddenLine xmlns:a14="http://schemas.microsoft.com/office/drawing/2010/main" xmlns="" w="9525">
+                <a14:hiddenLine xmlns="" xmlns:a14="http://schemas.microsoft.com/office/drawing/2010/main" w="9525">
                   <a:solidFill>
                     <a:srgbClr val="000000"/>
                   </a:solidFill>
@@ -459,7 +451,7 @@
             </a:ln>
             <a:extLst>
               <a:ext uri="{91240B29-F687-4f45-9708-019B960494DF}">
-                <a14:hiddenLine xmlns:a14="http://schemas.microsoft.com/office/drawing/2010/main" xmlns="" w="9525">
+                <a14:hiddenLine xmlns="" xmlns:a14="http://schemas.microsoft.com/office/drawing/2010/main" w="9525">
                   <a:solidFill>
                     <a:srgbClr val="000000"/>
                   </a:solidFill>
@@ -549,7 +541,7 @@
             </a:ln>
             <a:extLst>
               <a:ext uri="{91240B29-F687-4f45-9708-019B960494DF}">
-                <a14:hiddenLine xmlns:a14="http://schemas.microsoft.com/office/drawing/2010/main" xmlns="" w="9525">
+                <a14:hiddenLine xmlns="" xmlns:a14="http://schemas.microsoft.com/office/drawing/2010/main" w="9525">
                   <a:solidFill>
                     <a:srgbClr val="000000"/>
                   </a:solidFill>
@@ -611,7 +603,7 @@
             </a:ln>
             <a:extLst>
               <a:ext uri="{91240B29-F687-4f45-9708-019B960494DF}">
-                <a14:hiddenLine xmlns:a14="http://schemas.microsoft.com/office/drawing/2010/main" xmlns="" w="9525">
+                <a14:hiddenLine xmlns="" xmlns:a14="http://schemas.microsoft.com/office/drawing/2010/main" w="9525">
                   <a:solidFill>
                     <a:srgbClr val="000000"/>
                   </a:solidFill>
@@ -673,7 +665,7 @@
             </a:ln>
             <a:extLst>
               <a:ext uri="{91240B29-F687-4f45-9708-019B960494DF}">
-                <a14:hiddenLine xmlns:a14="http://schemas.microsoft.com/office/drawing/2010/main" xmlns="" w="9525">
+                <a14:hiddenLine xmlns="" xmlns:a14="http://schemas.microsoft.com/office/drawing/2010/main" w="9525">
                   <a:solidFill>
                     <a:srgbClr val="000000"/>
                   </a:solidFill>
@@ -763,7 +755,7 @@
             </a:ln>
             <a:extLst>
               <a:ext uri="{91240B29-F687-4f45-9708-019B960494DF}">
-                <a14:hiddenLine xmlns:a14="http://schemas.microsoft.com/office/drawing/2010/main" xmlns="" w="9525">
+                <a14:hiddenLine xmlns="" xmlns:a14="http://schemas.microsoft.com/office/drawing/2010/main" w="9525">
                   <a:solidFill>
                     <a:srgbClr val="000000"/>
                   </a:solidFill>
@@ -825,7 +817,7 @@
             </a:ln>
             <a:extLst>
               <a:ext uri="{91240B29-F687-4f45-9708-019B960494DF}">
-                <a14:hiddenLine xmlns:a14="http://schemas.microsoft.com/office/drawing/2010/main" xmlns="" w="9525">
+                <a14:hiddenLine xmlns="" xmlns:a14="http://schemas.microsoft.com/office/drawing/2010/main" w="9525">
                   <a:solidFill>
                     <a:srgbClr val="000000"/>
                   </a:solidFill>
@@ -887,7 +879,7 @@
             </a:ln>
             <a:extLst>
               <a:ext uri="{91240B29-F687-4f45-9708-019B960494DF}">
-                <a14:hiddenLine xmlns:a14="http://schemas.microsoft.com/office/drawing/2010/main" xmlns="" w="9525">
+                <a14:hiddenLine xmlns="" xmlns:a14="http://schemas.microsoft.com/office/drawing/2010/main" w="9525">
                   <a:solidFill>
                     <a:srgbClr val="000000"/>
                   </a:solidFill>
@@ -977,7 +969,7 @@
             </a:ln>
             <a:extLst>
               <a:ext uri="{91240B29-F687-4f45-9708-019B960494DF}">
-                <a14:hiddenLine xmlns:a14="http://schemas.microsoft.com/office/drawing/2010/main" xmlns="" w="9525">
+                <a14:hiddenLine xmlns="" xmlns:a14="http://schemas.microsoft.com/office/drawing/2010/main" w="9525">
                   <a:solidFill>
                     <a:srgbClr val="000000"/>
                   </a:solidFill>
@@ -1067,7 +1059,7 @@
             </a:ln>
             <a:extLst>
               <a:ext uri="{91240B29-F687-4f45-9708-019B960494DF}">
-                <a14:hiddenLine xmlns:a14="http://schemas.microsoft.com/office/drawing/2010/main" xmlns="" w="9525">
+                <a14:hiddenLine xmlns="" xmlns:a14="http://schemas.microsoft.com/office/drawing/2010/main" w="9525">
                   <a:solidFill>
                     <a:srgbClr val="000000"/>
                   </a:solidFill>
@@ -1129,7 +1121,7 @@
             </a:ln>
             <a:extLst>
               <a:ext uri="{91240B29-F687-4f45-9708-019B960494DF}">
-                <a14:hiddenLine xmlns:a14="http://schemas.microsoft.com/office/drawing/2010/main" xmlns="" w="9525">
+                <a14:hiddenLine xmlns="" xmlns:a14="http://schemas.microsoft.com/office/drawing/2010/main" w="9525">
                   <a:solidFill>
                     <a:srgbClr val="000000"/>
                   </a:solidFill>
@@ -1239,7 +1231,7 @@
             </a:ln>
             <a:extLst>
               <a:ext uri="{91240B29-F687-4f45-9708-019B960494DF}">
-                <a14:hiddenLine xmlns:a14="http://schemas.microsoft.com/office/drawing/2010/main" xmlns="" w="9525">
+                <a14:hiddenLine xmlns="" xmlns:a14="http://schemas.microsoft.com/office/drawing/2010/main" w="9525">
                   <a:solidFill>
                     <a:srgbClr val="000000"/>
                   </a:solidFill>
@@ -1301,7 +1293,7 @@
             </a:ln>
             <a:extLst>
               <a:ext uri="{91240B29-F687-4f45-9708-019B960494DF}">
-                <a14:hiddenLine xmlns:a14="http://schemas.microsoft.com/office/drawing/2010/main" xmlns="" w="9525">
+                <a14:hiddenLine xmlns="" xmlns:a14="http://schemas.microsoft.com/office/drawing/2010/main" w="9525">
                   <a:solidFill>
                     <a:srgbClr val="000000"/>
                   </a:solidFill>
@@ -1391,7 +1383,7 @@
             </a:ln>
             <a:extLst>
               <a:ext uri="{91240B29-F687-4f45-9708-019B960494DF}">
-                <a14:hiddenLine xmlns:a14="http://schemas.microsoft.com/office/drawing/2010/main" xmlns="" w="9525">
+                <a14:hiddenLine xmlns="" xmlns:a14="http://schemas.microsoft.com/office/drawing/2010/main" w="9525">
                   <a:solidFill>
                     <a:srgbClr val="000000"/>
                   </a:solidFill>
@@ -1481,7 +1473,7 @@
             </a:ln>
             <a:extLst>
               <a:ext uri="{91240B29-F687-4f45-9708-019B960494DF}">
-                <a14:hiddenLine xmlns:a14="http://schemas.microsoft.com/office/drawing/2010/main" xmlns="" w="9525">
+                <a14:hiddenLine xmlns="" xmlns:a14="http://schemas.microsoft.com/office/drawing/2010/main" w="9525">
                   <a:solidFill>
                     <a:srgbClr val="000000"/>
                   </a:solidFill>
@@ -1543,7 +1535,7 @@
             </a:ln>
             <a:extLst>
               <a:ext uri="{91240B29-F687-4f45-9708-019B960494DF}">
-                <a14:hiddenLine xmlns:a14="http://schemas.microsoft.com/office/drawing/2010/main" xmlns="" w="9525">
+                <a14:hiddenLine xmlns="" xmlns:a14="http://schemas.microsoft.com/office/drawing/2010/main" w="9525">
                   <a:solidFill>
                     <a:srgbClr val="000000"/>
                   </a:solidFill>
@@ -1633,7 +1625,7 @@
             </a:ln>
             <a:extLst>
               <a:ext uri="{91240B29-F687-4f45-9708-019B960494DF}">
-                <a14:hiddenLine xmlns:a14="http://schemas.microsoft.com/office/drawing/2010/main" xmlns="" w="9525">
+                <a14:hiddenLine xmlns="" xmlns:a14="http://schemas.microsoft.com/office/drawing/2010/main" w="9525">
                   <a:solidFill>
                     <a:srgbClr val="000000"/>
                   </a:solidFill>
@@ -1723,7 +1715,7 @@
             </a:ln>
             <a:extLst>
               <a:ext uri="{91240B29-F687-4f45-9708-019B960494DF}">
-                <a14:hiddenLine xmlns:a14="http://schemas.microsoft.com/office/drawing/2010/main" xmlns="" w="9525">
+                <a14:hiddenLine xmlns="" xmlns:a14="http://schemas.microsoft.com/office/drawing/2010/main" w="9525">
                   <a:solidFill>
                     <a:srgbClr val="000000"/>
                   </a:solidFill>
@@ -1779,7 +1771,7 @@
             </a:ln>
             <a:extLst>
               <a:ext uri="{91240B29-F687-4f45-9708-019B960494DF}">
-                <a14:hiddenLine xmlns:a14="http://schemas.microsoft.com/office/drawing/2010/main" xmlns="" w="9525">
+                <a14:hiddenLine xmlns="" xmlns:a14="http://schemas.microsoft.com/office/drawing/2010/main" w="9525">
                   <a:solidFill>
                     <a:srgbClr val="000000"/>
                   </a:solidFill>
@@ -1869,7 +1861,7 @@
             </a:ln>
             <a:extLst>
               <a:ext uri="{91240B29-F687-4f45-9708-019B960494DF}">
-                <a14:hiddenLine xmlns:a14="http://schemas.microsoft.com/office/drawing/2010/main" xmlns="" w="9525">
+                <a14:hiddenLine xmlns="" xmlns:a14="http://schemas.microsoft.com/office/drawing/2010/main" w="9525">
                   <a:solidFill>
                     <a:srgbClr val="000000"/>
                   </a:solidFill>
@@ -1925,7 +1917,7 @@
             </a:ln>
             <a:extLst>
               <a:ext uri="{91240B29-F687-4f45-9708-019B960494DF}">
-                <a14:hiddenLine xmlns:a14="http://schemas.microsoft.com/office/drawing/2010/main" xmlns="" w="9525">
+                <a14:hiddenLine xmlns="" xmlns:a14="http://schemas.microsoft.com/office/drawing/2010/main" w="9525">
                   <a:solidFill>
                     <a:srgbClr val="000000"/>
                   </a:solidFill>
@@ -2015,7 +2007,7 @@
             </a:ln>
             <a:extLst>
               <a:ext uri="{91240B29-F687-4f45-9708-019B960494DF}">
-                <a14:hiddenLine xmlns:a14="http://schemas.microsoft.com/office/drawing/2010/main" xmlns="" w="9525">
+                <a14:hiddenLine xmlns="" xmlns:a14="http://schemas.microsoft.com/office/drawing/2010/main" w="9525">
                   <a:solidFill>
                     <a:srgbClr val="000000"/>
                   </a:solidFill>
@@ -2083,7 +2075,7 @@
             </a:ln>
             <a:extLst>
               <a:ext uri="{91240B29-F687-4f45-9708-019B960494DF}">
-                <a14:hiddenLine xmlns:a14="http://schemas.microsoft.com/office/drawing/2010/main" xmlns="" w="9525">
+                <a14:hiddenLine xmlns="" xmlns:a14="http://schemas.microsoft.com/office/drawing/2010/main" w="9525">
                   <a:solidFill>
                     <a:srgbClr val="000000"/>
                   </a:solidFill>
@@ -2173,7 +2165,7 @@
             </a:ln>
             <a:extLst>
               <a:ext uri="{91240B29-F687-4f45-9708-019B960494DF}">
-                <a14:hiddenLine xmlns:a14="http://schemas.microsoft.com/office/drawing/2010/main" xmlns="" w="9525">
+                <a14:hiddenLine xmlns="" xmlns:a14="http://schemas.microsoft.com/office/drawing/2010/main" w="9525">
                   <a:solidFill>
                     <a:srgbClr val="000000"/>
                   </a:solidFill>
@@ -2241,7 +2233,7 @@
             </a:ln>
             <a:extLst>
               <a:ext uri="{91240B29-F687-4f45-9708-019B960494DF}">
-                <a14:hiddenLine xmlns:a14="http://schemas.microsoft.com/office/drawing/2010/main" xmlns="" w="9525">
+                <a14:hiddenLine xmlns="" xmlns:a14="http://schemas.microsoft.com/office/drawing/2010/main" w="9525">
                   <a:solidFill>
                     <a:srgbClr val="000000"/>
                   </a:solidFill>
@@ -2331,7 +2323,7 @@
             </a:ln>
             <a:extLst>
               <a:ext uri="{91240B29-F687-4f45-9708-019B960494DF}">
-                <a14:hiddenLine xmlns:a14="http://schemas.microsoft.com/office/drawing/2010/main" xmlns="" w="9525">
+                <a14:hiddenLine xmlns="" xmlns:a14="http://schemas.microsoft.com/office/drawing/2010/main" w="9525">
                   <a:solidFill>
                     <a:srgbClr val="000000"/>
                   </a:solidFill>
@@ -2365,7 +2357,7 @@
             </a:ln>
             <a:extLst>
               <a:ext uri="{91240B29-F687-4f45-9708-019B960494DF}">
-                <a14:hiddenLine xmlns:a14="http://schemas.microsoft.com/office/drawing/2010/main" xmlns="" w="9525">
+                <a14:hiddenLine xmlns="" xmlns:a14="http://schemas.microsoft.com/office/drawing/2010/main" w="9525">
                   <a:solidFill>
                     <a:srgbClr val="000000"/>
                   </a:solidFill>
@@ -2455,7 +2447,7 @@
             </a:ln>
             <a:extLst>
               <a:ext uri="{91240B29-F687-4f45-9708-019B960494DF}">
-                <a14:hiddenLine xmlns:a14="http://schemas.microsoft.com/office/drawing/2010/main" xmlns="" w="9525">
+                <a14:hiddenLine xmlns="" xmlns:a14="http://schemas.microsoft.com/office/drawing/2010/main" w="9525">
                   <a:solidFill>
                     <a:srgbClr val="000000"/>
                   </a:solidFill>
@@ -2517,7 +2509,7 @@
             </a:ln>
             <a:extLst>
               <a:ext uri="{91240B29-F687-4f45-9708-019B960494DF}">
-                <a14:hiddenLine xmlns:a14="http://schemas.microsoft.com/office/drawing/2010/main" xmlns="" w="9525">
+                <a14:hiddenLine xmlns="" xmlns:a14="http://schemas.microsoft.com/office/drawing/2010/main" w="9525">
                   <a:solidFill>
                     <a:srgbClr val="000000"/>
                   </a:solidFill>
@@ -2579,7 +2571,7 @@
             </a:ln>
             <a:extLst>
               <a:ext uri="{91240B29-F687-4f45-9708-019B960494DF}">
-                <a14:hiddenLine xmlns:a14="http://schemas.microsoft.com/office/drawing/2010/main" xmlns="" w="9525">
+                <a14:hiddenLine xmlns="" xmlns:a14="http://schemas.microsoft.com/office/drawing/2010/main" w="9525">
                   <a:solidFill>
                     <a:srgbClr val="000000"/>
                   </a:solidFill>
@@ -2669,7 +2661,7 @@
             </a:ln>
             <a:extLst>
               <a:ext uri="{91240B29-F687-4f45-9708-019B960494DF}">
-                <a14:hiddenLine xmlns:a14="http://schemas.microsoft.com/office/drawing/2010/main" xmlns="" w="9525">
+                <a14:hiddenLine xmlns="" xmlns:a14="http://schemas.microsoft.com/office/drawing/2010/main" w="9525">
                   <a:solidFill>
                     <a:srgbClr val="000000"/>
                   </a:solidFill>
@@ -2737,7 +2729,7 @@
             </a:ln>
             <a:extLst>
               <a:ext uri="{91240B29-F687-4f45-9708-019B960494DF}">
-                <a14:hiddenLine xmlns:a14="http://schemas.microsoft.com/office/drawing/2010/main" xmlns="" w="9525">
+                <a14:hiddenLine xmlns="" xmlns:a14="http://schemas.microsoft.com/office/drawing/2010/main" w="9525">
                   <a:solidFill>
                     <a:srgbClr val="000000"/>
                   </a:solidFill>
@@ -2799,7 +2791,7 @@
             </a:ln>
             <a:extLst>
               <a:ext uri="{91240B29-F687-4f45-9708-019B960494DF}">
-                <a14:hiddenLine xmlns:a14="http://schemas.microsoft.com/office/drawing/2010/main" xmlns="" w="9525">
+                <a14:hiddenLine xmlns="" xmlns:a14="http://schemas.microsoft.com/office/drawing/2010/main" w="9525">
                   <a:solidFill>
                     <a:srgbClr val="000000"/>
                   </a:solidFill>
@@ -2889,7 +2881,7 @@
             </a:ln>
             <a:extLst>
               <a:ext uri="{91240B29-F687-4f45-9708-019B960494DF}">
-                <a14:hiddenLine xmlns:a14="http://schemas.microsoft.com/office/drawing/2010/main" xmlns="" w="9525">
+                <a14:hiddenLine xmlns="" xmlns:a14="http://schemas.microsoft.com/office/drawing/2010/main" w="9525">
                   <a:solidFill>
                     <a:srgbClr val="000000"/>
                   </a:solidFill>
@@ -2951,7 +2943,7 @@
             </a:ln>
             <a:extLst>
               <a:ext uri="{91240B29-F687-4f45-9708-019B960494DF}">
-                <a14:hiddenLine xmlns:a14="http://schemas.microsoft.com/office/drawing/2010/main" xmlns="" w="9525">
+                <a14:hiddenLine xmlns="" xmlns:a14="http://schemas.microsoft.com/office/drawing/2010/main" w="9525">
                   <a:solidFill>
                     <a:srgbClr val="000000"/>
                   </a:solidFill>
@@ -3041,7 +3033,7 @@
             </a:ln>
             <a:extLst>
               <a:ext uri="{91240B29-F687-4f45-9708-019B960494DF}">
-                <a14:hiddenLine xmlns:a14="http://schemas.microsoft.com/office/drawing/2010/main" xmlns="" w="9525">
+                <a14:hiddenLine xmlns="" xmlns:a14="http://schemas.microsoft.com/office/drawing/2010/main" w="9525">
                   <a:solidFill>
                     <a:srgbClr val="000000"/>
                   </a:solidFill>
@@ -3103,7 +3095,7 @@
             </a:ln>
             <a:extLst>
               <a:ext uri="{91240B29-F687-4f45-9708-019B960494DF}">
-                <a14:hiddenLine xmlns:a14="http://schemas.microsoft.com/office/drawing/2010/main" xmlns="" w="9525">
+                <a14:hiddenLine xmlns="" xmlns:a14="http://schemas.microsoft.com/office/drawing/2010/main" w="9525">
                   <a:solidFill>
                     <a:srgbClr val="000000"/>
                   </a:solidFill>
@@ -3193,7 +3185,7 @@
             </a:ln>
             <a:extLst>
               <a:ext uri="{91240B29-F687-4f45-9708-019B960494DF}">
-                <a14:hiddenLine xmlns:a14="http://schemas.microsoft.com/office/drawing/2010/main" xmlns="" w="9525">
+                <a14:hiddenLine xmlns="" xmlns:a14="http://schemas.microsoft.com/office/drawing/2010/main" w="9525">
                   <a:solidFill>
                     <a:srgbClr val="000000"/>
                   </a:solidFill>
@@ -3227,7 +3219,7 @@
             </a:ln>
             <a:extLst>
               <a:ext uri="{91240B29-F687-4f45-9708-019B960494DF}">
-                <a14:hiddenLine xmlns:a14="http://schemas.microsoft.com/office/drawing/2010/main" xmlns="" w="9525">
+                <a14:hiddenLine xmlns="" xmlns:a14="http://schemas.microsoft.com/office/drawing/2010/main" w="9525">
                   <a:solidFill>
                     <a:srgbClr val="000000"/>
                   </a:solidFill>
@@ -3292,7 +3284,7 @@
             </a:ln>
             <a:extLst>
               <a:ext uri="{91240B29-F687-4f45-9708-019B960494DF}">
-                <a14:hiddenLine xmlns:a14="http://schemas.microsoft.com/office/drawing/2010/main" xmlns="" w="9525">
+                <a14:hiddenLine xmlns="" xmlns:a14="http://schemas.microsoft.com/office/drawing/2010/main" w="9525">
                   <a:solidFill>
                     <a:srgbClr val="000000"/>
                   </a:solidFill>
@@ -3382,7 +3374,7 @@
             </a:ln>
             <a:extLst>
               <a:ext uri="{91240B29-F687-4f45-9708-019B960494DF}">
-                <a14:hiddenLine xmlns:a14="http://schemas.microsoft.com/office/drawing/2010/main" xmlns="" w="9525">
+                <a14:hiddenLine xmlns="" xmlns:a14="http://schemas.microsoft.com/office/drawing/2010/main" w="9525">
                   <a:solidFill>
                     <a:srgbClr val="000000"/>
                   </a:solidFill>
@@ -3444,7 +3436,7 @@
             </a:ln>
             <a:extLst>
               <a:ext uri="{91240B29-F687-4f45-9708-019B960494DF}">
-                <a14:hiddenLine xmlns:a14="http://schemas.microsoft.com/office/drawing/2010/main" xmlns="" w="9525">
+                <a14:hiddenLine xmlns="" xmlns:a14="http://schemas.microsoft.com/office/drawing/2010/main" w="9525">
                   <a:solidFill>
                     <a:srgbClr val="000000"/>
                   </a:solidFill>
@@ -3534,7 +3526,7 @@
             </a:ln>
             <a:extLst>
               <a:ext uri="{91240B29-F687-4f45-9708-019B960494DF}">
-                <a14:hiddenLine xmlns:a14="http://schemas.microsoft.com/office/drawing/2010/main" xmlns="" w="9525">
+                <a14:hiddenLine xmlns="" xmlns:a14="http://schemas.microsoft.com/office/drawing/2010/main" w="9525">
                   <a:solidFill>
                     <a:srgbClr val="000000"/>
                   </a:solidFill>
@@ -3624,7 +3616,7 @@
             </a:ln>
             <a:extLst>
               <a:ext uri="{91240B29-F687-4f45-9708-019B960494DF}">
-                <a14:hiddenLine xmlns:a14="http://schemas.microsoft.com/office/drawing/2010/main" xmlns="" w="9525">
+                <a14:hiddenLine xmlns="" xmlns:a14="http://schemas.microsoft.com/office/drawing/2010/main" w="9525">
                   <a:solidFill>
                     <a:srgbClr val="000000"/>
                   </a:solidFill>
@@ -3689,7 +3681,7 @@
             </a:ln>
             <a:extLst>
               <a:ext uri="{91240B29-F687-4f45-9708-019B960494DF}">
-                <a14:hiddenLine xmlns:a14="http://schemas.microsoft.com/office/drawing/2010/main" xmlns="" w="9525">
+                <a14:hiddenLine xmlns="" xmlns:a14="http://schemas.microsoft.com/office/drawing/2010/main" w="9525">
                   <a:solidFill>
                     <a:srgbClr val="000000"/>
                   </a:solidFill>
@@ -3751,7 +3743,7 @@
             </a:ln>
             <a:extLst>
               <a:ext uri="{91240B29-F687-4f45-9708-019B960494DF}">
-                <a14:hiddenLine xmlns:a14="http://schemas.microsoft.com/office/drawing/2010/main" xmlns="" w="9525">
+                <a14:hiddenLine xmlns="" xmlns:a14="http://schemas.microsoft.com/office/drawing/2010/main" w="9525">
                   <a:solidFill>
                     <a:srgbClr val="000000"/>
                   </a:solidFill>
@@ -3841,7 +3833,7 @@
             </a:ln>
             <a:extLst>
               <a:ext uri="{91240B29-F687-4f45-9708-019B960494DF}">
-                <a14:hiddenLine xmlns:a14="http://schemas.microsoft.com/office/drawing/2010/main" xmlns="" w="9525">
+                <a14:hiddenLine xmlns="" xmlns:a14="http://schemas.microsoft.com/office/drawing/2010/main" w="9525">
                   <a:solidFill>
                     <a:srgbClr val="000000"/>
                   </a:solidFill>
@@ -3931,7 +3923,7 @@
             </a:ln>
             <a:extLst>
               <a:ext uri="{91240B29-F687-4f45-9708-019B960494DF}">
-                <a14:hiddenLine xmlns:a14="http://schemas.microsoft.com/office/drawing/2010/main" xmlns="" w="9525">
+                <a14:hiddenLine xmlns="" xmlns:a14="http://schemas.microsoft.com/office/drawing/2010/main" w="9525">
                   <a:solidFill>
                     <a:srgbClr val="000000"/>
                   </a:solidFill>
@@ -3993,7 +3985,7 @@
             </a:ln>
             <a:extLst>
               <a:ext uri="{91240B29-F687-4f45-9708-019B960494DF}">
-                <a14:hiddenLine xmlns:a14="http://schemas.microsoft.com/office/drawing/2010/main" xmlns="" w="9525">
+                <a14:hiddenLine xmlns="" xmlns:a14="http://schemas.microsoft.com/office/drawing/2010/main" w="9525">
                   <a:solidFill>
                     <a:srgbClr val="000000"/>
                   </a:solidFill>
@@ -4113,7 +4105,7 @@
             </a:ln>
             <a:extLst>
               <a:ext uri="{91240B29-F687-4f45-9708-019B960494DF}">
-                <a14:hiddenLine xmlns:a14="http://schemas.microsoft.com/office/drawing/2010/main" xmlns="" w="9525">
+                <a14:hiddenLine xmlns="" xmlns:a14="http://schemas.microsoft.com/office/drawing/2010/main" w="9525">
                   <a:solidFill>
                     <a:srgbClr val="000000"/>
                   </a:solidFill>
@@ -4181,7 +4173,7 @@
             </a:ln>
             <a:extLst>
               <a:ext uri="{91240B29-F687-4f45-9708-019B960494DF}">
-                <a14:hiddenLine xmlns:a14="http://schemas.microsoft.com/office/drawing/2010/main" xmlns="" w="9525">
+                <a14:hiddenLine xmlns="" xmlns:a14="http://schemas.microsoft.com/office/drawing/2010/main" w="9525">
                   <a:solidFill>
                     <a:srgbClr val="000000"/>
                   </a:solidFill>
@@ -4271,7 +4263,7 @@
             </a:ln>
             <a:extLst>
               <a:ext uri="{91240B29-F687-4f45-9708-019B960494DF}">
-                <a14:hiddenLine xmlns:a14="http://schemas.microsoft.com/office/drawing/2010/main" xmlns="" w="9525">
+                <a14:hiddenLine xmlns="" xmlns:a14="http://schemas.microsoft.com/office/drawing/2010/main" w="9525">
                   <a:solidFill>
                     <a:srgbClr val="000000"/>
                   </a:solidFill>
@@ -4411,7 +4403,7 @@
           <a:p>
             <a:fld id="{48A87A34-81AB-432B-8DAE-1953F412C126}" type="datetimeFigureOut">
               <a:rPr lang="en-US" dirty="0"/>
-              <a:t>4/24/24</a:t>
+              <a:t>4/24/2024</a:t>
             </a:fld>
             <a:endParaRPr lang="en-US" dirty="0"/>
           </a:p>
@@ -4673,7 +4665,7 @@
           <a:p>
             <a:fld id="{48A87A34-81AB-432B-8DAE-1953F412C126}" type="datetimeFigureOut">
               <a:rPr lang="en-US" dirty="0"/>
-              <a:t>4/24/24</a:t>
+              <a:t>4/24/2024</a:t>
             </a:fld>
             <a:endParaRPr lang="en-US" dirty="0"/>
           </a:p>
@@ -4864,7 +4856,7 @@
           <a:p>
             <a:fld id="{48A87A34-81AB-432B-8DAE-1953F412C126}" type="datetimeFigureOut">
               <a:rPr lang="en-US" dirty="0"/>
-              <a:t>4/24/24</a:t>
+              <a:t>4/24/2024</a:t>
             </a:fld>
             <a:endParaRPr lang="en-US" dirty="0"/>
           </a:p>
@@ -5122,7 +5114,7 @@
           <a:p>
             <a:fld id="{48A87A34-81AB-432B-8DAE-1953F412C126}" type="datetimeFigureOut">
               <a:rPr lang="en-US" dirty="0"/>
-              <a:t>4/24/24</a:t>
+              <a:t>4/24/2024</a:t>
             </a:fld>
             <a:endParaRPr lang="en-US" dirty="0"/>
           </a:p>
@@ -5551,7 +5543,7 @@
           <a:p>
             <a:fld id="{48A87A34-81AB-432B-8DAE-1953F412C126}" type="datetimeFigureOut">
               <a:rPr lang="en-US" dirty="0"/>
-              <a:t>4/24/24</a:t>
+              <a:t>4/24/2024</a:t>
             </a:fld>
             <a:endParaRPr lang="en-US" dirty="0"/>
           </a:p>
@@ -6092,7 +6084,7 @@
           <a:p>
             <a:fld id="{48A87A34-81AB-432B-8DAE-1953F412C126}" type="datetimeFigureOut">
               <a:rPr lang="en-US" dirty="0"/>
-              <a:t>4/24/24</a:t>
+              <a:t>4/24/2024</a:t>
             </a:fld>
             <a:endParaRPr lang="en-US" dirty="0"/>
           </a:p>
@@ -6807,7 +6799,7 @@
           <a:p>
             <a:fld id="{48A87A34-81AB-432B-8DAE-1953F412C126}" type="datetimeFigureOut">
               <a:rPr lang="en-US" dirty="0"/>
-              <a:t>4/24/24</a:t>
+              <a:t>4/24/2024</a:t>
             </a:fld>
             <a:endParaRPr lang="en-US" dirty="0"/>
           </a:p>
@@ -6972,7 +6964,7 @@
           <a:p>
             <a:fld id="{48A87A34-81AB-432B-8DAE-1953F412C126}" type="datetimeFigureOut">
               <a:rPr lang="en-US" dirty="0"/>
-              <a:t>4/24/24</a:t>
+              <a:t>4/24/2024</a:t>
             </a:fld>
             <a:endParaRPr lang="en-US" dirty="0"/>
           </a:p>
@@ -7147,7 +7139,7 @@
           <a:p>
             <a:fld id="{48A87A34-81AB-432B-8DAE-1953F412C126}" type="datetimeFigureOut">
               <a:rPr lang="en-US" dirty="0"/>
-              <a:t>4/24/24</a:t>
+              <a:t>4/24/2024</a:t>
             </a:fld>
             <a:endParaRPr lang="en-US" dirty="0"/>
           </a:p>
@@ -7312,7 +7304,7 @@
           <a:p>
             <a:fld id="{48A87A34-81AB-432B-8DAE-1953F412C126}" type="datetimeFigureOut">
               <a:rPr lang="en-US" dirty="0"/>
-              <a:t>4/24/24</a:t>
+              <a:t>4/24/2024</a:t>
             </a:fld>
             <a:endParaRPr lang="en-US" dirty="0"/>
           </a:p>
@@ -7557,7 +7549,7 @@
           <a:p>
             <a:fld id="{48A87A34-81AB-432B-8DAE-1953F412C126}" type="datetimeFigureOut">
               <a:rPr lang="en-US" dirty="0"/>
-              <a:t>4/24/24</a:t>
+              <a:t>4/24/2024</a:t>
             </a:fld>
             <a:endParaRPr lang="en-US" dirty="0"/>
           </a:p>
@@ -7784,7 +7776,7 @@
           <a:p>
             <a:fld id="{48A87A34-81AB-432B-8DAE-1953F412C126}" type="datetimeFigureOut">
               <a:rPr lang="en-US" dirty="0"/>
-              <a:t>4/24/24</a:t>
+              <a:t>4/24/2024</a:t>
             </a:fld>
             <a:endParaRPr lang="en-US" dirty="0"/>
           </a:p>
@@ -8160,7 +8152,7 @@
           <a:p>
             <a:fld id="{48A87A34-81AB-432B-8DAE-1953F412C126}" type="datetimeFigureOut">
               <a:rPr lang="en-US" dirty="0"/>
-              <a:t>4/24/24</a:t>
+              <a:t>4/24/2024</a:t>
             </a:fld>
             <a:endParaRPr lang="en-US" dirty="0"/>
           </a:p>
@@ -8273,7 +8265,7 @@
           <a:p>
             <a:fld id="{48A87A34-81AB-432B-8DAE-1953F412C126}" type="datetimeFigureOut">
               <a:rPr lang="en-US" dirty="0"/>
-              <a:t>4/24/24</a:t>
+              <a:t>4/24/2024</a:t>
             </a:fld>
             <a:endParaRPr lang="en-US" dirty="0"/>
           </a:p>
@@ -8363,7 +8355,7 @@
           <a:p>
             <a:fld id="{48A87A34-81AB-432B-8DAE-1953F412C126}" type="datetimeFigureOut">
               <a:rPr lang="en-US" dirty="0"/>
-              <a:t>4/24/24</a:t>
+              <a:t>4/24/2024</a:t>
             </a:fld>
             <a:endParaRPr lang="en-US" dirty="0"/>
           </a:p>
@@ -8607,7 +8599,7 @@
           <a:p>
             <a:fld id="{48A87A34-81AB-432B-8DAE-1953F412C126}" type="datetimeFigureOut">
               <a:rPr lang="en-US" dirty="0"/>
-              <a:t>4/24/24</a:t>
+              <a:t>4/24/2024</a:t>
             </a:fld>
             <a:endParaRPr lang="en-US" dirty="0"/>
           </a:p>
@@ -8882,7 +8874,7 @@
           <a:p>
             <a:fld id="{48A87A34-81AB-432B-8DAE-1953F412C126}" type="datetimeFigureOut">
               <a:rPr lang="en-US" dirty="0"/>
-              <a:t>4/24/24</a:t>
+              <a:t>4/24/2024</a:t>
             </a:fld>
             <a:endParaRPr lang="en-US" dirty="0"/>
           </a:p>
@@ -8993,7 +8985,7 @@
           <a:noFill/>
           <a:extLst>
             <a:ext uri="{909E8E84-426E-40dd-AFC4-6F175D3DCCD1}">
-              <a14:hiddenFill xmlns:a14="http://schemas.microsoft.com/office/drawing/2010/main" xmlns="">
+              <a14:hiddenFill xmlns="" xmlns:a14="http://schemas.microsoft.com/office/drawing/2010/main">
                 <a:solidFill>
                   <a:srgbClr val="FFFFFF"/>
                 </a:solidFill>
@@ -9067,7 +9059,7 @@
               </a:ln>
               <a:extLst>
                 <a:ext uri="{91240B29-F687-4f45-9708-019B960494DF}">
-                  <a14:hiddenLine xmlns:a14="http://schemas.microsoft.com/office/drawing/2010/main" xmlns="" w="9525">
+                  <a14:hiddenLine xmlns="" xmlns:a14="http://schemas.microsoft.com/office/drawing/2010/main" w="9525">
                     <a:solidFill>
                       <a:srgbClr val="000000"/>
                     </a:solidFill>
@@ -9157,7 +9149,7 @@
               </a:ln>
               <a:extLst>
                 <a:ext uri="{91240B29-F687-4f45-9708-019B960494DF}">
-                  <a14:hiddenLine xmlns:a14="http://schemas.microsoft.com/office/drawing/2010/main" xmlns="" w="9525">
+                  <a14:hiddenLine xmlns="" xmlns:a14="http://schemas.microsoft.com/office/drawing/2010/main" w="9525">
                     <a:solidFill>
                       <a:srgbClr val="000000"/>
                     </a:solidFill>
@@ -9247,7 +9239,7 @@
               </a:ln>
               <a:extLst>
                 <a:ext uri="{91240B29-F687-4f45-9708-019B960494DF}">
-                  <a14:hiddenLine xmlns:a14="http://schemas.microsoft.com/office/drawing/2010/main" xmlns="" w="9525">
+                  <a14:hiddenLine xmlns="" xmlns:a14="http://schemas.microsoft.com/office/drawing/2010/main" w="9525">
                     <a:solidFill>
                       <a:srgbClr val="000000"/>
                     </a:solidFill>
@@ -9309,7 +9301,7 @@
               </a:ln>
               <a:extLst>
                 <a:ext uri="{91240B29-F687-4f45-9708-019B960494DF}">
-                  <a14:hiddenLine xmlns:a14="http://schemas.microsoft.com/office/drawing/2010/main" xmlns="" w="9525">
+                  <a14:hiddenLine xmlns="" xmlns:a14="http://schemas.microsoft.com/office/drawing/2010/main" w="9525">
                     <a:solidFill>
                       <a:srgbClr val="000000"/>
                     </a:solidFill>
@@ -9399,7 +9391,7 @@
               </a:ln>
               <a:extLst>
                 <a:ext uri="{91240B29-F687-4f45-9708-019B960494DF}">
-                  <a14:hiddenLine xmlns:a14="http://schemas.microsoft.com/office/drawing/2010/main" xmlns="" w="9525">
+                  <a14:hiddenLine xmlns="" xmlns:a14="http://schemas.microsoft.com/office/drawing/2010/main" w="9525">
                     <a:solidFill>
                       <a:srgbClr val="000000"/>
                     </a:solidFill>
@@ -9461,7 +9453,7 @@
               </a:ln>
               <a:extLst>
                 <a:ext uri="{91240B29-F687-4f45-9708-019B960494DF}">
-                  <a14:hiddenLine xmlns:a14="http://schemas.microsoft.com/office/drawing/2010/main" xmlns="" w="9525">
+                  <a14:hiddenLine xmlns="" xmlns:a14="http://schemas.microsoft.com/office/drawing/2010/main" w="9525">
                     <a:solidFill>
                       <a:srgbClr val="000000"/>
                     </a:solidFill>
@@ -9523,7 +9515,7 @@
               </a:ln>
               <a:extLst>
                 <a:ext uri="{91240B29-F687-4f45-9708-019B960494DF}">
-                  <a14:hiddenLine xmlns:a14="http://schemas.microsoft.com/office/drawing/2010/main" xmlns="" w="9525">
+                  <a14:hiddenLine xmlns="" xmlns:a14="http://schemas.microsoft.com/office/drawing/2010/main" w="9525">
                     <a:solidFill>
                       <a:srgbClr val="000000"/>
                     </a:solidFill>
@@ -9613,7 +9605,7 @@
               </a:ln>
               <a:extLst>
                 <a:ext uri="{91240B29-F687-4f45-9708-019B960494DF}">
-                  <a14:hiddenLine xmlns:a14="http://schemas.microsoft.com/office/drawing/2010/main" xmlns="" w="9525">
+                  <a14:hiddenLine xmlns="" xmlns:a14="http://schemas.microsoft.com/office/drawing/2010/main" w="9525">
                     <a:solidFill>
                       <a:srgbClr val="000000"/>
                     </a:solidFill>
@@ -9703,7 +9695,7 @@
               </a:ln>
               <a:extLst>
                 <a:ext uri="{91240B29-F687-4f45-9708-019B960494DF}">
-                  <a14:hiddenLine xmlns:a14="http://schemas.microsoft.com/office/drawing/2010/main" xmlns="" w="9525">
+                  <a14:hiddenLine xmlns="" xmlns:a14="http://schemas.microsoft.com/office/drawing/2010/main" w="9525">
                     <a:solidFill>
                       <a:srgbClr val="000000"/>
                     </a:solidFill>
@@ -9765,7 +9757,7 @@
               </a:ln>
               <a:extLst>
                 <a:ext uri="{91240B29-F687-4f45-9708-019B960494DF}">
-                  <a14:hiddenLine xmlns:a14="http://schemas.microsoft.com/office/drawing/2010/main" xmlns="" w="9525">
+                  <a14:hiddenLine xmlns="" xmlns:a14="http://schemas.microsoft.com/office/drawing/2010/main" w="9525">
                     <a:solidFill>
                       <a:srgbClr val="000000"/>
                     </a:solidFill>
@@ -9875,7 +9867,7 @@
               </a:ln>
               <a:extLst>
                 <a:ext uri="{91240B29-F687-4f45-9708-019B960494DF}">
-                  <a14:hiddenLine xmlns:a14="http://schemas.microsoft.com/office/drawing/2010/main" xmlns="" w="9525">
+                  <a14:hiddenLine xmlns="" xmlns:a14="http://schemas.microsoft.com/office/drawing/2010/main" w="9525">
                     <a:solidFill>
                       <a:srgbClr val="000000"/>
                     </a:solidFill>
@@ -9959,7 +9951,7 @@
               </a:ln>
               <a:extLst>
                 <a:ext uri="{91240B29-F687-4f45-9708-019B960494DF}">
-                  <a14:hiddenLine xmlns:a14="http://schemas.microsoft.com/office/drawing/2010/main" xmlns="" w="9525">
+                  <a14:hiddenLine xmlns="" xmlns:a14="http://schemas.microsoft.com/office/drawing/2010/main" w="9525">
                     <a:solidFill>
                       <a:srgbClr val="000000"/>
                     </a:solidFill>
@@ -10021,7 +10013,7 @@
               </a:ln>
               <a:extLst>
                 <a:ext uri="{91240B29-F687-4f45-9708-019B960494DF}">
-                  <a14:hiddenLine xmlns:a14="http://schemas.microsoft.com/office/drawing/2010/main" xmlns="" w="9525">
+                  <a14:hiddenLine xmlns="" xmlns:a14="http://schemas.microsoft.com/office/drawing/2010/main" w="9525">
                     <a:solidFill>
                       <a:srgbClr val="000000"/>
                     </a:solidFill>
@@ -10083,7 +10075,7 @@
               </a:ln>
               <a:extLst>
                 <a:ext uri="{91240B29-F687-4f45-9708-019B960494DF}">
-                  <a14:hiddenLine xmlns:a14="http://schemas.microsoft.com/office/drawing/2010/main" xmlns="" w="9525">
+                  <a14:hiddenLine xmlns="" xmlns:a14="http://schemas.microsoft.com/office/drawing/2010/main" w="9525">
                     <a:solidFill>
                       <a:srgbClr val="000000"/>
                     </a:solidFill>
@@ -10173,7 +10165,7 @@
               </a:ln>
               <a:extLst>
                 <a:ext uri="{91240B29-F687-4f45-9708-019B960494DF}">
-                  <a14:hiddenLine xmlns:a14="http://schemas.microsoft.com/office/drawing/2010/main" xmlns="" w="9525">
+                  <a14:hiddenLine xmlns="" xmlns:a14="http://schemas.microsoft.com/office/drawing/2010/main" w="9525">
                     <a:solidFill>
                       <a:srgbClr val="000000"/>
                     </a:solidFill>
@@ -10207,7 +10199,7 @@
               </a:ln>
               <a:extLst>
                 <a:ext uri="{91240B29-F687-4f45-9708-019B960494DF}">
-                  <a14:hiddenLine xmlns:a14="http://schemas.microsoft.com/office/drawing/2010/main" xmlns="" w="9525">
+                  <a14:hiddenLine xmlns="" xmlns:a14="http://schemas.microsoft.com/office/drawing/2010/main" w="9525">
                     <a:solidFill>
                       <a:srgbClr val="000000"/>
                     </a:solidFill>
@@ -10272,7 +10264,7 @@
               </a:ln>
               <a:extLst>
                 <a:ext uri="{91240B29-F687-4f45-9708-019B960494DF}">
-                  <a14:hiddenLine xmlns:a14="http://schemas.microsoft.com/office/drawing/2010/main" xmlns="" w="9525">
+                  <a14:hiddenLine xmlns="" xmlns:a14="http://schemas.microsoft.com/office/drawing/2010/main" w="9525">
                     <a:solidFill>
                       <a:srgbClr val="000000"/>
                     </a:solidFill>
@@ -10362,7 +10354,7 @@
               </a:ln>
               <a:extLst>
                 <a:ext uri="{91240B29-F687-4f45-9708-019B960494DF}">
-                  <a14:hiddenLine xmlns:a14="http://schemas.microsoft.com/office/drawing/2010/main" xmlns="" w="9525">
+                  <a14:hiddenLine xmlns="" xmlns:a14="http://schemas.microsoft.com/office/drawing/2010/main" w="9525">
                     <a:solidFill>
                       <a:srgbClr val="000000"/>
                     </a:solidFill>
@@ -10424,7 +10416,7 @@
               </a:ln>
               <a:extLst>
                 <a:ext uri="{91240B29-F687-4f45-9708-019B960494DF}">
-                  <a14:hiddenLine xmlns:a14="http://schemas.microsoft.com/office/drawing/2010/main" xmlns="" w="9525">
+                  <a14:hiddenLine xmlns="" xmlns:a14="http://schemas.microsoft.com/office/drawing/2010/main" w="9525">
                     <a:solidFill>
                       <a:srgbClr val="000000"/>
                     </a:solidFill>
@@ -10514,7 +10506,7 @@
               </a:ln>
               <a:extLst>
                 <a:ext uri="{91240B29-F687-4f45-9708-019B960494DF}">
-                  <a14:hiddenLine xmlns:a14="http://schemas.microsoft.com/office/drawing/2010/main" xmlns="" w="9525">
+                  <a14:hiddenLine xmlns="" xmlns:a14="http://schemas.microsoft.com/office/drawing/2010/main" w="9525">
                     <a:solidFill>
                       <a:srgbClr val="000000"/>
                     </a:solidFill>
@@ -10579,7 +10571,7 @@
               </a:ln>
               <a:extLst>
                 <a:ext uri="{91240B29-F687-4f45-9708-019B960494DF}">
-                  <a14:hiddenLine xmlns:a14="http://schemas.microsoft.com/office/drawing/2010/main" xmlns="" w="9525">
+                  <a14:hiddenLine xmlns="" xmlns:a14="http://schemas.microsoft.com/office/drawing/2010/main" w="9525">
                     <a:solidFill>
                       <a:srgbClr val="000000"/>
                     </a:solidFill>
@@ -10641,7 +10633,7 @@
               </a:ln>
               <a:extLst>
                 <a:ext uri="{91240B29-F687-4f45-9708-019B960494DF}">
-                  <a14:hiddenLine xmlns:a14="http://schemas.microsoft.com/office/drawing/2010/main" xmlns="" w="9525">
+                  <a14:hiddenLine xmlns="" xmlns:a14="http://schemas.microsoft.com/office/drawing/2010/main" w="9525">
                     <a:solidFill>
                       <a:srgbClr val="000000"/>
                     </a:solidFill>
@@ -10731,7 +10723,7 @@
               </a:ln>
               <a:extLst>
                 <a:ext uri="{91240B29-F687-4f45-9708-019B960494DF}">
-                  <a14:hiddenLine xmlns:a14="http://schemas.microsoft.com/office/drawing/2010/main" xmlns="" w="9525">
+                  <a14:hiddenLine xmlns="" xmlns:a14="http://schemas.microsoft.com/office/drawing/2010/main" w="9525">
                     <a:solidFill>
                       <a:srgbClr val="000000"/>
                     </a:solidFill>
@@ -10821,7 +10813,7 @@
               </a:ln>
               <a:extLst>
                 <a:ext uri="{91240B29-F687-4f45-9708-019B960494DF}">
-                  <a14:hiddenLine xmlns:a14="http://schemas.microsoft.com/office/drawing/2010/main" xmlns="" w="9525">
+                  <a14:hiddenLine xmlns="" xmlns:a14="http://schemas.microsoft.com/office/drawing/2010/main" w="9525">
                     <a:solidFill>
                       <a:srgbClr val="000000"/>
                     </a:solidFill>
@@ -10886,7 +10878,7 @@
               </a:ln>
               <a:extLst>
                 <a:ext uri="{91240B29-F687-4f45-9708-019B960494DF}">
-                  <a14:hiddenLine xmlns:a14="http://schemas.microsoft.com/office/drawing/2010/main" xmlns="" w="9525">
+                  <a14:hiddenLine xmlns="" xmlns:a14="http://schemas.microsoft.com/office/drawing/2010/main" w="9525">
                     <a:solidFill>
                       <a:srgbClr val="000000"/>
                     </a:solidFill>
@@ -11006,7 +10998,7 @@
               </a:ln>
               <a:extLst>
                 <a:ext uri="{91240B29-F687-4f45-9708-019B960494DF}">
-                  <a14:hiddenLine xmlns:a14="http://schemas.microsoft.com/office/drawing/2010/main" xmlns="" w="9525">
+                  <a14:hiddenLine xmlns="" xmlns:a14="http://schemas.microsoft.com/office/drawing/2010/main" w="9525">
                     <a:solidFill>
                       <a:srgbClr val="000000"/>
                     </a:solidFill>
@@ -11104,7 +11096,7 @@
               </a:ln>
               <a:extLst>
                 <a:ext uri="{91240B29-F687-4f45-9708-019B960494DF}">
-                  <a14:hiddenLine xmlns:a14="http://schemas.microsoft.com/office/drawing/2010/main" xmlns="" w="9525">
+                  <a14:hiddenLine xmlns="" xmlns:a14="http://schemas.microsoft.com/office/drawing/2010/main" w="9525">
                     <a:solidFill>
                       <a:srgbClr val="000000"/>
                     </a:solidFill>
@@ -11219,7 +11211,7 @@
               </a:ln>
               <a:extLst>
                 <a:ext uri="{91240B29-F687-4f45-9708-019B960494DF}">
-                  <a14:hiddenLine xmlns:a14="http://schemas.microsoft.com/office/drawing/2010/main" xmlns="" w="9525">
+                  <a14:hiddenLine xmlns="" xmlns:a14="http://schemas.microsoft.com/office/drawing/2010/main" w="9525">
                     <a:solidFill>
                       <a:srgbClr val="000000"/>
                     </a:solidFill>
@@ -11309,7 +11301,7 @@
               </a:ln>
               <a:extLst>
                 <a:ext uri="{91240B29-F687-4f45-9708-019B960494DF}">
-                  <a14:hiddenLine xmlns:a14="http://schemas.microsoft.com/office/drawing/2010/main" xmlns="" w="9525">
+                  <a14:hiddenLine xmlns="" xmlns:a14="http://schemas.microsoft.com/office/drawing/2010/main" w="9525">
                     <a:solidFill>
                       <a:srgbClr val="000000"/>
                     </a:solidFill>
@@ -11374,7 +11366,7 @@
               </a:ln>
               <a:extLst>
                 <a:ext uri="{91240B29-F687-4f45-9708-019B960494DF}">
-                  <a14:hiddenLine xmlns:a14="http://schemas.microsoft.com/office/drawing/2010/main" xmlns="" w="9525">
+                  <a14:hiddenLine xmlns="" xmlns:a14="http://schemas.microsoft.com/office/drawing/2010/main" w="9525">
                     <a:solidFill>
                       <a:srgbClr val="000000"/>
                     </a:solidFill>
@@ -11464,7 +11456,7 @@
               </a:ln>
               <a:extLst>
                 <a:ext uri="{91240B29-F687-4f45-9708-019B960494DF}">
-                  <a14:hiddenLine xmlns:a14="http://schemas.microsoft.com/office/drawing/2010/main" xmlns="" w="9525">
+                  <a14:hiddenLine xmlns="" xmlns:a14="http://schemas.microsoft.com/office/drawing/2010/main" w="9525">
                     <a:solidFill>
                       <a:srgbClr val="000000"/>
                     </a:solidFill>
@@ -11532,7 +11524,7 @@
               </a:ln>
               <a:extLst>
                 <a:ext uri="{91240B29-F687-4f45-9708-019B960494DF}">
-                  <a14:hiddenLine xmlns:a14="http://schemas.microsoft.com/office/drawing/2010/main" xmlns="" w="9525">
+                  <a14:hiddenLine xmlns="" xmlns:a14="http://schemas.microsoft.com/office/drawing/2010/main" w="9525">
                     <a:solidFill>
                       <a:srgbClr val="000000"/>
                     </a:solidFill>
@@ -11622,7 +11614,7 @@
               </a:ln>
               <a:extLst>
                 <a:ext uri="{91240B29-F687-4f45-9708-019B960494DF}">
-                  <a14:hiddenLine xmlns:a14="http://schemas.microsoft.com/office/drawing/2010/main" xmlns="" w="9525">
+                  <a14:hiddenLine xmlns="" xmlns:a14="http://schemas.microsoft.com/office/drawing/2010/main" w="9525">
                     <a:solidFill>
                       <a:srgbClr val="000000"/>
                     </a:solidFill>
@@ -11690,7 +11682,7 @@
               </a:ln>
               <a:extLst>
                 <a:ext uri="{91240B29-F687-4f45-9708-019B960494DF}">
-                  <a14:hiddenLine xmlns:a14="http://schemas.microsoft.com/office/drawing/2010/main" xmlns="" w="9525">
+                  <a14:hiddenLine xmlns="" xmlns:a14="http://schemas.microsoft.com/office/drawing/2010/main" w="9525">
                     <a:solidFill>
                       <a:srgbClr val="000000"/>
                     </a:solidFill>
@@ -11780,7 +11772,7 @@
               </a:ln>
               <a:extLst>
                 <a:ext uri="{91240B29-F687-4f45-9708-019B960494DF}">
-                  <a14:hiddenLine xmlns:a14="http://schemas.microsoft.com/office/drawing/2010/main" xmlns="" w="9525">
+                  <a14:hiddenLine xmlns="" xmlns:a14="http://schemas.microsoft.com/office/drawing/2010/main" w="9525">
                     <a:solidFill>
                       <a:srgbClr val="000000"/>
                     </a:solidFill>
@@ -11814,7 +11806,7 @@
               </a:ln>
               <a:extLst>
                 <a:ext uri="{91240B29-F687-4f45-9708-019B960494DF}">
-                  <a14:hiddenLine xmlns:a14="http://schemas.microsoft.com/office/drawing/2010/main" xmlns="" w="9525">
+                  <a14:hiddenLine xmlns="" xmlns:a14="http://schemas.microsoft.com/office/drawing/2010/main" w="9525">
                     <a:solidFill>
                       <a:srgbClr val="000000"/>
                     </a:solidFill>
@@ -11955,7 +11947,7 @@
             <a:fld id="{48A87A34-81AB-432B-8DAE-1953F412C126}" type="datetimeFigureOut">
               <a:rPr lang="en-US" dirty="0"/>
               <a:pPr/>
-              <a:t>4/24/24</a:t>
+              <a:t>4/24/2024</a:t>
             </a:fld>
             <a:endParaRPr lang="en-US" dirty="0"/>
           </a:p>
@@ -14429,6 +14421,18 @@
             </a:r>
           </a:p>
           <a:p>
+            <a:r>
+              <a:rPr lang="en-GB" dirty="0"/>
+              <a:t>Advantages of semaphore: Synchronization, flexibility and efficiency</a:t>
+            </a:r>
+          </a:p>
+          <a:p>
+            <a:r>
+              <a:rPr lang="en-GB" dirty="0"/>
+              <a:t>Disadvantages of semaphore: complexity, overhead, race condition</a:t>
+            </a:r>
+          </a:p>
+          <a:p>
             <a:endParaRPr lang="en-GB" dirty="0"/>
           </a:p>
         </p:txBody>
@@ -14511,7 +14515,7 @@
         <p:spPr/>
         <p:txBody>
           <a:bodyPr>
-            <a:normAutofit fontScale="62500" lnSpcReduction="20000"/>
+            <a:normAutofit fontScale="55000" lnSpcReduction="20000"/>
           </a:bodyPr>
           <a:lstStyle/>
           <a:p>
@@ -14695,7 +14699,15 @@
             </a:endParaRPr>
           </a:p>
           <a:p>
-            <a:endParaRPr lang="en-IE" b="1" dirty="0"/>
+            <a:r>
+              <a:rPr lang="en-US" dirty="0" err="1"/>
+              <a:t>Eorslf</a:t>
+            </a:r>
+            <a:r>
+              <a:rPr lang="en-US" dirty="0"/>
+              <a:t>. (2024) Semaphores in OS: Types, Advantages, and Disadvantages [online], Available from: &lt;https://eorslf.com/computer-education/semaphores/#:~:text=Semaphores%20in%20OS%3A%20Types%2C%20Advantages%2C%20and%20Disadvantages%201,synchronization%20problems%2C%20such%20as%20deadlocks%20and%20livelocks.%20&gt; .</a:t>
+            </a:r>
+            <a:endParaRPr lang="en-IE" dirty="0"/>
           </a:p>
         </p:txBody>
       </p:sp>
@@ -14861,7 +14873,7 @@
           <a:noFill/>
           <a:extLst>
             <a:ext uri="{909E8E84-426E-40dd-AFC4-6F175D3DCCD1}">
-              <a14:hiddenFill xmlns="" xmlns:a16="http://schemas.microsoft.com/office/drawing/2014/main" xmlns:p14="http://schemas.microsoft.com/office/powerpoint/2010/main" xmlns:a14="http://schemas.microsoft.com/office/drawing/2010/main">
+              <a14:hiddenFill xmlns:a14="http://schemas.microsoft.com/office/drawing/2010/main" xmlns:p14="http://schemas.microsoft.com/office/powerpoint/2010/main" xmlns:a16="http://schemas.microsoft.com/office/drawing/2014/main" xmlns="">
                 <a:solidFill>
                   <a:srgbClr val="FFFFFF"/>
                 </a:solidFill>
@@ -15100,7 +15112,7 @@
             </a:ln>
             <a:extLst>
               <a:ext uri="{91240B29-F687-4f45-9708-019B960494DF}">
-                <a14:hiddenLine xmlns="" xmlns:a16="http://schemas.microsoft.com/office/drawing/2014/main" xmlns:p14="http://schemas.microsoft.com/office/powerpoint/2010/main" xmlns:a14="http://schemas.microsoft.com/office/drawing/2010/main" w="9525">
+                <a14:hiddenLine xmlns:a14="http://schemas.microsoft.com/office/drawing/2010/main" xmlns:p14="http://schemas.microsoft.com/office/powerpoint/2010/main" xmlns:a16="http://schemas.microsoft.com/office/drawing/2014/main" xmlns="" w="9525">
                   <a:solidFill>
                     <a:srgbClr val="000000"/>
                   </a:solidFill>
@@ -15212,7 +15224,7 @@
             </a:ln>
             <a:extLst>
               <a:ext uri="{91240B29-F687-4f45-9708-019B960494DF}">
-                <a14:hiddenLine xmlns="" xmlns:a16="http://schemas.microsoft.com/office/drawing/2014/main" xmlns:p14="http://schemas.microsoft.com/office/powerpoint/2010/main" xmlns:a14="http://schemas.microsoft.com/office/drawing/2010/main" w="9525">
+                <a14:hiddenLine xmlns:a14="http://schemas.microsoft.com/office/drawing/2010/main" xmlns:p14="http://schemas.microsoft.com/office/powerpoint/2010/main" xmlns:a16="http://schemas.microsoft.com/office/drawing/2014/main" xmlns="" w="9525">
                   <a:solidFill>
                     <a:srgbClr val="000000"/>
                   </a:solidFill>
@@ -15324,7 +15336,7 @@
             </a:ln>
             <a:extLst>
               <a:ext uri="{91240B29-F687-4f45-9708-019B960494DF}">
-                <a14:hiddenLine xmlns="" xmlns:a16="http://schemas.microsoft.com/office/drawing/2014/main" xmlns:p14="http://schemas.microsoft.com/office/powerpoint/2010/main" xmlns:a14="http://schemas.microsoft.com/office/drawing/2010/main" w="9525">
+                <a14:hiddenLine xmlns:a14="http://schemas.microsoft.com/office/drawing/2010/main" xmlns:p14="http://schemas.microsoft.com/office/powerpoint/2010/main" xmlns:a16="http://schemas.microsoft.com/office/drawing/2014/main" xmlns="" w="9525">
                   <a:solidFill>
                     <a:srgbClr val="000000"/>
                   </a:solidFill>
@@ -15408,7 +15420,7 @@
             </a:ln>
             <a:extLst>
               <a:ext uri="{91240B29-F687-4f45-9708-019B960494DF}">
-                <a14:hiddenLine xmlns="" xmlns:a16="http://schemas.microsoft.com/office/drawing/2014/main" xmlns:p14="http://schemas.microsoft.com/office/powerpoint/2010/main" xmlns:a14="http://schemas.microsoft.com/office/drawing/2010/main" w="9525">
+                <a14:hiddenLine xmlns:a14="http://schemas.microsoft.com/office/drawing/2010/main" xmlns:p14="http://schemas.microsoft.com/office/powerpoint/2010/main" xmlns:a16="http://schemas.microsoft.com/office/drawing/2014/main" xmlns="" w="9525">
                   <a:solidFill>
                     <a:srgbClr val="000000"/>
                   </a:solidFill>
@@ -15520,7 +15532,7 @@
             </a:ln>
             <a:extLst>
               <a:ext uri="{91240B29-F687-4f45-9708-019B960494DF}">
-                <a14:hiddenLine xmlns="" xmlns:a16="http://schemas.microsoft.com/office/drawing/2014/main" xmlns:p14="http://schemas.microsoft.com/office/powerpoint/2010/main" xmlns:a14="http://schemas.microsoft.com/office/drawing/2010/main" w="9525">
+                <a14:hiddenLine xmlns:a14="http://schemas.microsoft.com/office/drawing/2010/main" xmlns:p14="http://schemas.microsoft.com/office/powerpoint/2010/main" xmlns:a16="http://schemas.microsoft.com/office/drawing/2014/main" xmlns="" w="9525">
                   <a:solidFill>
                     <a:srgbClr val="000000"/>
                   </a:solidFill>
@@ -15604,7 +15616,7 @@
             </a:ln>
             <a:extLst>
               <a:ext uri="{91240B29-F687-4f45-9708-019B960494DF}">
-                <a14:hiddenLine xmlns="" xmlns:a16="http://schemas.microsoft.com/office/drawing/2014/main" xmlns:p14="http://schemas.microsoft.com/office/powerpoint/2010/main" xmlns:a14="http://schemas.microsoft.com/office/drawing/2010/main" w="9525">
+                <a14:hiddenLine xmlns:a14="http://schemas.microsoft.com/office/drawing/2010/main" xmlns:p14="http://schemas.microsoft.com/office/powerpoint/2010/main" xmlns:a16="http://schemas.microsoft.com/office/drawing/2014/main" xmlns="" w="9525">
                   <a:solidFill>
                     <a:srgbClr val="000000"/>
                   </a:solidFill>
@@ -15688,7 +15700,7 @@
             </a:ln>
             <a:extLst>
               <a:ext uri="{91240B29-F687-4f45-9708-019B960494DF}">
-                <a14:hiddenLine xmlns="" xmlns:a16="http://schemas.microsoft.com/office/drawing/2014/main" xmlns:p14="http://schemas.microsoft.com/office/powerpoint/2010/main" xmlns:a14="http://schemas.microsoft.com/office/drawing/2010/main" w="9525">
+                <a14:hiddenLine xmlns:a14="http://schemas.microsoft.com/office/drawing/2010/main" xmlns:p14="http://schemas.microsoft.com/office/powerpoint/2010/main" xmlns:a16="http://schemas.microsoft.com/office/drawing/2014/main" xmlns="" w="9525">
                   <a:solidFill>
                     <a:srgbClr val="000000"/>
                   </a:solidFill>
@@ -15800,7 +15812,7 @@
             </a:ln>
             <a:extLst>
               <a:ext uri="{91240B29-F687-4f45-9708-019B960494DF}">
-                <a14:hiddenLine xmlns="" xmlns:a16="http://schemas.microsoft.com/office/drawing/2014/main" xmlns:p14="http://schemas.microsoft.com/office/powerpoint/2010/main" xmlns:a14="http://schemas.microsoft.com/office/drawing/2010/main" w="9525">
+                <a14:hiddenLine xmlns:a14="http://schemas.microsoft.com/office/drawing/2010/main" xmlns:p14="http://schemas.microsoft.com/office/powerpoint/2010/main" xmlns:a16="http://schemas.microsoft.com/office/drawing/2014/main" xmlns="" w="9525">
                   <a:solidFill>
                     <a:srgbClr val="000000"/>
                   </a:solidFill>
@@ -15912,7 +15924,7 @@
             </a:ln>
             <a:extLst>
               <a:ext uri="{91240B29-F687-4f45-9708-019B960494DF}">
-                <a14:hiddenLine xmlns="" xmlns:a16="http://schemas.microsoft.com/office/drawing/2014/main" xmlns:p14="http://schemas.microsoft.com/office/powerpoint/2010/main" xmlns:a14="http://schemas.microsoft.com/office/drawing/2010/main" w="9525">
+                <a14:hiddenLine xmlns:a14="http://schemas.microsoft.com/office/drawing/2010/main" xmlns:p14="http://schemas.microsoft.com/office/powerpoint/2010/main" xmlns:a16="http://schemas.microsoft.com/office/drawing/2014/main" xmlns="" w="9525">
                   <a:solidFill>
                     <a:srgbClr val="000000"/>
                   </a:solidFill>
@@ -15996,7 +16008,7 @@
             </a:ln>
             <a:extLst>
               <a:ext uri="{91240B29-F687-4f45-9708-019B960494DF}">
-                <a14:hiddenLine xmlns="" xmlns:a16="http://schemas.microsoft.com/office/drawing/2014/main" xmlns:p14="http://schemas.microsoft.com/office/powerpoint/2010/main" xmlns:a14="http://schemas.microsoft.com/office/drawing/2010/main" w="9525">
+                <a14:hiddenLine xmlns:a14="http://schemas.microsoft.com/office/drawing/2010/main" xmlns:p14="http://schemas.microsoft.com/office/powerpoint/2010/main" xmlns:a16="http://schemas.microsoft.com/office/drawing/2014/main" xmlns="" w="9525">
                   <a:solidFill>
                     <a:srgbClr val="000000"/>
                   </a:solidFill>
@@ -16128,7 +16140,7 @@
             </a:ln>
             <a:extLst>
               <a:ext uri="{91240B29-F687-4f45-9708-019B960494DF}">
-                <a14:hiddenLine xmlns="" xmlns:a16="http://schemas.microsoft.com/office/drawing/2014/main" xmlns:p14="http://schemas.microsoft.com/office/powerpoint/2010/main" xmlns:a14="http://schemas.microsoft.com/office/drawing/2010/main" w="9525">
+                <a14:hiddenLine xmlns:a14="http://schemas.microsoft.com/office/drawing/2010/main" xmlns:p14="http://schemas.microsoft.com/office/powerpoint/2010/main" xmlns:a16="http://schemas.microsoft.com/office/drawing/2014/main" xmlns="" w="9525">
                   <a:solidFill>
                     <a:srgbClr val="000000"/>
                   </a:solidFill>
@@ -16256,7 +16268,7 @@
             </a:ln>
             <a:extLst>
               <a:ext uri="{91240B29-F687-4f45-9708-019B960494DF}">
-                <a14:hiddenLine xmlns="" xmlns:a16="http://schemas.microsoft.com/office/drawing/2014/main" xmlns:p14="http://schemas.microsoft.com/office/powerpoint/2010/main" xmlns:a14="http://schemas.microsoft.com/office/drawing/2010/main" w="9525">
+                <a14:hiddenLine xmlns:a14="http://schemas.microsoft.com/office/drawing/2010/main" xmlns:p14="http://schemas.microsoft.com/office/powerpoint/2010/main" xmlns:a16="http://schemas.microsoft.com/office/drawing/2014/main" xmlns="" w="9525">
                   <a:solidFill>
                     <a:srgbClr val="000000"/>
                   </a:solidFill>
@@ -16340,7 +16352,7 @@
             </a:ln>
             <a:extLst>
               <a:ext uri="{91240B29-F687-4f45-9708-019B960494DF}">
-                <a14:hiddenLine xmlns="" xmlns:a16="http://schemas.microsoft.com/office/drawing/2014/main" xmlns:p14="http://schemas.microsoft.com/office/powerpoint/2010/main" xmlns:a14="http://schemas.microsoft.com/office/drawing/2010/main" w="9525">
+                <a14:hiddenLine xmlns:a14="http://schemas.microsoft.com/office/drawing/2010/main" xmlns:p14="http://schemas.microsoft.com/office/powerpoint/2010/main" xmlns:a16="http://schemas.microsoft.com/office/drawing/2014/main" xmlns="" w="9525">
                   <a:solidFill>
                     <a:srgbClr val="000000"/>
                   </a:solidFill>
@@ -16424,7 +16436,7 @@
             </a:ln>
             <a:extLst>
               <a:ext uri="{91240B29-F687-4f45-9708-019B960494DF}">
-                <a14:hiddenLine xmlns="" xmlns:a16="http://schemas.microsoft.com/office/drawing/2014/main" xmlns:p14="http://schemas.microsoft.com/office/powerpoint/2010/main" xmlns:a14="http://schemas.microsoft.com/office/drawing/2010/main" w="9525">
+                <a14:hiddenLine xmlns:a14="http://schemas.microsoft.com/office/drawing/2010/main" xmlns:p14="http://schemas.microsoft.com/office/powerpoint/2010/main" xmlns:a16="http://schemas.microsoft.com/office/drawing/2014/main" xmlns="" w="9525">
                   <a:solidFill>
                     <a:srgbClr val="000000"/>
                   </a:solidFill>
@@ -16536,7 +16548,7 @@
             </a:ln>
             <a:extLst>
               <a:ext uri="{91240B29-F687-4f45-9708-019B960494DF}">
-                <a14:hiddenLine xmlns="" xmlns:a16="http://schemas.microsoft.com/office/drawing/2014/main" xmlns:p14="http://schemas.microsoft.com/office/powerpoint/2010/main" xmlns:a14="http://schemas.microsoft.com/office/drawing/2010/main" w="9525">
+                <a14:hiddenLine xmlns:a14="http://schemas.microsoft.com/office/drawing/2010/main" xmlns:p14="http://schemas.microsoft.com/office/powerpoint/2010/main" xmlns:a16="http://schemas.microsoft.com/office/drawing/2014/main" xmlns="" w="9525">
                   <a:solidFill>
                     <a:srgbClr val="000000"/>
                   </a:solidFill>
@@ -16592,7 +16604,7 @@
             </a:ln>
             <a:extLst>
               <a:ext uri="{91240B29-F687-4f45-9708-019B960494DF}">
-                <a14:hiddenLine xmlns="" xmlns:a16="http://schemas.microsoft.com/office/drawing/2014/main" xmlns:p14="http://schemas.microsoft.com/office/powerpoint/2010/main" xmlns:a14="http://schemas.microsoft.com/office/drawing/2010/main" w="9525">
+                <a14:hiddenLine xmlns:a14="http://schemas.microsoft.com/office/drawing/2010/main" xmlns:p14="http://schemas.microsoft.com/office/powerpoint/2010/main" xmlns:a16="http://schemas.microsoft.com/office/drawing/2014/main" xmlns="" w="9525">
                   <a:solidFill>
                     <a:srgbClr val="000000"/>
                   </a:solidFill>
@@ -16679,7 +16691,7 @@
             </a:ln>
             <a:extLst>
               <a:ext uri="{91240B29-F687-4f45-9708-019B960494DF}">
-                <a14:hiddenLine xmlns="" xmlns:a16="http://schemas.microsoft.com/office/drawing/2014/main" xmlns:p14="http://schemas.microsoft.com/office/powerpoint/2010/main" xmlns:a14="http://schemas.microsoft.com/office/drawing/2010/main" w="9525">
+                <a14:hiddenLine xmlns:a14="http://schemas.microsoft.com/office/drawing/2010/main" xmlns:p14="http://schemas.microsoft.com/office/powerpoint/2010/main" xmlns:a16="http://schemas.microsoft.com/office/drawing/2014/main" xmlns="" w="9525">
                   <a:solidFill>
                     <a:srgbClr val="000000"/>
                   </a:solidFill>
@@ -16791,7 +16803,7 @@
             </a:ln>
             <a:extLst>
               <a:ext uri="{91240B29-F687-4f45-9708-019B960494DF}">
-                <a14:hiddenLine xmlns="" xmlns:a16="http://schemas.microsoft.com/office/drawing/2014/main" xmlns:p14="http://schemas.microsoft.com/office/powerpoint/2010/main" xmlns:a14="http://schemas.microsoft.com/office/drawing/2010/main" w="9525">
+                <a14:hiddenLine xmlns:a14="http://schemas.microsoft.com/office/drawing/2010/main" xmlns:p14="http://schemas.microsoft.com/office/powerpoint/2010/main" xmlns:a16="http://schemas.microsoft.com/office/drawing/2014/main" xmlns="" w="9525">
                   <a:solidFill>
                     <a:srgbClr val="000000"/>
                   </a:solidFill>
@@ -16875,7 +16887,7 @@
             </a:ln>
             <a:extLst>
               <a:ext uri="{91240B29-F687-4f45-9708-019B960494DF}">
-                <a14:hiddenLine xmlns="" xmlns:a16="http://schemas.microsoft.com/office/drawing/2014/main" xmlns:p14="http://schemas.microsoft.com/office/powerpoint/2010/main" xmlns:a14="http://schemas.microsoft.com/office/drawing/2010/main" w="9525">
+                <a14:hiddenLine xmlns:a14="http://schemas.microsoft.com/office/drawing/2010/main" xmlns:p14="http://schemas.microsoft.com/office/powerpoint/2010/main" xmlns:a16="http://schemas.microsoft.com/office/drawing/2014/main" xmlns="" w="9525">
                   <a:solidFill>
                     <a:srgbClr val="000000"/>
                   </a:solidFill>
@@ -16987,7 +16999,7 @@
             </a:ln>
             <a:extLst>
               <a:ext uri="{91240B29-F687-4f45-9708-019B960494DF}">
-                <a14:hiddenLine xmlns="" xmlns:a16="http://schemas.microsoft.com/office/drawing/2014/main" xmlns:p14="http://schemas.microsoft.com/office/powerpoint/2010/main" xmlns:a14="http://schemas.microsoft.com/office/drawing/2010/main" w="9525">
+                <a14:hiddenLine xmlns:a14="http://schemas.microsoft.com/office/drawing/2010/main" xmlns:p14="http://schemas.microsoft.com/office/powerpoint/2010/main" xmlns:a16="http://schemas.microsoft.com/office/drawing/2014/main" xmlns="" w="9525">
                   <a:solidFill>
                     <a:srgbClr val="000000"/>
                   </a:solidFill>
@@ -17074,7 +17086,7 @@
             </a:ln>
             <a:extLst>
               <a:ext uri="{91240B29-F687-4f45-9708-019B960494DF}">
-                <a14:hiddenLine xmlns="" xmlns:a16="http://schemas.microsoft.com/office/drawing/2014/main" xmlns:p14="http://schemas.microsoft.com/office/powerpoint/2010/main" xmlns:a14="http://schemas.microsoft.com/office/drawing/2010/main" w="9525">
+                <a14:hiddenLine xmlns:a14="http://schemas.microsoft.com/office/drawing/2010/main" xmlns:p14="http://schemas.microsoft.com/office/powerpoint/2010/main" xmlns:a16="http://schemas.microsoft.com/office/drawing/2014/main" xmlns="" w="9525">
                   <a:solidFill>
                     <a:srgbClr val="000000"/>
                   </a:solidFill>
@@ -17158,7 +17170,7 @@
             </a:ln>
             <a:extLst>
               <a:ext uri="{91240B29-F687-4f45-9708-019B960494DF}">
-                <a14:hiddenLine xmlns="" xmlns:a16="http://schemas.microsoft.com/office/drawing/2014/main" xmlns:p14="http://schemas.microsoft.com/office/powerpoint/2010/main" xmlns:a14="http://schemas.microsoft.com/office/drawing/2010/main" w="9525">
+                <a14:hiddenLine xmlns:a14="http://schemas.microsoft.com/office/drawing/2010/main" xmlns:p14="http://schemas.microsoft.com/office/powerpoint/2010/main" xmlns:a16="http://schemas.microsoft.com/office/drawing/2014/main" xmlns="" w="9525">
                   <a:solidFill>
                     <a:srgbClr val="000000"/>
                   </a:solidFill>
@@ -17270,7 +17282,7 @@
             </a:ln>
             <a:extLst>
               <a:ext uri="{91240B29-F687-4f45-9708-019B960494DF}">
-                <a14:hiddenLine xmlns="" xmlns:a16="http://schemas.microsoft.com/office/drawing/2014/main" xmlns:p14="http://schemas.microsoft.com/office/powerpoint/2010/main" xmlns:a14="http://schemas.microsoft.com/office/drawing/2010/main" w="9525">
+                <a14:hiddenLine xmlns:a14="http://schemas.microsoft.com/office/drawing/2010/main" xmlns:p14="http://schemas.microsoft.com/office/powerpoint/2010/main" xmlns:a16="http://schemas.microsoft.com/office/drawing/2014/main" xmlns="" w="9525">
                   <a:solidFill>
                     <a:srgbClr val="000000"/>
                   </a:solidFill>
@@ -17382,7 +17394,7 @@
             </a:ln>
             <a:extLst>
               <a:ext uri="{91240B29-F687-4f45-9708-019B960494DF}">
-                <a14:hiddenLine xmlns="" xmlns:a16="http://schemas.microsoft.com/office/drawing/2014/main" xmlns:p14="http://schemas.microsoft.com/office/powerpoint/2010/main" xmlns:a14="http://schemas.microsoft.com/office/drawing/2010/main" w="9525">
+                <a14:hiddenLine xmlns:a14="http://schemas.microsoft.com/office/drawing/2010/main" xmlns:p14="http://schemas.microsoft.com/office/powerpoint/2010/main" xmlns:a16="http://schemas.microsoft.com/office/drawing/2014/main" xmlns="" w="9525">
                   <a:solidFill>
                     <a:srgbClr val="000000"/>
                   </a:solidFill>
@@ -17469,7 +17481,7 @@
             </a:ln>
             <a:extLst>
               <a:ext uri="{91240B29-F687-4f45-9708-019B960494DF}">
-                <a14:hiddenLine xmlns="" xmlns:a16="http://schemas.microsoft.com/office/drawing/2014/main" xmlns:p14="http://schemas.microsoft.com/office/powerpoint/2010/main" xmlns:a14="http://schemas.microsoft.com/office/drawing/2010/main" w="9525">
+                <a14:hiddenLine xmlns:a14="http://schemas.microsoft.com/office/drawing/2010/main" xmlns:p14="http://schemas.microsoft.com/office/powerpoint/2010/main" xmlns:a16="http://schemas.microsoft.com/office/drawing/2014/main" xmlns="" w="9525">
                   <a:solidFill>
                     <a:srgbClr val="000000"/>
                   </a:solidFill>
@@ -17611,7 +17623,7 @@
             </a:ln>
             <a:extLst>
               <a:ext uri="{91240B29-F687-4f45-9708-019B960494DF}">
-                <a14:hiddenLine xmlns="" xmlns:a16="http://schemas.microsoft.com/office/drawing/2014/main" xmlns:p14="http://schemas.microsoft.com/office/powerpoint/2010/main" xmlns:a14="http://schemas.microsoft.com/office/drawing/2010/main" w="9525">
+                <a14:hiddenLine xmlns:a14="http://schemas.microsoft.com/office/drawing/2010/main" xmlns:p14="http://schemas.microsoft.com/office/powerpoint/2010/main" xmlns:a16="http://schemas.microsoft.com/office/drawing/2014/main" xmlns="" w="9525">
                   <a:solidFill>
                     <a:srgbClr val="000000"/>
                   </a:solidFill>
@@ -18117,7 +18129,7 @@
               </a:ln>
               <a:extLst>
                 <a:ext uri="{91240B29-F687-4f45-9708-019B960494DF}">
-                  <a14:hiddenLine xmlns="" xmlns:a16="http://schemas.microsoft.com/office/drawing/2014/main" xmlns:p14="http://schemas.microsoft.com/office/powerpoint/2010/main" xmlns:a14="http://schemas.microsoft.com/office/drawing/2010/main" w="9525">
+                  <a14:hiddenLine xmlns:a14="http://schemas.microsoft.com/office/drawing/2010/main" xmlns:p14="http://schemas.microsoft.com/office/powerpoint/2010/main" xmlns:a16="http://schemas.microsoft.com/office/drawing/2014/main" xmlns="" w="9525">
                     <a:solidFill>
                       <a:srgbClr val="000000"/>
                     </a:solidFill>
@@ -18229,7 +18241,7 @@
               </a:ln>
               <a:extLst>
                 <a:ext uri="{91240B29-F687-4f45-9708-019B960494DF}">
-                  <a14:hiddenLine xmlns="" xmlns:a16="http://schemas.microsoft.com/office/drawing/2014/main" xmlns:p14="http://schemas.microsoft.com/office/powerpoint/2010/main" xmlns:a14="http://schemas.microsoft.com/office/drawing/2010/main" w="9525">
+                  <a14:hiddenLine xmlns:a14="http://schemas.microsoft.com/office/drawing/2010/main" xmlns:p14="http://schemas.microsoft.com/office/powerpoint/2010/main" xmlns:a16="http://schemas.microsoft.com/office/drawing/2014/main" xmlns="" w="9525">
                     <a:solidFill>
                       <a:srgbClr val="000000"/>
                     </a:solidFill>
@@ -18341,7 +18353,7 @@
               </a:ln>
               <a:extLst>
                 <a:ext uri="{91240B29-F687-4f45-9708-019B960494DF}">
-                  <a14:hiddenLine xmlns="" xmlns:a16="http://schemas.microsoft.com/office/drawing/2014/main" xmlns:p14="http://schemas.microsoft.com/office/powerpoint/2010/main" xmlns:a14="http://schemas.microsoft.com/office/drawing/2010/main" w="9525">
+                  <a14:hiddenLine xmlns:a14="http://schemas.microsoft.com/office/drawing/2010/main" xmlns:p14="http://schemas.microsoft.com/office/powerpoint/2010/main" xmlns:a16="http://schemas.microsoft.com/office/drawing/2014/main" xmlns="" w="9525">
                     <a:solidFill>
                       <a:srgbClr val="000000"/>
                     </a:solidFill>
@@ -18425,7 +18437,7 @@
               </a:ln>
               <a:extLst>
                 <a:ext uri="{91240B29-F687-4f45-9708-019B960494DF}">
-                  <a14:hiddenLine xmlns="" xmlns:a16="http://schemas.microsoft.com/office/drawing/2014/main" xmlns:p14="http://schemas.microsoft.com/office/powerpoint/2010/main" xmlns:a14="http://schemas.microsoft.com/office/drawing/2010/main" w="9525">
+                  <a14:hiddenLine xmlns:a14="http://schemas.microsoft.com/office/drawing/2010/main" xmlns:p14="http://schemas.microsoft.com/office/powerpoint/2010/main" xmlns:a16="http://schemas.microsoft.com/office/drawing/2014/main" xmlns="" w="9525">
                     <a:solidFill>
                       <a:srgbClr val="000000"/>
                     </a:solidFill>
@@ -18537,7 +18549,7 @@
               </a:ln>
               <a:extLst>
                 <a:ext uri="{91240B29-F687-4f45-9708-019B960494DF}">
-                  <a14:hiddenLine xmlns="" xmlns:a16="http://schemas.microsoft.com/office/drawing/2014/main" xmlns:p14="http://schemas.microsoft.com/office/powerpoint/2010/main" xmlns:a14="http://schemas.microsoft.com/office/drawing/2010/main" w="9525">
+                  <a14:hiddenLine xmlns:a14="http://schemas.microsoft.com/office/drawing/2010/main" xmlns:p14="http://schemas.microsoft.com/office/powerpoint/2010/main" xmlns:a16="http://schemas.microsoft.com/office/drawing/2014/main" xmlns="" w="9525">
                     <a:solidFill>
                       <a:srgbClr val="000000"/>
                     </a:solidFill>
@@ -18621,7 +18633,7 @@
               </a:ln>
               <a:extLst>
                 <a:ext uri="{91240B29-F687-4f45-9708-019B960494DF}">
-                  <a14:hiddenLine xmlns="" xmlns:a16="http://schemas.microsoft.com/office/drawing/2014/main" xmlns:p14="http://schemas.microsoft.com/office/powerpoint/2010/main" xmlns:a14="http://schemas.microsoft.com/office/drawing/2010/main" w="9525">
+                  <a14:hiddenLine xmlns:a14="http://schemas.microsoft.com/office/drawing/2010/main" xmlns:p14="http://schemas.microsoft.com/office/powerpoint/2010/main" xmlns:a16="http://schemas.microsoft.com/office/drawing/2014/main" xmlns="" w="9525">
                     <a:solidFill>
                       <a:srgbClr val="000000"/>
                     </a:solidFill>
@@ -18705,7 +18717,7 @@
               </a:ln>
               <a:extLst>
                 <a:ext uri="{91240B29-F687-4f45-9708-019B960494DF}">
-                  <a14:hiddenLine xmlns="" xmlns:a16="http://schemas.microsoft.com/office/drawing/2014/main" xmlns:p14="http://schemas.microsoft.com/office/powerpoint/2010/main" xmlns:a14="http://schemas.microsoft.com/office/drawing/2010/main" w="9525">
+                  <a14:hiddenLine xmlns:a14="http://schemas.microsoft.com/office/drawing/2010/main" xmlns:p14="http://schemas.microsoft.com/office/powerpoint/2010/main" xmlns:a16="http://schemas.microsoft.com/office/drawing/2014/main" xmlns="" w="9525">
                     <a:solidFill>
                       <a:srgbClr val="000000"/>
                     </a:solidFill>
@@ -18817,7 +18829,7 @@
               </a:ln>
               <a:extLst>
                 <a:ext uri="{91240B29-F687-4f45-9708-019B960494DF}">
-                  <a14:hiddenLine xmlns="" xmlns:a16="http://schemas.microsoft.com/office/drawing/2014/main" xmlns:p14="http://schemas.microsoft.com/office/powerpoint/2010/main" xmlns:a14="http://schemas.microsoft.com/office/drawing/2010/main" w="9525">
+                  <a14:hiddenLine xmlns:a14="http://schemas.microsoft.com/office/drawing/2010/main" xmlns:p14="http://schemas.microsoft.com/office/powerpoint/2010/main" xmlns:a16="http://schemas.microsoft.com/office/drawing/2014/main" xmlns="" w="9525">
                     <a:solidFill>
                       <a:srgbClr val="000000"/>
                     </a:solidFill>
@@ -18929,7 +18941,7 @@
               </a:ln>
               <a:extLst>
                 <a:ext uri="{91240B29-F687-4f45-9708-019B960494DF}">
-                  <a14:hiddenLine xmlns="" xmlns:a16="http://schemas.microsoft.com/office/drawing/2014/main" xmlns:p14="http://schemas.microsoft.com/office/powerpoint/2010/main" xmlns:a14="http://schemas.microsoft.com/office/drawing/2010/main" w="9525">
+                  <a14:hiddenLine xmlns:a14="http://schemas.microsoft.com/office/drawing/2010/main" xmlns:p14="http://schemas.microsoft.com/office/powerpoint/2010/main" xmlns:a16="http://schemas.microsoft.com/office/drawing/2014/main" xmlns="" w="9525">
                     <a:solidFill>
                       <a:srgbClr val="000000"/>
                     </a:solidFill>
@@ -19013,7 +19025,7 @@
               </a:ln>
               <a:extLst>
                 <a:ext uri="{91240B29-F687-4f45-9708-019B960494DF}">
-                  <a14:hiddenLine xmlns="" xmlns:a16="http://schemas.microsoft.com/office/drawing/2014/main" xmlns:p14="http://schemas.microsoft.com/office/powerpoint/2010/main" xmlns:a14="http://schemas.microsoft.com/office/drawing/2010/main" w="9525">
+                  <a14:hiddenLine xmlns:a14="http://schemas.microsoft.com/office/drawing/2010/main" xmlns:p14="http://schemas.microsoft.com/office/powerpoint/2010/main" xmlns:a16="http://schemas.microsoft.com/office/drawing/2014/main" xmlns="" w="9525">
                     <a:solidFill>
                       <a:srgbClr val="000000"/>
                     </a:solidFill>
@@ -19145,7 +19157,7 @@
               </a:ln>
               <a:extLst>
                 <a:ext uri="{91240B29-F687-4f45-9708-019B960494DF}">
-                  <a14:hiddenLine xmlns="" xmlns:a16="http://schemas.microsoft.com/office/drawing/2014/main" xmlns:p14="http://schemas.microsoft.com/office/powerpoint/2010/main" xmlns:a14="http://schemas.microsoft.com/office/drawing/2010/main" w="9525">
+                  <a14:hiddenLine xmlns:a14="http://schemas.microsoft.com/office/drawing/2010/main" xmlns:p14="http://schemas.microsoft.com/office/powerpoint/2010/main" xmlns:a16="http://schemas.microsoft.com/office/drawing/2014/main" xmlns="" w="9525">
                     <a:solidFill>
                       <a:srgbClr val="000000"/>
                     </a:solidFill>
@@ -19273,7 +19285,7 @@
               </a:ln>
               <a:extLst>
                 <a:ext uri="{91240B29-F687-4f45-9708-019B960494DF}">
-                  <a14:hiddenLine xmlns="" xmlns:a16="http://schemas.microsoft.com/office/drawing/2014/main" xmlns:p14="http://schemas.microsoft.com/office/powerpoint/2010/main" xmlns:a14="http://schemas.microsoft.com/office/drawing/2010/main" w="9525">
+                  <a14:hiddenLine xmlns:a14="http://schemas.microsoft.com/office/drawing/2010/main" xmlns:p14="http://schemas.microsoft.com/office/powerpoint/2010/main" xmlns:a16="http://schemas.microsoft.com/office/drawing/2014/main" xmlns="" w="9525">
                     <a:solidFill>
                       <a:srgbClr val="000000"/>
                     </a:solidFill>
@@ -19357,7 +19369,7 @@
               </a:ln>
               <a:extLst>
                 <a:ext uri="{91240B29-F687-4f45-9708-019B960494DF}">
-                  <a14:hiddenLine xmlns="" xmlns:a16="http://schemas.microsoft.com/office/drawing/2014/main" xmlns:p14="http://schemas.microsoft.com/office/powerpoint/2010/main" xmlns:a14="http://schemas.microsoft.com/office/drawing/2010/main" w="9525">
+                  <a14:hiddenLine xmlns:a14="http://schemas.microsoft.com/office/drawing/2010/main" xmlns:p14="http://schemas.microsoft.com/office/powerpoint/2010/main" xmlns:a16="http://schemas.microsoft.com/office/drawing/2014/main" xmlns="" w="9525">
                     <a:solidFill>
                       <a:srgbClr val="000000"/>
                     </a:solidFill>
@@ -19441,7 +19453,7 @@
               </a:ln>
               <a:extLst>
                 <a:ext uri="{91240B29-F687-4f45-9708-019B960494DF}">
-                  <a14:hiddenLine xmlns="" xmlns:a16="http://schemas.microsoft.com/office/drawing/2014/main" xmlns:p14="http://schemas.microsoft.com/office/powerpoint/2010/main" xmlns:a14="http://schemas.microsoft.com/office/drawing/2010/main" w="9525">
+                  <a14:hiddenLine xmlns:a14="http://schemas.microsoft.com/office/drawing/2010/main" xmlns:p14="http://schemas.microsoft.com/office/powerpoint/2010/main" xmlns:a16="http://schemas.microsoft.com/office/drawing/2014/main" xmlns="" w="9525">
                     <a:solidFill>
                       <a:srgbClr val="000000"/>
                     </a:solidFill>
@@ -19553,7 +19565,7 @@
               </a:ln>
               <a:extLst>
                 <a:ext uri="{91240B29-F687-4f45-9708-019B960494DF}">
-                  <a14:hiddenLine xmlns="" xmlns:a16="http://schemas.microsoft.com/office/drawing/2014/main" xmlns:p14="http://schemas.microsoft.com/office/powerpoint/2010/main" xmlns:a14="http://schemas.microsoft.com/office/drawing/2010/main" w="9525">
+                  <a14:hiddenLine xmlns:a14="http://schemas.microsoft.com/office/drawing/2010/main" xmlns:p14="http://schemas.microsoft.com/office/powerpoint/2010/main" xmlns:a16="http://schemas.microsoft.com/office/drawing/2014/main" xmlns="" w="9525">
                     <a:solidFill>
                       <a:srgbClr val="000000"/>
                     </a:solidFill>
@@ -19609,7 +19621,7 @@
               </a:ln>
               <a:extLst>
                 <a:ext uri="{91240B29-F687-4f45-9708-019B960494DF}">
-                  <a14:hiddenLine xmlns="" xmlns:a16="http://schemas.microsoft.com/office/drawing/2014/main" xmlns:p14="http://schemas.microsoft.com/office/powerpoint/2010/main" xmlns:a14="http://schemas.microsoft.com/office/drawing/2010/main" w="9525">
+                  <a14:hiddenLine xmlns:a14="http://schemas.microsoft.com/office/drawing/2010/main" xmlns:p14="http://schemas.microsoft.com/office/powerpoint/2010/main" xmlns:a16="http://schemas.microsoft.com/office/drawing/2014/main" xmlns="" w="9525">
                     <a:solidFill>
                       <a:srgbClr val="000000"/>
                     </a:solidFill>
@@ -19696,7 +19708,7 @@
               </a:ln>
               <a:extLst>
                 <a:ext uri="{91240B29-F687-4f45-9708-019B960494DF}">
-                  <a14:hiddenLine xmlns="" xmlns:a16="http://schemas.microsoft.com/office/drawing/2014/main" xmlns:p14="http://schemas.microsoft.com/office/powerpoint/2010/main" xmlns:a14="http://schemas.microsoft.com/office/drawing/2010/main" w="9525">
+                  <a14:hiddenLine xmlns:a14="http://schemas.microsoft.com/office/drawing/2010/main" xmlns:p14="http://schemas.microsoft.com/office/powerpoint/2010/main" xmlns:a16="http://schemas.microsoft.com/office/drawing/2014/main" xmlns="" w="9525">
                     <a:solidFill>
                       <a:srgbClr val="000000"/>
                     </a:solidFill>
@@ -19808,7 +19820,7 @@
               </a:ln>
               <a:extLst>
                 <a:ext uri="{91240B29-F687-4f45-9708-019B960494DF}">
-                  <a14:hiddenLine xmlns="" xmlns:a16="http://schemas.microsoft.com/office/drawing/2014/main" xmlns:p14="http://schemas.microsoft.com/office/powerpoint/2010/main" xmlns:a14="http://schemas.microsoft.com/office/drawing/2010/main" w="9525">
+                  <a14:hiddenLine xmlns:a14="http://schemas.microsoft.com/office/drawing/2010/main" xmlns:p14="http://schemas.microsoft.com/office/powerpoint/2010/main" xmlns:a16="http://schemas.microsoft.com/office/drawing/2014/main" xmlns="" w="9525">
                     <a:solidFill>
                       <a:srgbClr val="000000"/>
                     </a:solidFill>
@@ -19892,7 +19904,7 @@
               </a:ln>
               <a:extLst>
                 <a:ext uri="{91240B29-F687-4f45-9708-019B960494DF}">
-                  <a14:hiddenLine xmlns="" xmlns:a16="http://schemas.microsoft.com/office/drawing/2014/main" xmlns:p14="http://schemas.microsoft.com/office/powerpoint/2010/main" xmlns:a14="http://schemas.microsoft.com/office/drawing/2010/main" w="9525">
+                  <a14:hiddenLine xmlns:a14="http://schemas.microsoft.com/office/drawing/2010/main" xmlns:p14="http://schemas.microsoft.com/office/powerpoint/2010/main" xmlns:a16="http://schemas.microsoft.com/office/drawing/2014/main" xmlns="" w="9525">
                     <a:solidFill>
                       <a:srgbClr val="000000"/>
                     </a:solidFill>
@@ -20004,7 +20016,7 @@
               </a:ln>
               <a:extLst>
                 <a:ext uri="{91240B29-F687-4f45-9708-019B960494DF}">
-                  <a14:hiddenLine xmlns="" xmlns:a16="http://schemas.microsoft.com/office/drawing/2014/main" xmlns:p14="http://schemas.microsoft.com/office/powerpoint/2010/main" xmlns:a14="http://schemas.microsoft.com/office/drawing/2010/main" w="9525">
+                  <a14:hiddenLine xmlns:a14="http://schemas.microsoft.com/office/drawing/2010/main" xmlns:p14="http://schemas.microsoft.com/office/powerpoint/2010/main" xmlns:a16="http://schemas.microsoft.com/office/drawing/2014/main" xmlns="" w="9525">
                     <a:solidFill>
                       <a:srgbClr val="000000"/>
                     </a:solidFill>
@@ -20091,7 +20103,7 @@
               </a:ln>
               <a:extLst>
                 <a:ext uri="{91240B29-F687-4f45-9708-019B960494DF}">
-                  <a14:hiddenLine xmlns="" xmlns:a16="http://schemas.microsoft.com/office/drawing/2014/main" xmlns:p14="http://schemas.microsoft.com/office/powerpoint/2010/main" xmlns:a14="http://schemas.microsoft.com/office/drawing/2010/main" w="9525">
+                  <a14:hiddenLine xmlns:a14="http://schemas.microsoft.com/office/drawing/2010/main" xmlns:p14="http://schemas.microsoft.com/office/powerpoint/2010/main" xmlns:a16="http://schemas.microsoft.com/office/drawing/2014/main" xmlns="" w="9525">
                     <a:solidFill>
                       <a:srgbClr val="000000"/>
                     </a:solidFill>
@@ -20175,7 +20187,7 @@
               </a:ln>
               <a:extLst>
                 <a:ext uri="{91240B29-F687-4f45-9708-019B960494DF}">
-                  <a14:hiddenLine xmlns="" xmlns:a16="http://schemas.microsoft.com/office/drawing/2014/main" xmlns:p14="http://schemas.microsoft.com/office/powerpoint/2010/main" xmlns:a14="http://schemas.microsoft.com/office/drawing/2010/main" w="9525">
+                  <a14:hiddenLine xmlns:a14="http://schemas.microsoft.com/office/drawing/2010/main" xmlns:p14="http://schemas.microsoft.com/office/powerpoint/2010/main" xmlns:a16="http://schemas.microsoft.com/office/drawing/2014/main" xmlns="" w="9525">
                     <a:solidFill>
                       <a:srgbClr val="000000"/>
                     </a:solidFill>
@@ -20287,7 +20299,7 @@
               </a:ln>
               <a:extLst>
                 <a:ext uri="{91240B29-F687-4f45-9708-019B960494DF}">
-                  <a14:hiddenLine xmlns="" xmlns:a16="http://schemas.microsoft.com/office/drawing/2014/main" xmlns:p14="http://schemas.microsoft.com/office/powerpoint/2010/main" xmlns:a14="http://schemas.microsoft.com/office/drawing/2010/main" w="9525">
+                  <a14:hiddenLine xmlns:a14="http://schemas.microsoft.com/office/drawing/2010/main" xmlns:p14="http://schemas.microsoft.com/office/powerpoint/2010/main" xmlns:a16="http://schemas.microsoft.com/office/drawing/2014/main" xmlns="" w="9525">
                     <a:solidFill>
                       <a:srgbClr val="000000"/>
                     </a:solidFill>
@@ -20399,7 +20411,7 @@
               </a:ln>
               <a:extLst>
                 <a:ext uri="{91240B29-F687-4f45-9708-019B960494DF}">
-                  <a14:hiddenLine xmlns="" xmlns:a16="http://schemas.microsoft.com/office/drawing/2014/main" xmlns:p14="http://schemas.microsoft.com/office/powerpoint/2010/main" xmlns:a14="http://schemas.microsoft.com/office/drawing/2010/main" w="9525">
+                  <a14:hiddenLine xmlns:a14="http://schemas.microsoft.com/office/drawing/2010/main" xmlns:p14="http://schemas.microsoft.com/office/powerpoint/2010/main" xmlns:a16="http://schemas.microsoft.com/office/drawing/2014/main" xmlns="" w="9525">
                     <a:solidFill>
                       <a:srgbClr val="000000"/>
                     </a:solidFill>
@@ -20486,7 +20498,7 @@
               </a:ln>
               <a:extLst>
                 <a:ext uri="{91240B29-F687-4f45-9708-019B960494DF}">
-                  <a14:hiddenLine xmlns="" xmlns:a16="http://schemas.microsoft.com/office/drawing/2014/main" xmlns:p14="http://schemas.microsoft.com/office/powerpoint/2010/main" xmlns:a14="http://schemas.microsoft.com/office/drawing/2010/main" w="9525">
+                  <a14:hiddenLine xmlns:a14="http://schemas.microsoft.com/office/drawing/2010/main" xmlns:p14="http://schemas.microsoft.com/office/powerpoint/2010/main" xmlns:a16="http://schemas.microsoft.com/office/drawing/2014/main" xmlns="" w="9525">
                     <a:solidFill>
                       <a:srgbClr val="000000"/>
                     </a:solidFill>
@@ -20628,7 +20640,7 @@
               </a:ln>
               <a:extLst>
                 <a:ext uri="{91240B29-F687-4f45-9708-019B960494DF}">
-                  <a14:hiddenLine xmlns="" xmlns:a16="http://schemas.microsoft.com/office/drawing/2014/main" xmlns:p14="http://schemas.microsoft.com/office/powerpoint/2010/main" xmlns:a14="http://schemas.microsoft.com/office/drawing/2010/main" w="9525">
+                  <a14:hiddenLine xmlns:a14="http://schemas.microsoft.com/office/drawing/2010/main" xmlns:p14="http://schemas.microsoft.com/office/powerpoint/2010/main" xmlns:a16="http://schemas.microsoft.com/office/drawing/2014/main" xmlns="" w="9525">
                     <a:solidFill>
                       <a:srgbClr val="000000"/>
                     </a:solidFill>
@@ -20760,7 +20772,7 @@
               </a:ln>
               <a:extLst>
                 <a:ext uri="{91240B29-F687-4f45-9708-019B960494DF}">
-                  <a14:hiddenLine xmlns="" xmlns:a16="http://schemas.microsoft.com/office/drawing/2014/main" xmlns:p14="http://schemas.microsoft.com/office/powerpoint/2010/main" xmlns:a14="http://schemas.microsoft.com/office/drawing/2010/main" w="9525">
+                  <a14:hiddenLine xmlns:a14="http://schemas.microsoft.com/office/drawing/2010/main" xmlns:p14="http://schemas.microsoft.com/office/powerpoint/2010/main" xmlns:a16="http://schemas.microsoft.com/office/drawing/2014/main" xmlns="" w="9525">
                     <a:solidFill>
                       <a:srgbClr val="000000"/>
                     </a:solidFill>
@@ -20897,7 +20909,7 @@
               </a:ln>
               <a:extLst>
                 <a:ext uri="{91240B29-F687-4f45-9708-019B960494DF}">
-                  <a14:hiddenLine xmlns="" xmlns:a16="http://schemas.microsoft.com/office/drawing/2014/main" xmlns:p14="http://schemas.microsoft.com/office/powerpoint/2010/main" xmlns:a14="http://schemas.microsoft.com/office/drawing/2010/main" w="9525">
+                  <a14:hiddenLine xmlns:a14="http://schemas.microsoft.com/office/drawing/2010/main" xmlns:p14="http://schemas.microsoft.com/office/powerpoint/2010/main" xmlns:a16="http://schemas.microsoft.com/office/drawing/2014/main" xmlns="" w="9525">
                     <a:solidFill>
                       <a:srgbClr val="000000"/>
                     </a:solidFill>
@@ -21009,7 +21021,7 @@
               </a:ln>
               <a:extLst>
                 <a:ext uri="{91240B29-F687-4f45-9708-019B960494DF}">
-                  <a14:hiddenLine xmlns="" xmlns:a16="http://schemas.microsoft.com/office/drawing/2014/main" xmlns:p14="http://schemas.microsoft.com/office/powerpoint/2010/main" xmlns:a14="http://schemas.microsoft.com/office/drawing/2010/main" w="9525">
+                  <a14:hiddenLine xmlns:a14="http://schemas.microsoft.com/office/drawing/2010/main" xmlns:p14="http://schemas.microsoft.com/office/powerpoint/2010/main" xmlns:a16="http://schemas.microsoft.com/office/drawing/2014/main" xmlns="" w="9525">
                     <a:solidFill>
                       <a:srgbClr val="000000"/>
                     </a:solidFill>
@@ -21096,7 +21108,7 @@
               </a:ln>
               <a:extLst>
                 <a:ext uri="{91240B29-F687-4f45-9708-019B960494DF}">
-                  <a14:hiddenLine xmlns="" xmlns:a16="http://schemas.microsoft.com/office/drawing/2014/main" xmlns:p14="http://schemas.microsoft.com/office/powerpoint/2010/main" xmlns:a14="http://schemas.microsoft.com/office/drawing/2010/main" w="9525">
+                  <a14:hiddenLine xmlns:a14="http://schemas.microsoft.com/office/drawing/2010/main" xmlns:p14="http://schemas.microsoft.com/office/powerpoint/2010/main" xmlns:a16="http://schemas.microsoft.com/office/drawing/2014/main" xmlns="" w="9525">
                     <a:solidFill>
                       <a:srgbClr val="000000"/>
                     </a:solidFill>
@@ -21208,7 +21220,7 @@
               </a:ln>
               <a:extLst>
                 <a:ext uri="{91240B29-F687-4f45-9708-019B960494DF}">
-                  <a14:hiddenLine xmlns="" xmlns:a16="http://schemas.microsoft.com/office/drawing/2014/main" xmlns:p14="http://schemas.microsoft.com/office/powerpoint/2010/main" xmlns:a14="http://schemas.microsoft.com/office/drawing/2010/main" w="9525">
+                  <a14:hiddenLine xmlns:a14="http://schemas.microsoft.com/office/drawing/2010/main" xmlns:p14="http://schemas.microsoft.com/office/powerpoint/2010/main" xmlns:a16="http://schemas.microsoft.com/office/drawing/2014/main" xmlns="" w="9525">
                     <a:solidFill>
                       <a:srgbClr val="000000"/>
                     </a:solidFill>
@@ -21298,7 +21310,7 @@
               </a:ln>
               <a:extLst>
                 <a:ext uri="{91240B29-F687-4f45-9708-019B960494DF}">
-                  <a14:hiddenLine xmlns="" xmlns:a16="http://schemas.microsoft.com/office/drawing/2014/main" xmlns:p14="http://schemas.microsoft.com/office/powerpoint/2010/main" xmlns:a14="http://schemas.microsoft.com/office/drawing/2010/main" w="9525">
+                  <a14:hiddenLine xmlns:a14="http://schemas.microsoft.com/office/drawing/2010/main" xmlns:p14="http://schemas.microsoft.com/office/powerpoint/2010/main" xmlns:a16="http://schemas.microsoft.com/office/drawing/2014/main" xmlns="" w="9525">
                     <a:solidFill>
                       <a:srgbClr val="000000"/>
                     </a:solidFill>
@@ -21410,7 +21422,7 @@
               </a:ln>
               <a:extLst>
                 <a:ext uri="{91240B29-F687-4f45-9708-019B960494DF}">
-                  <a14:hiddenLine xmlns="" xmlns:a16="http://schemas.microsoft.com/office/drawing/2014/main" xmlns:p14="http://schemas.microsoft.com/office/powerpoint/2010/main" xmlns:a14="http://schemas.microsoft.com/office/drawing/2010/main" w="9525">
+                  <a14:hiddenLine xmlns:a14="http://schemas.microsoft.com/office/drawing/2010/main" xmlns:p14="http://schemas.microsoft.com/office/powerpoint/2010/main" xmlns:a16="http://schemas.microsoft.com/office/drawing/2014/main" xmlns="" w="9525">
                     <a:solidFill>
                       <a:srgbClr val="000000"/>
                     </a:solidFill>
@@ -21500,7 +21512,7 @@
               </a:ln>
               <a:extLst>
                 <a:ext uri="{91240B29-F687-4f45-9708-019B960494DF}">
-                  <a14:hiddenLine xmlns="" xmlns:a16="http://schemas.microsoft.com/office/drawing/2014/main" xmlns:p14="http://schemas.microsoft.com/office/powerpoint/2010/main" xmlns:a14="http://schemas.microsoft.com/office/drawing/2010/main" w="9525">
+                  <a14:hiddenLine xmlns:a14="http://schemas.microsoft.com/office/drawing/2010/main" xmlns:p14="http://schemas.microsoft.com/office/powerpoint/2010/main" xmlns:a16="http://schemas.microsoft.com/office/drawing/2014/main" xmlns="" w="9525">
                     <a:solidFill>
                       <a:srgbClr val="000000"/>
                     </a:solidFill>
@@ -21612,7 +21624,7 @@
               </a:ln>
               <a:extLst>
                 <a:ext uri="{91240B29-F687-4f45-9708-019B960494DF}">
-                  <a14:hiddenLine xmlns="" xmlns:a16="http://schemas.microsoft.com/office/drawing/2014/main" xmlns:p14="http://schemas.microsoft.com/office/powerpoint/2010/main" xmlns:a14="http://schemas.microsoft.com/office/drawing/2010/main" w="9525">
+                  <a14:hiddenLine xmlns:a14="http://schemas.microsoft.com/office/drawing/2010/main" xmlns:p14="http://schemas.microsoft.com/office/powerpoint/2010/main" xmlns:a16="http://schemas.microsoft.com/office/drawing/2014/main" xmlns="" w="9525">
                     <a:solidFill>
                       <a:srgbClr val="000000"/>
                     </a:solidFill>
@@ -21668,7 +21680,7 @@
               </a:ln>
               <a:extLst>
                 <a:ext uri="{91240B29-F687-4f45-9708-019B960494DF}">
-                  <a14:hiddenLine xmlns="" xmlns:a16="http://schemas.microsoft.com/office/drawing/2014/main" xmlns:p14="http://schemas.microsoft.com/office/powerpoint/2010/main" xmlns:a14="http://schemas.microsoft.com/office/drawing/2010/main" w="9525">
+                  <a14:hiddenLine xmlns:a14="http://schemas.microsoft.com/office/drawing/2010/main" xmlns:p14="http://schemas.microsoft.com/office/powerpoint/2010/main" xmlns:a16="http://schemas.microsoft.com/office/drawing/2014/main" xmlns="" w="9525">
                     <a:solidFill>
                       <a:srgbClr val="000000"/>
                     </a:solidFill>
@@ -21737,7 +21749,7 @@
           <a:noFill/>
           <a:extLst>
             <a:ext uri="{909E8E84-426E-40dd-AFC4-6F175D3DCCD1}">
-              <a14:hiddenFill xmlns="" xmlns:a16="http://schemas.microsoft.com/office/drawing/2014/main" xmlns:p14="http://schemas.microsoft.com/office/powerpoint/2010/main" xmlns:a14="http://schemas.microsoft.com/office/drawing/2010/main">
+              <a14:hiddenFill xmlns:a14="http://schemas.microsoft.com/office/drawing/2010/main" xmlns:p14="http://schemas.microsoft.com/office/powerpoint/2010/main" xmlns:a16="http://schemas.microsoft.com/office/drawing/2014/main" xmlns="">
                 <a:solidFill>
                   <a:srgbClr val="FFFFFF"/>
                 </a:solidFill>
@@ -23631,4 +23643,272 @@
     </a:ext>
   </a:extLst>
 </a:theme>
+</file>
+
+<file path=customXml/item1.xml><?xml version="1.0" encoding="utf-8"?>
+<ct:contentTypeSchema xmlns:ct="http://schemas.microsoft.com/office/2006/metadata/contentType" xmlns:ma="http://schemas.microsoft.com/office/2006/metadata/properties/metaAttributes" ct:_="" ma:_="" ma:contentTypeName="Document" ma:contentTypeID="0x0101000AB73EB492119943B3969339C4E6DE8B" ma:contentTypeVersion="11" ma:contentTypeDescription="Create a new document." ma:contentTypeScope="" ma:versionID="bc8fbbb2255098cbbace3e84ba9e3314">
+  <xsd:schema xmlns:xsd="http://www.w3.org/2001/XMLSchema" xmlns:xs="http://www.w3.org/2001/XMLSchema" xmlns:p="http://schemas.microsoft.com/office/2006/metadata/properties" xmlns:ns3="2d182beb-936c-4a1e-8057-ffe191512bbb" xmlns:ns4="56334ec6-18e1-4e0d-8137-c57cc6a15c84" targetNamespace="http://schemas.microsoft.com/office/2006/metadata/properties" ma:root="true" ma:fieldsID="5f2134b7d5ca9c15cf8ebfa44ab89879" ns3:_="" ns4:_="">
+    <xsd:import namespace="2d182beb-936c-4a1e-8057-ffe191512bbb"/>
+    <xsd:import namespace="56334ec6-18e1-4e0d-8137-c57cc6a15c84"/>
+    <xsd:element name="properties">
+      <xsd:complexType>
+        <xsd:sequence>
+          <xsd:element name="documentManagement">
+            <xsd:complexType>
+              <xsd:all>
+                <xsd:element ref="ns3:MediaServiceMetadata" minOccurs="0"/>
+                <xsd:element ref="ns3:MediaServiceFastMetadata" minOccurs="0"/>
+                <xsd:element ref="ns3:MediaServiceAutoTags" minOccurs="0"/>
+                <xsd:element ref="ns3:MediaServiceGenerationTime" minOccurs="0"/>
+                <xsd:element ref="ns3:MediaServiceEventHashCode" minOccurs="0"/>
+                <xsd:element ref="ns3:_activity" minOccurs="0"/>
+                <xsd:element ref="ns4:SharedWithUsers" minOccurs="0"/>
+                <xsd:element ref="ns4:SharedWithDetails" minOccurs="0"/>
+                <xsd:element ref="ns4:SharingHintHash" minOccurs="0"/>
+                <xsd:element ref="ns3:MediaServiceObjectDetectorVersions" minOccurs="0"/>
+                <xsd:element ref="ns3:MediaServiceSearchProperties" minOccurs="0"/>
+              </xsd:all>
+            </xsd:complexType>
+          </xsd:element>
+        </xsd:sequence>
+      </xsd:complexType>
+    </xsd:element>
+  </xsd:schema>
+  <xsd:schema xmlns:xsd="http://www.w3.org/2001/XMLSchema" xmlns:xs="http://www.w3.org/2001/XMLSchema" xmlns:dms="http://schemas.microsoft.com/office/2006/documentManagement/types" xmlns:pc="http://schemas.microsoft.com/office/infopath/2007/PartnerControls" targetNamespace="2d182beb-936c-4a1e-8057-ffe191512bbb" elementFormDefault="qualified">
+    <xsd:import namespace="http://schemas.microsoft.com/office/2006/documentManagement/types"/>
+    <xsd:import namespace="http://schemas.microsoft.com/office/infopath/2007/PartnerControls"/>
+    <xsd:element name="MediaServiceMetadata" ma:index="8" nillable="true" ma:displayName="MediaServiceMetadata" ma:hidden="true" ma:internalName="MediaServiceMetadata" ma:readOnly="true">
+      <xsd:simpleType>
+        <xsd:restriction base="dms:Note"/>
+      </xsd:simpleType>
+    </xsd:element>
+    <xsd:element name="MediaServiceFastMetadata" ma:index="9" nillable="true" ma:displayName="MediaServiceFastMetadata" ma:hidden="true" ma:internalName="MediaServiceFastMetadata" ma:readOnly="true">
+      <xsd:simpleType>
+        <xsd:restriction base="dms:Note"/>
+      </xsd:simpleType>
+    </xsd:element>
+    <xsd:element name="MediaServiceAutoTags" ma:index="10" nillable="true" ma:displayName="Tags" ma:internalName="MediaServiceAutoTags" ma:readOnly="true">
+      <xsd:simpleType>
+        <xsd:restriction base="dms:Text"/>
+      </xsd:simpleType>
+    </xsd:element>
+    <xsd:element name="MediaServiceGenerationTime" ma:index="11" nillable="true" ma:displayName="MediaServiceGenerationTime" ma:hidden="true" ma:internalName="MediaServiceGenerationTime" ma:readOnly="true">
+      <xsd:simpleType>
+        <xsd:restriction base="dms:Text"/>
+      </xsd:simpleType>
+    </xsd:element>
+    <xsd:element name="MediaServiceEventHashCode" ma:index="12" nillable="true" ma:displayName="MediaServiceEventHashCode" ma:hidden="true" ma:internalName="MediaServiceEventHashCode" ma:readOnly="true">
+      <xsd:simpleType>
+        <xsd:restriction base="dms:Text"/>
+      </xsd:simpleType>
+    </xsd:element>
+    <xsd:element name="_activity" ma:index="13" nillable="true" ma:displayName="_activity" ma:hidden="true" ma:internalName="_activity">
+      <xsd:simpleType>
+        <xsd:restriction base="dms:Note"/>
+      </xsd:simpleType>
+    </xsd:element>
+    <xsd:element name="MediaServiceObjectDetectorVersions" ma:index="17" nillable="true" ma:displayName="MediaServiceObjectDetectorVersions" ma:hidden="true" ma:indexed="true" ma:internalName="MediaServiceObjectDetectorVersions" ma:readOnly="true">
+      <xsd:simpleType>
+        <xsd:restriction base="dms:Text"/>
+      </xsd:simpleType>
+    </xsd:element>
+    <xsd:element name="MediaServiceSearchProperties" ma:index="18" nillable="true" ma:displayName="MediaServiceSearchProperties" ma:hidden="true" ma:internalName="MediaServiceSearchProperties" ma:readOnly="true">
+      <xsd:simpleType>
+        <xsd:restriction base="dms:Note"/>
+      </xsd:simpleType>
+    </xsd:element>
+  </xsd:schema>
+  <xsd:schema xmlns:xsd="http://www.w3.org/2001/XMLSchema" xmlns:xs="http://www.w3.org/2001/XMLSchema" xmlns:dms="http://schemas.microsoft.com/office/2006/documentManagement/types" xmlns:pc="http://schemas.microsoft.com/office/infopath/2007/PartnerControls" targetNamespace="56334ec6-18e1-4e0d-8137-c57cc6a15c84" elementFormDefault="qualified">
+    <xsd:import namespace="http://schemas.microsoft.com/office/2006/documentManagement/types"/>
+    <xsd:import namespace="http://schemas.microsoft.com/office/infopath/2007/PartnerControls"/>
+    <xsd:element name="SharedWithUsers" ma:index="14" nillable="true" ma:displayName="Shared With" ma:internalName="SharedWithUsers" ma:readOnly="true">
+      <xsd:complexType>
+        <xsd:complexContent>
+          <xsd:extension base="dms:UserMulti">
+            <xsd:sequence>
+              <xsd:element name="UserInfo" minOccurs="0" maxOccurs="unbounded">
+                <xsd:complexType>
+                  <xsd:sequence>
+                    <xsd:element name="DisplayName" type="xsd:string" minOccurs="0"/>
+                    <xsd:element name="AccountId" type="dms:UserId" minOccurs="0" nillable="true"/>
+                    <xsd:element name="AccountType" type="xsd:string" minOccurs="0"/>
+                  </xsd:sequence>
+                </xsd:complexType>
+              </xsd:element>
+            </xsd:sequence>
+          </xsd:extension>
+        </xsd:complexContent>
+      </xsd:complexType>
+    </xsd:element>
+    <xsd:element name="SharedWithDetails" ma:index="15" nillable="true" ma:displayName="Shared With Details" ma:internalName="SharedWithDetails" ma:readOnly="true">
+      <xsd:simpleType>
+        <xsd:restriction base="dms:Note">
+          <xsd:maxLength value="255"/>
+        </xsd:restriction>
+      </xsd:simpleType>
+    </xsd:element>
+    <xsd:element name="SharingHintHash" ma:index="16" nillable="true" ma:displayName="Sharing Hint Hash" ma:hidden="true" ma:internalName="SharingHintHash" ma:readOnly="true">
+      <xsd:simpleType>
+        <xsd:restriction base="dms:Text"/>
+      </xsd:simpleType>
+    </xsd:element>
+  </xsd:schema>
+  <xsd:schema xmlns="http://schemas.openxmlformats.org/package/2006/metadata/core-properties" xmlns:xsd="http://www.w3.org/2001/XMLSchema" xmlns:xsi="http://www.w3.org/2001/XMLSchema-instance" xmlns:dc="http://purl.org/dc/elements/1.1/" xmlns:dcterms="http://purl.org/dc/terms/" xmlns:odoc="http://schemas.microsoft.com/internal/obd" targetNamespace="http://schemas.openxmlformats.org/package/2006/metadata/core-properties" elementFormDefault="qualified" attributeFormDefault="unqualified" blockDefault="#all">
+    <xsd:import namespace="http://purl.org/dc/elements/1.1/" schemaLocation="http://dublincore.org/schemas/xmls/qdc/2003/04/02/dc.xsd"/>
+    <xsd:import namespace="http://purl.org/dc/terms/" schemaLocation="http://dublincore.org/schemas/xmls/qdc/2003/04/02/dcterms.xsd"/>
+    <xsd:element name="coreProperties" type="CT_coreProperties"/>
+    <xsd:complexType name="CT_coreProperties">
+      <xsd:all>
+        <xsd:element ref="dc:creator" minOccurs="0" maxOccurs="1"/>
+        <xsd:element ref="dcterms:created" minOccurs="0" maxOccurs="1"/>
+        <xsd:element ref="dc:identifier" minOccurs="0" maxOccurs="1"/>
+        <xsd:element name="contentType" minOccurs="0" maxOccurs="1" type="xsd:string" ma:index="0" ma:displayName="Content Type"/>
+        <xsd:element ref="dc:title" minOccurs="0" maxOccurs="1" ma:index="4" ma:displayName="Title"/>
+        <xsd:element ref="dc:subject" minOccurs="0" maxOccurs="1"/>
+        <xsd:element ref="dc:description" minOccurs="0" maxOccurs="1"/>
+        <xsd:element name="keywords" minOccurs="0" maxOccurs="1" type="xsd:string"/>
+        <xsd:element ref="dc:language" minOccurs="0" maxOccurs="1"/>
+        <xsd:element name="category" minOccurs="0" maxOccurs="1" type="xsd:string"/>
+        <xsd:element name="version" minOccurs="0" maxOccurs="1" type="xsd:string"/>
+        <xsd:element name="revision" minOccurs="0" maxOccurs="1" type="xsd:string">
+          <xsd:annotation>
+            <xsd:documentation>
+                        This value indicates the number of saves or revisions. The application is responsible for updating this value after each revision.
+                    </xsd:documentation>
+          </xsd:annotation>
+        </xsd:element>
+        <xsd:element name="lastModifiedBy" minOccurs="0" maxOccurs="1" type="xsd:string"/>
+        <xsd:element ref="dcterms:modified" minOccurs="0" maxOccurs="1"/>
+        <xsd:element name="contentStatus" minOccurs="0" maxOccurs="1" type="xsd:string"/>
+      </xsd:all>
+    </xsd:complexType>
+  </xsd:schema>
+  <xs:schema xmlns:pc="http://schemas.microsoft.com/office/infopath/2007/PartnerControls" xmlns:xs="http://www.w3.org/2001/XMLSchema" targetNamespace="http://schemas.microsoft.com/office/infopath/2007/PartnerControls" elementFormDefault="qualified" attributeFormDefault="unqualified">
+    <xs:element name="Person">
+      <xs:complexType>
+        <xs:sequence>
+          <xs:element ref="pc:DisplayName" minOccurs="0"/>
+          <xs:element ref="pc:AccountId" minOccurs="0"/>
+          <xs:element ref="pc:AccountType" minOccurs="0"/>
+        </xs:sequence>
+      </xs:complexType>
+    </xs:element>
+    <xs:element name="DisplayName" type="xs:string"/>
+    <xs:element name="AccountId" type="xs:string"/>
+    <xs:element name="AccountType" type="xs:string"/>
+    <xs:element name="BDCAssociatedEntity">
+      <xs:complexType>
+        <xs:sequence>
+          <xs:element ref="pc:BDCEntity" minOccurs="0" maxOccurs="unbounded"/>
+        </xs:sequence>
+        <xs:attribute ref="pc:EntityNamespace"/>
+        <xs:attribute ref="pc:EntityName"/>
+        <xs:attribute ref="pc:SystemInstanceName"/>
+        <xs:attribute ref="pc:AssociationName"/>
+      </xs:complexType>
+    </xs:element>
+    <xs:attribute name="EntityNamespace" type="xs:string"/>
+    <xs:attribute name="EntityName" type="xs:string"/>
+    <xs:attribute name="SystemInstanceName" type="xs:string"/>
+    <xs:attribute name="AssociationName" type="xs:string"/>
+    <xs:element name="BDCEntity">
+      <xs:complexType>
+        <xs:sequence>
+          <xs:element ref="pc:EntityDisplayName" minOccurs="0"/>
+          <xs:element ref="pc:EntityInstanceReference" minOccurs="0"/>
+          <xs:element ref="pc:EntityId1" minOccurs="0"/>
+          <xs:element ref="pc:EntityId2" minOccurs="0"/>
+          <xs:element ref="pc:EntityId3" minOccurs="0"/>
+          <xs:element ref="pc:EntityId4" minOccurs="0"/>
+          <xs:element ref="pc:EntityId5" minOccurs="0"/>
+        </xs:sequence>
+      </xs:complexType>
+    </xs:element>
+    <xs:element name="EntityDisplayName" type="xs:string"/>
+    <xs:element name="EntityInstanceReference" type="xs:string"/>
+    <xs:element name="EntityId1" type="xs:string"/>
+    <xs:element name="EntityId2" type="xs:string"/>
+    <xs:element name="EntityId3" type="xs:string"/>
+    <xs:element name="EntityId4" type="xs:string"/>
+    <xs:element name="EntityId5" type="xs:string"/>
+    <xs:element name="Terms">
+      <xs:complexType>
+        <xs:sequence>
+          <xs:element ref="pc:TermInfo" minOccurs="0" maxOccurs="unbounded"/>
+        </xs:sequence>
+      </xs:complexType>
+    </xs:element>
+    <xs:element name="TermInfo">
+      <xs:complexType>
+        <xs:sequence>
+          <xs:element ref="pc:TermName" minOccurs="0"/>
+          <xs:element ref="pc:TermId" minOccurs="0"/>
+        </xs:sequence>
+      </xs:complexType>
+    </xs:element>
+    <xs:element name="TermName" type="xs:string"/>
+    <xs:element name="TermId" type="xs:string"/>
+  </xs:schema>
+</ct:contentTypeSchema>
+</file>
+
+<file path=customXml/item2.xml><?xml version="1.0" encoding="utf-8"?>
+<?mso-contentType ?>
+<FormTemplates xmlns="http://schemas.microsoft.com/sharepoint/v3/contenttype/forms">
+  <Display>DocumentLibraryForm</Display>
+  <Edit>DocumentLibraryForm</Edit>
+  <New>DocumentLibraryForm</New>
+</FormTemplates>
+</file>
+
+<file path=customXml/item3.xml><?xml version="1.0" encoding="utf-8"?>
+<p:properties xmlns:p="http://schemas.microsoft.com/office/2006/metadata/properties" xmlns:xsi="http://www.w3.org/2001/XMLSchema-instance" xmlns:pc="http://schemas.microsoft.com/office/infopath/2007/PartnerControls">
+  <documentManagement>
+    <_activity xmlns="2d182beb-936c-4a1e-8057-ffe191512bbb" xsi:nil="true"/>
+  </documentManagement>
+</p:properties>
+</file>
+
+<file path=customXml/itemProps1.xml><?xml version="1.0" encoding="utf-8"?>
+<ds:datastoreItem xmlns:ds="http://schemas.openxmlformats.org/officeDocument/2006/customXml" ds:itemID="{E62E9713-2F45-44A5-9334-EA0282DF20C5}">
+  <ds:schemaRefs>
+    <ds:schemaRef ds:uri="http://schemas.microsoft.com/office/2006/metadata/contentType"/>
+    <ds:schemaRef ds:uri="http://schemas.microsoft.com/office/2006/metadata/properties/metaAttributes"/>
+    <ds:schemaRef ds:uri="http://www.w3.org/2001/XMLSchema"/>
+    <ds:schemaRef ds:uri="http://schemas.microsoft.com/office/2006/metadata/properties"/>
+    <ds:schemaRef ds:uri="2d182beb-936c-4a1e-8057-ffe191512bbb"/>
+    <ds:schemaRef ds:uri="56334ec6-18e1-4e0d-8137-c57cc6a15c84"/>
+    <ds:schemaRef ds:uri="http://schemas.microsoft.com/office/2006/documentManagement/types"/>
+    <ds:schemaRef ds:uri="http://schemas.microsoft.com/office/infopath/2007/PartnerControls"/>
+    <ds:schemaRef ds:uri="http://schemas.openxmlformats.org/package/2006/metadata/core-properties"/>
+    <ds:schemaRef ds:uri="http://purl.org/dc/elements/1.1/"/>
+    <ds:schemaRef ds:uri="http://purl.org/dc/terms/"/>
+    <ds:schemaRef ds:uri="http://schemas.microsoft.com/internal/obd"/>
+  </ds:schemaRefs>
+</ds:datastoreItem>
+</file>
+
+<file path=customXml/itemProps2.xml><?xml version="1.0" encoding="utf-8"?>
+<ds:datastoreItem xmlns:ds="http://schemas.openxmlformats.org/officeDocument/2006/customXml" ds:itemID="{E6D37493-D91B-4C59-BF5B-C4D50470444D}">
+  <ds:schemaRefs>
+    <ds:schemaRef ds:uri="http://schemas.microsoft.com/sharepoint/v3/contenttype/forms"/>
+  </ds:schemaRefs>
+</ds:datastoreItem>
+</file>
+
+<file path=customXml/itemProps3.xml><?xml version="1.0" encoding="utf-8"?>
+<ds:datastoreItem xmlns:ds="http://schemas.openxmlformats.org/officeDocument/2006/customXml" ds:itemID="{65202A06-3867-425D-BC80-B0178AAC0F39}">
+  <ds:schemaRefs>
+    <ds:schemaRef ds:uri="http://schemas.microsoft.com/office/2006/metadata/properties"/>
+    <ds:schemaRef ds:uri="http://purl.org/dc/terms/"/>
+    <ds:schemaRef ds:uri="http://purl.org/dc/elements/1.1/"/>
+    <ds:schemaRef ds:uri="http://www.w3.org/XML/1998/namespace"/>
+    <ds:schemaRef ds:uri="http://schemas.microsoft.com/office/2006/documentManagement/types"/>
+    <ds:schemaRef ds:uri="http://schemas.microsoft.com/office/infopath/2007/PartnerControls"/>
+    <ds:schemaRef ds:uri="http://purl.org/dc/dcmitype/"/>
+    <ds:schemaRef ds:uri="http://schemas.openxmlformats.org/package/2006/metadata/core-properties"/>
+    <ds:schemaRef ds:uri="56334ec6-18e1-4e0d-8137-c57cc6a15c84"/>
+    <ds:schemaRef ds:uri="2d182beb-936c-4a1e-8057-ffe191512bbb"/>
+  </ds:schemaRefs>
+</ds:datastoreItem>
 </file>
--- a/final_Presentation_New.pptx
+++ b/final_Presentation_New.pptx
@@ -13817,7 +13817,7 @@
         </p:nvSpPr>
         <p:spPr>
           <a:xfrm>
-            <a:off x="882492" y="3972171"/>
+            <a:off x="882492" y="4093029"/>
             <a:ext cx="9350079" cy="369332"/>
           </a:xfrm>
           <a:prstGeom prst="rect">
@@ -13833,12 +13833,8 @@
           <a:p>
             <a:pPr algn="ctr"/>
             <a:r>
-              <a:rPr lang="en-US"/>
-              <a:t>Screenshots are </a:t>
-            </a:r>
-            <a:r>
               <a:rPr lang="en-US" dirty="0"/>
-              <a:t>from </a:t>
+              <a:t>Screenshots are from </a:t>
             </a:r>
             <a:r>
               <a:rPr lang="en-US" dirty="0" err="1"/>
@@ -13873,8 +13869,8 @@
         </p:blipFill>
         <p:spPr>
           <a:xfrm>
-            <a:off x="496573" y="2123817"/>
-            <a:ext cx="11198854" cy="1848354"/>
+            <a:off x="387286" y="2123817"/>
+            <a:ext cx="11429695" cy="1969212"/>
           </a:xfrm>
           <a:prstGeom prst="rect">
             <a:avLst/>
@@ -13903,7 +13899,7 @@
         </p:blipFill>
         <p:spPr>
           <a:xfrm>
-            <a:off x="476468" y="1655174"/>
+            <a:off x="375019" y="1667799"/>
             <a:ext cx="5613400" cy="685800"/>
           </a:xfrm>
           <a:prstGeom prst="rect">
@@ -13933,7 +13929,7 @@
         </p:blipFill>
         <p:spPr>
           <a:xfrm>
-            <a:off x="6513827" y="1617074"/>
+            <a:off x="6647648" y="1667799"/>
             <a:ext cx="5181600" cy="762000"/>
           </a:xfrm>
           <a:prstGeom prst="rect">
@@ -13941,6 +13937,45 @@
           </a:prstGeom>
         </p:spPr>
       </p:pic>
+      <p:sp>
+        <p:nvSpPr>
+          <p:cNvPr id="20" name="TextBox 19">
+            <a:extLst>
+              <a:ext uri="{FF2B5EF4-FFF2-40B4-BE49-F238E27FC236}">
+                <a16:creationId xmlns:a16="http://schemas.microsoft.com/office/drawing/2014/main" id="{E78E30D1-9DB6-91F1-AC02-54FCCC1C8154}"/>
+              </a:ext>
+            </a:extLst>
+          </p:cNvPr>
+          <p:cNvSpPr txBox="1"/>
+          <p:nvPr/>
+        </p:nvSpPr>
+        <p:spPr>
+          <a:xfrm>
+            <a:off x="675663" y="4602661"/>
+            <a:ext cx="10645479" cy="1200329"/>
+          </a:xfrm>
+          <a:prstGeom prst="rect">
+            <a:avLst/>
+          </a:prstGeom>
+          <a:noFill/>
+        </p:spPr>
+        <p:txBody>
+          <a:bodyPr wrap="square" rtlCol="0">
+            <a:spAutoFit/>
+          </a:bodyPr>
+          <a:lstStyle/>
+          <a:p>
+            <a:r>
+              <a:rPr lang="en-US" dirty="0">
+                <a:highlight>
+                  <a:srgbClr val="000000"/>
+                </a:highlight>
+              </a:rPr>
+              <a:t>Philosopher0 was waiting for a chopstick(MW), Philosopher1, released when finished eating and Philospehr0 started eating. Philosopher2 was eating (green line) than unlocks (MU and gives up the seat(SS). Philosopher3 was standing and enters(SE) and waits for a chopstick. Philosopher4 was waiting for a chopstick and once Philosopher2 finished eating, Philosopher4 clicked it up and locked.</a:t>
+            </a:r>
+          </a:p>
+        </p:txBody>
+      </p:sp>
     </p:spTree>
     <p:extLst>
       <p:ext uri="{BB962C8B-B14F-4D97-AF65-F5344CB8AC3E}">

--- a/final_Presentation_New.pptx
+++ b/final_Presentation_New.pptx
@@ -185,7 +185,7 @@
           <a:noFill/>
           <a:extLst>
             <a:ext uri="{909E8E84-426E-40dd-AFC4-6F175D3DCCD1}">
-              <a14:hiddenFill xmlns:a14="http://schemas.microsoft.com/office/drawing/2010/main" xmlns="">
+              <a14:hiddenFill xmlns="" xmlns:a14="http://schemas.microsoft.com/office/drawing/2010/main">
                 <a:solidFill>
                   <a:srgbClr val="FFFFFF"/>
                 </a:solidFill>
@@ -245,7 +245,7 @@
             </a:ln>
             <a:extLst>
               <a:ext uri="{91240B29-F687-4f45-9708-019B960494DF}">
-                <a14:hiddenLine xmlns:a14="http://schemas.microsoft.com/office/drawing/2010/main" xmlns="" w="9525">
+                <a14:hiddenLine xmlns="" xmlns:a14="http://schemas.microsoft.com/office/drawing/2010/main" w="9525">
                   <a:solidFill>
                     <a:srgbClr val="000000"/>
                   </a:solidFill>
@@ -335,7 +335,7 @@
             </a:ln>
             <a:extLst>
               <a:ext uri="{91240B29-F687-4f45-9708-019B960494DF}">
-                <a14:hiddenLine xmlns:a14="http://schemas.microsoft.com/office/drawing/2010/main" xmlns="" w="9525">
+                <a14:hiddenLine xmlns="" xmlns:a14="http://schemas.microsoft.com/office/drawing/2010/main" w="9525">
                   <a:solidFill>
                     <a:srgbClr val="000000"/>
                   </a:solidFill>
@@ -425,7 +425,7 @@
             </a:ln>
             <a:extLst>
               <a:ext uri="{91240B29-F687-4f45-9708-019B960494DF}">
-                <a14:hiddenLine xmlns:a14="http://schemas.microsoft.com/office/drawing/2010/main" xmlns="" w="9525">
+                <a14:hiddenLine xmlns="" xmlns:a14="http://schemas.microsoft.com/office/drawing/2010/main" w="9525">
                   <a:solidFill>
                     <a:srgbClr val="000000"/>
                   </a:solidFill>
@@ -459,7 +459,7 @@
             </a:ln>
             <a:extLst>
               <a:ext uri="{91240B29-F687-4f45-9708-019B960494DF}">
-                <a14:hiddenLine xmlns:a14="http://schemas.microsoft.com/office/drawing/2010/main" xmlns="" w="9525">
+                <a14:hiddenLine xmlns="" xmlns:a14="http://schemas.microsoft.com/office/drawing/2010/main" w="9525">
                   <a:solidFill>
                     <a:srgbClr val="000000"/>
                   </a:solidFill>
@@ -549,7 +549,7 @@
             </a:ln>
             <a:extLst>
               <a:ext uri="{91240B29-F687-4f45-9708-019B960494DF}">
-                <a14:hiddenLine xmlns:a14="http://schemas.microsoft.com/office/drawing/2010/main" xmlns="" w="9525">
+                <a14:hiddenLine xmlns="" xmlns:a14="http://schemas.microsoft.com/office/drawing/2010/main" w="9525">
                   <a:solidFill>
                     <a:srgbClr val="000000"/>
                   </a:solidFill>
@@ -611,7 +611,7 @@
             </a:ln>
             <a:extLst>
               <a:ext uri="{91240B29-F687-4f45-9708-019B960494DF}">
-                <a14:hiddenLine xmlns:a14="http://schemas.microsoft.com/office/drawing/2010/main" xmlns="" w="9525">
+                <a14:hiddenLine xmlns="" xmlns:a14="http://schemas.microsoft.com/office/drawing/2010/main" w="9525">
                   <a:solidFill>
                     <a:srgbClr val="000000"/>
                   </a:solidFill>
@@ -673,7 +673,7 @@
             </a:ln>
             <a:extLst>
               <a:ext uri="{91240B29-F687-4f45-9708-019B960494DF}">
-                <a14:hiddenLine xmlns:a14="http://schemas.microsoft.com/office/drawing/2010/main" xmlns="" w="9525">
+                <a14:hiddenLine xmlns="" xmlns:a14="http://schemas.microsoft.com/office/drawing/2010/main" w="9525">
                   <a:solidFill>
                     <a:srgbClr val="000000"/>
                   </a:solidFill>
@@ -763,7 +763,7 @@
             </a:ln>
             <a:extLst>
               <a:ext uri="{91240B29-F687-4f45-9708-019B960494DF}">
-                <a14:hiddenLine xmlns:a14="http://schemas.microsoft.com/office/drawing/2010/main" xmlns="" w="9525">
+                <a14:hiddenLine xmlns="" xmlns:a14="http://schemas.microsoft.com/office/drawing/2010/main" w="9525">
                   <a:solidFill>
                     <a:srgbClr val="000000"/>
                   </a:solidFill>
@@ -825,7 +825,7 @@
             </a:ln>
             <a:extLst>
               <a:ext uri="{91240B29-F687-4f45-9708-019B960494DF}">
-                <a14:hiddenLine xmlns:a14="http://schemas.microsoft.com/office/drawing/2010/main" xmlns="" w="9525">
+                <a14:hiddenLine xmlns="" xmlns:a14="http://schemas.microsoft.com/office/drawing/2010/main" w="9525">
                   <a:solidFill>
                     <a:srgbClr val="000000"/>
                   </a:solidFill>
@@ -887,7 +887,7 @@
             </a:ln>
             <a:extLst>
               <a:ext uri="{91240B29-F687-4f45-9708-019B960494DF}">
-                <a14:hiddenLine xmlns:a14="http://schemas.microsoft.com/office/drawing/2010/main" xmlns="" w="9525">
+                <a14:hiddenLine xmlns="" xmlns:a14="http://schemas.microsoft.com/office/drawing/2010/main" w="9525">
                   <a:solidFill>
                     <a:srgbClr val="000000"/>
                   </a:solidFill>
@@ -977,7 +977,7 @@
             </a:ln>
             <a:extLst>
               <a:ext uri="{91240B29-F687-4f45-9708-019B960494DF}">
-                <a14:hiddenLine xmlns:a14="http://schemas.microsoft.com/office/drawing/2010/main" xmlns="" w="9525">
+                <a14:hiddenLine xmlns="" xmlns:a14="http://schemas.microsoft.com/office/drawing/2010/main" w="9525">
                   <a:solidFill>
                     <a:srgbClr val="000000"/>
                   </a:solidFill>
@@ -1067,7 +1067,7 @@
             </a:ln>
             <a:extLst>
               <a:ext uri="{91240B29-F687-4f45-9708-019B960494DF}">
-                <a14:hiddenLine xmlns:a14="http://schemas.microsoft.com/office/drawing/2010/main" xmlns="" w="9525">
+                <a14:hiddenLine xmlns="" xmlns:a14="http://schemas.microsoft.com/office/drawing/2010/main" w="9525">
                   <a:solidFill>
                     <a:srgbClr val="000000"/>
                   </a:solidFill>
@@ -1129,7 +1129,7 @@
             </a:ln>
             <a:extLst>
               <a:ext uri="{91240B29-F687-4f45-9708-019B960494DF}">
-                <a14:hiddenLine xmlns:a14="http://schemas.microsoft.com/office/drawing/2010/main" xmlns="" w="9525">
+                <a14:hiddenLine xmlns="" xmlns:a14="http://schemas.microsoft.com/office/drawing/2010/main" w="9525">
                   <a:solidFill>
                     <a:srgbClr val="000000"/>
                   </a:solidFill>
@@ -1239,7 +1239,7 @@
             </a:ln>
             <a:extLst>
               <a:ext uri="{91240B29-F687-4f45-9708-019B960494DF}">
-                <a14:hiddenLine xmlns:a14="http://schemas.microsoft.com/office/drawing/2010/main" xmlns="" w="9525">
+                <a14:hiddenLine xmlns="" xmlns:a14="http://schemas.microsoft.com/office/drawing/2010/main" w="9525">
                   <a:solidFill>
                     <a:srgbClr val="000000"/>
                   </a:solidFill>
@@ -1301,7 +1301,7 @@
             </a:ln>
             <a:extLst>
               <a:ext uri="{91240B29-F687-4f45-9708-019B960494DF}">
-                <a14:hiddenLine xmlns:a14="http://schemas.microsoft.com/office/drawing/2010/main" xmlns="" w="9525">
+                <a14:hiddenLine xmlns="" xmlns:a14="http://schemas.microsoft.com/office/drawing/2010/main" w="9525">
                   <a:solidFill>
                     <a:srgbClr val="000000"/>
                   </a:solidFill>
@@ -1391,7 +1391,7 @@
             </a:ln>
             <a:extLst>
               <a:ext uri="{91240B29-F687-4f45-9708-019B960494DF}">
-                <a14:hiddenLine xmlns:a14="http://schemas.microsoft.com/office/drawing/2010/main" xmlns="" w="9525">
+                <a14:hiddenLine xmlns="" xmlns:a14="http://schemas.microsoft.com/office/drawing/2010/main" w="9525">
                   <a:solidFill>
                     <a:srgbClr val="000000"/>
                   </a:solidFill>
@@ -1481,7 +1481,7 @@
             </a:ln>
             <a:extLst>
               <a:ext uri="{91240B29-F687-4f45-9708-019B960494DF}">
-                <a14:hiddenLine xmlns:a14="http://schemas.microsoft.com/office/drawing/2010/main" xmlns="" w="9525">
+                <a14:hiddenLine xmlns="" xmlns:a14="http://schemas.microsoft.com/office/drawing/2010/main" w="9525">
                   <a:solidFill>
                     <a:srgbClr val="000000"/>
                   </a:solidFill>
@@ -1543,7 +1543,7 @@
             </a:ln>
             <a:extLst>
               <a:ext uri="{91240B29-F687-4f45-9708-019B960494DF}">
-                <a14:hiddenLine xmlns:a14="http://schemas.microsoft.com/office/drawing/2010/main" xmlns="" w="9525">
+                <a14:hiddenLine xmlns="" xmlns:a14="http://schemas.microsoft.com/office/drawing/2010/main" w="9525">
                   <a:solidFill>
                     <a:srgbClr val="000000"/>
                   </a:solidFill>
@@ -1633,7 +1633,7 @@
             </a:ln>
             <a:extLst>
               <a:ext uri="{91240B29-F687-4f45-9708-019B960494DF}">
-                <a14:hiddenLine xmlns:a14="http://schemas.microsoft.com/office/drawing/2010/main" xmlns="" w="9525">
+                <a14:hiddenLine xmlns="" xmlns:a14="http://schemas.microsoft.com/office/drawing/2010/main" w="9525">
                   <a:solidFill>
                     <a:srgbClr val="000000"/>
                   </a:solidFill>
@@ -1723,7 +1723,7 @@
             </a:ln>
             <a:extLst>
               <a:ext uri="{91240B29-F687-4f45-9708-019B960494DF}">
-                <a14:hiddenLine xmlns:a14="http://schemas.microsoft.com/office/drawing/2010/main" xmlns="" w="9525">
+                <a14:hiddenLine xmlns="" xmlns:a14="http://schemas.microsoft.com/office/drawing/2010/main" w="9525">
                   <a:solidFill>
                     <a:srgbClr val="000000"/>
                   </a:solidFill>
@@ -1779,7 +1779,7 @@
             </a:ln>
             <a:extLst>
               <a:ext uri="{91240B29-F687-4f45-9708-019B960494DF}">
-                <a14:hiddenLine xmlns:a14="http://schemas.microsoft.com/office/drawing/2010/main" xmlns="" w="9525">
+                <a14:hiddenLine xmlns="" xmlns:a14="http://schemas.microsoft.com/office/drawing/2010/main" w="9525">
                   <a:solidFill>
                     <a:srgbClr val="000000"/>
                   </a:solidFill>
@@ -1869,7 +1869,7 @@
             </a:ln>
             <a:extLst>
               <a:ext uri="{91240B29-F687-4f45-9708-019B960494DF}">
-                <a14:hiddenLine xmlns:a14="http://schemas.microsoft.com/office/drawing/2010/main" xmlns="" w="9525">
+                <a14:hiddenLine xmlns="" xmlns:a14="http://schemas.microsoft.com/office/drawing/2010/main" w="9525">
                   <a:solidFill>
                     <a:srgbClr val="000000"/>
                   </a:solidFill>
@@ -1925,7 +1925,7 @@
             </a:ln>
             <a:extLst>
               <a:ext uri="{91240B29-F687-4f45-9708-019B960494DF}">
-                <a14:hiddenLine xmlns:a14="http://schemas.microsoft.com/office/drawing/2010/main" xmlns="" w="9525">
+                <a14:hiddenLine xmlns="" xmlns:a14="http://schemas.microsoft.com/office/drawing/2010/main" w="9525">
                   <a:solidFill>
                     <a:srgbClr val="000000"/>
                   </a:solidFill>
@@ -2015,7 +2015,7 @@
             </a:ln>
             <a:extLst>
               <a:ext uri="{91240B29-F687-4f45-9708-019B960494DF}">
-                <a14:hiddenLine xmlns:a14="http://schemas.microsoft.com/office/drawing/2010/main" xmlns="" w="9525">
+                <a14:hiddenLine xmlns="" xmlns:a14="http://schemas.microsoft.com/office/drawing/2010/main" w="9525">
                   <a:solidFill>
                     <a:srgbClr val="000000"/>
                   </a:solidFill>
@@ -2083,7 +2083,7 @@
             </a:ln>
             <a:extLst>
               <a:ext uri="{91240B29-F687-4f45-9708-019B960494DF}">
-                <a14:hiddenLine xmlns:a14="http://schemas.microsoft.com/office/drawing/2010/main" xmlns="" w="9525">
+                <a14:hiddenLine xmlns="" xmlns:a14="http://schemas.microsoft.com/office/drawing/2010/main" w="9525">
                   <a:solidFill>
                     <a:srgbClr val="000000"/>
                   </a:solidFill>
@@ -2173,7 +2173,7 @@
             </a:ln>
             <a:extLst>
               <a:ext uri="{91240B29-F687-4f45-9708-019B960494DF}">
-                <a14:hiddenLine xmlns:a14="http://schemas.microsoft.com/office/drawing/2010/main" xmlns="" w="9525">
+                <a14:hiddenLine xmlns="" xmlns:a14="http://schemas.microsoft.com/office/drawing/2010/main" w="9525">
                   <a:solidFill>
                     <a:srgbClr val="000000"/>
                   </a:solidFill>
@@ -2241,7 +2241,7 @@
             </a:ln>
             <a:extLst>
               <a:ext uri="{91240B29-F687-4f45-9708-019B960494DF}">
-                <a14:hiddenLine xmlns:a14="http://schemas.microsoft.com/office/drawing/2010/main" xmlns="" w="9525">
+                <a14:hiddenLine xmlns="" xmlns:a14="http://schemas.microsoft.com/office/drawing/2010/main" w="9525">
                   <a:solidFill>
                     <a:srgbClr val="000000"/>
                   </a:solidFill>
@@ -2331,7 +2331,7 @@
             </a:ln>
             <a:extLst>
               <a:ext uri="{91240B29-F687-4f45-9708-019B960494DF}">
-                <a14:hiddenLine xmlns:a14="http://schemas.microsoft.com/office/drawing/2010/main" xmlns="" w="9525">
+                <a14:hiddenLine xmlns="" xmlns:a14="http://schemas.microsoft.com/office/drawing/2010/main" w="9525">
                   <a:solidFill>
                     <a:srgbClr val="000000"/>
                   </a:solidFill>
@@ -2365,7 +2365,7 @@
             </a:ln>
             <a:extLst>
               <a:ext uri="{91240B29-F687-4f45-9708-019B960494DF}">
-                <a14:hiddenLine xmlns:a14="http://schemas.microsoft.com/office/drawing/2010/main" xmlns="" w="9525">
+                <a14:hiddenLine xmlns="" xmlns:a14="http://schemas.microsoft.com/office/drawing/2010/main" w="9525">
                   <a:solidFill>
                     <a:srgbClr val="000000"/>
                   </a:solidFill>
@@ -2455,7 +2455,7 @@
             </a:ln>
             <a:extLst>
               <a:ext uri="{91240B29-F687-4f45-9708-019B960494DF}">
-                <a14:hiddenLine xmlns:a14="http://schemas.microsoft.com/office/drawing/2010/main" xmlns="" w="9525">
+                <a14:hiddenLine xmlns="" xmlns:a14="http://schemas.microsoft.com/office/drawing/2010/main" w="9525">
                   <a:solidFill>
                     <a:srgbClr val="000000"/>
                   </a:solidFill>
@@ -2517,7 +2517,7 @@
             </a:ln>
             <a:extLst>
               <a:ext uri="{91240B29-F687-4f45-9708-019B960494DF}">
-                <a14:hiddenLine xmlns:a14="http://schemas.microsoft.com/office/drawing/2010/main" xmlns="" w="9525">
+                <a14:hiddenLine xmlns="" xmlns:a14="http://schemas.microsoft.com/office/drawing/2010/main" w="9525">
                   <a:solidFill>
                     <a:srgbClr val="000000"/>
                   </a:solidFill>
@@ -2579,7 +2579,7 @@
             </a:ln>
             <a:extLst>
               <a:ext uri="{91240B29-F687-4f45-9708-019B960494DF}">
-                <a14:hiddenLine xmlns:a14="http://schemas.microsoft.com/office/drawing/2010/main" xmlns="" w="9525">
+                <a14:hiddenLine xmlns="" xmlns:a14="http://schemas.microsoft.com/office/drawing/2010/main" w="9525">
                   <a:solidFill>
                     <a:srgbClr val="000000"/>
                   </a:solidFill>
@@ -2669,7 +2669,7 @@
             </a:ln>
             <a:extLst>
               <a:ext uri="{91240B29-F687-4f45-9708-019B960494DF}">
-                <a14:hiddenLine xmlns:a14="http://schemas.microsoft.com/office/drawing/2010/main" xmlns="" w="9525">
+                <a14:hiddenLine xmlns="" xmlns:a14="http://schemas.microsoft.com/office/drawing/2010/main" w="9525">
                   <a:solidFill>
                     <a:srgbClr val="000000"/>
                   </a:solidFill>
@@ -2737,7 +2737,7 @@
             </a:ln>
             <a:extLst>
               <a:ext uri="{91240B29-F687-4f45-9708-019B960494DF}">
-                <a14:hiddenLine xmlns:a14="http://schemas.microsoft.com/office/drawing/2010/main" xmlns="" w="9525">
+                <a14:hiddenLine xmlns="" xmlns:a14="http://schemas.microsoft.com/office/drawing/2010/main" w="9525">
                   <a:solidFill>
                     <a:srgbClr val="000000"/>
                   </a:solidFill>
@@ -2799,7 +2799,7 @@
             </a:ln>
             <a:extLst>
               <a:ext uri="{91240B29-F687-4f45-9708-019B960494DF}">
-                <a14:hiddenLine xmlns:a14="http://schemas.microsoft.com/office/drawing/2010/main" xmlns="" w="9525">
+                <a14:hiddenLine xmlns="" xmlns:a14="http://schemas.microsoft.com/office/drawing/2010/main" w="9525">
                   <a:solidFill>
                     <a:srgbClr val="000000"/>
                   </a:solidFill>
@@ -2889,7 +2889,7 @@
             </a:ln>
             <a:extLst>
               <a:ext uri="{91240B29-F687-4f45-9708-019B960494DF}">
-                <a14:hiddenLine xmlns:a14="http://schemas.microsoft.com/office/drawing/2010/main" xmlns="" w="9525">
+                <a14:hiddenLine xmlns="" xmlns:a14="http://schemas.microsoft.com/office/drawing/2010/main" w="9525">
                   <a:solidFill>
                     <a:srgbClr val="000000"/>
                   </a:solidFill>
@@ -2951,7 +2951,7 @@
             </a:ln>
             <a:extLst>
               <a:ext uri="{91240B29-F687-4f45-9708-019B960494DF}">
-                <a14:hiddenLine xmlns:a14="http://schemas.microsoft.com/office/drawing/2010/main" xmlns="" w="9525">
+                <a14:hiddenLine xmlns="" xmlns:a14="http://schemas.microsoft.com/office/drawing/2010/main" w="9525">
                   <a:solidFill>
                     <a:srgbClr val="000000"/>
                   </a:solidFill>
@@ -3041,7 +3041,7 @@
             </a:ln>
             <a:extLst>
               <a:ext uri="{91240B29-F687-4f45-9708-019B960494DF}">
-                <a14:hiddenLine xmlns:a14="http://schemas.microsoft.com/office/drawing/2010/main" xmlns="" w="9525">
+                <a14:hiddenLine xmlns="" xmlns:a14="http://schemas.microsoft.com/office/drawing/2010/main" w="9525">
                   <a:solidFill>
                     <a:srgbClr val="000000"/>
                   </a:solidFill>
@@ -3103,7 +3103,7 @@
             </a:ln>
             <a:extLst>
               <a:ext uri="{91240B29-F687-4f45-9708-019B960494DF}">
-                <a14:hiddenLine xmlns:a14="http://schemas.microsoft.com/office/drawing/2010/main" xmlns="" w="9525">
+                <a14:hiddenLine xmlns="" xmlns:a14="http://schemas.microsoft.com/office/drawing/2010/main" w="9525">
                   <a:solidFill>
                     <a:srgbClr val="000000"/>
                   </a:solidFill>
@@ -3193,7 +3193,7 @@
             </a:ln>
             <a:extLst>
               <a:ext uri="{91240B29-F687-4f45-9708-019B960494DF}">
-                <a14:hiddenLine xmlns:a14="http://schemas.microsoft.com/office/drawing/2010/main" xmlns="" w="9525">
+                <a14:hiddenLine xmlns="" xmlns:a14="http://schemas.microsoft.com/office/drawing/2010/main" w="9525">
                   <a:solidFill>
                     <a:srgbClr val="000000"/>
                   </a:solidFill>
@@ -3227,7 +3227,7 @@
             </a:ln>
             <a:extLst>
               <a:ext uri="{91240B29-F687-4f45-9708-019B960494DF}">
-                <a14:hiddenLine xmlns:a14="http://schemas.microsoft.com/office/drawing/2010/main" xmlns="" w="9525">
+                <a14:hiddenLine xmlns="" xmlns:a14="http://schemas.microsoft.com/office/drawing/2010/main" w="9525">
                   <a:solidFill>
                     <a:srgbClr val="000000"/>
                   </a:solidFill>
@@ -3292,7 +3292,7 @@
             </a:ln>
             <a:extLst>
               <a:ext uri="{91240B29-F687-4f45-9708-019B960494DF}">
-                <a14:hiddenLine xmlns:a14="http://schemas.microsoft.com/office/drawing/2010/main" xmlns="" w="9525">
+                <a14:hiddenLine xmlns="" xmlns:a14="http://schemas.microsoft.com/office/drawing/2010/main" w="9525">
                   <a:solidFill>
                     <a:srgbClr val="000000"/>
                   </a:solidFill>
@@ -3382,7 +3382,7 @@
             </a:ln>
             <a:extLst>
               <a:ext uri="{91240B29-F687-4f45-9708-019B960494DF}">
-                <a14:hiddenLine xmlns:a14="http://schemas.microsoft.com/office/drawing/2010/main" xmlns="" w="9525">
+                <a14:hiddenLine xmlns="" xmlns:a14="http://schemas.microsoft.com/office/drawing/2010/main" w="9525">
                   <a:solidFill>
                     <a:srgbClr val="000000"/>
                   </a:solidFill>
@@ -3444,7 +3444,7 @@
             </a:ln>
             <a:extLst>
               <a:ext uri="{91240B29-F687-4f45-9708-019B960494DF}">
-                <a14:hiddenLine xmlns:a14="http://schemas.microsoft.com/office/drawing/2010/main" xmlns="" w="9525">
+                <a14:hiddenLine xmlns="" xmlns:a14="http://schemas.microsoft.com/office/drawing/2010/main" w="9525">
                   <a:solidFill>
                     <a:srgbClr val="000000"/>
                   </a:solidFill>
@@ -3534,7 +3534,7 @@
             </a:ln>
             <a:extLst>
               <a:ext uri="{91240B29-F687-4f45-9708-019B960494DF}">
-                <a14:hiddenLine xmlns:a14="http://schemas.microsoft.com/office/drawing/2010/main" xmlns="" w="9525">
+                <a14:hiddenLine xmlns="" xmlns:a14="http://schemas.microsoft.com/office/drawing/2010/main" w="9525">
                   <a:solidFill>
                     <a:srgbClr val="000000"/>
                   </a:solidFill>
@@ -3624,7 +3624,7 @@
             </a:ln>
             <a:extLst>
               <a:ext uri="{91240B29-F687-4f45-9708-019B960494DF}">
-                <a14:hiddenLine xmlns:a14="http://schemas.microsoft.com/office/drawing/2010/main" xmlns="" w="9525">
+                <a14:hiddenLine xmlns="" xmlns:a14="http://schemas.microsoft.com/office/drawing/2010/main" w="9525">
                   <a:solidFill>
                     <a:srgbClr val="000000"/>
                   </a:solidFill>
@@ -3689,7 +3689,7 @@
             </a:ln>
             <a:extLst>
               <a:ext uri="{91240B29-F687-4f45-9708-019B960494DF}">
-                <a14:hiddenLine xmlns:a14="http://schemas.microsoft.com/office/drawing/2010/main" xmlns="" w="9525">
+                <a14:hiddenLine xmlns="" xmlns:a14="http://schemas.microsoft.com/office/drawing/2010/main" w="9525">
                   <a:solidFill>
                     <a:srgbClr val="000000"/>
                   </a:solidFill>
@@ -3751,7 +3751,7 @@
             </a:ln>
             <a:extLst>
               <a:ext uri="{91240B29-F687-4f45-9708-019B960494DF}">
-                <a14:hiddenLine xmlns:a14="http://schemas.microsoft.com/office/drawing/2010/main" xmlns="" w="9525">
+                <a14:hiddenLine xmlns="" xmlns:a14="http://schemas.microsoft.com/office/drawing/2010/main" w="9525">
                   <a:solidFill>
                     <a:srgbClr val="000000"/>
                   </a:solidFill>
@@ -3841,7 +3841,7 @@
             </a:ln>
             <a:extLst>
               <a:ext uri="{91240B29-F687-4f45-9708-019B960494DF}">
-                <a14:hiddenLine xmlns:a14="http://schemas.microsoft.com/office/drawing/2010/main" xmlns="" w="9525">
+                <a14:hiddenLine xmlns="" xmlns:a14="http://schemas.microsoft.com/office/drawing/2010/main" w="9525">
                   <a:solidFill>
                     <a:srgbClr val="000000"/>
                   </a:solidFill>
@@ -3931,7 +3931,7 @@
             </a:ln>
             <a:extLst>
               <a:ext uri="{91240B29-F687-4f45-9708-019B960494DF}">
-                <a14:hiddenLine xmlns:a14="http://schemas.microsoft.com/office/drawing/2010/main" xmlns="" w="9525">
+                <a14:hiddenLine xmlns="" xmlns:a14="http://schemas.microsoft.com/office/drawing/2010/main" w="9525">
                   <a:solidFill>
                     <a:srgbClr val="000000"/>
                   </a:solidFill>
@@ -3993,7 +3993,7 @@
             </a:ln>
             <a:extLst>
               <a:ext uri="{91240B29-F687-4f45-9708-019B960494DF}">
-                <a14:hiddenLine xmlns:a14="http://schemas.microsoft.com/office/drawing/2010/main" xmlns="" w="9525">
+                <a14:hiddenLine xmlns="" xmlns:a14="http://schemas.microsoft.com/office/drawing/2010/main" w="9525">
                   <a:solidFill>
                     <a:srgbClr val="000000"/>
                   </a:solidFill>
@@ -4113,7 +4113,7 @@
             </a:ln>
             <a:extLst>
               <a:ext uri="{91240B29-F687-4f45-9708-019B960494DF}">
-                <a14:hiddenLine xmlns:a14="http://schemas.microsoft.com/office/drawing/2010/main" xmlns="" w="9525">
+                <a14:hiddenLine xmlns="" xmlns:a14="http://schemas.microsoft.com/office/drawing/2010/main" w="9525">
                   <a:solidFill>
                     <a:srgbClr val="000000"/>
                   </a:solidFill>
@@ -4181,7 +4181,7 @@
             </a:ln>
             <a:extLst>
               <a:ext uri="{91240B29-F687-4f45-9708-019B960494DF}">
-                <a14:hiddenLine xmlns:a14="http://schemas.microsoft.com/office/drawing/2010/main" xmlns="" w="9525">
+                <a14:hiddenLine xmlns="" xmlns:a14="http://schemas.microsoft.com/office/drawing/2010/main" w="9525">
                   <a:solidFill>
                     <a:srgbClr val="000000"/>
                   </a:solidFill>
@@ -4271,7 +4271,7 @@
             </a:ln>
             <a:extLst>
               <a:ext uri="{91240B29-F687-4f45-9708-019B960494DF}">
-                <a14:hiddenLine xmlns:a14="http://schemas.microsoft.com/office/drawing/2010/main" xmlns="" w="9525">
+                <a14:hiddenLine xmlns="" xmlns:a14="http://schemas.microsoft.com/office/drawing/2010/main" w="9525">
                   <a:solidFill>
                     <a:srgbClr val="000000"/>
                   </a:solidFill>
@@ -8993,7 +8993,7 @@
           <a:noFill/>
           <a:extLst>
             <a:ext uri="{909E8E84-426E-40dd-AFC4-6F175D3DCCD1}">
-              <a14:hiddenFill xmlns:a14="http://schemas.microsoft.com/office/drawing/2010/main" xmlns="">
+              <a14:hiddenFill xmlns="" xmlns:a14="http://schemas.microsoft.com/office/drawing/2010/main">
                 <a:solidFill>
                   <a:srgbClr val="FFFFFF"/>
                 </a:solidFill>
@@ -9067,7 +9067,7 @@
               </a:ln>
               <a:extLst>
                 <a:ext uri="{91240B29-F687-4f45-9708-019B960494DF}">
-                  <a14:hiddenLine xmlns:a14="http://schemas.microsoft.com/office/drawing/2010/main" xmlns="" w="9525">
+                  <a14:hiddenLine xmlns="" xmlns:a14="http://schemas.microsoft.com/office/drawing/2010/main" w="9525">
                     <a:solidFill>
                       <a:srgbClr val="000000"/>
                     </a:solidFill>
@@ -9157,7 +9157,7 @@
               </a:ln>
               <a:extLst>
                 <a:ext uri="{91240B29-F687-4f45-9708-019B960494DF}">
-                  <a14:hiddenLine xmlns:a14="http://schemas.microsoft.com/office/drawing/2010/main" xmlns="" w="9525">
+                  <a14:hiddenLine xmlns="" xmlns:a14="http://schemas.microsoft.com/office/drawing/2010/main" w="9525">
                     <a:solidFill>
                       <a:srgbClr val="000000"/>
                     </a:solidFill>
@@ -9247,7 +9247,7 @@
               </a:ln>
               <a:extLst>
                 <a:ext uri="{91240B29-F687-4f45-9708-019B960494DF}">
-                  <a14:hiddenLine xmlns:a14="http://schemas.microsoft.com/office/drawing/2010/main" xmlns="" w="9525">
+                  <a14:hiddenLine xmlns="" xmlns:a14="http://schemas.microsoft.com/office/drawing/2010/main" w="9525">
                     <a:solidFill>
                       <a:srgbClr val="000000"/>
                     </a:solidFill>
@@ -9309,7 +9309,7 @@
               </a:ln>
               <a:extLst>
                 <a:ext uri="{91240B29-F687-4f45-9708-019B960494DF}">
-                  <a14:hiddenLine xmlns:a14="http://schemas.microsoft.com/office/drawing/2010/main" xmlns="" w="9525">
+                  <a14:hiddenLine xmlns="" xmlns:a14="http://schemas.microsoft.com/office/drawing/2010/main" w="9525">
                     <a:solidFill>
                       <a:srgbClr val="000000"/>
                     </a:solidFill>
@@ -9399,7 +9399,7 @@
               </a:ln>
               <a:extLst>
                 <a:ext uri="{91240B29-F687-4f45-9708-019B960494DF}">
-                  <a14:hiddenLine xmlns:a14="http://schemas.microsoft.com/office/drawing/2010/main" xmlns="" w="9525">
+                  <a14:hiddenLine xmlns="" xmlns:a14="http://schemas.microsoft.com/office/drawing/2010/main" w="9525">
                     <a:solidFill>
                       <a:srgbClr val="000000"/>
                     </a:solidFill>
@@ -9461,7 +9461,7 @@
               </a:ln>
               <a:extLst>
                 <a:ext uri="{91240B29-F687-4f45-9708-019B960494DF}">
-                  <a14:hiddenLine xmlns:a14="http://schemas.microsoft.com/office/drawing/2010/main" xmlns="" w="9525">
+                  <a14:hiddenLine xmlns="" xmlns:a14="http://schemas.microsoft.com/office/drawing/2010/main" w="9525">
                     <a:solidFill>
                       <a:srgbClr val="000000"/>
                     </a:solidFill>
@@ -9523,7 +9523,7 @@
               </a:ln>
               <a:extLst>
                 <a:ext uri="{91240B29-F687-4f45-9708-019B960494DF}">
-                  <a14:hiddenLine xmlns:a14="http://schemas.microsoft.com/office/drawing/2010/main" xmlns="" w="9525">
+                  <a14:hiddenLine xmlns="" xmlns:a14="http://schemas.microsoft.com/office/drawing/2010/main" w="9525">
                     <a:solidFill>
                       <a:srgbClr val="000000"/>
                     </a:solidFill>
@@ -9613,7 +9613,7 @@
               </a:ln>
               <a:extLst>
                 <a:ext uri="{91240B29-F687-4f45-9708-019B960494DF}">
-                  <a14:hiddenLine xmlns:a14="http://schemas.microsoft.com/office/drawing/2010/main" xmlns="" w="9525">
+                  <a14:hiddenLine xmlns="" xmlns:a14="http://schemas.microsoft.com/office/drawing/2010/main" w="9525">
                     <a:solidFill>
                       <a:srgbClr val="000000"/>
                     </a:solidFill>
@@ -9703,7 +9703,7 @@
               </a:ln>
               <a:extLst>
                 <a:ext uri="{91240B29-F687-4f45-9708-019B960494DF}">
-                  <a14:hiddenLine xmlns:a14="http://schemas.microsoft.com/office/drawing/2010/main" xmlns="" w="9525">
+                  <a14:hiddenLine xmlns="" xmlns:a14="http://schemas.microsoft.com/office/drawing/2010/main" w="9525">
                     <a:solidFill>
                       <a:srgbClr val="000000"/>
                     </a:solidFill>
@@ -9765,7 +9765,7 @@
               </a:ln>
               <a:extLst>
                 <a:ext uri="{91240B29-F687-4f45-9708-019B960494DF}">
-                  <a14:hiddenLine xmlns:a14="http://schemas.microsoft.com/office/drawing/2010/main" xmlns="" w="9525">
+                  <a14:hiddenLine xmlns="" xmlns:a14="http://schemas.microsoft.com/office/drawing/2010/main" w="9525">
                     <a:solidFill>
                       <a:srgbClr val="000000"/>
                     </a:solidFill>
@@ -9875,7 +9875,7 @@
               </a:ln>
               <a:extLst>
                 <a:ext uri="{91240B29-F687-4f45-9708-019B960494DF}">
-                  <a14:hiddenLine xmlns:a14="http://schemas.microsoft.com/office/drawing/2010/main" xmlns="" w="9525">
+                  <a14:hiddenLine xmlns="" xmlns:a14="http://schemas.microsoft.com/office/drawing/2010/main" w="9525">
                     <a:solidFill>
                       <a:srgbClr val="000000"/>
                     </a:solidFill>
@@ -9959,7 +9959,7 @@
               </a:ln>
               <a:extLst>
                 <a:ext uri="{91240B29-F687-4f45-9708-019B960494DF}">
-                  <a14:hiddenLine xmlns:a14="http://schemas.microsoft.com/office/drawing/2010/main" xmlns="" w="9525">
+                  <a14:hiddenLine xmlns="" xmlns:a14="http://schemas.microsoft.com/office/drawing/2010/main" w="9525">
                     <a:solidFill>
                       <a:srgbClr val="000000"/>
                     </a:solidFill>
@@ -10021,7 +10021,7 @@
               </a:ln>
               <a:extLst>
                 <a:ext uri="{91240B29-F687-4f45-9708-019B960494DF}">
-                  <a14:hiddenLine xmlns:a14="http://schemas.microsoft.com/office/drawing/2010/main" xmlns="" w="9525">
+                  <a14:hiddenLine xmlns="" xmlns:a14="http://schemas.microsoft.com/office/drawing/2010/main" w="9525">
                     <a:solidFill>
                       <a:srgbClr val="000000"/>
                     </a:solidFill>
@@ -10083,7 +10083,7 @@
               </a:ln>
               <a:extLst>
                 <a:ext uri="{91240B29-F687-4f45-9708-019B960494DF}">
-                  <a14:hiddenLine xmlns:a14="http://schemas.microsoft.com/office/drawing/2010/main" xmlns="" w="9525">
+                  <a14:hiddenLine xmlns="" xmlns:a14="http://schemas.microsoft.com/office/drawing/2010/main" w="9525">
                     <a:solidFill>
                       <a:srgbClr val="000000"/>
                     </a:solidFill>
@@ -10173,7 +10173,7 @@
               </a:ln>
               <a:extLst>
                 <a:ext uri="{91240B29-F687-4f45-9708-019B960494DF}">
-                  <a14:hiddenLine xmlns:a14="http://schemas.microsoft.com/office/drawing/2010/main" xmlns="" w="9525">
+                  <a14:hiddenLine xmlns="" xmlns:a14="http://schemas.microsoft.com/office/drawing/2010/main" w="9525">
                     <a:solidFill>
                       <a:srgbClr val="000000"/>
                     </a:solidFill>
@@ -10207,7 +10207,7 @@
               </a:ln>
               <a:extLst>
                 <a:ext uri="{91240B29-F687-4f45-9708-019B960494DF}">
-                  <a14:hiddenLine xmlns:a14="http://schemas.microsoft.com/office/drawing/2010/main" xmlns="" w="9525">
+                  <a14:hiddenLine xmlns="" xmlns:a14="http://schemas.microsoft.com/office/drawing/2010/main" w="9525">
                     <a:solidFill>
                       <a:srgbClr val="000000"/>
                     </a:solidFill>
@@ -10272,7 +10272,7 @@
               </a:ln>
               <a:extLst>
                 <a:ext uri="{91240B29-F687-4f45-9708-019B960494DF}">
-                  <a14:hiddenLine xmlns:a14="http://schemas.microsoft.com/office/drawing/2010/main" xmlns="" w="9525">
+                  <a14:hiddenLine xmlns="" xmlns:a14="http://schemas.microsoft.com/office/drawing/2010/main" w="9525">
                     <a:solidFill>
                       <a:srgbClr val="000000"/>
                     </a:solidFill>
@@ -10362,7 +10362,7 @@
               </a:ln>
               <a:extLst>
                 <a:ext uri="{91240B29-F687-4f45-9708-019B960494DF}">
-                  <a14:hiddenLine xmlns:a14="http://schemas.microsoft.com/office/drawing/2010/main" xmlns="" w="9525">
+                  <a14:hiddenLine xmlns="" xmlns:a14="http://schemas.microsoft.com/office/drawing/2010/main" w="9525">
                     <a:solidFill>
                       <a:srgbClr val="000000"/>
                     </a:solidFill>
@@ -10424,7 +10424,7 @@
               </a:ln>
               <a:extLst>
                 <a:ext uri="{91240B29-F687-4f45-9708-019B960494DF}">
-                  <a14:hiddenLine xmlns:a14="http://schemas.microsoft.com/office/drawing/2010/main" xmlns="" w="9525">
+                  <a14:hiddenLine xmlns="" xmlns:a14="http://schemas.microsoft.com/office/drawing/2010/main" w="9525">
                     <a:solidFill>
                       <a:srgbClr val="000000"/>
                     </a:solidFill>
@@ -10514,7 +10514,7 @@
               </a:ln>
               <a:extLst>
                 <a:ext uri="{91240B29-F687-4f45-9708-019B960494DF}">
-                  <a14:hiddenLine xmlns:a14="http://schemas.microsoft.com/office/drawing/2010/main" xmlns="" w="9525">
+                  <a14:hiddenLine xmlns="" xmlns:a14="http://schemas.microsoft.com/office/drawing/2010/main" w="9525">
                     <a:solidFill>
                       <a:srgbClr val="000000"/>
                     </a:solidFill>
@@ -10579,7 +10579,7 @@
               </a:ln>
               <a:extLst>
                 <a:ext uri="{91240B29-F687-4f45-9708-019B960494DF}">
-                  <a14:hiddenLine xmlns:a14="http://schemas.microsoft.com/office/drawing/2010/main" xmlns="" w="9525">
+                  <a14:hiddenLine xmlns="" xmlns:a14="http://schemas.microsoft.com/office/drawing/2010/main" w="9525">
                     <a:solidFill>
                       <a:srgbClr val="000000"/>
                     </a:solidFill>
@@ -10641,7 +10641,7 @@
               </a:ln>
               <a:extLst>
                 <a:ext uri="{91240B29-F687-4f45-9708-019B960494DF}">
-                  <a14:hiddenLine xmlns:a14="http://schemas.microsoft.com/office/drawing/2010/main" xmlns="" w="9525">
+                  <a14:hiddenLine xmlns="" xmlns:a14="http://schemas.microsoft.com/office/drawing/2010/main" w="9525">
                     <a:solidFill>
                       <a:srgbClr val="000000"/>
                     </a:solidFill>
@@ -10731,7 +10731,7 @@
               </a:ln>
               <a:extLst>
                 <a:ext uri="{91240B29-F687-4f45-9708-019B960494DF}">
-                  <a14:hiddenLine xmlns:a14="http://schemas.microsoft.com/office/drawing/2010/main" xmlns="" w="9525">
+                  <a14:hiddenLine xmlns="" xmlns:a14="http://schemas.microsoft.com/office/drawing/2010/main" w="9525">
                     <a:solidFill>
                       <a:srgbClr val="000000"/>
                     </a:solidFill>
@@ -10821,7 +10821,7 @@
               </a:ln>
               <a:extLst>
                 <a:ext uri="{91240B29-F687-4f45-9708-019B960494DF}">
-                  <a14:hiddenLine xmlns:a14="http://schemas.microsoft.com/office/drawing/2010/main" xmlns="" w="9525">
+                  <a14:hiddenLine xmlns="" xmlns:a14="http://schemas.microsoft.com/office/drawing/2010/main" w="9525">
                     <a:solidFill>
                       <a:srgbClr val="000000"/>
                     </a:solidFill>
@@ -10886,7 +10886,7 @@
               </a:ln>
               <a:extLst>
                 <a:ext uri="{91240B29-F687-4f45-9708-019B960494DF}">
-                  <a14:hiddenLine xmlns:a14="http://schemas.microsoft.com/office/drawing/2010/main" xmlns="" w="9525">
+                  <a14:hiddenLine xmlns="" xmlns:a14="http://schemas.microsoft.com/office/drawing/2010/main" w="9525">
                     <a:solidFill>
                       <a:srgbClr val="000000"/>
                     </a:solidFill>
@@ -11006,7 +11006,7 @@
               </a:ln>
               <a:extLst>
                 <a:ext uri="{91240B29-F687-4f45-9708-019B960494DF}">
-                  <a14:hiddenLine xmlns:a14="http://schemas.microsoft.com/office/drawing/2010/main" xmlns="" w="9525">
+                  <a14:hiddenLine xmlns="" xmlns:a14="http://schemas.microsoft.com/office/drawing/2010/main" w="9525">
                     <a:solidFill>
                       <a:srgbClr val="000000"/>
                     </a:solidFill>
@@ -11104,7 +11104,7 @@
               </a:ln>
               <a:extLst>
                 <a:ext uri="{91240B29-F687-4f45-9708-019B960494DF}">
-                  <a14:hiddenLine xmlns:a14="http://schemas.microsoft.com/office/drawing/2010/main" xmlns="" w="9525">
+                  <a14:hiddenLine xmlns="" xmlns:a14="http://schemas.microsoft.com/office/drawing/2010/main" w="9525">
                     <a:solidFill>
                       <a:srgbClr val="000000"/>
                     </a:solidFill>
@@ -11219,7 +11219,7 @@
               </a:ln>
               <a:extLst>
                 <a:ext uri="{91240B29-F687-4f45-9708-019B960494DF}">
-                  <a14:hiddenLine xmlns:a14="http://schemas.microsoft.com/office/drawing/2010/main" xmlns="" w="9525">
+                  <a14:hiddenLine xmlns="" xmlns:a14="http://schemas.microsoft.com/office/drawing/2010/main" w="9525">
                     <a:solidFill>
                       <a:srgbClr val="000000"/>
                     </a:solidFill>
@@ -11309,7 +11309,7 @@
               </a:ln>
               <a:extLst>
                 <a:ext uri="{91240B29-F687-4f45-9708-019B960494DF}">
-                  <a14:hiddenLine xmlns:a14="http://schemas.microsoft.com/office/drawing/2010/main" xmlns="" w="9525">
+                  <a14:hiddenLine xmlns="" xmlns:a14="http://schemas.microsoft.com/office/drawing/2010/main" w="9525">
                     <a:solidFill>
                       <a:srgbClr val="000000"/>
                     </a:solidFill>
@@ -11374,7 +11374,7 @@
               </a:ln>
               <a:extLst>
                 <a:ext uri="{91240B29-F687-4f45-9708-019B960494DF}">
-                  <a14:hiddenLine xmlns:a14="http://schemas.microsoft.com/office/drawing/2010/main" xmlns="" w="9525">
+                  <a14:hiddenLine xmlns="" xmlns:a14="http://schemas.microsoft.com/office/drawing/2010/main" w="9525">
                     <a:solidFill>
                       <a:srgbClr val="000000"/>
                     </a:solidFill>
@@ -11464,7 +11464,7 @@
               </a:ln>
               <a:extLst>
                 <a:ext uri="{91240B29-F687-4f45-9708-019B960494DF}">
-                  <a14:hiddenLine xmlns:a14="http://schemas.microsoft.com/office/drawing/2010/main" xmlns="" w="9525">
+                  <a14:hiddenLine xmlns="" xmlns:a14="http://schemas.microsoft.com/office/drawing/2010/main" w="9525">
                     <a:solidFill>
                       <a:srgbClr val="000000"/>
                     </a:solidFill>
@@ -11532,7 +11532,7 @@
               </a:ln>
               <a:extLst>
                 <a:ext uri="{91240B29-F687-4f45-9708-019B960494DF}">
-                  <a14:hiddenLine xmlns:a14="http://schemas.microsoft.com/office/drawing/2010/main" xmlns="" w="9525">
+                  <a14:hiddenLine xmlns="" xmlns:a14="http://schemas.microsoft.com/office/drawing/2010/main" w="9525">
                     <a:solidFill>
                       <a:srgbClr val="000000"/>
                     </a:solidFill>
@@ -11622,7 +11622,7 @@
               </a:ln>
               <a:extLst>
                 <a:ext uri="{91240B29-F687-4f45-9708-019B960494DF}">
-                  <a14:hiddenLine xmlns:a14="http://schemas.microsoft.com/office/drawing/2010/main" xmlns="" w="9525">
+                  <a14:hiddenLine xmlns="" xmlns:a14="http://schemas.microsoft.com/office/drawing/2010/main" w="9525">
                     <a:solidFill>
                       <a:srgbClr val="000000"/>
                     </a:solidFill>
@@ -11690,7 +11690,7 @@
               </a:ln>
               <a:extLst>
                 <a:ext uri="{91240B29-F687-4f45-9708-019B960494DF}">
-                  <a14:hiddenLine xmlns:a14="http://schemas.microsoft.com/office/drawing/2010/main" xmlns="" w="9525">
+                  <a14:hiddenLine xmlns="" xmlns:a14="http://schemas.microsoft.com/office/drawing/2010/main" w="9525">
                     <a:solidFill>
                       <a:srgbClr val="000000"/>
                     </a:solidFill>
@@ -11780,7 +11780,7 @@
               </a:ln>
               <a:extLst>
                 <a:ext uri="{91240B29-F687-4f45-9708-019B960494DF}">
-                  <a14:hiddenLine xmlns:a14="http://schemas.microsoft.com/office/drawing/2010/main" xmlns="" w="9525">
+                  <a14:hiddenLine xmlns="" xmlns:a14="http://schemas.microsoft.com/office/drawing/2010/main" w="9525">
                     <a:solidFill>
                       <a:srgbClr val="000000"/>
                     </a:solidFill>
@@ -11814,7 +11814,7 @@
               </a:ln>
               <a:extLst>
                 <a:ext uri="{91240B29-F687-4f45-9708-019B960494DF}">
-                  <a14:hiddenLine xmlns:a14="http://schemas.microsoft.com/office/drawing/2010/main" xmlns="" w="9525">
+                  <a14:hiddenLine xmlns="" xmlns:a14="http://schemas.microsoft.com/office/drawing/2010/main" w="9525">
                     <a:solidFill>
                       <a:srgbClr val="000000"/>
                     </a:solidFill>
@@ -14896,7 +14896,7 @@
           <a:noFill/>
           <a:extLst>
             <a:ext uri="{909E8E84-426E-40dd-AFC4-6F175D3DCCD1}">
-              <a14:hiddenFill xmlns="" xmlns:a16="http://schemas.microsoft.com/office/drawing/2014/main" xmlns:p14="http://schemas.microsoft.com/office/powerpoint/2010/main" xmlns:a14="http://schemas.microsoft.com/office/drawing/2010/main">
+              <a14:hiddenFill xmlns:a14="http://schemas.microsoft.com/office/drawing/2010/main" xmlns:p14="http://schemas.microsoft.com/office/powerpoint/2010/main" xmlns:a16="http://schemas.microsoft.com/office/drawing/2014/main" xmlns="">
                 <a:solidFill>
                   <a:srgbClr val="FFFFFF"/>
                 </a:solidFill>
@@ -15135,7 +15135,7 @@
             </a:ln>
             <a:extLst>
               <a:ext uri="{91240B29-F687-4f45-9708-019B960494DF}">
-                <a14:hiddenLine xmlns="" xmlns:a16="http://schemas.microsoft.com/office/drawing/2014/main" xmlns:p14="http://schemas.microsoft.com/office/powerpoint/2010/main" xmlns:a14="http://schemas.microsoft.com/office/drawing/2010/main" w="9525">
+                <a14:hiddenLine xmlns:a14="http://schemas.microsoft.com/office/drawing/2010/main" xmlns:p14="http://schemas.microsoft.com/office/powerpoint/2010/main" xmlns:a16="http://schemas.microsoft.com/office/drawing/2014/main" xmlns="" w="9525">
                   <a:solidFill>
                     <a:srgbClr val="000000"/>
                   </a:solidFill>
@@ -15247,7 +15247,7 @@
             </a:ln>
             <a:extLst>
               <a:ext uri="{91240B29-F687-4f45-9708-019B960494DF}">
-                <a14:hiddenLine xmlns="" xmlns:a16="http://schemas.microsoft.com/office/drawing/2014/main" xmlns:p14="http://schemas.microsoft.com/office/powerpoint/2010/main" xmlns:a14="http://schemas.microsoft.com/office/drawing/2010/main" w="9525">
+                <a14:hiddenLine xmlns:a14="http://schemas.microsoft.com/office/drawing/2010/main" xmlns:p14="http://schemas.microsoft.com/office/powerpoint/2010/main" xmlns:a16="http://schemas.microsoft.com/office/drawing/2014/main" xmlns="" w="9525">
                   <a:solidFill>
                     <a:srgbClr val="000000"/>
                   </a:solidFill>
@@ -15359,7 +15359,7 @@
             </a:ln>
             <a:extLst>
               <a:ext uri="{91240B29-F687-4f45-9708-019B960494DF}">
-                <a14:hiddenLine xmlns="" xmlns:a16="http://schemas.microsoft.com/office/drawing/2014/main" xmlns:p14="http://schemas.microsoft.com/office/powerpoint/2010/main" xmlns:a14="http://schemas.microsoft.com/office/drawing/2010/main" w="9525">
+                <a14:hiddenLine xmlns:a14="http://schemas.microsoft.com/office/drawing/2010/main" xmlns:p14="http://schemas.microsoft.com/office/powerpoint/2010/main" xmlns:a16="http://schemas.microsoft.com/office/drawing/2014/main" xmlns="" w="9525">
                   <a:solidFill>
                     <a:srgbClr val="000000"/>
                   </a:solidFill>
@@ -15443,7 +15443,7 @@
             </a:ln>
             <a:extLst>
               <a:ext uri="{91240B29-F687-4f45-9708-019B960494DF}">
-                <a14:hiddenLine xmlns="" xmlns:a16="http://schemas.microsoft.com/office/drawing/2014/main" xmlns:p14="http://schemas.microsoft.com/office/powerpoint/2010/main" xmlns:a14="http://schemas.microsoft.com/office/drawing/2010/main" w="9525">
+                <a14:hiddenLine xmlns:a14="http://schemas.microsoft.com/office/drawing/2010/main" xmlns:p14="http://schemas.microsoft.com/office/powerpoint/2010/main" xmlns:a16="http://schemas.microsoft.com/office/drawing/2014/main" xmlns="" w="9525">
                   <a:solidFill>
                     <a:srgbClr val="000000"/>
                   </a:solidFill>
@@ -15555,7 +15555,7 @@
             </a:ln>
             <a:extLst>
               <a:ext uri="{91240B29-F687-4f45-9708-019B960494DF}">
-                <a14:hiddenLine xmlns="" xmlns:a16="http://schemas.microsoft.com/office/drawing/2014/main" xmlns:p14="http://schemas.microsoft.com/office/powerpoint/2010/main" xmlns:a14="http://schemas.microsoft.com/office/drawing/2010/main" w="9525">
+                <a14:hiddenLine xmlns:a14="http://schemas.microsoft.com/office/drawing/2010/main" xmlns:p14="http://schemas.microsoft.com/office/powerpoint/2010/main" xmlns:a16="http://schemas.microsoft.com/office/drawing/2014/main" xmlns="" w="9525">
                   <a:solidFill>
                     <a:srgbClr val="000000"/>
                   </a:solidFill>
@@ -15639,7 +15639,7 @@
             </a:ln>
             <a:extLst>
               <a:ext uri="{91240B29-F687-4f45-9708-019B960494DF}">
-                <a14:hiddenLine xmlns="" xmlns:a16="http://schemas.microsoft.com/office/drawing/2014/main" xmlns:p14="http://schemas.microsoft.com/office/powerpoint/2010/main" xmlns:a14="http://schemas.microsoft.com/office/drawing/2010/main" w="9525">
+                <a14:hiddenLine xmlns:a14="http://schemas.microsoft.com/office/drawing/2010/main" xmlns:p14="http://schemas.microsoft.com/office/powerpoint/2010/main" xmlns:a16="http://schemas.microsoft.com/office/drawing/2014/main" xmlns="" w="9525">
                   <a:solidFill>
                     <a:srgbClr val="000000"/>
                   </a:solidFill>
@@ -15723,7 +15723,7 @@
             </a:ln>
             <a:extLst>
               <a:ext uri="{91240B29-F687-4f45-9708-019B960494DF}">
-                <a14:hiddenLine xmlns="" xmlns:a16="http://schemas.microsoft.com/office/drawing/2014/main" xmlns:p14="http://schemas.microsoft.com/office/powerpoint/2010/main" xmlns:a14="http://schemas.microsoft.com/office/drawing/2010/main" w="9525">
+                <a14:hiddenLine xmlns:a14="http://schemas.microsoft.com/office/drawing/2010/main" xmlns:p14="http://schemas.microsoft.com/office/powerpoint/2010/main" xmlns:a16="http://schemas.microsoft.com/office/drawing/2014/main" xmlns="" w="9525">
                   <a:solidFill>
                     <a:srgbClr val="000000"/>
                   </a:solidFill>
@@ -15835,7 +15835,7 @@
             </a:ln>
             <a:extLst>
               <a:ext uri="{91240B29-F687-4f45-9708-019B960494DF}">
-                <a14:hiddenLine xmlns="" xmlns:a16="http://schemas.microsoft.com/office/drawing/2014/main" xmlns:p14="http://schemas.microsoft.com/office/powerpoint/2010/main" xmlns:a14="http://schemas.microsoft.com/office/drawing/2010/main" w="9525">
+                <a14:hiddenLine xmlns:a14="http://schemas.microsoft.com/office/drawing/2010/main" xmlns:p14="http://schemas.microsoft.com/office/powerpoint/2010/main" xmlns:a16="http://schemas.microsoft.com/office/drawing/2014/main" xmlns="" w="9525">
                   <a:solidFill>
                     <a:srgbClr val="000000"/>
                   </a:solidFill>
@@ -15947,7 +15947,7 @@
             </a:ln>
             <a:extLst>
               <a:ext uri="{91240B29-F687-4f45-9708-019B960494DF}">
-                <a14:hiddenLine xmlns="" xmlns:a16="http://schemas.microsoft.com/office/drawing/2014/main" xmlns:p14="http://schemas.microsoft.com/office/powerpoint/2010/main" xmlns:a14="http://schemas.microsoft.com/office/drawing/2010/main" w="9525">
+                <a14:hiddenLine xmlns:a14="http://schemas.microsoft.com/office/drawing/2010/main" xmlns:p14="http://schemas.microsoft.com/office/powerpoint/2010/main" xmlns:a16="http://schemas.microsoft.com/office/drawing/2014/main" xmlns="" w="9525">
                   <a:solidFill>
                     <a:srgbClr val="000000"/>
                   </a:solidFill>
@@ -16031,7 +16031,7 @@
             </a:ln>
             <a:extLst>
               <a:ext uri="{91240B29-F687-4f45-9708-019B960494DF}">
-                <a14:hiddenLine xmlns="" xmlns:a16="http://schemas.microsoft.com/office/drawing/2014/main" xmlns:p14="http://schemas.microsoft.com/office/powerpoint/2010/main" xmlns:a14="http://schemas.microsoft.com/office/drawing/2010/main" w="9525">
+                <a14:hiddenLine xmlns:a14="http://schemas.microsoft.com/office/drawing/2010/main" xmlns:p14="http://schemas.microsoft.com/office/powerpoint/2010/main" xmlns:a16="http://schemas.microsoft.com/office/drawing/2014/main" xmlns="" w="9525">
                   <a:solidFill>
                     <a:srgbClr val="000000"/>
                   </a:solidFill>
@@ -16163,7 +16163,7 @@
             </a:ln>
             <a:extLst>
               <a:ext uri="{91240B29-F687-4f45-9708-019B960494DF}">
-                <a14:hiddenLine xmlns="" xmlns:a16="http://schemas.microsoft.com/office/drawing/2014/main" xmlns:p14="http://schemas.microsoft.com/office/powerpoint/2010/main" xmlns:a14="http://schemas.microsoft.com/office/drawing/2010/main" w="9525">
+                <a14:hiddenLine xmlns:a14="http://schemas.microsoft.com/office/drawing/2010/main" xmlns:p14="http://schemas.microsoft.com/office/powerpoint/2010/main" xmlns:a16="http://schemas.microsoft.com/office/drawing/2014/main" xmlns="" w="9525">
                   <a:solidFill>
                     <a:srgbClr val="000000"/>
                   </a:solidFill>
@@ -16291,7 +16291,7 @@
             </a:ln>
             <a:extLst>
               <a:ext uri="{91240B29-F687-4f45-9708-019B960494DF}">
-                <a14:hiddenLine xmlns="" xmlns:a16="http://schemas.microsoft.com/office/drawing/2014/main" xmlns:p14="http://schemas.microsoft.com/office/powerpoint/2010/main" xmlns:a14="http://schemas.microsoft.com/office/drawing/2010/main" w="9525">
+                <a14:hiddenLine xmlns:a14="http://schemas.microsoft.com/office/drawing/2010/main" xmlns:p14="http://schemas.microsoft.com/office/powerpoint/2010/main" xmlns:a16="http://schemas.microsoft.com/office/drawing/2014/main" xmlns="" w="9525">
                   <a:solidFill>
                     <a:srgbClr val="000000"/>
                   </a:solidFill>
@@ -16375,7 +16375,7 @@
             </a:ln>
             <a:extLst>
               <a:ext uri="{91240B29-F687-4f45-9708-019B960494DF}">
-                <a14:hiddenLine xmlns="" xmlns:a16="http://schemas.microsoft.com/office/drawing/2014/main" xmlns:p14="http://schemas.microsoft.com/office/powerpoint/2010/main" xmlns:a14="http://schemas.microsoft.com/office/drawing/2010/main" w="9525">
+                <a14:hiddenLine xmlns:a14="http://schemas.microsoft.com/office/drawing/2010/main" xmlns:p14="http://schemas.microsoft.com/office/powerpoint/2010/main" xmlns:a16="http://schemas.microsoft.com/office/drawing/2014/main" xmlns="" w="9525">
                   <a:solidFill>
                     <a:srgbClr val="000000"/>
                   </a:solidFill>
@@ -16459,7 +16459,7 @@
             </a:ln>
             <a:extLst>
               <a:ext uri="{91240B29-F687-4f45-9708-019B960494DF}">
-                <a14:hiddenLine xmlns="" xmlns:a16="http://schemas.microsoft.com/office/drawing/2014/main" xmlns:p14="http://schemas.microsoft.com/office/powerpoint/2010/main" xmlns:a14="http://schemas.microsoft.com/office/drawing/2010/main" w="9525">
+                <a14:hiddenLine xmlns:a14="http://schemas.microsoft.com/office/drawing/2010/main" xmlns:p14="http://schemas.microsoft.com/office/powerpoint/2010/main" xmlns:a16="http://schemas.microsoft.com/office/drawing/2014/main" xmlns="" w="9525">
                   <a:solidFill>
                     <a:srgbClr val="000000"/>
                   </a:solidFill>
@@ -16571,7 +16571,7 @@
             </a:ln>
             <a:extLst>
               <a:ext uri="{91240B29-F687-4f45-9708-019B960494DF}">
-                <a14:hiddenLine xmlns="" xmlns:a16="http://schemas.microsoft.com/office/drawing/2014/main" xmlns:p14="http://schemas.microsoft.com/office/powerpoint/2010/main" xmlns:a14="http://schemas.microsoft.com/office/drawing/2010/main" w="9525">
+                <a14:hiddenLine xmlns:a14="http://schemas.microsoft.com/office/drawing/2010/main" xmlns:p14="http://schemas.microsoft.com/office/powerpoint/2010/main" xmlns:a16="http://schemas.microsoft.com/office/drawing/2014/main" xmlns="" w="9525">
                   <a:solidFill>
                     <a:srgbClr val="000000"/>
                   </a:solidFill>
@@ -16627,7 +16627,7 @@
             </a:ln>
             <a:extLst>
               <a:ext uri="{91240B29-F687-4f45-9708-019B960494DF}">
-                <a14:hiddenLine xmlns="" xmlns:a16="http://schemas.microsoft.com/office/drawing/2014/main" xmlns:p14="http://schemas.microsoft.com/office/powerpoint/2010/main" xmlns:a14="http://schemas.microsoft.com/office/drawing/2010/main" w="9525">
+                <a14:hiddenLine xmlns:a14="http://schemas.microsoft.com/office/drawing/2010/main" xmlns:p14="http://schemas.microsoft.com/office/powerpoint/2010/main" xmlns:a16="http://schemas.microsoft.com/office/drawing/2014/main" xmlns="" w="9525">
                   <a:solidFill>
                     <a:srgbClr val="000000"/>
                   </a:solidFill>
@@ -16714,7 +16714,7 @@
             </a:ln>
             <a:extLst>
               <a:ext uri="{91240B29-F687-4f45-9708-019B960494DF}">
-                <a14:hiddenLine xmlns="" xmlns:a16="http://schemas.microsoft.com/office/drawing/2014/main" xmlns:p14="http://schemas.microsoft.com/office/powerpoint/2010/main" xmlns:a14="http://schemas.microsoft.com/office/drawing/2010/main" w="9525">
+                <a14:hiddenLine xmlns:a14="http://schemas.microsoft.com/office/drawing/2010/main" xmlns:p14="http://schemas.microsoft.com/office/powerpoint/2010/main" xmlns:a16="http://schemas.microsoft.com/office/drawing/2014/main" xmlns="" w="9525">
                   <a:solidFill>
                     <a:srgbClr val="000000"/>
                   </a:solidFill>
@@ -16826,7 +16826,7 @@
             </a:ln>
             <a:extLst>
               <a:ext uri="{91240B29-F687-4f45-9708-019B960494DF}">
-                <a14:hiddenLine xmlns="" xmlns:a16="http://schemas.microsoft.com/office/drawing/2014/main" xmlns:p14="http://schemas.microsoft.com/office/powerpoint/2010/main" xmlns:a14="http://schemas.microsoft.com/office/drawing/2010/main" w="9525">
+                <a14:hiddenLine xmlns:a14="http://schemas.microsoft.com/office/drawing/2010/main" xmlns:p14="http://schemas.microsoft.com/office/powerpoint/2010/main" xmlns:a16="http://schemas.microsoft.com/office/drawing/2014/main" xmlns="" w="9525">
                   <a:solidFill>
                     <a:srgbClr val="000000"/>
                   </a:solidFill>
@@ -16910,7 +16910,7 @@
             </a:ln>
             <a:extLst>
               <a:ext uri="{91240B29-F687-4f45-9708-019B960494DF}">
-                <a14:hiddenLine xmlns="" xmlns:a16="http://schemas.microsoft.com/office/drawing/2014/main" xmlns:p14="http://schemas.microsoft.com/office/powerpoint/2010/main" xmlns:a14="http://schemas.microsoft.com/office/drawing/2010/main" w="9525">
+                <a14:hiddenLine xmlns:a14="http://schemas.microsoft.com/office/drawing/2010/main" xmlns:p14="http://schemas.microsoft.com/office/powerpoint/2010/main" xmlns:a16="http://schemas.microsoft.com/office/drawing/2014/main" xmlns="" w="9525">
                   <a:solidFill>
                     <a:srgbClr val="000000"/>
                   </a:solidFill>
@@ -17022,7 +17022,7 @@
             </a:ln>
             <a:extLst>
               <a:ext uri="{91240B29-F687-4f45-9708-019B960494DF}">
-                <a14:hiddenLine xmlns="" xmlns:a16="http://schemas.microsoft.com/office/drawing/2014/main" xmlns:p14="http://schemas.microsoft.com/office/powerpoint/2010/main" xmlns:a14="http://schemas.microsoft.com/office/drawing/2010/main" w="9525">
+                <a14:hiddenLine xmlns:a14="http://schemas.microsoft.com/office/drawing/2010/main" xmlns:p14="http://schemas.microsoft.com/office/powerpoint/2010/main" xmlns:a16="http://schemas.microsoft.com/office/drawing/2014/main" xmlns="" w="9525">
                   <a:solidFill>
                     <a:srgbClr val="000000"/>
                   </a:solidFill>
@@ -17109,7 +17109,7 @@
             </a:ln>
             <a:extLst>
               <a:ext uri="{91240B29-F687-4f45-9708-019B960494DF}">
-                <a14:hiddenLine xmlns="" xmlns:a16="http://schemas.microsoft.com/office/drawing/2014/main" xmlns:p14="http://schemas.microsoft.com/office/powerpoint/2010/main" xmlns:a14="http://schemas.microsoft.com/office/drawing/2010/main" w="9525">
+                <a14:hiddenLine xmlns:a14="http://schemas.microsoft.com/office/drawing/2010/main" xmlns:p14="http://schemas.microsoft.com/office/powerpoint/2010/main" xmlns:a16="http://schemas.microsoft.com/office/drawing/2014/main" xmlns="" w="9525">
                   <a:solidFill>
                     <a:srgbClr val="000000"/>
                   </a:solidFill>
@@ -17193,7 +17193,7 @@
             </a:ln>
             <a:extLst>
               <a:ext uri="{91240B29-F687-4f45-9708-019B960494DF}">
-                <a14:hiddenLine xmlns="" xmlns:a16="http://schemas.microsoft.com/office/drawing/2014/main" xmlns:p14="http://schemas.microsoft.com/office/powerpoint/2010/main" xmlns:a14="http://schemas.microsoft.com/office/drawing/2010/main" w="9525">
+                <a14:hiddenLine xmlns:a14="http://schemas.microsoft.com/office/drawing/2010/main" xmlns:p14="http://schemas.microsoft.com/office/powerpoint/2010/main" xmlns:a16="http://schemas.microsoft.com/office/drawing/2014/main" xmlns="" w="9525">
                   <a:solidFill>
                     <a:srgbClr val="000000"/>
                   </a:solidFill>
@@ -17305,7 +17305,7 @@
             </a:ln>
             <a:extLst>
               <a:ext uri="{91240B29-F687-4f45-9708-019B960494DF}">
-                <a14:hiddenLine xmlns="" xmlns:a16="http://schemas.microsoft.com/office/drawing/2014/main" xmlns:p14="http://schemas.microsoft.com/office/powerpoint/2010/main" xmlns:a14="http://schemas.microsoft.com/office/drawing/2010/main" w="9525">
+                <a14:hiddenLine xmlns:a14="http://schemas.microsoft.com/office/drawing/2010/main" xmlns:p14="http://schemas.microsoft.com/office/powerpoint/2010/main" xmlns:a16="http://schemas.microsoft.com/office/drawing/2014/main" xmlns="" w="9525">
                   <a:solidFill>
                     <a:srgbClr val="000000"/>
                   </a:solidFill>
@@ -17417,7 +17417,7 @@
             </a:ln>
             <a:extLst>
               <a:ext uri="{91240B29-F687-4f45-9708-019B960494DF}">
-                <a14:hiddenLine xmlns="" xmlns:a16="http://schemas.microsoft.com/office/drawing/2014/main" xmlns:p14="http://schemas.microsoft.com/office/powerpoint/2010/main" xmlns:a14="http://schemas.microsoft.com/office/drawing/2010/main" w="9525">
+                <a14:hiddenLine xmlns:a14="http://schemas.microsoft.com/office/drawing/2010/main" xmlns:p14="http://schemas.microsoft.com/office/powerpoint/2010/main" xmlns:a16="http://schemas.microsoft.com/office/drawing/2014/main" xmlns="" w="9525">
                   <a:solidFill>
                     <a:srgbClr val="000000"/>
                   </a:solidFill>
@@ -17504,7 +17504,7 @@
             </a:ln>
             <a:extLst>
               <a:ext uri="{91240B29-F687-4f45-9708-019B960494DF}">
-                <a14:hiddenLine xmlns="" xmlns:a16="http://schemas.microsoft.com/office/drawing/2014/main" xmlns:p14="http://schemas.microsoft.com/office/powerpoint/2010/main" xmlns:a14="http://schemas.microsoft.com/office/drawing/2010/main" w="9525">
+                <a14:hiddenLine xmlns:a14="http://schemas.microsoft.com/office/drawing/2010/main" xmlns:p14="http://schemas.microsoft.com/office/powerpoint/2010/main" xmlns:a16="http://schemas.microsoft.com/office/drawing/2014/main" xmlns="" w="9525">
                   <a:solidFill>
                     <a:srgbClr val="000000"/>
                   </a:solidFill>
@@ -17646,7 +17646,7 @@
             </a:ln>
             <a:extLst>
               <a:ext uri="{91240B29-F687-4f45-9708-019B960494DF}">
-                <a14:hiddenLine xmlns="" xmlns:a16="http://schemas.microsoft.com/office/drawing/2014/main" xmlns:p14="http://schemas.microsoft.com/office/powerpoint/2010/main" xmlns:a14="http://schemas.microsoft.com/office/drawing/2010/main" w="9525">
+                <a14:hiddenLine xmlns:a14="http://schemas.microsoft.com/office/drawing/2010/main" xmlns:p14="http://schemas.microsoft.com/office/powerpoint/2010/main" xmlns:a16="http://schemas.microsoft.com/office/drawing/2014/main" xmlns="" w="9525">
                   <a:solidFill>
                     <a:srgbClr val="000000"/>
                   </a:solidFill>
@@ -18152,7 +18152,7 @@
               </a:ln>
               <a:extLst>
                 <a:ext uri="{91240B29-F687-4f45-9708-019B960494DF}">
-                  <a14:hiddenLine xmlns="" xmlns:a16="http://schemas.microsoft.com/office/drawing/2014/main" xmlns:p14="http://schemas.microsoft.com/office/powerpoint/2010/main" xmlns:a14="http://schemas.microsoft.com/office/drawing/2010/main" w="9525">
+                  <a14:hiddenLine xmlns:a14="http://schemas.microsoft.com/office/drawing/2010/main" xmlns:p14="http://schemas.microsoft.com/office/powerpoint/2010/main" xmlns:a16="http://schemas.microsoft.com/office/drawing/2014/main" xmlns="" w="9525">
                     <a:solidFill>
                       <a:srgbClr val="000000"/>
                     </a:solidFill>
@@ -18264,7 +18264,7 @@
               </a:ln>
               <a:extLst>
                 <a:ext uri="{91240B29-F687-4f45-9708-019B960494DF}">
-                  <a14:hiddenLine xmlns="" xmlns:a16="http://schemas.microsoft.com/office/drawing/2014/main" xmlns:p14="http://schemas.microsoft.com/office/powerpoint/2010/main" xmlns:a14="http://schemas.microsoft.com/office/drawing/2010/main" w="9525">
+                  <a14:hiddenLine xmlns:a14="http://schemas.microsoft.com/office/drawing/2010/main" xmlns:p14="http://schemas.microsoft.com/office/powerpoint/2010/main" xmlns:a16="http://schemas.microsoft.com/office/drawing/2014/main" xmlns="" w="9525">
                     <a:solidFill>
                       <a:srgbClr val="000000"/>
                     </a:solidFill>
@@ -18376,7 +18376,7 @@
               </a:ln>
               <a:extLst>
                 <a:ext uri="{91240B29-F687-4f45-9708-019B960494DF}">
-                  <a14:hiddenLine xmlns="" xmlns:a16="http://schemas.microsoft.com/office/drawing/2014/main" xmlns:p14="http://schemas.microsoft.com/office/powerpoint/2010/main" xmlns:a14="http://schemas.microsoft.com/office/drawing/2010/main" w="9525">
+                  <a14:hiddenLine xmlns:a14="http://schemas.microsoft.com/office/drawing/2010/main" xmlns:p14="http://schemas.microsoft.com/office/powerpoint/2010/main" xmlns:a16="http://schemas.microsoft.com/office/drawing/2014/main" xmlns="" w="9525">
                     <a:solidFill>
                       <a:srgbClr val="000000"/>
                     </a:solidFill>
@@ -18460,7 +18460,7 @@
               </a:ln>
               <a:extLst>
                 <a:ext uri="{91240B29-F687-4f45-9708-019B960494DF}">
-                  <a14:hiddenLine xmlns="" xmlns:a16="http://schemas.microsoft.com/office/drawing/2014/main" xmlns:p14="http://schemas.microsoft.com/office/powerpoint/2010/main" xmlns:a14="http://schemas.microsoft.com/office/drawing/2010/main" w="9525">
+                  <a14:hiddenLine xmlns:a14="http://schemas.microsoft.com/office/drawing/2010/main" xmlns:p14="http://schemas.microsoft.com/office/powerpoint/2010/main" xmlns:a16="http://schemas.microsoft.com/office/drawing/2014/main" xmlns="" w="9525">
                     <a:solidFill>
                       <a:srgbClr val="000000"/>
                     </a:solidFill>
@@ -18572,7 +18572,7 @@
               </a:ln>
               <a:extLst>
                 <a:ext uri="{91240B29-F687-4f45-9708-019B960494DF}">
-                  <a14:hiddenLine xmlns="" xmlns:a16="http://schemas.microsoft.com/office/drawing/2014/main" xmlns:p14="http://schemas.microsoft.com/office/powerpoint/2010/main" xmlns:a14="http://schemas.microsoft.com/office/drawing/2010/main" w="9525">
+                  <a14:hiddenLine xmlns:a14="http://schemas.microsoft.com/office/drawing/2010/main" xmlns:p14="http://schemas.microsoft.com/office/powerpoint/2010/main" xmlns:a16="http://schemas.microsoft.com/office/drawing/2014/main" xmlns="" w="9525">
                     <a:solidFill>
                       <a:srgbClr val="000000"/>
                     </a:solidFill>
@@ -18656,7 +18656,7 @@
               </a:ln>
               <a:extLst>
                 <a:ext uri="{91240B29-F687-4f45-9708-019B960494DF}">
-                  <a14:hiddenLine xmlns="" xmlns:a16="http://schemas.microsoft.com/office/drawing/2014/main" xmlns:p14="http://schemas.microsoft.com/office/powerpoint/2010/main" xmlns:a14="http://schemas.microsoft.com/office/drawing/2010/main" w="9525">
+                  <a14:hiddenLine xmlns:a14="http://schemas.microsoft.com/office/drawing/2010/main" xmlns:p14="http://schemas.microsoft.com/office/powerpoint/2010/main" xmlns:a16="http://schemas.microsoft.com/office/drawing/2014/main" xmlns="" w="9525">
                     <a:solidFill>
                       <a:srgbClr val="000000"/>
                     </a:solidFill>
@@ -18740,7 +18740,7 @@
               </a:ln>
               <a:extLst>
                 <a:ext uri="{91240B29-F687-4f45-9708-019B960494DF}">
-                  <a14:hiddenLine xmlns="" xmlns:a16="http://schemas.microsoft.com/office/drawing/2014/main" xmlns:p14="http://schemas.microsoft.com/office/powerpoint/2010/main" xmlns:a14="http://schemas.microsoft.com/office/drawing/2010/main" w="9525">
+                  <a14:hiddenLine xmlns:a14="http://schemas.microsoft.com/office/drawing/2010/main" xmlns:p14="http://schemas.microsoft.com/office/powerpoint/2010/main" xmlns:a16="http://schemas.microsoft.com/office/drawing/2014/main" xmlns="" w="9525">
                     <a:solidFill>
                       <a:srgbClr val="000000"/>
                     </a:solidFill>
@@ -18852,7 +18852,7 @@
               </a:ln>
               <a:extLst>
                 <a:ext uri="{91240B29-F687-4f45-9708-019B960494DF}">
-                  <a14:hiddenLine xmlns="" xmlns:a16="http://schemas.microsoft.com/office/drawing/2014/main" xmlns:p14="http://schemas.microsoft.com/office/powerpoint/2010/main" xmlns:a14="http://schemas.microsoft.com/office/drawing/2010/main" w="9525">
+                  <a14:hiddenLine xmlns:a14="http://schemas.microsoft.com/office/drawing/2010/main" xmlns:p14="http://schemas.microsoft.com/office/powerpoint/2010/main" xmlns:a16="http://schemas.microsoft.com/office/drawing/2014/main" xmlns="" w="9525">
                     <a:solidFill>
                       <a:srgbClr val="000000"/>
                     </a:solidFill>
@@ -18964,7 +18964,7 @@
               </a:ln>
               <a:extLst>
                 <a:ext uri="{91240B29-F687-4f45-9708-019B960494DF}">
-                  <a14:hiddenLine xmlns="" xmlns:a16="http://schemas.microsoft.com/office/drawing/2014/main" xmlns:p14="http://schemas.microsoft.com/office/powerpoint/2010/main" xmlns:a14="http://schemas.microsoft.com/office/drawing/2010/main" w="9525">
+                  <a14:hiddenLine xmlns:a14="http://schemas.microsoft.com/office/drawing/2010/main" xmlns:p14="http://schemas.microsoft.com/office/powerpoint/2010/main" xmlns:a16="http://schemas.microsoft.com/office/drawing/2014/main" xmlns="" w="9525">
                     <a:solidFill>
                       <a:srgbClr val="000000"/>
                     </a:solidFill>
@@ -19048,7 +19048,7 @@
               </a:ln>
               <a:extLst>
                 <a:ext uri="{91240B29-F687-4f45-9708-019B960494DF}">
-                  <a14:hiddenLine xmlns="" xmlns:a16="http://schemas.microsoft.com/office/drawing/2014/main" xmlns:p14="http://schemas.microsoft.com/office/powerpoint/2010/main" xmlns:a14="http://schemas.microsoft.com/office/drawing/2010/main" w="9525">
+                  <a14:hiddenLine xmlns:a14="http://schemas.microsoft.com/office/drawing/2010/main" xmlns:p14="http://schemas.microsoft.com/office/powerpoint/2010/main" xmlns:a16="http://schemas.microsoft.com/office/drawing/2014/main" xmlns="" w="9525">
                     <a:solidFill>
                       <a:srgbClr val="000000"/>
                     </a:solidFill>
@@ -19180,7 +19180,7 @@
               </a:ln>
               <a:extLst>
                 <a:ext uri="{91240B29-F687-4f45-9708-019B960494DF}">
-                  <a14:hiddenLine xmlns="" xmlns:a16="http://schemas.microsoft.com/office/drawing/2014/main" xmlns:p14="http://schemas.microsoft.com/office/powerpoint/2010/main" xmlns:a14="http://schemas.microsoft.com/office/drawing/2010/main" w="9525">
+                  <a14:hiddenLine xmlns:a14="http://schemas.microsoft.com/office/drawing/2010/main" xmlns:p14="http://schemas.microsoft.com/office/powerpoint/2010/main" xmlns:a16="http://schemas.microsoft.com/office/drawing/2014/main" xmlns="" w="9525">
                     <a:solidFill>
                       <a:srgbClr val="000000"/>
                     </a:solidFill>
@@ -19308,7 +19308,7 @@
               </a:ln>
               <a:extLst>
                 <a:ext uri="{91240B29-F687-4f45-9708-019B960494DF}">
-                  <a14:hiddenLine xmlns="" xmlns:a16="http://schemas.microsoft.com/office/drawing/2014/main" xmlns:p14="http://schemas.microsoft.com/office/powerpoint/2010/main" xmlns:a14="http://schemas.microsoft.com/office/drawing/2010/main" w="9525">
+                  <a14:hiddenLine xmlns:a14="http://schemas.microsoft.com/office/drawing/2010/main" xmlns:p14="http://schemas.microsoft.com/office/powerpoint/2010/main" xmlns:a16="http://schemas.microsoft.com/office/drawing/2014/main" xmlns="" w="9525">
                     <a:solidFill>
                       <a:srgbClr val="000000"/>
                     </a:solidFill>
@@ -19392,7 +19392,7 @@
               </a:ln>
               <a:extLst>
                 <a:ext uri="{91240B29-F687-4f45-9708-019B960494DF}">
-                  <a14:hiddenLine xmlns="" xmlns:a16="http://schemas.microsoft.com/office/drawing/2014/main" xmlns:p14="http://schemas.microsoft.com/office/powerpoint/2010/main" xmlns:a14="http://schemas.microsoft.com/office/drawing/2010/main" w="9525">
+                  <a14:hiddenLine xmlns:a14="http://schemas.microsoft.com/office/drawing/2010/main" xmlns:p14="http://schemas.microsoft.com/office/powerpoint/2010/main" xmlns:a16="http://schemas.microsoft.com/office/drawing/2014/main" xmlns="" w="9525">
                     <a:solidFill>
                       <a:srgbClr val="000000"/>
                     </a:solidFill>
@@ -19476,7 +19476,7 @@
               </a:ln>
               <a:extLst>
                 <a:ext uri="{91240B29-F687-4f45-9708-019B960494DF}">
-                  <a14:hiddenLine xmlns="" xmlns:a16="http://schemas.microsoft.com/office/drawing/2014/main" xmlns:p14="http://schemas.microsoft.com/office/powerpoint/2010/main" xmlns:a14="http://schemas.microsoft.com/office/drawing/2010/main" w="9525">
+                  <a14:hiddenLine xmlns:a14="http://schemas.microsoft.com/office/drawing/2010/main" xmlns:p14="http://schemas.microsoft.com/office/powerpoint/2010/main" xmlns:a16="http://schemas.microsoft.com/office/drawing/2014/main" xmlns="" w="9525">
                     <a:solidFill>
                       <a:srgbClr val="000000"/>
                     </a:solidFill>
@@ -19588,7 +19588,7 @@
               </a:ln>
               <a:extLst>
                 <a:ext uri="{91240B29-F687-4f45-9708-019B960494DF}">
-                  <a14:hiddenLine xmlns="" xmlns:a16="http://schemas.microsoft.com/office/drawing/2014/main" xmlns:p14="http://schemas.microsoft.com/office/powerpoint/2010/main" xmlns:a14="http://schemas.microsoft.com/office/drawing/2010/main" w="9525">
+                  <a14:hiddenLine xmlns:a14="http://schemas.microsoft.com/office/drawing/2010/main" xmlns:p14="http://schemas.microsoft.com/office/powerpoint/2010/main" xmlns:a16="http://schemas.microsoft.com/office/drawing/2014/main" xmlns="" w="9525">
                     <a:solidFill>
                       <a:srgbClr val="000000"/>
                     </a:solidFill>
@@ -19644,7 +19644,7 @@
               </a:ln>
               <a:extLst>
                 <a:ext uri="{91240B29-F687-4f45-9708-019B960494DF}">
-                  <a14:hiddenLine xmlns="" xmlns:a16="http://schemas.microsoft.com/office/drawing/2014/main" xmlns:p14="http://schemas.microsoft.com/office/powerpoint/2010/main" xmlns:a14="http://schemas.microsoft.com/office/drawing/2010/main" w="9525">
+                  <a14:hiddenLine xmlns:a14="http://schemas.microsoft.com/office/drawing/2010/main" xmlns:p14="http://schemas.microsoft.com/office/powerpoint/2010/main" xmlns:a16="http://schemas.microsoft.com/office/drawing/2014/main" xmlns="" w="9525">
                     <a:solidFill>
                       <a:srgbClr val="000000"/>
                     </a:solidFill>
@@ -19731,7 +19731,7 @@
               </a:ln>
               <a:extLst>
                 <a:ext uri="{91240B29-F687-4f45-9708-019B960494DF}">
-                  <a14:hiddenLine xmlns="" xmlns:a16="http://schemas.microsoft.com/office/drawing/2014/main" xmlns:p14="http://schemas.microsoft.com/office/powerpoint/2010/main" xmlns:a14="http://schemas.microsoft.com/office/drawing/2010/main" w="9525">
+                  <a14:hiddenLine xmlns:a14="http://schemas.microsoft.com/office/drawing/2010/main" xmlns:p14="http://schemas.microsoft.com/office/powerpoint/2010/main" xmlns:a16="http://schemas.microsoft.com/office/drawing/2014/main" xmlns="" w="9525">
                     <a:solidFill>
                       <a:srgbClr val="000000"/>
                     </a:solidFill>
@@ -19843,7 +19843,7 @@
               </a:ln>
               <a:extLst>
                 <a:ext uri="{91240B29-F687-4f45-9708-019B960494DF}">
-                  <a14:hiddenLine xmlns="" xmlns:a16="http://schemas.microsoft.com/office/drawing/2014/main" xmlns:p14="http://schemas.microsoft.com/office/powerpoint/2010/main" xmlns:a14="http://schemas.microsoft.com/office/drawing/2010/main" w="9525">
+                  <a14:hiddenLine xmlns:a14="http://schemas.microsoft.com/office/drawing/2010/main" xmlns:p14="http://schemas.microsoft.com/office/powerpoint/2010/main" xmlns:a16="http://schemas.microsoft.com/office/drawing/2014/main" xmlns="" w="9525">
                     <a:solidFill>
                       <a:srgbClr val="000000"/>
                     </a:solidFill>
@@ -19927,7 +19927,7 @@
               </a:ln>
               <a:extLst>
                 <a:ext uri="{91240B29-F687-4f45-9708-019B960494DF}">
-                  <a14:hiddenLine xmlns="" xmlns:a16="http://schemas.microsoft.com/office/drawing/2014/main" xmlns:p14="http://schemas.microsoft.com/office/powerpoint/2010/main" xmlns:a14="http://schemas.microsoft.com/office/drawing/2010/main" w="9525">
+                  <a14:hiddenLine xmlns:a14="http://schemas.microsoft.com/office/drawing/2010/main" xmlns:p14="http://schemas.microsoft.com/office/powerpoint/2010/main" xmlns:a16="http://schemas.microsoft.com/office/drawing/2014/main" xmlns="" w="9525">
                     <a:solidFill>
                       <a:srgbClr val="000000"/>
                     </a:solidFill>
@@ -20039,7 +20039,7 @@
               </a:ln>
               <a:extLst>
                 <a:ext uri="{91240B29-F687-4f45-9708-019B960494DF}">
-                  <a14:hiddenLine xmlns="" xmlns:a16="http://schemas.microsoft.com/office/drawing/2014/main" xmlns:p14="http://schemas.microsoft.com/office/powerpoint/2010/main" xmlns:a14="http://schemas.microsoft.com/office/drawing/2010/main" w="9525">
+                  <a14:hiddenLine xmlns:a14="http://schemas.microsoft.com/office/drawing/2010/main" xmlns:p14="http://schemas.microsoft.com/office/powerpoint/2010/main" xmlns:a16="http://schemas.microsoft.com/office/drawing/2014/main" xmlns="" w="9525">
                     <a:solidFill>
                       <a:srgbClr val="000000"/>
                     </a:solidFill>
@@ -20126,7 +20126,7 @@
               </a:ln>
               <a:extLst>
                 <a:ext uri="{91240B29-F687-4f45-9708-019B960494DF}">
-                  <a14:hiddenLine xmlns="" xmlns:a16="http://schemas.microsoft.com/office/drawing/2014/main" xmlns:p14="http://schemas.microsoft.com/office/powerpoint/2010/main" xmlns:a14="http://schemas.microsoft.com/office/drawing/2010/main" w="9525">
+                  <a14:hiddenLine xmlns:a14="http://schemas.microsoft.com/office/drawing/2010/main" xmlns:p14="http://schemas.microsoft.com/office/powerpoint/2010/main" xmlns:a16="http://schemas.microsoft.com/office/drawing/2014/main" xmlns="" w="9525">
                     <a:solidFill>
                       <a:srgbClr val="000000"/>
                     </a:solidFill>
@@ -20210,7 +20210,7 @@
               </a:ln>
               <a:extLst>
                 <a:ext uri="{91240B29-F687-4f45-9708-019B960494DF}">
-                  <a14:hiddenLine xmlns="" xmlns:a16="http://schemas.microsoft.com/office/drawing/2014/main" xmlns:p14="http://schemas.microsoft.com/office/powerpoint/2010/main" xmlns:a14="http://schemas.microsoft.com/office/drawing/2010/main" w="9525">
+                  <a14:hiddenLine xmlns:a14="http://schemas.microsoft.com/office/drawing/2010/main" xmlns:p14="http://schemas.microsoft.com/office/powerpoint/2010/main" xmlns:a16="http://schemas.microsoft.com/office/drawing/2014/main" xmlns="" w="9525">
                     <a:solidFill>
                       <a:srgbClr val="000000"/>
                     </a:solidFill>
@@ -20322,7 +20322,7 @@
               </a:ln>
               <a:extLst>
                 <a:ext uri="{91240B29-F687-4f45-9708-019B960494DF}">
-                  <a14:hiddenLine xmlns="" xmlns:a16="http://schemas.microsoft.com/office/drawing/2014/main" xmlns:p14="http://schemas.microsoft.com/office/powerpoint/2010/main" xmlns:a14="http://schemas.microsoft.com/office/drawing/2010/main" w="9525">
+                  <a14:hiddenLine xmlns:a14="http://schemas.microsoft.com/office/drawing/2010/main" xmlns:p14="http://schemas.microsoft.com/office/powerpoint/2010/main" xmlns:a16="http://schemas.microsoft.com/office/drawing/2014/main" xmlns="" w="9525">
                     <a:solidFill>
                       <a:srgbClr val="000000"/>
                     </a:solidFill>
@@ -20434,7 +20434,7 @@
               </a:ln>
               <a:extLst>
                 <a:ext uri="{91240B29-F687-4f45-9708-019B960494DF}">
-                  <a14:hiddenLine xmlns="" xmlns:a16="http://schemas.microsoft.com/office/drawing/2014/main" xmlns:p14="http://schemas.microsoft.com/office/powerpoint/2010/main" xmlns:a14="http://schemas.microsoft.com/office/drawing/2010/main" w="9525">
+                  <a14:hiddenLine xmlns:a14="http://schemas.microsoft.com/office/drawing/2010/main" xmlns:p14="http://schemas.microsoft.com/office/powerpoint/2010/main" xmlns:a16="http://schemas.microsoft.com/office/drawing/2014/main" xmlns="" w="9525">
                     <a:solidFill>
                       <a:srgbClr val="000000"/>
                     </a:solidFill>
@@ -20521,7 +20521,7 @@
               </a:ln>
               <a:extLst>
                 <a:ext uri="{91240B29-F687-4f45-9708-019B960494DF}">
-                  <a14:hiddenLine xmlns="" xmlns:a16="http://schemas.microsoft.com/office/drawing/2014/main" xmlns:p14="http://schemas.microsoft.com/office/powerpoint/2010/main" xmlns:a14="http://schemas.microsoft.com/office/drawing/2010/main" w="9525">
+                  <a14:hiddenLine xmlns:a14="http://schemas.microsoft.com/office/drawing/2010/main" xmlns:p14="http://schemas.microsoft.com/office/powerpoint/2010/main" xmlns:a16="http://schemas.microsoft.com/office/drawing/2014/main" xmlns="" w="9525">
                     <a:solidFill>
                       <a:srgbClr val="000000"/>
                     </a:solidFill>
@@ -20663,7 +20663,7 @@
               </a:ln>
               <a:extLst>
                 <a:ext uri="{91240B29-F687-4f45-9708-019B960494DF}">
-                  <a14:hiddenLine xmlns="" xmlns:a16="http://schemas.microsoft.com/office/drawing/2014/main" xmlns:p14="http://schemas.microsoft.com/office/powerpoint/2010/main" xmlns:a14="http://schemas.microsoft.com/office/drawing/2010/main" w="9525">
+                  <a14:hiddenLine xmlns:a14="http://schemas.microsoft.com/office/drawing/2010/main" xmlns:p14="http://schemas.microsoft.com/office/powerpoint/2010/main" xmlns:a16="http://schemas.microsoft.com/office/drawing/2014/main" xmlns="" w="9525">
                     <a:solidFill>
                       <a:srgbClr val="000000"/>
                     </a:solidFill>
@@ -20795,7 +20795,7 @@
               </a:ln>
               <a:extLst>
                 <a:ext uri="{91240B29-F687-4f45-9708-019B960494DF}">
-                  <a14:hiddenLine xmlns="" xmlns:a16="http://schemas.microsoft.com/office/drawing/2014/main" xmlns:p14="http://schemas.microsoft.com/office/powerpoint/2010/main" xmlns:a14="http://schemas.microsoft.com/office/drawing/2010/main" w="9525">
+                  <a14:hiddenLine xmlns:a14="http://schemas.microsoft.com/office/drawing/2010/main" xmlns:p14="http://schemas.microsoft.com/office/powerpoint/2010/main" xmlns:a16="http://schemas.microsoft.com/office/drawing/2014/main" xmlns="" w="9525">
                     <a:solidFill>
                       <a:srgbClr val="000000"/>
                     </a:solidFill>
@@ -20932,7 +20932,7 @@
               </a:ln>
               <a:extLst>
                 <a:ext uri="{91240B29-F687-4f45-9708-019B960494DF}">
-                  <a14:hiddenLine xmlns="" xmlns:a16="http://schemas.microsoft.com/office/drawing/2014/main" xmlns:p14="http://schemas.microsoft.com/office/powerpoint/2010/main" xmlns:a14="http://schemas.microsoft.com/office/drawing/2010/main" w="9525">
+                  <a14:hiddenLine xmlns:a14="http://schemas.microsoft.com/office/drawing/2010/main" xmlns:p14="http://schemas.microsoft.com/office/powerpoint/2010/main" xmlns:a16="http://schemas.microsoft.com/office/drawing/2014/main" xmlns="" w="9525">
                     <a:solidFill>
                       <a:srgbClr val="000000"/>
                     </a:solidFill>
@@ -21044,7 +21044,7 @@
               </a:ln>
               <a:extLst>
                 <a:ext uri="{91240B29-F687-4f45-9708-019B960494DF}">
-                  <a14:hiddenLine xmlns="" xmlns:a16="http://schemas.microsoft.com/office/drawing/2014/main" xmlns:p14="http://schemas.microsoft.com/office/powerpoint/2010/main" xmlns:a14="http://schemas.microsoft.com/office/drawing/2010/main" w="9525">
+                  <a14:hiddenLine xmlns:a14="http://schemas.microsoft.com/office/drawing/2010/main" xmlns:p14="http://schemas.microsoft.com/office/powerpoint/2010/main" xmlns:a16="http://schemas.microsoft.com/office/drawing/2014/main" xmlns="" w="9525">
                     <a:solidFill>
                       <a:srgbClr val="000000"/>
                     </a:solidFill>
@@ -21131,7 +21131,7 @@
               </a:ln>
               <a:extLst>
                 <a:ext uri="{91240B29-F687-4f45-9708-019B960494DF}">
-                  <a14:hiddenLine xmlns="" xmlns:a16="http://schemas.microsoft.com/office/drawing/2014/main" xmlns:p14="http://schemas.microsoft.com/office/powerpoint/2010/main" xmlns:a14="http://schemas.microsoft.com/office/drawing/2010/main" w="9525">
+                  <a14:hiddenLine xmlns:a14="http://schemas.microsoft.com/office/drawing/2010/main" xmlns:p14="http://schemas.microsoft.com/office/powerpoint/2010/main" xmlns:a16="http://schemas.microsoft.com/office/drawing/2014/main" xmlns="" w="9525">
                     <a:solidFill>
                       <a:srgbClr val="000000"/>
                     </a:solidFill>
@@ -21243,7 +21243,7 @@
               </a:ln>
               <a:extLst>
                 <a:ext uri="{91240B29-F687-4f45-9708-019B960494DF}">
-                  <a14:hiddenLine xmlns="" xmlns:a16="http://schemas.microsoft.com/office/drawing/2014/main" xmlns:p14="http://schemas.microsoft.com/office/powerpoint/2010/main" xmlns:a14="http://schemas.microsoft.com/office/drawing/2010/main" w="9525">
+                  <a14:hiddenLine xmlns:a14="http://schemas.microsoft.com/office/drawing/2010/main" xmlns:p14="http://schemas.microsoft.com/office/powerpoint/2010/main" xmlns:a16="http://schemas.microsoft.com/office/drawing/2014/main" xmlns="" w="9525">
                     <a:solidFill>
                       <a:srgbClr val="000000"/>
                     </a:solidFill>
@@ -21333,7 +21333,7 @@
               </a:ln>
               <a:extLst>
                 <a:ext uri="{91240B29-F687-4f45-9708-019B960494DF}">
-                  <a14:hiddenLine xmlns="" xmlns:a16="http://schemas.microsoft.com/office/drawing/2014/main" xmlns:p14="http://schemas.microsoft.com/office/powerpoint/2010/main" xmlns:a14="http://schemas.microsoft.com/office/drawing/2010/main" w="9525">
+                  <a14:hiddenLine xmlns:a14="http://schemas.microsoft.com/office/drawing/2010/main" xmlns:p14="http://schemas.microsoft.com/office/powerpoint/2010/main" xmlns:a16="http://schemas.microsoft.com/office/drawing/2014/main" xmlns="" w="9525">
                     <a:solidFill>
                       <a:srgbClr val="000000"/>
                     </a:solidFill>
@@ -21445,7 +21445,7 @@
               </a:ln>
               <a:extLst>
                 <a:ext uri="{91240B29-F687-4f45-9708-019B960494DF}">
-                  <a14:hiddenLine xmlns="" xmlns:a16="http://schemas.microsoft.com/office/drawing/2014/main" xmlns:p14="http://schemas.microsoft.com/office/powerpoint/2010/main" xmlns:a14="http://schemas.microsoft.com/office/drawing/2010/main" w="9525">
+                  <a14:hiddenLine xmlns:a14="http://schemas.microsoft.com/office/drawing/2010/main" xmlns:p14="http://schemas.microsoft.com/office/powerpoint/2010/main" xmlns:a16="http://schemas.microsoft.com/office/drawing/2014/main" xmlns="" w="9525">
                     <a:solidFill>
                       <a:srgbClr val="000000"/>
                     </a:solidFill>
@@ -21535,7 +21535,7 @@
               </a:ln>
               <a:extLst>
                 <a:ext uri="{91240B29-F687-4f45-9708-019B960494DF}">
-                  <a14:hiddenLine xmlns="" xmlns:a16="http://schemas.microsoft.com/office/drawing/2014/main" xmlns:p14="http://schemas.microsoft.com/office/powerpoint/2010/main" xmlns:a14="http://schemas.microsoft.com/office/drawing/2010/main" w="9525">
+                  <a14:hiddenLine xmlns:a14="http://schemas.microsoft.com/office/drawing/2010/main" xmlns:p14="http://schemas.microsoft.com/office/powerpoint/2010/main" xmlns:a16="http://schemas.microsoft.com/office/drawing/2014/main" xmlns="" w="9525">
                     <a:solidFill>
                       <a:srgbClr val="000000"/>
                     </a:solidFill>
@@ -21647,7 +21647,7 @@
               </a:ln>
               <a:extLst>
                 <a:ext uri="{91240B29-F687-4f45-9708-019B960494DF}">
-                  <a14:hiddenLine xmlns="" xmlns:a16="http://schemas.microsoft.com/office/drawing/2014/main" xmlns:p14="http://schemas.microsoft.com/office/powerpoint/2010/main" xmlns:a14="http://schemas.microsoft.com/office/drawing/2010/main" w="9525">
+                  <a14:hiddenLine xmlns:a14="http://schemas.microsoft.com/office/drawing/2010/main" xmlns:p14="http://schemas.microsoft.com/office/powerpoint/2010/main" xmlns:a16="http://schemas.microsoft.com/office/drawing/2014/main" xmlns="" w="9525">
                     <a:solidFill>
                       <a:srgbClr val="000000"/>
                     </a:solidFill>
@@ -21703,7 +21703,7 @@
               </a:ln>
               <a:extLst>
                 <a:ext uri="{91240B29-F687-4f45-9708-019B960494DF}">
-                  <a14:hiddenLine xmlns="" xmlns:a16="http://schemas.microsoft.com/office/drawing/2014/main" xmlns:p14="http://schemas.microsoft.com/office/powerpoint/2010/main" xmlns:a14="http://schemas.microsoft.com/office/drawing/2010/main" w="9525">
+                  <a14:hiddenLine xmlns:a14="http://schemas.microsoft.com/office/drawing/2010/main" xmlns:p14="http://schemas.microsoft.com/office/powerpoint/2010/main" xmlns:a16="http://schemas.microsoft.com/office/drawing/2014/main" xmlns="" w="9525">
                     <a:solidFill>
                       <a:srgbClr val="000000"/>
                     </a:solidFill>
@@ -21772,7 +21772,7 @@
           <a:noFill/>
           <a:extLst>
             <a:ext uri="{909E8E84-426E-40dd-AFC4-6F175D3DCCD1}">
-              <a14:hiddenFill xmlns="" xmlns:a16="http://schemas.microsoft.com/office/drawing/2014/main" xmlns:p14="http://schemas.microsoft.com/office/powerpoint/2010/main" xmlns:a14="http://schemas.microsoft.com/office/drawing/2010/main">
+              <a14:hiddenFill xmlns:a14="http://schemas.microsoft.com/office/drawing/2010/main" xmlns:p14="http://schemas.microsoft.com/office/powerpoint/2010/main" xmlns:a16="http://schemas.microsoft.com/office/drawing/2014/main" xmlns="">
                 <a:solidFill>
                   <a:srgbClr val="FFFFFF"/>
                 </a:solidFill>

--- a/final_Presentation_New.pptx
+++ b/final_Presentation_New.pptx
@@ -2,25 +2,25 @@
 <file path=ppt/presentation.xml><?xml version="1.0" encoding="utf-8"?>
 <p:presentation xmlns:a="http://schemas.openxmlformats.org/drawingml/2006/main" xmlns:r="http://schemas.openxmlformats.org/officeDocument/2006/relationships" xmlns:p="http://schemas.openxmlformats.org/presentationml/2006/main" autoCompressPictures="0">
   <p:sldMasterIdLst>
-    <p:sldMasterId id="2147483648" r:id="rId1"/>
+    <p:sldMasterId id="2147483648" r:id="rId4"/>
   </p:sldMasterIdLst>
   <p:sldIdLst>
-    <p:sldId id="256" r:id="rId2"/>
-    <p:sldId id="257" r:id="rId3"/>
-    <p:sldId id="272" r:id="rId4"/>
-    <p:sldId id="273" r:id="rId5"/>
-    <p:sldId id="271" r:id="rId6"/>
-    <p:sldId id="266" r:id="rId7"/>
-    <p:sldId id="259" r:id="rId8"/>
-    <p:sldId id="264" r:id="rId9"/>
-    <p:sldId id="269" r:id="rId10"/>
-    <p:sldId id="267" r:id="rId11"/>
-    <p:sldId id="270" r:id="rId12"/>
-    <p:sldId id="261" r:id="rId13"/>
-    <p:sldId id="262" r:id="rId14"/>
-    <p:sldId id="274" r:id="rId15"/>
-    <p:sldId id="268" r:id="rId16"/>
-    <p:sldId id="265" r:id="rId17"/>
+    <p:sldId id="256" r:id="rId5"/>
+    <p:sldId id="257" r:id="rId6"/>
+    <p:sldId id="272" r:id="rId7"/>
+    <p:sldId id="273" r:id="rId8"/>
+    <p:sldId id="271" r:id="rId9"/>
+    <p:sldId id="266" r:id="rId10"/>
+    <p:sldId id="259" r:id="rId11"/>
+    <p:sldId id="264" r:id="rId12"/>
+    <p:sldId id="269" r:id="rId13"/>
+    <p:sldId id="267" r:id="rId14"/>
+    <p:sldId id="270" r:id="rId15"/>
+    <p:sldId id="261" r:id="rId16"/>
+    <p:sldId id="262" r:id="rId17"/>
+    <p:sldId id="274" r:id="rId18"/>
+    <p:sldId id="268" r:id="rId19"/>
+    <p:sldId id="265" r:id="rId20"/>
   </p:sldIdLst>
   <p:sldSz cx="12192000" cy="6858000"/>
   <p:notesSz cx="6858000" cy="9144000"/>
@@ -127,14 +127,6 @@
 </p:presentation>
 </file>
 
-<file path=ppt/revisionInfo.xml><?xml version="1.0" encoding="utf-8"?>
-<p1510:revInfo xmlns:a="http://schemas.openxmlformats.org/drawingml/2006/main" xmlns:r="http://schemas.openxmlformats.org/officeDocument/2006/relationships" xmlns:p1510="http://schemas.microsoft.com/office/powerpoint/2015/10/main">
-  <p1510:revLst>
-    <p1510:client id="{C81C3E87-704E-4C9D-AA90-DDB035063D06}" v="4" dt="2024-03-01T13:18:37.159"/>
-  </p1510:revLst>
-</p1510:revInfo>
-</file>
-
 <file path=ppt/slideLayouts/slideLayout1.xml><?xml version="1.0" encoding="utf-8"?>
 <p:sldLayout xmlns:a="http://schemas.openxmlformats.org/drawingml/2006/main" xmlns:r="http://schemas.openxmlformats.org/officeDocument/2006/relationships" xmlns:p="http://schemas.openxmlformats.org/presentationml/2006/main" showMasterSp="0" type="title" preserve="1">
   <p:cSld name="Title Slide">
@@ -185,7 +177,7 @@
           <a:noFill/>
           <a:extLst>
             <a:ext uri="{909E8E84-426E-40dd-AFC4-6F175D3DCCD1}">
-              <a14:hiddenFill xmlns="" xmlns:a14="http://schemas.microsoft.com/office/drawing/2010/main">
+              <a14:hiddenFill xmlns:a14="http://schemas.microsoft.com/office/drawing/2010/main" xmlns="">
                 <a:solidFill>
                   <a:srgbClr val="FFFFFF"/>
                 </a:solidFill>
@@ -245,7 +237,7 @@
             </a:ln>
             <a:extLst>
               <a:ext uri="{91240B29-F687-4f45-9708-019B960494DF}">
-                <a14:hiddenLine xmlns="" xmlns:a14="http://schemas.microsoft.com/office/drawing/2010/main" w="9525">
+                <a14:hiddenLine xmlns:a14="http://schemas.microsoft.com/office/drawing/2010/main" xmlns="" w="9525">
                   <a:solidFill>
                     <a:srgbClr val="000000"/>
                   </a:solidFill>
@@ -335,7 +327,7 @@
             </a:ln>
             <a:extLst>
               <a:ext uri="{91240B29-F687-4f45-9708-019B960494DF}">
-                <a14:hiddenLine xmlns="" xmlns:a14="http://schemas.microsoft.com/office/drawing/2010/main" w="9525">
+                <a14:hiddenLine xmlns:a14="http://schemas.microsoft.com/office/drawing/2010/main" xmlns="" w="9525">
                   <a:solidFill>
                     <a:srgbClr val="000000"/>
                   </a:solidFill>
@@ -425,7 +417,7 @@
             </a:ln>
             <a:extLst>
               <a:ext uri="{91240B29-F687-4f45-9708-019B960494DF}">
-                <a14:hiddenLine xmlns="" xmlns:a14="http://schemas.microsoft.com/office/drawing/2010/main" w="9525">
+                <a14:hiddenLine xmlns:a14="http://schemas.microsoft.com/office/drawing/2010/main" xmlns="" w="9525">
                   <a:solidFill>
                     <a:srgbClr val="000000"/>
                   </a:solidFill>
@@ -459,7 +451,7 @@
             </a:ln>
             <a:extLst>
               <a:ext uri="{91240B29-F687-4f45-9708-019B960494DF}">
-                <a14:hiddenLine xmlns="" xmlns:a14="http://schemas.microsoft.com/office/drawing/2010/main" w="9525">
+                <a14:hiddenLine xmlns:a14="http://schemas.microsoft.com/office/drawing/2010/main" xmlns="" w="9525">
                   <a:solidFill>
                     <a:srgbClr val="000000"/>
                   </a:solidFill>
@@ -549,7 +541,7 @@
             </a:ln>
             <a:extLst>
               <a:ext uri="{91240B29-F687-4f45-9708-019B960494DF}">
-                <a14:hiddenLine xmlns="" xmlns:a14="http://schemas.microsoft.com/office/drawing/2010/main" w="9525">
+                <a14:hiddenLine xmlns:a14="http://schemas.microsoft.com/office/drawing/2010/main" xmlns="" w="9525">
                   <a:solidFill>
                     <a:srgbClr val="000000"/>
                   </a:solidFill>
@@ -611,7 +603,7 @@
             </a:ln>
             <a:extLst>
               <a:ext uri="{91240B29-F687-4f45-9708-019B960494DF}">
-                <a14:hiddenLine xmlns="" xmlns:a14="http://schemas.microsoft.com/office/drawing/2010/main" w="9525">
+                <a14:hiddenLine xmlns:a14="http://schemas.microsoft.com/office/drawing/2010/main" xmlns="" w="9525">
                   <a:solidFill>
                     <a:srgbClr val="000000"/>
                   </a:solidFill>
@@ -673,7 +665,7 @@
             </a:ln>
             <a:extLst>
               <a:ext uri="{91240B29-F687-4f45-9708-019B960494DF}">
-                <a14:hiddenLine xmlns="" xmlns:a14="http://schemas.microsoft.com/office/drawing/2010/main" w="9525">
+                <a14:hiddenLine xmlns:a14="http://schemas.microsoft.com/office/drawing/2010/main" xmlns="" w="9525">
                   <a:solidFill>
                     <a:srgbClr val="000000"/>
                   </a:solidFill>
@@ -763,7 +755,7 @@
             </a:ln>
             <a:extLst>
               <a:ext uri="{91240B29-F687-4f45-9708-019B960494DF}">
-                <a14:hiddenLine xmlns="" xmlns:a14="http://schemas.microsoft.com/office/drawing/2010/main" w="9525">
+                <a14:hiddenLine xmlns:a14="http://schemas.microsoft.com/office/drawing/2010/main" xmlns="" w="9525">
                   <a:solidFill>
                     <a:srgbClr val="000000"/>
                   </a:solidFill>
@@ -825,7 +817,7 @@
             </a:ln>
             <a:extLst>
               <a:ext uri="{91240B29-F687-4f45-9708-019B960494DF}">
-                <a14:hiddenLine xmlns="" xmlns:a14="http://schemas.microsoft.com/office/drawing/2010/main" w="9525">
+                <a14:hiddenLine xmlns:a14="http://schemas.microsoft.com/office/drawing/2010/main" xmlns="" w="9525">
                   <a:solidFill>
                     <a:srgbClr val="000000"/>
                   </a:solidFill>
@@ -887,7 +879,7 @@
             </a:ln>
             <a:extLst>
               <a:ext uri="{91240B29-F687-4f45-9708-019B960494DF}">
-                <a14:hiddenLine xmlns="" xmlns:a14="http://schemas.microsoft.com/office/drawing/2010/main" w="9525">
+                <a14:hiddenLine xmlns:a14="http://schemas.microsoft.com/office/drawing/2010/main" xmlns="" w="9525">
                   <a:solidFill>
                     <a:srgbClr val="000000"/>
                   </a:solidFill>
@@ -977,7 +969,7 @@
             </a:ln>
             <a:extLst>
               <a:ext uri="{91240B29-F687-4f45-9708-019B960494DF}">
-                <a14:hiddenLine xmlns="" xmlns:a14="http://schemas.microsoft.com/office/drawing/2010/main" w="9525">
+                <a14:hiddenLine xmlns:a14="http://schemas.microsoft.com/office/drawing/2010/main" xmlns="" w="9525">
                   <a:solidFill>
                     <a:srgbClr val="000000"/>
                   </a:solidFill>
@@ -1067,7 +1059,7 @@
             </a:ln>
             <a:extLst>
               <a:ext uri="{91240B29-F687-4f45-9708-019B960494DF}">
-                <a14:hiddenLine xmlns="" xmlns:a14="http://schemas.microsoft.com/office/drawing/2010/main" w="9525">
+                <a14:hiddenLine xmlns:a14="http://schemas.microsoft.com/office/drawing/2010/main" xmlns="" w="9525">
                   <a:solidFill>
                     <a:srgbClr val="000000"/>
                   </a:solidFill>
@@ -1129,7 +1121,7 @@
             </a:ln>
             <a:extLst>
               <a:ext uri="{91240B29-F687-4f45-9708-019B960494DF}">
-                <a14:hiddenLine xmlns="" xmlns:a14="http://schemas.microsoft.com/office/drawing/2010/main" w="9525">
+                <a14:hiddenLine xmlns:a14="http://schemas.microsoft.com/office/drawing/2010/main" xmlns="" w="9525">
                   <a:solidFill>
                     <a:srgbClr val="000000"/>
                   </a:solidFill>
@@ -1239,7 +1231,7 @@
             </a:ln>
             <a:extLst>
               <a:ext uri="{91240B29-F687-4f45-9708-019B960494DF}">
-                <a14:hiddenLine xmlns="" xmlns:a14="http://schemas.microsoft.com/office/drawing/2010/main" w="9525">
+                <a14:hiddenLine xmlns:a14="http://schemas.microsoft.com/office/drawing/2010/main" xmlns="" w="9525">
                   <a:solidFill>
                     <a:srgbClr val="000000"/>
                   </a:solidFill>
@@ -1301,7 +1293,7 @@
             </a:ln>
             <a:extLst>
               <a:ext uri="{91240B29-F687-4f45-9708-019B960494DF}">
-                <a14:hiddenLine xmlns="" xmlns:a14="http://schemas.microsoft.com/office/drawing/2010/main" w="9525">
+                <a14:hiddenLine xmlns:a14="http://schemas.microsoft.com/office/drawing/2010/main" xmlns="" w="9525">
                   <a:solidFill>
                     <a:srgbClr val="000000"/>
                   </a:solidFill>
@@ -1391,7 +1383,7 @@
             </a:ln>
             <a:extLst>
               <a:ext uri="{91240B29-F687-4f45-9708-019B960494DF}">
-                <a14:hiddenLine xmlns="" xmlns:a14="http://schemas.microsoft.com/office/drawing/2010/main" w="9525">
+                <a14:hiddenLine xmlns:a14="http://schemas.microsoft.com/office/drawing/2010/main" xmlns="" w="9525">
                   <a:solidFill>
                     <a:srgbClr val="000000"/>
                   </a:solidFill>
@@ -1481,7 +1473,7 @@
             </a:ln>
             <a:extLst>
               <a:ext uri="{91240B29-F687-4f45-9708-019B960494DF}">
-                <a14:hiddenLine xmlns="" xmlns:a14="http://schemas.microsoft.com/office/drawing/2010/main" w="9525">
+                <a14:hiddenLine xmlns:a14="http://schemas.microsoft.com/office/drawing/2010/main" xmlns="" w="9525">
                   <a:solidFill>
                     <a:srgbClr val="000000"/>
                   </a:solidFill>
@@ -1543,7 +1535,7 @@
             </a:ln>
             <a:extLst>
               <a:ext uri="{91240B29-F687-4f45-9708-019B960494DF}">
-                <a14:hiddenLine xmlns="" xmlns:a14="http://schemas.microsoft.com/office/drawing/2010/main" w="9525">
+                <a14:hiddenLine xmlns:a14="http://schemas.microsoft.com/office/drawing/2010/main" xmlns="" w="9525">
                   <a:solidFill>
                     <a:srgbClr val="000000"/>
                   </a:solidFill>
@@ -1633,7 +1625,7 @@
             </a:ln>
             <a:extLst>
               <a:ext uri="{91240B29-F687-4f45-9708-019B960494DF}">
-                <a14:hiddenLine xmlns="" xmlns:a14="http://schemas.microsoft.com/office/drawing/2010/main" w="9525">
+                <a14:hiddenLine xmlns:a14="http://schemas.microsoft.com/office/drawing/2010/main" xmlns="" w="9525">
                   <a:solidFill>
                     <a:srgbClr val="000000"/>
                   </a:solidFill>
@@ -1723,7 +1715,7 @@
             </a:ln>
             <a:extLst>
               <a:ext uri="{91240B29-F687-4f45-9708-019B960494DF}">
-                <a14:hiddenLine xmlns="" xmlns:a14="http://schemas.microsoft.com/office/drawing/2010/main" w="9525">
+                <a14:hiddenLine xmlns:a14="http://schemas.microsoft.com/office/drawing/2010/main" xmlns="" w="9525">
                   <a:solidFill>
                     <a:srgbClr val="000000"/>
                   </a:solidFill>
@@ -1779,7 +1771,7 @@
             </a:ln>
             <a:extLst>
               <a:ext uri="{91240B29-F687-4f45-9708-019B960494DF}">
-                <a14:hiddenLine xmlns="" xmlns:a14="http://schemas.microsoft.com/office/drawing/2010/main" w="9525">
+                <a14:hiddenLine xmlns:a14="http://schemas.microsoft.com/office/drawing/2010/main" xmlns="" w="9525">
                   <a:solidFill>
                     <a:srgbClr val="000000"/>
                   </a:solidFill>
@@ -1869,7 +1861,7 @@
             </a:ln>
             <a:extLst>
               <a:ext uri="{91240B29-F687-4f45-9708-019B960494DF}">
-                <a14:hiddenLine xmlns="" xmlns:a14="http://schemas.microsoft.com/office/drawing/2010/main" w="9525">
+                <a14:hiddenLine xmlns:a14="http://schemas.microsoft.com/office/drawing/2010/main" xmlns="" w="9525">
                   <a:solidFill>
                     <a:srgbClr val="000000"/>
                   </a:solidFill>
@@ -1925,7 +1917,7 @@
             </a:ln>
             <a:extLst>
               <a:ext uri="{91240B29-F687-4f45-9708-019B960494DF}">
-                <a14:hiddenLine xmlns="" xmlns:a14="http://schemas.microsoft.com/office/drawing/2010/main" w="9525">
+                <a14:hiddenLine xmlns:a14="http://schemas.microsoft.com/office/drawing/2010/main" xmlns="" w="9525">
                   <a:solidFill>
                     <a:srgbClr val="000000"/>
                   </a:solidFill>
@@ -2015,7 +2007,7 @@
             </a:ln>
             <a:extLst>
               <a:ext uri="{91240B29-F687-4f45-9708-019B960494DF}">
-                <a14:hiddenLine xmlns="" xmlns:a14="http://schemas.microsoft.com/office/drawing/2010/main" w="9525">
+                <a14:hiddenLine xmlns:a14="http://schemas.microsoft.com/office/drawing/2010/main" xmlns="" w="9525">
                   <a:solidFill>
                     <a:srgbClr val="000000"/>
                   </a:solidFill>
@@ -2083,7 +2075,7 @@
             </a:ln>
             <a:extLst>
               <a:ext uri="{91240B29-F687-4f45-9708-019B960494DF}">
-                <a14:hiddenLine xmlns="" xmlns:a14="http://schemas.microsoft.com/office/drawing/2010/main" w="9525">
+                <a14:hiddenLine xmlns:a14="http://schemas.microsoft.com/office/drawing/2010/main" xmlns="" w="9525">
                   <a:solidFill>
                     <a:srgbClr val="000000"/>
                   </a:solidFill>
@@ -2173,7 +2165,7 @@
             </a:ln>
             <a:extLst>
               <a:ext uri="{91240B29-F687-4f45-9708-019B960494DF}">
-                <a14:hiddenLine xmlns="" xmlns:a14="http://schemas.microsoft.com/office/drawing/2010/main" w="9525">
+                <a14:hiddenLine xmlns:a14="http://schemas.microsoft.com/office/drawing/2010/main" xmlns="" w="9525">
                   <a:solidFill>
                     <a:srgbClr val="000000"/>
                   </a:solidFill>
@@ -2241,7 +2233,7 @@
             </a:ln>
             <a:extLst>
               <a:ext uri="{91240B29-F687-4f45-9708-019B960494DF}">
-                <a14:hiddenLine xmlns="" xmlns:a14="http://schemas.microsoft.com/office/drawing/2010/main" w="9525">
+                <a14:hiddenLine xmlns:a14="http://schemas.microsoft.com/office/drawing/2010/main" xmlns="" w="9525">
                   <a:solidFill>
                     <a:srgbClr val="000000"/>
                   </a:solidFill>
@@ -2331,7 +2323,7 @@
             </a:ln>
             <a:extLst>
               <a:ext uri="{91240B29-F687-4f45-9708-019B960494DF}">
-                <a14:hiddenLine xmlns="" xmlns:a14="http://schemas.microsoft.com/office/drawing/2010/main" w="9525">
+                <a14:hiddenLine xmlns:a14="http://schemas.microsoft.com/office/drawing/2010/main" xmlns="" w="9525">
                   <a:solidFill>
                     <a:srgbClr val="000000"/>
                   </a:solidFill>
@@ -2365,7 +2357,7 @@
             </a:ln>
             <a:extLst>
               <a:ext uri="{91240B29-F687-4f45-9708-019B960494DF}">
-                <a14:hiddenLine xmlns="" xmlns:a14="http://schemas.microsoft.com/office/drawing/2010/main" w="9525">
+                <a14:hiddenLine xmlns:a14="http://schemas.microsoft.com/office/drawing/2010/main" xmlns="" w="9525">
                   <a:solidFill>
                     <a:srgbClr val="000000"/>
                   </a:solidFill>
@@ -2455,7 +2447,7 @@
             </a:ln>
             <a:extLst>
               <a:ext uri="{91240B29-F687-4f45-9708-019B960494DF}">
-                <a14:hiddenLine xmlns="" xmlns:a14="http://schemas.microsoft.com/office/drawing/2010/main" w="9525">
+                <a14:hiddenLine xmlns:a14="http://schemas.microsoft.com/office/drawing/2010/main" xmlns="" w="9525">
                   <a:solidFill>
                     <a:srgbClr val="000000"/>
                   </a:solidFill>
@@ -2517,7 +2509,7 @@
             </a:ln>
             <a:extLst>
               <a:ext uri="{91240B29-F687-4f45-9708-019B960494DF}">
-                <a14:hiddenLine xmlns="" xmlns:a14="http://schemas.microsoft.com/office/drawing/2010/main" w="9525">
+                <a14:hiddenLine xmlns:a14="http://schemas.microsoft.com/office/drawing/2010/main" xmlns="" w="9525">
                   <a:solidFill>
                     <a:srgbClr val="000000"/>
                   </a:solidFill>
@@ -2579,7 +2571,7 @@
             </a:ln>
             <a:extLst>
               <a:ext uri="{91240B29-F687-4f45-9708-019B960494DF}">
-                <a14:hiddenLine xmlns="" xmlns:a14="http://schemas.microsoft.com/office/drawing/2010/main" w="9525">
+                <a14:hiddenLine xmlns:a14="http://schemas.microsoft.com/office/drawing/2010/main" xmlns="" w="9525">
                   <a:solidFill>
                     <a:srgbClr val="000000"/>
                   </a:solidFill>
@@ -2669,7 +2661,7 @@
             </a:ln>
             <a:extLst>
               <a:ext uri="{91240B29-F687-4f45-9708-019B960494DF}">
-                <a14:hiddenLine xmlns="" xmlns:a14="http://schemas.microsoft.com/office/drawing/2010/main" w="9525">
+                <a14:hiddenLine xmlns:a14="http://schemas.microsoft.com/office/drawing/2010/main" xmlns="" w="9525">
                   <a:solidFill>
                     <a:srgbClr val="000000"/>
                   </a:solidFill>
@@ -2737,7 +2729,7 @@
             </a:ln>
             <a:extLst>
               <a:ext uri="{91240B29-F687-4f45-9708-019B960494DF}">
-                <a14:hiddenLine xmlns="" xmlns:a14="http://schemas.microsoft.com/office/drawing/2010/main" w="9525">
+                <a14:hiddenLine xmlns:a14="http://schemas.microsoft.com/office/drawing/2010/main" xmlns="" w="9525">
                   <a:solidFill>
                     <a:srgbClr val="000000"/>
                   </a:solidFill>
@@ -2799,7 +2791,7 @@
             </a:ln>
             <a:extLst>
               <a:ext uri="{91240B29-F687-4f45-9708-019B960494DF}">
-                <a14:hiddenLine xmlns="" xmlns:a14="http://schemas.microsoft.com/office/drawing/2010/main" w="9525">
+                <a14:hiddenLine xmlns:a14="http://schemas.microsoft.com/office/drawing/2010/main" xmlns="" w="9525">
                   <a:solidFill>
                     <a:srgbClr val="000000"/>
                   </a:solidFill>
@@ -2889,7 +2881,7 @@
             </a:ln>
             <a:extLst>
               <a:ext uri="{91240B29-F687-4f45-9708-019B960494DF}">
-                <a14:hiddenLine xmlns="" xmlns:a14="http://schemas.microsoft.com/office/drawing/2010/main" w="9525">
+                <a14:hiddenLine xmlns:a14="http://schemas.microsoft.com/office/drawing/2010/main" xmlns="" w="9525">
                   <a:solidFill>
                     <a:srgbClr val="000000"/>
                   </a:solidFill>
@@ -2951,7 +2943,7 @@
             </a:ln>
             <a:extLst>
               <a:ext uri="{91240B29-F687-4f45-9708-019B960494DF}">
-                <a14:hiddenLine xmlns="" xmlns:a14="http://schemas.microsoft.com/office/drawing/2010/main" w="9525">
+                <a14:hiddenLine xmlns:a14="http://schemas.microsoft.com/office/drawing/2010/main" xmlns="" w="9525">
                   <a:solidFill>
                     <a:srgbClr val="000000"/>
                   </a:solidFill>
@@ -3041,7 +3033,7 @@
             </a:ln>
             <a:extLst>
               <a:ext uri="{91240B29-F687-4f45-9708-019B960494DF}">
-                <a14:hiddenLine xmlns="" xmlns:a14="http://schemas.microsoft.com/office/drawing/2010/main" w="9525">
+                <a14:hiddenLine xmlns:a14="http://schemas.microsoft.com/office/drawing/2010/main" xmlns="" w="9525">
                   <a:solidFill>
                     <a:srgbClr val="000000"/>
                   </a:solidFill>
@@ -3103,7 +3095,7 @@
             </a:ln>
             <a:extLst>
               <a:ext uri="{91240B29-F687-4f45-9708-019B960494DF}">
-                <a14:hiddenLine xmlns="" xmlns:a14="http://schemas.microsoft.com/office/drawing/2010/main" w="9525">
+                <a14:hiddenLine xmlns:a14="http://schemas.microsoft.com/office/drawing/2010/main" xmlns="" w="9525">
                   <a:solidFill>
                     <a:srgbClr val="000000"/>
                   </a:solidFill>
@@ -3193,7 +3185,7 @@
             </a:ln>
             <a:extLst>
               <a:ext uri="{91240B29-F687-4f45-9708-019B960494DF}">
-                <a14:hiddenLine xmlns="" xmlns:a14="http://schemas.microsoft.com/office/drawing/2010/main" w="9525">
+                <a14:hiddenLine xmlns:a14="http://schemas.microsoft.com/office/drawing/2010/main" xmlns="" w="9525">
                   <a:solidFill>
                     <a:srgbClr val="000000"/>
                   </a:solidFill>
@@ -3227,7 +3219,7 @@
             </a:ln>
             <a:extLst>
               <a:ext uri="{91240B29-F687-4f45-9708-019B960494DF}">
-                <a14:hiddenLine xmlns="" xmlns:a14="http://schemas.microsoft.com/office/drawing/2010/main" w="9525">
+                <a14:hiddenLine xmlns:a14="http://schemas.microsoft.com/office/drawing/2010/main" xmlns="" w="9525">
                   <a:solidFill>
                     <a:srgbClr val="000000"/>
                   </a:solidFill>
@@ -3292,7 +3284,7 @@
             </a:ln>
             <a:extLst>
               <a:ext uri="{91240B29-F687-4f45-9708-019B960494DF}">
-                <a14:hiddenLine xmlns="" xmlns:a14="http://schemas.microsoft.com/office/drawing/2010/main" w="9525">
+                <a14:hiddenLine xmlns:a14="http://schemas.microsoft.com/office/drawing/2010/main" xmlns="" w="9525">
                   <a:solidFill>
                     <a:srgbClr val="000000"/>
                   </a:solidFill>
@@ -3382,7 +3374,7 @@
             </a:ln>
             <a:extLst>
               <a:ext uri="{91240B29-F687-4f45-9708-019B960494DF}">
-                <a14:hiddenLine xmlns="" xmlns:a14="http://schemas.microsoft.com/office/drawing/2010/main" w="9525">
+                <a14:hiddenLine xmlns:a14="http://schemas.microsoft.com/office/drawing/2010/main" xmlns="" w="9525">
                   <a:solidFill>
                     <a:srgbClr val="000000"/>
                   </a:solidFill>
@@ -3444,7 +3436,7 @@
             </a:ln>
             <a:extLst>
               <a:ext uri="{91240B29-F687-4f45-9708-019B960494DF}">
-                <a14:hiddenLine xmlns="" xmlns:a14="http://schemas.microsoft.com/office/drawing/2010/main" w="9525">
+                <a14:hiddenLine xmlns:a14="http://schemas.microsoft.com/office/drawing/2010/main" xmlns="" w="9525">
                   <a:solidFill>
                     <a:srgbClr val="000000"/>
                   </a:solidFill>
@@ -3534,7 +3526,7 @@
             </a:ln>
             <a:extLst>
               <a:ext uri="{91240B29-F687-4f45-9708-019B960494DF}">
-                <a14:hiddenLine xmlns="" xmlns:a14="http://schemas.microsoft.com/office/drawing/2010/main" w="9525">
+                <a14:hiddenLine xmlns:a14="http://schemas.microsoft.com/office/drawing/2010/main" xmlns="" w="9525">
                   <a:solidFill>
                     <a:srgbClr val="000000"/>
                   </a:solidFill>
@@ -3624,7 +3616,7 @@
             </a:ln>
             <a:extLst>
               <a:ext uri="{91240B29-F687-4f45-9708-019B960494DF}">
-                <a14:hiddenLine xmlns="" xmlns:a14="http://schemas.microsoft.com/office/drawing/2010/main" w="9525">
+                <a14:hiddenLine xmlns:a14="http://schemas.microsoft.com/office/drawing/2010/main" xmlns="" w="9525">
                   <a:solidFill>
                     <a:srgbClr val="000000"/>
                   </a:solidFill>
@@ -3689,7 +3681,7 @@
             </a:ln>
             <a:extLst>
               <a:ext uri="{91240B29-F687-4f45-9708-019B960494DF}">
-                <a14:hiddenLine xmlns="" xmlns:a14="http://schemas.microsoft.com/office/drawing/2010/main" w="9525">
+                <a14:hiddenLine xmlns:a14="http://schemas.microsoft.com/office/drawing/2010/main" xmlns="" w="9525">
                   <a:solidFill>
                     <a:srgbClr val="000000"/>
                   </a:solidFill>
@@ -3751,7 +3743,7 @@
             </a:ln>
             <a:extLst>
               <a:ext uri="{91240B29-F687-4f45-9708-019B960494DF}">
-                <a14:hiddenLine xmlns="" xmlns:a14="http://schemas.microsoft.com/office/drawing/2010/main" w="9525">
+                <a14:hiddenLine xmlns:a14="http://schemas.microsoft.com/office/drawing/2010/main" xmlns="" w="9525">
                   <a:solidFill>
                     <a:srgbClr val="000000"/>
                   </a:solidFill>
@@ -3841,7 +3833,7 @@
             </a:ln>
             <a:extLst>
               <a:ext uri="{91240B29-F687-4f45-9708-019B960494DF}">
-                <a14:hiddenLine xmlns="" xmlns:a14="http://schemas.microsoft.com/office/drawing/2010/main" w="9525">
+                <a14:hiddenLine xmlns:a14="http://schemas.microsoft.com/office/drawing/2010/main" xmlns="" w="9525">
                   <a:solidFill>
                     <a:srgbClr val="000000"/>
                   </a:solidFill>
@@ -3931,7 +3923,7 @@
             </a:ln>
             <a:extLst>
               <a:ext uri="{91240B29-F687-4f45-9708-019B960494DF}">
-                <a14:hiddenLine xmlns="" xmlns:a14="http://schemas.microsoft.com/office/drawing/2010/main" w="9525">
+                <a14:hiddenLine xmlns:a14="http://schemas.microsoft.com/office/drawing/2010/main" xmlns="" w="9525">
                   <a:solidFill>
                     <a:srgbClr val="000000"/>
                   </a:solidFill>
@@ -3993,7 +3985,7 @@
             </a:ln>
             <a:extLst>
               <a:ext uri="{91240B29-F687-4f45-9708-019B960494DF}">
-                <a14:hiddenLine xmlns="" xmlns:a14="http://schemas.microsoft.com/office/drawing/2010/main" w="9525">
+                <a14:hiddenLine xmlns:a14="http://schemas.microsoft.com/office/drawing/2010/main" xmlns="" w="9525">
                   <a:solidFill>
                     <a:srgbClr val="000000"/>
                   </a:solidFill>
@@ -4113,7 +4105,7 @@
             </a:ln>
             <a:extLst>
               <a:ext uri="{91240B29-F687-4f45-9708-019B960494DF}">
-                <a14:hiddenLine xmlns="" xmlns:a14="http://schemas.microsoft.com/office/drawing/2010/main" w="9525">
+                <a14:hiddenLine xmlns:a14="http://schemas.microsoft.com/office/drawing/2010/main" xmlns="" w="9525">
                   <a:solidFill>
                     <a:srgbClr val="000000"/>
                   </a:solidFill>
@@ -4181,7 +4173,7 @@
             </a:ln>
             <a:extLst>
               <a:ext uri="{91240B29-F687-4f45-9708-019B960494DF}">
-                <a14:hiddenLine xmlns="" xmlns:a14="http://schemas.microsoft.com/office/drawing/2010/main" w="9525">
+                <a14:hiddenLine xmlns:a14="http://schemas.microsoft.com/office/drawing/2010/main" xmlns="" w="9525">
                   <a:solidFill>
                     <a:srgbClr val="000000"/>
                   </a:solidFill>
@@ -4271,7 +4263,7 @@
             </a:ln>
             <a:extLst>
               <a:ext uri="{91240B29-F687-4f45-9708-019B960494DF}">
-                <a14:hiddenLine xmlns="" xmlns:a14="http://schemas.microsoft.com/office/drawing/2010/main" w="9525">
+                <a14:hiddenLine xmlns:a14="http://schemas.microsoft.com/office/drawing/2010/main" xmlns="" w="9525">
                   <a:solidFill>
                     <a:srgbClr val="000000"/>
                   </a:solidFill>
@@ -4411,7 +4403,7 @@
           <a:p>
             <a:fld id="{48A87A34-81AB-432B-8DAE-1953F412C126}" type="datetimeFigureOut">
               <a:rPr lang="en-US" dirty="0"/>
-              <a:t>4/24/24</a:t>
+              <a:t>4/24/2024</a:t>
             </a:fld>
             <a:endParaRPr lang="en-US" dirty="0"/>
           </a:p>
@@ -4673,7 +4665,7 @@
           <a:p>
             <a:fld id="{48A87A34-81AB-432B-8DAE-1953F412C126}" type="datetimeFigureOut">
               <a:rPr lang="en-US" dirty="0"/>
-              <a:t>4/24/24</a:t>
+              <a:t>4/24/2024</a:t>
             </a:fld>
             <a:endParaRPr lang="en-US" dirty="0"/>
           </a:p>
@@ -4864,7 +4856,7 @@
           <a:p>
             <a:fld id="{48A87A34-81AB-432B-8DAE-1953F412C126}" type="datetimeFigureOut">
               <a:rPr lang="en-US" dirty="0"/>
-              <a:t>4/24/24</a:t>
+              <a:t>4/24/2024</a:t>
             </a:fld>
             <a:endParaRPr lang="en-US" dirty="0"/>
           </a:p>
@@ -5122,7 +5114,7 @@
           <a:p>
             <a:fld id="{48A87A34-81AB-432B-8DAE-1953F412C126}" type="datetimeFigureOut">
               <a:rPr lang="en-US" dirty="0"/>
-              <a:t>4/24/24</a:t>
+              <a:t>4/24/2024</a:t>
             </a:fld>
             <a:endParaRPr lang="en-US" dirty="0"/>
           </a:p>
@@ -5551,7 +5543,7 @@
           <a:p>
             <a:fld id="{48A87A34-81AB-432B-8DAE-1953F412C126}" type="datetimeFigureOut">
               <a:rPr lang="en-US" dirty="0"/>
-              <a:t>4/24/24</a:t>
+              <a:t>4/24/2024</a:t>
             </a:fld>
             <a:endParaRPr lang="en-US" dirty="0"/>
           </a:p>
@@ -6092,7 +6084,7 @@
           <a:p>
             <a:fld id="{48A87A34-81AB-432B-8DAE-1953F412C126}" type="datetimeFigureOut">
               <a:rPr lang="en-US" dirty="0"/>
-              <a:t>4/24/24</a:t>
+              <a:t>4/24/2024</a:t>
             </a:fld>
             <a:endParaRPr lang="en-US" dirty="0"/>
           </a:p>
@@ -6807,7 +6799,7 @@
           <a:p>
             <a:fld id="{48A87A34-81AB-432B-8DAE-1953F412C126}" type="datetimeFigureOut">
               <a:rPr lang="en-US" dirty="0"/>
-              <a:t>4/24/24</a:t>
+              <a:t>4/24/2024</a:t>
             </a:fld>
             <a:endParaRPr lang="en-US" dirty="0"/>
           </a:p>
@@ -6972,7 +6964,7 @@
           <a:p>
             <a:fld id="{48A87A34-81AB-432B-8DAE-1953F412C126}" type="datetimeFigureOut">
               <a:rPr lang="en-US" dirty="0"/>
-              <a:t>4/24/24</a:t>
+              <a:t>4/24/2024</a:t>
             </a:fld>
             <a:endParaRPr lang="en-US" dirty="0"/>
           </a:p>
@@ -7147,7 +7139,7 @@
           <a:p>
             <a:fld id="{48A87A34-81AB-432B-8DAE-1953F412C126}" type="datetimeFigureOut">
               <a:rPr lang="en-US" dirty="0"/>
-              <a:t>4/24/24</a:t>
+              <a:t>4/24/2024</a:t>
             </a:fld>
             <a:endParaRPr lang="en-US" dirty="0"/>
           </a:p>
@@ -7312,7 +7304,7 @@
           <a:p>
             <a:fld id="{48A87A34-81AB-432B-8DAE-1953F412C126}" type="datetimeFigureOut">
               <a:rPr lang="en-US" dirty="0"/>
-              <a:t>4/24/24</a:t>
+              <a:t>4/24/2024</a:t>
             </a:fld>
             <a:endParaRPr lang="en-US" dirty="0"/>
           </a:p>
@@ -7557,7 +7549,7 @@
           <a:p>
             <a:fld id="{48A87A34-81AB-432B-8DAE-1953F412C126}" type="datetimeFigureOut">
               <a:rPr lang="en-US" dirty="0"/>
-              <a:t>4/24/24</a:t>
+              <a:t>4/24/2024</a:t>
             </a:fld>
             <a:endParaRPr lang="en-US" dirty="0"/>
           </a:p>
@@ -7784,7 +7776,7 @@
           <a:p>
             <a:fld id="{48A87A34-81AB-432B-8DAE-1953F412C126}" type="datetimeFigureOut">
               <a:rPr lang="en-US" dirty="0"/>
-              <a:t>4/24/24</a:t>
+              <a:t>4/24/2024</a:t>
             </a:fld>
             <a:endParaRPr lang="en-US" dirty="0"/>
           </a:p>
@@ -8160,7 +8152,7 @@
           <a:p>
             <a:fld id="{48A87A34-81AB-432B-8DAE-1953F412C126}" type="datetimeFigureOut">
               <a:rPr lang="en-US" dirty="0"/>
-              <a:t>4/24/24</a:t>
+              <a:t>4/24/2024</a:t>
             </a:fld>
             <a:endParaRPr lang="en-US" dirty="0"/>
           </a:p>
@@ -8273,7 +8265,7 @@
           <a:p>
             <a:fld id="{48A87A34-81AB-432B-8DAE-1953F412C126}" type="datetimeFigureOut">
               <a:rPr lang="en-US" dirty="0"/>
-              <a:t>4/24/24</a:t>
+              <a:t>4/24/2024</a:t>
             </a:fld>
             <a:endParaRPr lang="en-US" dirty="0"/>
           </a:p>
@@ -8363,7 +8355,7 @@
           <a:p>
             <a:fld id="{48A87A34-81AB-432B-8DAE-1953F412C126}" type="datetimeFigureOut">
               <a:rPr lang="en-US" dirty="0"/>
-              <a:t>4/24/24</a:t>
+              <a:t>4/24/2024</a:t>
             </a:fld>
             <a:endParaRPr lang="en-US" dirty="0"/>
           </a:p>
@@ -8607,7 +8599,7 @@
           <a:p>
             <a:fld id="{48A87A34-81AB-432B-8DAE-1953F412C126}" type="datetimeFigureOut">
               <a:rPr lang="en-US" dirty="0"/>
-              <a:t>4/24/24</a:t>
+              <a:t>4/24/2024</a:t>
             </a:fld>
             <a:endParaRPr lang="en-US" dirty="0"/>
           </a:p>
@@ -8882,7 +8874,7 @@
           <a:p>
             <a:fld id="{48A87A34-81AB-432B-8DAE-1953F412C126}" type="datetimeFigureOut">
               <a:rPr lang="en-US" dirty="0"/>
-              <a:t>4/24/24</a:t>
+              <a:t>4/24/2024</a:t>
             </a:fld>
             <a:endParaRPr lang="en-US" dirty="0"/>
           </a:p>
@@ -8993,7 +8985,7 @@
           <a:noFill/>
           <a:extLst>
             <a:ext uri="{909E8E84-426E-40dd-AFC4-6F175D3DCCD1}">
-              <a14:hiddenFill xmlns="" xmlns:a14="http://schemas.microsoft.com/office/drawing/2010/main">
+              <a14:hiddenFill xmlns:a14="http://schemas.microsoft.com/office/drawing/2010/main" xmlns="">
                 <a:solidFill>
                   <a:srgbClr val="FFFFFF"/>
                 </a:solidFill>
@@ -9067,7 +9059,7 @@
               </a:ln>
               <a:extLst>
                 <a:ext uri="{91240B29-F687-4f45-9708-019B960494DF}">
-                  <a14:hiddenLine xmlns="" xmlns:a14="http://schemas.microsoft.com/office/drawing/2010/main" w="9525">
+                  <a14:hiddenLine xmlns:a14="http://schemas.microsoft.com/office/drawing/2010/main" xmlns="" w="9525">
                     <a:solidFill>
                       <a:srgbClr val="000000"/>
                     </a:solidFill>
@@ -9157,7 +9149,7 @@
               </a:ln>
               <a:extLst>
                 <a:ext uri="{91240B29-F687-4f45-9708-019B960494DF}">
-                  <a14:hiddenLine xmlns="" xmlns:a14="http://schemas.microsoft.com/office/drawing/2010/main" w="9525">
+                  <a14:hiddenLine xmlns:a14="http://schemas.microsoft.com/office/drawing/2010/main" xmlns="" w="9525">
                     <a:solidFill>
                       <a:srgbClr val="000000"/>
                     </a:solidFill>
@@ -9247,7 +9239,7 @@
               </a:ln>
               <a:extLst>
                 <a:ext uri="{91240B29-F687-4f45-9708-019B960494DF}">
-                  <a14:hiddenLine xmlns="" xmlns:a14="http://schemas.microsoft.com/office/drawing/2010/main" w="9525">
+                  <a14:hiddenLine xmlns:a14="http://schemas.microsoft.com/office/drawing/2010/main" xmlns="" w="9525">
                     <a:solidFill>
                       <a:srgbClr val="000000"/>
                     </a:solidFill>
@@ -9309,7 +9301,7 @@
               </a:ln>
               <a:extLst>
                 <a:ext uri="{91240B29-F687-4f45-9708-019B960494DF}">
-                  <a14:hiddenLine xmlns="" xmlns:a14="http://schemas.microsoft.com/office/drawing/2010/main" w="9525">
+                  <a14:hiddenLine xmlns:a14="http://schemas.microsoft.com/office/drawing/2010/main" xmlns="" w="9525">
                     <a:solidFill>
                       <a:srgbClr val="000000"/>
                     </a:solidFill>
@@ -9399,7 +9391,7 @@
               </a:ln>
               <a:extLst>
                 <a:ext uri="{91240B29-F687-4f45-9708-019B960494DF}">
-                  <a14:hiddenLine xmlns="" xmlns:a14="http://schemas.microsoft.com/office/drawing/2010/main" w="9525">
+                  <a14:hiddenLine xmlns:a14="http://schemas.microsoft.com/office/drawing/2010/main" xmlns="" w="9525">
                     <a:solidFill>
                       <a:srgbClr val="000000"/>
                     </a:solidFill>
@@ -9461,7 +9453,7 @@
               </a:ln>
               <a:extLst>
                 <a:ext uri="{91240B29-F687-4f45-9708-019B960494DF}">
-                  <a14:hiddenLine xmlns="" xmlns:a14="http://schemas.microsoft.com/office/drawing/2010/main" w="9525">
+                  <a14:hiddenLine xmlns:a14="http://schemas.microsoft.com/office/drawing/2010/main" xmlns="" w="9525">
                     <a:solidFill>
                       <a:srgbClr val="000000"/>
                     </a:solidFill>
@@ -9523,7 +9515,7 @@
               </a:ln>
               <a:extLst>
                 <a:ext uri="{91240B29-F687-4f45-9708-019B960494DF}">
-                  <a14:hiddenLine xmlns="" xmlns:a14="http://schemas.microsoft.com/office/drawing/2010/main" w="9525">
+                  <a14:hiddenLine xmlns:a14="http://schemas.microsoft.com/office/drawing/2010/main" xmlns="" w="9525">
                     <a:solidFill>
                       <a:srgbClr val="000000"/>
                     </a:solidFill>
@@ -9613,7 +9605,7 @@
               </a:ln>
               <a:extLst>
                 <a:ext uri="{91240B29-F687-4f45-9708-019B960494DF}">
-                  <a14:hiddenLine xmlns="" xmlns:a14="http://schemas.microsoft.com/office/drawing/2010/main" w="9525">
+                  <a14:hiddenLine xmlns:a14="http://schemas.microsoft.com/office/drawing/2010/main" xmlns="" w="9525">
                     <a:solidFill>
                       <a:srgbClr val="000000"/>
                     </a:solidFill>
@@ -9703,7 +9695,7 @@
               </a:ln>
               <a:extLst>
                 <a:ext uri="{91240B29-F687-4f45-9708-019B960494DF}">
-                  <a14:hiddenLine xmlns="" xmlns:a14="http://schemas.microsoft.com/office/drawing/2010/main" w="9525">
+                  <a14:hiddenLine xmlns:a14="http://schemas.microsoft.com/office/drawing/2010/main" xmlns="" w="9525">
                     <a:solidFill>
                       <a:srgbClr val="000000"/>
                     </a:solidFill>
@@ -9765,7 +9757,7 @@
               </a:ln>
               <a:extLst>
                 <a:ext uri="{91240B29-F687-4f45-9708-019B960494DF}">
-                  <a14:hiddenLine xmlns="" xmlns:a14="http://schemas.microsoft.com/office/drawing/2010/main" w="9525">
+                  <a14:hiddenLine xmlns:a14="http://schemas.microsoft.com/office/drawing/2010/main" xmlns="" w="9525">
                     <a:solidFill>
                       <a:srgbClr val="000000"/>
                     </a:solidFill>
@@ -9875,7 +9867,7 @@
               </a:ln>
               <a:extLst>
                 <a:ext uri="{91240B29-F687-4f45-9708-019B960494DF}">
-                  <a14:hiddenLine xmlns="" xmlns:a14="http://schemas.microsoft.com/office/drawing/2010/main" w="9525">
+                  <a14:hiddenLine xmlns:a14="http://schemas.microsoft.com/office/drawing/2010/main" xmlns="" w="9525">
                     <a:solidFill>
                       <a:srgbClr val="000000"/>
                     </a:solidFill>
@@ -9959,7 +9951,7 @@
               </a:ln>
               <a:extLst>
                 <a:ext uri="{91240B29-F687-4f45-9708-019B960494DF}">
-                  <a14:hiddenLine xmlns="" xmlns:a14="http://schemas.microsoft.com/office/drawing/2010/main" w="9525">
+                  <a14:hiddenLine xmlns:a14="http://schemas.microsoft.com/office/drawing/2010/main" xmlns="" w="9525">
                     <a:solidFill>
                       <a:srgbClr val="000000"/>
                     </a:solidFill>
@@ -10021,7 +10013,7 @@
               </a:ln>
               <a:extLst>
                 <a:ext uri="{91240B29-F687-4f45-9708-019B960494DF}">
-                  <a14:hiddenLine xmlns="" xmlns:a14="http://schemas.microsoft.com/office/drawing/2010/main" w="9525">
+                  <a14:hiddenLine xmlns:a14="http://schemas.microsoft.com/office/drawing/2010/main" xmlns="" w="9525">
                     <a:solidFill>
                       <a:srgbClr val="000000"/>
                     </a:solidFill>
@@ -10083,7 +10075,7 @@
               </a:ln>
               <a:extLst>
                 <a:ext uri="{91240B29-F687-4f45-9708-019B960494DF}">
-                  <a14:hiddenLine xmlns="" xmlns:a14="http://schemas.microsoft.com/office/drawing/2010/main" w="9525">
+                  <a14:hiddenLine xmlns:a14="http://schemas.microsoft.com/office/drawing/2010/main" xmlns="" w="9525">
                     <a:solidFill>
                       <a:srgbClr val="000000"/>
                     </a:solidFill>
@@ -10173,7 +10165,7 @@
               </a:ln>
               <a:extLst>
                 <a:ext uri="{91240B29-F687-4f45-9708-019B960494DF}">
-                  <a14:hiddenLine xmlns="" xmlns:a14="http://schemas.microsoft.com/office/drawing/2010/main" w="9525">
+                  <a14:hiddenLine xmlns:a14="http://schemas.microsoft.com/office/drawing/2010/main" xmlns="" w="9525">
                     <a:solidFill>
                       <a:srgbClr val="000000"/>
                     </a:solidFill>
@@ -10207,7 +10199,7 @@
               </a:ln>
               <a:extLst>
                 <a:ext uri="{91240B29-F687-4f45-9708-019B960494DF}">
-                  <a14:hiddenLine xmlns="" xmlns:a14="http://schemas.microsoft.com/office/drawing/2010/main" w="9525">
+                  <a14:hiddenLine xmlns:a14="http://schemas.microsoft.com/office/drawing/2010/main" xmlns="" w="9525">
                     <a:solidFill>
                       <a:srgbClr val="000000"/>
                     </a:solidFill>
@@ -10272,7 +10264,7 @@
               </a:ln>
               <a:extLst>
                 <a:ext uri="{91240B29-F687-4f45-9708-019B960494DF}">
-                  <a14:hiddenLine xmlns="" xmlns:a14="http://schemas.microsoft.com/office/drawing/2010/main" w="9525">
+                  <a14:hiddenLine xmlns:a14="http://schemas.microsoft.com/office/drawing/2010/main" xmlns="" w="9525">
                     <a:solidFill>
                       <a:srgbClr val="000000"/>
                     </a:solidFill>
@@ -10362,7 +10354,7 @@
               </a:ln>
               <a:extLst>
                 <a:ext uri="{91240B29-F687-4f45-9708-019B960494DF}">
-                  <a14:hiddenLine xmlns="" xmlns:a14="http://schemas.microsoft.com/office/drawing/2010/main" w="9525">
+                  <a14:hiddenLine xmlns:a14="http://schemas.microsoft.com/office/drawing/2010/main" xmlns="" w="9525">
                     <a:solidFill>
                       <a:srgbClr val="000000"/>
                     </a:solidFill>
@@ -10424,7 +10416,7 @@
               </a:ln>
               <a:extLst>
                 <a:ext uri="{91240B29-F687-4f45-9708-019B960494DF}">
-                  <a14:hiddenLine xmlns="" xmlns:a14="http://schemas.microsoft.com/office/drawing/2010/main" w="9525">
+                  <a14:hiddenLine xmlns:a14="http://schemas.microsoft.com/office/drawing/2010/main" xmlns="" w="9525">
                     <a:solidFill>
                       <a:srgbClr val="000000"/>
                     </a:solidFill>
@@ -10514,7 +10506,7 @@
               </a:ln>
               <a:extLst>
                 <a:ext uri="{91240B29-F687-4f45-9708-019B960494DF}">
-                  <a14:hiddenLine xmlns="" xmlns:a14="http://schemas.microsoft.com/office/drawing/2010/main" w="9525">
+                  <a14:hiddenLine xmlns:a14="http://schemas.microsoft.com/office/drawing/2010/main" xmlns="" w="9525">
                     <a:solidFill>
                       <a:srgbClr val="000000"/>
                     </a:solidFill>
@@ -10579,7 +10571,7 @@
               </a:ln>
               <a:extLst>
                 <a:ext uri="{91240B29-F687-4f45-9708-019B960494DF}">
-                  <a14:hiddenLine xmlns="" xmlns:a14="http://schemas.microsoft.com/office/drawing/2010/main" w="9525">
+                  <a14:hiddenLine xmlns:a14="http://schemas.microsoft.com/office/drawing/2010/main" xmlns="" w="9525">
                     <a:solidFill>
                       <a:srgbClr val="000000"/>
                     </a:solidFill>
@@ -10641,7 +10633,7 @@
               </a:ln>
               <a:extLst>
                 <a:ext uri="{91240B29-F687-4f45-9708-019B960494DF}">
-                  <a14:hiddenLine xmlns="" xmlns:a14="http://schemas.microsoft.com/office/drawing/2010/main" w="9525">
+                  <a14:hiddenLine xmlns:a14="http://schemas.microsoft.com/office/drawing/2010/main" xmlns="" w="9525">
                     <a:solidFill>
                       <a:srgbClr val="000000"/>
                     </a:solidFill>
@@ -10731,7 +10723,7 @@
               </a:ln>
               <a:extLst>
                 <a:ext uri="{91240B29-F687-4f45-9708-019B960494DF}">
-                  <a14:hiddenLine xmlns="" xmlns:a14="http://schemas.microsoft.com/office/drawing/2010/main" w="9525">
+                  <a14:hiddenLine xmlns:a14="http://schemas.microsoft.com/office/drawing/2010/main" xmlns="" w="9525">
                     <a:solidFill>
                       <a:srgbClr val="000000"/>
                     </a:solidFill>
@@ -10821,7 +10813,7 @@
               </a:ln>
               <a:extLst>
                 <a:ext uri="{91240B29-F687-4f45-9708-019B960494DF}">
-                  <a14:hiddenLine xmlns="" xmlns:a14="http://schemas.microsoft.com/office/drawing/2010/main" w="9525">
+                  <a14:hiddenLine xmlns:a14="http://schemas.microsoft.com/office/drawing/2010/main" xmlns="" w="9525">
                     <a:solidFill>
                       <a:srgbClr val="000000"/>
                     </a:solidFill>
@@ -10886,7 +10878,7 @@
               </a:ln>
               <a:extLst>
                 <a:ext uri="{91240B29-F687-4f45-9708-019B960494DF}">
-                  <a14:hiddenLine xmlns="" xmlns:a14="http://schemas.microsoft.com/office/drawing/2010/main" w="9525">
+                  <a14:hiddenLine xmlns:a14="http://schemas.microsoft.com/office/drawing/2010/main" xmlns="" w="9525">
                     <a:solidFill>
                       <a:srgbClr val="000000"/>
                     </a:solidFill>
@@ -11006,7 +10998,7 @@
               </a:ln>
               <a:extLst>
                 <a:ext uri="{91240B29-F687-4f45-9708-019B960494DF}">
-                  <a14:hiddenLine xmlns="" xmlns:a14="http://schemas.microsoft.com/office/drawing/2010/main" w="9525">
+                  <a14:hiddenLine xmlns:a14="http://schemas.microsoft.com/office/drawing/2010/main" xmlns="" w="9525">
                     <a:solidFill>
                       <a:srgbClr val="000000"/>
                     </a:solidFill>
@@ -11104,7 +11096,7 @@
               </a:ln>
               <a:extLst>
                 <a:ext uri="{91240B29-F687-4f45-9708-019B960494DF}">
-                  <a14:hiddenLine xmlns="" xmlns:a14="http://schemas.microsoft.com/office/drawing/2010/main" w="9525">
+                  <a14:hiddenLine xmlns:a14="http://schemas.microsoft.com/office/drawing/2010/main" xmlns="" w="9525">
                     <a:solidFill>
                       <a:srgbClr val="000000"/>
                     </a:solidFill>
@@ -11219,7 +11211,7 @@
               </a:ln>
               <a:extLst>
                 <a:ext uri="{91240B29-F687-4f45-9708-019B960494DF}">
-                  <a14:hiddenLine xmlns="" xmlns:a14="http://schemas.microsoft.com/office/drawing/2010/main" w="9525">
+                  <a14:hiddenLine xmlns:a14="http://schemas.microsoft.com/office/drawing/2010/main" xmlns="" w="9525">
                     <a:solidFill>
                       <a:srgbClr val="000000"/>
                     </a:solidFill>
@@ -11309,7 +11301,7 @@
               </a:ln>
               <a:extLst>
                 <a:ext uri="{91240B29-F687-4f45-9708-019B960494DF}">
-                  <a14:hiddenLine xmlns="" xmlns:a14="http://schemas.microsoft.com/office/drawing/2010/main" w="9525">
+                  <a14:hiddenLine xmlns:a14="http://schemas.microsoft.com/office/drawing/2010/main" xmlns="" w="9525">
                     <a:solidFill>
                       <a:srgbClr val="000000"/>
                     </a:solidFill>
@@ -11374,7 +11366,7 @@
               </a:ln>
               <a:extLst>
                 <a:ext uri="{91240B29-F687-4f45-9708-019B960494DF}">
-                  <a14:hiddenLine xmlns="" xmlns:a14="http://schemas.microsoft.com/office/drawing/2010/main" w="9525">
+                  <a14:hiddenLine xmlns:a14="http://schemas.microsoft.com/office/drawing/2010/main" xmlns="" w="9525">
                     <a:solidFill>
                       <a:srgbClr val="000000"/>
                     </a:solidFill>
@@ -11464,7 +11456,7 @@
               </a:ln>
               <a:extLst>
                 <a:ext uri="{91240B29-F687-4f45-9708-019B960494DF}">
-                  <a14:hiddenLine xmlns="" xmlns:a14="http://schemas.microsoft.com/office/drawing/2010/main" w="9525">
+                  <a14:hiddenLine xmlns:a14="http://schemas.microsoft.com/office/drawing/2010/main" xmlns="" w="9525">
                     <a:solidFill>
                       <a:srgbClr val="000000"/>
                     </a:solidFill>
@@ -11532,7 +11524,7 @@
               </a:ln>
               <a:extLst>
                 <a:ext uri="{91240B29-F687-4f45-9708-019B960494DF}">
-                  <a14:hiddenLine xmlns="" xmlns:a14="http://schemas.microsoft.com/office/drawing/2010/main" w="9525">
+                  <a14:hiddenLine xmlns:a14="http://schemas.microsoft.com/office/drawing/2010/main" xmlns="" w="9525">
                     <a:solidFill>
                       <a:srgbClr val="000000"/>
                     </a:solidFill>
@@ -11622,7 +11614,7 @@
               </a:ln>
               <a:extLst>
                 <a:ext uri="{91240B29-F687-4f45-9708-019B960494DF}">
-                  <a14:hiddenLine xmlns="" xmlns:a14="http://schemas.microsoft.com/office/drawing/2010/main" w="9525">
+                  <a14:hiddenLine xmlns:a14="http://schemas.microsoft.com/office/drawing/2010/main" xmlns="" w="9525">
                     <a:solidFill>
                       <a:srgbClr val="000000"/>
                     </a:solidFill>
@@ -11690,7 +11682,7 @@
               </a:ln>
               <a:extLst>
                 <a:ext uri="{91240B29-F687-4f45-9708-019B960494DF}">
-                  <a14:hiddenLine xmlns="" xmlns:a14="http://schemas.microsoft.com/office/drawing/2010/main" w="9525">
+                  <a14:hiddenLine xmlns:a14="http://schemas.microsoft.com/office/drawing/2010/main" xmlns="" w="9525">
                     <a:solidFill>
                       <a:srgbClr val="000000"/>
                     </a:solidFill>
@@ -11780,7 +11772,7 @@
               </a:ln>
               <a:extLst>
                 <a:ext uri="{91240B29-F687-4f45-9708-019B960494DF}">
-                  <a14:hiddenLine xmlns="" xmlns:a14="http://schemas.microsoft.com/office/drawing/2010/main" w="9525">
+                  <a14:hiddenLine xmlns:a14="http://schemas.microsoft.com/office/drawing/2010/main" xmlns="" w="9525">
                     <a:solidFill>
                       <a:srgbClr val="000000"/>
                     </a:solidFill>
@@ -11814,7 +11806,7 @@
               </a:ln>
               <a:extLst>
                 <a:ext uri="{91240B29-F687-4f45-9708-019B960494DF}">
-                  <a14:hiddenLine xmlns="" xmlns:a14="http://schemas.microsoft.com/office/drawing/2010/main" w="9525">
+                  <a14:hiddenLine xmlns:a14="http://schemas.microsoft.com/office/drawing/2010/main" xmlns="" w="9525">
                     <a:solidFill>
                       <a:srgbClr val="000000"/>
                     </a:solidFill>
@@ -11955,7 +11947,7 @@
             <a:fld id="{48A87A34-81AB-432B-8DAE-1953F412C126}" type="datetimeFigureOut">
               <a:rPr lang="en-US" dirty="0"/>
               <a:pPr/>
-              <a:t>4/24/24</a:t>
+              <a:t>4/24/2024</a:t>
             </a:fld>
             <a:endParaRPr lang="en-US" dirty="0"/>
           </a:p>
@@ -14464,6 +14456,24 @@
             </a:r>
           </a:p>
           <a:p>
+            <a:r>
+              <a:rPr lang="en-GB" dirty="0"/>
+              <a:t>Advantages of semaphore: Synchronization, flexibility and efficiency</a:t>
+            </a:r>
+          </a:p>
+          <a:p>
+            <a:r>
+              <a:rPr lang="en-GB" dirty="0"/>
+              <a:t>Disadvantages of semaphore: complexity, overhead, race condition, starvation</a:t>
+            </a:r>
+          </a:p>
+          <a:p>
+            <a:pPr marL="0" indent="0">
+              <a:buNone/>
+            </a:pPr>
+            <a:endParaRPr lang="en-GB" dirty="0"/>
+          </a:p>
+          <a:p>
             <a:endParaRPr lang="en-GB" dirty="0"/>
           </a:p>
         </p:txBody>
@@ -14723,6 +14733,19 @@
               </a:rPr>
               <a:t>. </a:t>
             </a:r>
+          </a:p>
+          <a:p>
+            <a:r>
+              <a:rPr lang="en-US" sz="2000" dirty="0" err="1"/>
+              <a:t>Eorslf</a:t>
+            </a:r>
+            <a:r>
+              <a:rPr lang="en-US" sz="2000" dirty="0"/>
+              <a:t>. (2024) Semaphores in OS: Types, Advantages, and Disadvantages [online], Available from: &lt;https://eorslf.com/computer-education/semaphores/#:~:text=Semaphores%20in%20OS%3A%20Types%2C%20Advantages%2C%20and%20Disadvantages%201,synchronization%20problems%2C%20such%20as%20deadlocks%20and%20livelocks.%20&gt; .</a:t>
+            </a:r>
+            <a:endParaRPr lang="en-IE" sz="2000"/>
+          </a:p>
+          <a:p>
             <a:endParaRPr lang="en-IE" sz="2100" dirty="0">
               <a:effectLst/>
               <a:ea typeface="MS Mincho" panose="02020609040205080304" pitchFamily="49" charset="-128"/>
@@ -14896,7 +14919,7 @@
           <a:noFill/>
           <a:extLst>
             <a:ext uri="{909E8E84-426E-40dd-AFC4-6F175D3DCCD1}">
-              <a14:hiddenFill xmlns:a14="http://schemas.microsoft.com/office/drawing/2010/main" xmlns:p14="http://schemas.microsoft.com/office/powerpoint/2010/main" xmlns:a16="http://schemas.microsoft.com/office/drawing/2014/main" xmlns="">
+              <a14:hiddenFill xmlns="" xmlns:a16="http://schemas.microsoft.com/office/drawing/2014/main" xmlns:p14="http://schemas.microsoft.com/office/powerpoint/2010/main" xmlns:a14="http://schemas.microsoft.com/office/drawing/2010/main">
                 <a:solidFill>
                   <a:srgbClr val="FFFFFF"/>
                 </a:solidFill>
@@ -15135,7 +15158,7 @@
             </a:ln>
             <a:extLst>
               <a:ext uri="{91240B29-F687-4f45-9708-019B960494DF}">
-                <a14:hiddenLine xmlns:a14="http://schemas.microsoft.com/office/drawing/2010/main" xmlns:p14="http://schemas.microsoft.com/office/powerpoint/2010/main" xmlns:a16="http://schemas.microsoft.com/office/drawing/2014/main" xmlns="" w="9525">
+                <a14:hiddenLine xmlns="" xmlns:a16="http://schemas.microsoft.com/office/drawing/2014/main" xmlns:p14="http://schemas.microsoft.com/office/powerpoint/2010/main" xmlns:a14="http://schemas.microsoft.com/office/drawing/2010/main" w="9525">
                   <a:solidFill>
                     <a:srgbClr val="000000"/>
                   </a:solidFill>
@@ -15247,7 +15270,7 @@
             </a:ln>
             <a:extLst>
               <a:ext uri="{91240B29-F687-4f45-9708-019B960494DF}">
-                <a14:hiddenLine xmlns:a14="http://schemas.microsoft.com/office/drawing/2010/main" xmlns:p14="http://schemas.microsoft.com/office/powerpoint/2010/main" xmlns:a16="http://schemas.microsoft.com/office/drawing/2014/main" xmlns="" w="9525">
+                <a14:hiddenLine xmlns="" xmlns:a16="http://schemas.microsoft.com/office/drawing/2014/main" xmlns:p14="http://schemas.microsoft.com/office/powerpoint/2010/main" xmlns:a14="http://schemas.microsoft.com/office/drawing/2010/main" w="9525">
                   <a:solidFill>
                     <a:srgbClr val="000000"/>
                   </a:solidFill>
@@ -15359,7 +15382,7 @@
             </a:ln>
             <a:extLst>
               <a:ext uri="{91240B29-F687-4f45-9708-019B960494DF}">
-                <a14:hiddenLine xmlns:a14="http://schemas.microsoft.com/office/drawing/2010/main" xmlns:p14="http://schemas.microsoft.com/office/powerpoint/2010/main" xmlns:a16="http://schemas.microsoft.com/office/drawing/2014/main" xmlns="" w="9525">
+                <a14:hiddenLine xmlns="" xmlns:a16="http://schemas.microsoft.com/office/drawing/2014/main" xmlns:p14="http://schemas.microsoft.com/office/powerpoint/2010/main" xmlns:a14="http://schemas.microsoft.com/office/drawing/2010/main" w="9525">
                   <a:solidFill>
                     <a:srgbClr val="000000"/>
                   </a:solidFill>
@@ -15443,7 +15466,7 @@
             </a:ln>
             <a:extLst>
               <a:ext uri="{91240B29-F687-4f45-9708-019B960494DF}">
-                <a14:hiddenLine xmlns:a14="http://schemas.microsoft.com/office/drawing/2010/main" xmlns:p14="http://schemas.microsoft.com/office/powerpoint/2010/main" xmlns:a16="http://schemas.microsoft.com/office/drawing/2014/main" xmlns="" w="9525">
+                <a14:hiddenLine xmlns="" xmlns:a16="http://schemas.microsoft.com/office/drawing/2014/main" xmlns:p14="http://schemas.microsoft.com/office/powerpoint/2010/main" xmlns:a14="http://schemas.microsoft.com/office/drawing/2010/main" w="9525">
                   <a:solidFill>
                     <a:srgbClr val="000000"/>
                   </a:solidFill>
@@ -15555,7 +15578,7 @@
             </a:ln>
             <a:extLst>
               <a:ext uri="{91240B29-F687-4f45-9708-019B960494DF}">
-                <a14:hiddenLine xmlns:a14="http://schemas.microsoft.com/office/drawing/2010/main" xmlns:p14="http://schemas.microsoft.com/office/powerpoint/2010/main" xmlns:a16="http://schemas.microsoft.com/office/drawing/2014/main" xmlns="" w="9525">
+                <a14:hiddenLine xmlns="" xmlns:a16="http://schemas.microsoft.com/office/drawing/2014/main" xmlns:p14="http://schemas.microsoft.com/office/powerpoint/2010/main" xmlns:a14="http://schemas.microsoft.com/office/drawing/2010/main" w="9525">
                   <a:solidFill>
                     <a:srgbClr val="000000"/>
                   </a:solidFill>
@@ -15639,7 +15662,7 @@
             </a:ln>
             <a:extLst>
               <a:ext uri="{91240B29-F687-4f45-9708-019B960494DF}">
-                <a14:hiddenLine xmlns:a14="http://schemas.microsoft.com/office/drawing/2010/main" xmlns:p14="http://schemas.microsoft.com/office/powerpoint/2010/main" xmlns:a16="http://schemas.microsoft.com/office/drawing/2014/main" xmlns="" w="9525">
+                <a14:hiddenLine xmlns="" xmlns:a16="http://schemas.microsoft.com/office/drawing/2014/main" xmlns:p14="http://schemas.microsoft.com/office/powerpoint/2010/main" xmlns:a14="http://schemas.microsoft.com/office/drawing/2010/main" w="9525">
                   <a:solidFill>
                     <a:srgbClr val="000000"/>
                   </a:solidFill>
@@ -15723,7 +15746,7 @@
             </a:ln>
             <a:extLst>
               <a:ext uri="{91240B29-F687-4f45-9708-019B960494DF}">
-                <a14:hiddenLine xmlns:a14="http://schemas.microsoft.com/office/drawing/2010/main" xmlns:p14="http://schemas.microsoft.com/office/powerpoint/2010/main" xmlns:a16="http://schemas.microsoft.com/office/drawing/2014/main" xmlns="" w="9525">
+                <a14:hiddenLine xmlns="" xmlns:a16="http://schemas.microsoft.com/office/drawing/2014/main" xmlns:p14="http://schemas.microsoft.com/office/powerpoint/2010/main" xmlns:a14="http://schemas.microsoft.com/office/drawing/2010/main" w="9525">
                   <a:solidFill>
                     <a:srgbClr val="000000"/>
                   </a:solidFill>
@@ -15835,7 +15858,7 @@
             </a:ln>
             <a:extLst>
               <a:ext uri="{91240B29-F687-4f45-9708-019B960494DF}">
-                <a14:hiddenLine xmlns:a14="http://schemas.microsoft.com/office/drawing/2010/main" xmlns:p14="http://schemas.microsoft.com/office/powerpoint/2010/main" xmlns:a16="http://schemas.microsoft.com/office/drawing/2014/main" xmlns="" w="9525">
+                <a14:hiddenLine xmlns="" xmlns:a16="http://schemas.microsoft.com/office/drawing/2014/main" xmlns:p14="http://schemas.microsoft.com/office/powerpoint/2010/main" xmlns:a14="http://schemas.microsoft.com/office/drawing/2010/main" w="9525">
                   <a:solidFill>
                     <a:srgbClr val="000000"/>
                   </a:solidFill>
@@ -15947,7 +15970,7 @@
             </a:ln>
             <a:extLst>
               <a:ext uri="{91240B29-F687-4f45-9708-019B960494DF}">
-                <a14:hiddenLine xmlns:a14="http://schemas.microsoft.com/office/drawing/2010/main" xmlns:p14="http://schemas.microsoft.com/office/powerpoint/2010/main" xmlns:a16="http://schemas.microsoft.com/office/drawing/2014/main" xmlns="" w="9525">
+                <a14:hiddenLine xmlns="" xmlns:a16="http://schemas.microsoft.com/office/drawing/2014/main" xmlns:p14="http://schemas.microsoft.com/office/powerpoint/2010/main" xmlns:a14="http://schemas.microsoft.com/office/drawing/2010/main" w="9525">
                   <a:solidFill>
                     <a:srgbClr val="000000"/>
                   </a:solidFill>
@@ -16031,7 +16054,7 @@
             </a:ln>
             <a:extLst>
               <a:ext uri="{91240B29-F687-4f45-9708-019B960494DF}">
-                <a14:hiddenLine xmlns:a14="http://schemas.microsoft.com/office/drawing/2010/main" xmlns:p14="http://schemas.microsoft.com/office/powerpoint/2010/main" xmlns:a16="http://schemas.microsoft.com/office/drawing/2014/main" xmlns="" w="9525">
+                <a14:hiddenLine xmlns="" xmlns:a16="http://schemas.microsoft.com/office/drawing/2014/main" xmlns:p14="http://schemas.microsoft.com/office/powerpoint/2010/main" xmlns:a14="http://schemas.microsoft.com/office/drawing/2010/main" w="9525">
                   <a:solidFill>
                     <a:srgbClr val="000000"/>
                   </a:solidFill>
@@ -16163,7 +16186,7 @@
             </a:ln>
             <a:extLst>
               <a:ext uri="{91240B29-F687-4f45-9708-019B960494DF}">
-                <a14:hiddenLine xmlns:a14="http://schemas.microsoft.com/office/drawing/2010/main" xmlns:p14="http://schemas.microsoft.com/office/powerpoint/2010/main" xmlns:a16="http://schemas.microsoft.com/office/drawing/2014/main" xmlns="" w="9525">
+                <a14:hiddenLine xmlns="" xmlns:a16="http://schemas.microsoft.com/office/drawing/2014/main" xmlns:p14="http://schemas.microsoft.com/office/powerpoint/2010/main" xmlns:a14="http://schemas.microsoft.com/office/drawing/2010/main" w="9525">
                   <a:solidFill>
                     <a:srgbClr val="000000"/>
                   </a:solidFill>
@@ -16291,7 +16314,7 @@
             </a:ln>
             <a:extLst>
               <a:ext uri="{91240B29-F687-4f45-9708-019B960494DF}">
-                <a14:hiddenLine xmlns:a14="http://schemas.microsoft.com/office/drawing/2010/main" xmlns:p14="http://schemas.microsoft.com/office/powerpoint/2010/main" xmlns:a16="http://schemas.microsoft.com/office/drawing/2014/main" xmlns="" w="9525">
+                <a14:hiddenLine xmlns="" xmlns:a16="http://schemas.microsoft.com/office/drawing/2014/main" xmlns:p14="http://schemas.microsoft.com/office/powerpoint/2010/main" xmlns:a14="http://schemas.microsoft.com/office/drawing/2010/main" w="9525">
                   <a:solidFill>
                     <a:srgbClr val="000000"/>
                   </a:solidFill>
@@ -16375,7 +16398,7 @@
             </a:ln>
             <a:extLst>
               <a:ext uri="{91240B29-F687-4f45-9708-019B960494DF}">
-                <a14:hiddenLine xmlns:a14="http://schemas.microsoft.com/office/drawing/2010/main" xmlns:p14="http://schemas.microsoft.com/office/powerpoint/2010/main" xmlns:a16="http://schemas.microsoft.com/office/drawing/2014/main" xmlns="" w="9525">
+                <a14:hiddenLine xmlns="" xmlns:a16="http://schemas.microsoft.com/office/drawing/2014/main" xmlns:p14="http://schemas.microsoft.com/office/powerpoint/2010/main" xmlns:a14="http://schemas.microsoft.com/office/drawing/2010/main" w="9525">
                   <a:solidFill>
                     <a:srgbClr val="000000"/>
                   </a:solidFill>
@@ -16459,7 +16482,7 @@
             </a:ln>
             <a:extLst>
               <a:ext uri="{91240B29-F687-4f45-9708-019B960494DF}">
-                <a14:hiddenLine xmlns:a14="http://schemas.microsoft.com/office/drawing/2010/main" xmlns:p14="http://schemas.microsoft.com/office/powerpoint/2010/main" xmlns:a16="http://schemas.microsoft.com/office/drawing/2014/main" xmlns="" w="9525">
+                <a14:hiddenLine xmlns="" xmlns:a16="http://schemas.microsoft.com/office/drawing/2014/main" xmlns:p14="http://schemas.microsoft.com/office/powerpoint/2010/main" xmlns:a14="http://schemas.microsoft.com/office/drawing/2010/main" w="9525">
                   <a:solidFill>
                     <a:srgbClr val="000000"/>
                   </a:solidFill>
@@ -16571,7 +16594,7 @@
             </a:ln>
             <a:extLst>
               <a:ext uri="{91240B29-F687-4f45-9708-019B960494DF}">
-                <a14:hiddenLine xmlns:a14="http://schemas.microsoft.com/office/drawing/2010/main" xmlns:p14="http://schemas.microsoft.com/office/powerpoint/2010/main" xmlns:a16="http://schemas.microsoft.com/office/drawing/2014/main" xmlns="" w="9525">
+                <a14:hiddenLine xmlns="" xmlns:a16="http://schemas.microsoft.com/office/drawing/2014/main" xmlns:p14="http://schemas.microsoft.com/office/powerpoint/2010/main" xmlns:a14="http://schemas.microsoft.com/office/drawing/2010/main" w="9525">
                   <a:solidFill>
                     <a:srgbClr val="000000"/>
                   </a:solidFill>
@@ -16627,7 +16650,7 @@
             </a:ln>
             <a:extLst>
               <a:ext uri="{91240B29-F687-4f45-9708-019B960494DF}">
-                <a14:hiddenLine xmlns:a14="http://schemas.microsoft.com/office/drawing/2010/main" xmlns:p14="http://schemas.microsoft.com/office/powerpoint/2010/main" xmlns:a16="http://schemas.microsoft.com/office/drawing/2014/main" xmlns="" w="9525">
+                <a14:hiddenLine xmlns="" xmlns:a16="http://schemas.microsoft.com/office/drawing/2014/main" xmlns:p14="http://schemas.microsoft.com/office/powerpoint/2010/main" xmlns:a14="http://schemas.microsoft.com/office/drawing/2010/main" w="9525">
                   <a:solidFill>
                     <a:srgbClr val="000000"/>
                   </a:solidFill>
@@ -16714,7 +16737,7 @@
             </a:ln>
             <a:extLst>
               <a:ext uri="{91240B29-F687-4f45-9708-019B960494DF}">
-                <a14:hiddenLine xmlns:a14="http://schemas.microsoft.com/office/drawing/2010/main" xmlns:p14="http://schemas.microsoft.com/office/powerpoint/2010/main" xmlns:a16="http://schemas.microsoft.com/office/drawing/2014/main" xmlns="" w="9525">
+                <a14:hiddenLine xmlns="" xmlns:a16="http://schemas.microsoft.com/office/drawing/2014/main" xmlns:p14="http://schemas.microsoft.com/office/powerpoint/2010/main" xmlns:a14="http://schemas.microsoft.com/office/drawing/2010/main" w="9525">
                   <a:solidFill>
                     <a:srgbClr val="000000"/>
                   </a:solidFill>
@@ -16826,7 +16849,7 @@
             </a:ln>
             <a:extLst>
               <a:ext uri="{91240B29-F687-4f45-9708-019B960494DF}">
-                <a14:hiddenLine xmlns:a14="http://schemas.microsoft.com/office/drawing/2010/main" xmlns:p14="http://schemas.microsoft.com/office/powerpoint/2010/main" xmlns:a16="http://schemas.microsoft.com/office/drawing/2014/main" xmlns="" w="9525">
+                <a14:hiddenLine xmlns="" xmlns:a16="http://schemas.microsoft.com/office/drawing/2014/main" xmlns:p14="http://schemas.microsoft.com/office/powerpoint/2010/main" xmlns:a14="http://schemas.microsoft.com/office/drawing/2010/main" w="9525">
                   <a:solidFill>
                     <a:srgbClr val="000000"/>
                   </a:solidFill>
@@ -16910,7 +16933,7 @@
             </a:ln>
             <a:extLst>
               <a:ext uri="{91240B29-F687-4f45-9708-019B960494DF}">
-                <a14:hiddenLine xmlns:a14="http://schemas.microsoft.com/office/drawing/2010/main" xmlns:p14="http://schemas.microsoft.com/office/powerpoint/2010/main" xmlns:a16="http://schemas.microsoft.com/office/drawing/2014/main" xmlns="" w="9525">
+                <a14:hiddenLine xmlns="" xmlns:a16="http://schemas.microsoft.com/office/drawing/2014/main" xmlns:p14="http://schemas.microsoft.com/office/powerpoint/2010/main" xmlns:a14="http://schemas.microsoft.com/office/drawing/2010/main" w="9525">
                   <a:solidFill>
                     <a:srgbClr val="000000"/>
                   </a:solidFill>
@@ -17022,7 +17045,7 @@
             </a:ln>
             <a:extLst>
               <a:ext uri="{91240B29-F687-4f45-9708-019B960494DF}">
-                <a14:hiddenLine xmlns:a14="http://schemas.microsoft.com/office/drawing/2010/main" xmlns:p14="http://schemas.microsoft.com/office/powerpoint/2010/main" xmlns:a16="http://schemas.microsoft.com/office/drawing/2014/main" xmlns="" w="9525">
+                <a14:hiddenLine xmlns="" xmlns:a16="http://schemas.microsoft.com/office/drawing/2014/main" xmlns:p14="http://schemas.microsoft.com/office/powerpoint/2010/main" xmlns:a14="http://schemas.microsoft.com/office/drawing/2010/main" w="9525">
                   <a:solidFill>
                     <a:srgbClr val="000000"/>
                   </a:solidFill>
@@ -17109,7 +17132,7 @@
             </a:ln>
             <a:extLst>
               <a:ext uri="{91240B29-F687-4f45-9708-019B960494DF}">
-                <a14:hiddenLine xmlns:a14="http://schemas.microsoft.com/office/drawing/2010/main" xmlns:p14="http://schemas.microsoft.com/office/powerpoint/2010/main" xmlns:a16="http://schemas.microsoft.com/office/drawing/2014/main" xmlns="" w="9525">
+                <a14:hiddenLine xmlns="" xmlns:a16="http://schemas.microsoft.com/office/drawing/2014/main" xmlns:p14="http://schemas.microsoft.com/office/powerpoint/2010/main" xmlns:a14="http://schemas.microsoft.com/office/drawing/2010/main" w="9525">
                   <a:solidFill>
                     <a:srgbClr val="000000"/>
                   </a:solidFill>
@@ -17193,7 +17216,7 @@
             </a:ln>
             <a:extLst>
               <a:ext uri="{91240B29-F687-4f45-9708-019B960494DF}">
-                <a14:hiddenLine xmlns:a14="http://schemas.microsoft.com/office/drawing/2010/main" xmlns:p14="http://schemas.microsoft.com/office/powerpoint/2010/main" xmlns:a16="http://schemas.microsoft.com/office/drawing/2014/main" xmlns="" w="9525">
+                <a14:hiddenLine xmlns="" xmlns:a16="http://schemas.microsoft.com/office/drawing/2014/main" xmlns:p14="http://schemas.microsoft.com/office/powerpoint/2010/main" xmlns:a14="http://schemas.microsoft.com/office/drawing/2010/main" w="9525">
                   <a:solidFill>
                     <a:srgbClr val="000000"/>
                   </a:solidFill>
@@ -17305,7 +17328,7 @@
             </a:ln>
             <a:extLst>
               <a:ext uri="{91240B29-F687-4f45-9708-019B960494DF}">
-                <a14:hiddenLine xmlns:a14="http://schemas.microsoft.com/office/drawing/2010/main" xmlns:p14="http://schemas.microsoft.com/office/powerpoint/2010/main" xmlns:a16="http://schemas.microsoft.com/office/drawing/2014/main" xmlns="" w="9525">
+                <a14:hiddenLine xmlns="" xmlns:a16="http://schemas.microsoft.com/office/drawing/2014/main" xmlns:p14="http://schemas.microsoft.com/office/powerpoint/2010/main" xmlns:a14="http://schemas.microsoft.com/office/drawing/2010/main" w="9525">
                   <a:solidFill>
                     <a:srgbClr val="000000"/>
                   </a:solidFill>
@@ -17417,7 +17440,7 @@
             </a:ln>
             <a:extLst>
               <a:ext uri="{91240B29-F687-4f45-9708-019B960494DF}">
-                <a14:hiddenLine xmlns:a14="http://schemas.microsoft.com/office/drawing/2010/main" xmlns:p14="http://schemas.microsoft.com/office/powerpoint/2010/main" xmlns:a16="http://schemas.microsoft.com/office/drawing/2014/main" xmlns="" w="9525">
+                <a14:hiddenLine xmlns="" xmlns:a16="http://schemas.microsoft.com/office/drawing/2014/main" xmlns:p14="http://schemas.microsoft.com/office/powerpoint/2010/main" xmlns:a14="http://schemas.microsoft.com/office/drawing/2010/main" w="9525">
                   <a:solidFill>
                     <a:srgbClr val="000000"/>
                   </a:solidFill>
@@ -17504,7 +17527,7 @@
             </a:ln>
             <a:extLst>
               <a:ext uri="{91240B29-F687-4f45-9708-019B960494DF}">
-                <a14:hiddenLine xmlns:a14="http://schemas.microsoft.com/office/drawing/2010/main" xmlns:p14="http://schemas.microsoft.com/office/powerpoint/2010/main" xmlns:a16="http://schemas.microsoft.com/office/drawing/2014/main" xmlns="" w="9525">
+                <a14:hiddenLine xmlns="" xmlns:a16="http://schemas.microsoft.com/office/drawing/2014/main" xmlns:p14="http://schemas.microsoft.com/office/powerpoint/2010/main" xmlns:a14="http://schemas.microsoft.com/office/drawing/2010/main" w="9525">
                   <a:solidFill>
                     <a:srgbClr val="000000"/>
                   </a:solidFill>
@@ -17646,7 +17669,7 @@
             </a:ln>
             <a:extLst>
               <a:ext uri="{91240B29-F687-4f45-9708-019B960494DF}">
-                <a14:hiddenLine xmlns:a14="http://schemas.microsoft.com/office/drawing/2010/main" xmlns:p14="http://schemas.microsoft.com/office/powerpoint/2010/main" xmlns:a16="http://schemas.microsoft.com/office/drawing/2014/main" xmlns="" w="9525">
+                <a14:hiddenLine xmlns="" xmlns:a16="http://schemas.microsoft.com/office/drawing/2014/main" xmlns:p14="http://schemas.microsoft.com/office/powerpoint/2010/main" xmlns:a14="http://schemas.microsoft.com/office/drawing/2010/main" w="9525">
                   <a:solidFill>
                     <a:srgbClr val="000000"/>
                   </a:solidFill>
@@ -18152,7 +18175,7 @@
               </a:ln>
               <a:extLst>
                 <a:ext uri="{91240B29-F687-4f45-9708-019B960494DF}">
-                  <a14:hiddenLine xmlns:a14="http://schemas.microsoft.com/office/drawing/2010/main" xmlns:p14="http://schemas.microsoft.com/office/powerpoint/2010/main" xmlns:a16="http://schemas.microsoft.com/office/drawing/2014/main" xmlns="" w="9525">
+                  <a14:hiddenLine xmlns="" xmlns:a16="http://schemas.microsoft.com/office/drawing/2014/main" xmlns:p14="http://schemas.microsoft.com/office/powerpoint/2010/main" xmlns:a14="http://schemas.microsoft.com/office/drawing/2010/main" w="9525">
                     <a:solidFill>
                       <a:srgbClr val="000000"/>
                     </a:solidFill>
@@ -18264,7 +18287,7 @@
               </a:ln>
               <a:extLst>
                 <a:ext uri="{91240B29-F687-4f45-9708-019B960494DF}">
-                  <a14:hiddenLine xmlns:a14="http://schemas.microsoft.com/office/drawing/2010/main" xmlns:p14="http://schemas.microsoft.com/office/powerpoint/2010/main" xmlns:a16="http://schemas.microsoft.com/office/drawing/2014/main" xmlns="" w="9525">
+                  <a14:hiddenLine xmlns="" xmlns:a16="http://schemas.microsoft.com/office/drawing/2014/main" xmlns:p14="http://schemas.microsoft.com/office/powerpoint/2010/main" xmlns:a14="http://schemas.microsoft.com/office/drawing/2010/main" w="9525">
                     <a:solidFill>
                       <a:srgbClr val="000000"/>
                     </a:solidFill>
@@ -18376,7 +18399,7 @@
               </a:ln>
               <a:extLst>
                 <a:ext uri="{91240B29-F687-4f45-9708-019B960494DF}">
-                  <a14:hiddenLine xmlns:a14="http://schemas.microsoft.com/office/drawing/2010/main" xmlns:p14="http://schemas.microsoft.com/office/powerpoint/2010/main" xmlns:a16="http://schemas.microsoft.com/office/drawing/2014/main" xmlns="" w="9525">
+                  <a14:hiddenLine xmlns="" xmlns:a16="http://schemas.microsoft.com/office/drawing/2014/main" xmlns:p14="http://schemas.microsoft.com/office/powerpoint/2010/main" xmlns:a14="http://schemas.microsoft.com/office/drawing/2010/main" w="9525">
                     <a:solidFill>
                       <a:srgbClr val="000000"/>
                     </a:solidFill>
@@ -18460,7 +18483,7 @@
               </a:ln>
               <a:extLst>
                 <a:ext uri="{91240B29-F687-4f45-9708-019B960494DF}">
-                  <a14:hiddenLine xmlns:a14="http://schemas.microsoft.com/office/drawing/2010/main" xmlns:p14="http://schemas.microsoft.com/office/powerpoint/2010/main" xmlns:a16="http://schemas.microsoft.com/office/drawing/2014/main" xmlns="" w="9525">
+                  <a14:hiddenLine xmlns="" xmlns:a16="http://schemas.microsoft.com/office/drawing/2014/main" xmlns:p14="http://schemas.microsoft.com/office/powerpoint/2010/main" xmlns:a14="http://schemas.microsoft.com/office/drawing/2010/main" w="9525">
                     <a:solidFill>
                       <a:srgbClr val="000000"/>
                     </a:solidFill>
@@ -18572,7 +18595,7 @@
               </a:ln>
               <a:extLst>
                 <a:ext uri="{91240B29-F687-4f45-9708-019B960494DF}">
-                  <a14:hiddenLine xmlns:a14="http://schemas.microsoft.com/office/drawing/2010/main" xmlns:p14="http://schemas.microsoft.com/office/powerpoint/2010/main" xmlns:a16="http://schemas.microsoft.com/office/drawing/2014/main" xmlns="" w="9525">
+                  <a14:hiddenLine xmlns="" xmlns:a16="http://schemas.microsoft.com/office/drawing/2014/main" xmlns:p14="http://schemas.microsoft.com/office/powerpoint/2010/main" xmlns:a14="http://schemas.microsoft.com/office/drawing/2010/main" w="9525">
                     <a:solidFill>
                       <a:srgbClr val="000000"/>
                     </a:solidFill>
@@ -18656,7 +18679,7 @@
               </a:ln>
               <a:extLst>
                 <a:ext uri="{91240B29-F687-4f45-9708-019B960494DF}">
-                  <a14:hiddenLine xmlns:a14="http://schemas.microsoft.com/office/drawing/2010/main" xmlns:p14="http://schemas.microsoft.com/office/powerpoint/2010/main" xmlns:a16="http://schemas.microsoft.com/office/drawing/2014/main" xmlns="" w="9525">
+                  <a14:hiddenLine xmlns="" xmlns:a16="http://schemas.microsoft.com/office/drawing/2014/main" xmlns:p14="http://schemas.microsoft.com/office/powerpoint/2010/main" xmlns:a14="http://schemas.microsoft.com/office/drawing/2010/main" w="9525">
                     <a:solidFill>
                       <a:srgbClr val="000000"/>
                     </a:solidFill>
@@ -18740,7 +18763,7 @@
               </a:ln>
               <a:extLst>
                 <a:ext uri="{91240B29-F687-4f45-9708-019B960494DF}">
-                  <a14:hiddenLine xmlns:a14="http://schemas.microsoft.com/office/drawing/2010/main" xmlns:p14="http://schemas.microsoft.com/office/powerpoint/2010/main" xmlns:a16="http://schemas.microsoft.com/office/drawing/2014/main" xmlns="" w="9525">
+                  <a14:hiddenLine xmlns="" xmlns:a16="http://schemas.microsoft.com/office/drawing/2014/main" xmlns:p14="http://schemas.microsoft.com/office/powerpoint/2010/main" xmlns:a14="http://schemas.microsoft.com/office/drawing/2010/main" w="9525">
                     <a:solidFill>
                       <a:srgbClr val="000000"/>
                     </a:solidFill>
@@ -18852,7 +18875,7 @@
               </a:ln>
               <a:extLst>
                 <a:ext uri="{91240B29-F687-4f45-9708-019B960494DF}">
-                  <a14:hiddenLine xmlns:a14="http://schemas.microsoft.com/office/drawing/2010/main" xmlns:p14="http://schemas.microsoft.com/office/powerpoint/2010/main" xmlns:a16="http://schemas.microsoft.com/office/drawing/2014/main" xmlns="" w="9525">
+                  <a14:hiddenLine xmlns="" xmlns:a16="http://schemas.microsoft.com/office/drawing/2014/main" xmlns:p14="http://schemas.microsoft.com/office/powerpoint/2010/main" xmlns:a14="http://schemas.microsoft.com/office/drawing/2010/main" w="9525">
                     <a:solidFill>
                       <a:srgbClr val="000000"/>
                     </a:solidFill>
@@ -18964,7 +18987,7 @@
               </a:ln>
               <a:extLst>
                 <a:ext uri="{91240B29-F687-4f45-9708-019B960494DF}">
-                  <a14:hiddenLine xmlns:a14="http://schemas.microsoft.com/office/drawing/2010/main" xmlns:p14="http://schemas.microsoft.com/office/powerpoint/2010/main" xmlns:a16="http://schemas.microsoft.com/office/drawing/2014/main" xmlns="" w="9525">
+                  <a14:hiddenLine xmlns="" xmlns:a16="http://schemas.microsoft.com/office/drawing/2014/main" xmlns:p14="http://schemas.microsoft.com/office/powerpoint/2010/main" xmlns:a14="http://schemas.microsoft.com/office/drawing/2010/main" w="9525">
                     <a:solidFill>
                       <a:srgbClr val="000000"/>
                     </a:solidFill>
@@ -19048,7 +19071,7 @@
               </a:ln>
               <a:extLst>
                 <a:ext uri="{91240B29-F687-4f45-9708-019B960494DF}">
-                  <a14:hiddenLine xmlns:a14="http://schemas.microsoft.com/office/drawing/2010/main" xmlns:p14="http://schemas.microsoft.com/office/powerpoint/2010/main" xmlns:a16="http://schemas.microsoft.com/office/drawing/2014/main" xmlns="" w="9525">
+                  <a14:hiddenLine xmlns="" xmlns:a16="http://schemas.microsoft.com/office/drawing/2014/main" xmlns:p14="http://schemas.microsoft.com/office/powerpoint/2010/main" xmlns:a14="http://schemas.microsoft.com/office/drawing/2010/main" w="9525">
                     <a:solidFill>
                       <a:srgbClr val="000000"/>
                     </a:solidFill>
@@ -19180,7 +19203,7 @@
               </a:ln>
               <a:extLst>
                 <a:ext uri="{91240B29-F687-4f45-9708-019B960494DF}">
-                  <a14:hiddenLine xmlns:a14="http://schemas.microsoft.com/office/drawing/2010/main" xmlns:p14="http://schemas.microsoft.com/office/powerpoint/2010/main" xmlns:a16="http://schemas.microsoft.com/office/drawing/2014/main" xmlns="" w="9525">
+                  <a14:hiddenLine xmlns="" xmlns:a16="http://schemas.microsoft.com/office/drawing/2014/main" xmlns:p14="http://schemas.microsoft.com/office/powerpoint/2010/main" xmlns:a14="http://schemas.microsoft.com/office/drawing/2010/main" w="9525">
                     <a:solidFill>
                       <a:srgbClr val="000000"/>
                     </a:solidFill>
@@ -19308,7 +19331,7 @@
               </a:ln>
               <a:extLst>
                 <a:ext uri="{91240B29-F687-4f45-9708-019B960494DF}">
-                  <a14:hiddenLine xmlns:a14="http://schemas.microsoft.com/office/drawing/2010/main" xmlns:p14="http://schemas.microsoft.com/office/powerpoint/2010/main" xmlns:a16="http://schemas.microsoft.com/office/drawing/2014/main" xmlns="" w="9525">
+                  <a14:hiddenLine xmlns="" xmlns:a16="http://schemas.microsoft.com/office/drawing/2014/main" xmlns:p14="http://schemas.microsoft.com/office/powerpoint/2010/main" xmlns:a14="http://schemas.microsoft.com/office/drawing/2010/main" w="9525">
                     <a:solidFill>
                       <a:srgbClr val="000000"/>
                     </a:solidFill>
@@ -19392,7 +19415,7 @@
               </a:ln>
               <a:extLst>
                 <a:ext uri="{91240B29-F687-4f45-9708-019B960494DF}">
-                  <a14:hiddenLine xmlns:a14="http://schemas.microsoft.com/office/drawing/2010/main" xmlns:p14="http://schemas.microsoft.com/office/powerpoint/2010/main" xmlns:a16="http://schemas.microsoft.com/office/drawing/2014/main" xmlns="" w="9525">
+                  <a14:hiddenLine xmlns="" xmlns:a16="http://schemas.microsoft.com/office/drawing/2014/main" xmlns:p14="http://schemas.microsoft.com/office/powerpoint/2010/main" xmlns:a14="http://schemas.microsoft.com/office/drawing/2010/main" w="9525">
                     <a:solidFill>
                       <a:srgbClr val="000000"/>
                     </a:solidFill>
@@ -19476,7 +19499,7 @@
               </a:ln>
               <a:extLst>
                 <a:ext uri="{91240B29-F687-4f45-9708-019B960494DF}">
-                  <a14:hiddenLine xmlns:a14="http://schemas.microsoft.com/office/drawing/2010/main" xmlns:p14="http://schemas.microsoft.com/office/powerpoint/2010/main" xmlns:a16="http://schemas.microsoft.com/office/drawing/2014/main" xmlns="" w="9525">
+                  <a14:hiddenLine xmlns="" xmlns:a16="http://schemas.microsoft.com/office/drawing/2014/main" xmlns:p14="http://schemas.microsoft.com/office/powerpoint/2010/main" xmlns:a14="http://schemas.microsoft.com/office/drawing/2010/main" w="9525">
                     <a:solidFill>
                       <a:srgbClr val="000000"/>
                     </a:solidFill>
@@ -19588,7 +19611,7 @@
               </a:ln>
               <a:extLst>
                 <a:ext uri="{91240B29-F687-4f45-9708-019B960494DF}">
-                  <a14:hiddenLine xmlns:a14="http://schemas.microsoft.com/office/drawing/2010/main" xmlns:p14="http://schemas.microsoft.com/office/powerpoint/2010/main" xmlns:a16="http://schemas.microsoft.com/office/drawing/2014/main" xmlns="" w="9525">
+                  <a14:hiddenLine xmlns="" xmlns:a16="http://schemas.microsoft.com/office/drawing/2014/main" xmlns:p14="http://schemas.microsoft.com/office/powerpoint/2010/main" xmlns:a14="http://schemas.microsoft.com/office/drawing/2010/main" w="9525">
                     <a:solidFill>
                       <a:srgbClr val="000000"/>
                     </a:solidFill>
@@ -19644,7 +19667,7 @@
               </a:ln>
               <a:extLst>
                 <a:ext uri="{91240B29-F687-4f45-9708-019B960494DF}">
-                  <a14:hiddenLine xmlns:a14="http://schemas.microsoft.com/office/drawing/2010/main" xmlns:p14="http://schemas.microsoft.com/office/powerpoint/2010/main" xmlns:a16="http://schemas.microsoft.com/office/drawing/2014/main" xmlns="" w="9525">
+                  <a14:hiddenLine xmlns="" xmlns:a16="http://schemas.microsoft.com/office/drawing/2014/main" xmlns:p14="http://schemas.microsoft.com/office/powerpoint/2010/main" xmlns:a14="http://schemas.microsoft.com/office/drawing/2010/main" w="9525">
                     <a:solidFill>
                       <a:srgbClr val="000000"/>
                     </a:solidFill>
@@ -19731,7 +19754,7 @@
               </a:ln>
               <a:extLst>
                 <a:ext uri="{91240B29-F687-4f45-9708-019B960494DF}">
-                  <a14:hiddenLine xmlns:a14="http://schemas.microsoft.com/office/drawing/2010/main" xmlns:p14="http://schemas.microsoft.com/office/powerpoint/2010/main" xmlns:a16="http://schemas.microsoft.com/office/drawing/2014/main" xmlns="" w="9525">
+                  <a14:hiddenLine xmlns="" xmlns:a16="http://schemas.microsoft.com/office/drawing/2014/main" xmlns:p14="http://schemas.microsoft.com/office/powerpoint/2010/main" xmlns:a14="http://schemas.microsoft.com/office/drawing/2010/main" w="9525">
                     <a:solidFill>
                       <a:srgbClr val="000000"/>
                     </a:solidFill>
@@ -19843,7 +19866,7 @@
               </a:ln>
               <a:extLst>
                 <a:ext uri="{91240B29-F687-4f45-9708-019B960494DF}">
-                  <a14:hiddenLine xmlns:a14="http://schemas.microsoft.com/office/drawing/2010/main" xmlns:p14="http://schemas.microsoft.com/office/powerpoint/2010/main" xmlns:a16="http://schemas.microsoft.com/office/drawing/2014/main" xmlns="" w="9525">
+                  <a14:hiddenLine xmlns="" xmlns:a16="http://schemas.microsoft.com/office/drawing/2014/main" xmlns:p14="http://schemas.microsoft.com/office/powerpoint/2010/main" xmlns:a14="http://schemas.microsoft.com/office/drawing/2010/main" w="9525">
                     <a:solidFill>
                       <a:srgbClr val="000000"/>
                     </a:solidFill>
@@ -19927,7 +19950,7 @@
               </a:ln>
               <a:extLst>
                 <a:ext uri="{91240B29-F687-4f45-9708-019B960494DF}">
-                  <a14:hiddenLine xmlns:a14="http://schemas.microsoft.com/office/drawing/2010/main" xmlns:p14="http://schemas.microsoft.com/office/powerpoint/2010/main" xmlns:a16="http://schemas.microsoft.com/office/drawing/2014/main" xmlns="" w="9525">
+                  <a14:hiddenLine xmlns="" xmlns:a16="http://schemas.microsoft.com/office/drawing/2014/main" xmlns:p14="http://schemas.microsoft.com/office/powerpoint/2010/main" xmlns:a14="http://schemas.microsoft.com/office/drawing/2010/main" w="9525">
                     <a:solidFill>
                       <a:srgbClr val="000000"/>
                     </a:solidFill>
@@ -20039,7 +20062,7 @@
               </a:ln>
               <a:extLst>
                 <a:ext uri="{91240B29-F687-4f45-9708-019B960494DF}">
-                  <a14:hiddenLine xmlns:a14="http://schemas.microsoft.com/office/drawing/2010/main" xmlns:p14="http://schemas.microsoft.com/office/powerpoint/2010/main" xmlns:a16="http://schemas.microsoft.com/office/drawing/2014/main" xmlns="" w="9525">
+                  <a14:hiddenLine xmlns="" xmlns:a16="http://schemas.microsoft.com/office/drawing/2014/main" xmlns:p14="http://schemas.microsoft.com/office/powerpoint/2010/main" xmlns:a14="http://schemas.microsoft.com/office/drawing/2010/main" w="9525">
                     <a:solidFill>
                       <a:srgbClr val="000000"/>
                     </a:solidFill>
@@ -20126,7 +20149,7 @@
               </a:ln>
               <a:extLst>
                 <a:ext uri="{91240B29-F687-4f45-9708-019B960494DF}">
-                  <a14:hiddenLine xmlns:a14="http://schemas.microsoft.com/office/drawing/2010/main" xmlns:p14="http://schemas.microsoft.com/office/powerpoint/2010/main" xmlns:a16="http://schemas.microsoft.com/office/drawing/2014/main" xmlns="" w="9525">
+                  <a14:hiddenLine xmlns="" xmlns:a16="http://schemas.microsoft.com/office/drawing/2014/main" xmlns:p14="http://schemas.microsoft.com/office/powerpoint/2010/main" xmlns:a14="http://schemas.microsoft.com/office/drawing/2010/main" w="9525">
                     <a:solidFill>
                       <a:srgbClr val="000000"/>
                     </a:solidFill>
@@ -20210,7 +20233,7 @@
               </a:ln>
               <a:extLst>
                 <a:ext uri="{91240B29-F687-4f45-9708-019B960494DF}">
-                  <a14:hiddenLine xmlns:a14="http://schemas.microsoft.com/office/drawing/2010/main" xmlns:p14="http://schemas.microsoft.com/office/powerpoint/2010/main" xmlns:a16="http://schemas.microsoft.com/office/drawing/2014/main" xmlns="" w="9525">
+                  <a14:hiddenLine xmlns="" xmlns:a16="http://schemas.microsoft.com/office/drawing/2014/main" xmlns:p14="http://schemas.microsoft.com/office/powerpoint/2010/main" xmlns:a14="http://schemas.microsoft.com/office/drawing/2010/main" w="9525">
                     <a:solidFill>
                       <a:srgbClr val="000000"/>
                     </a:solidFill>
@@ -20322,7 +20345,7 @@
               </a:ln>
               <a:extLst>
                 <a:ext uri="{91240B29-F687-4f45-9708-019B960494DF}">
-                  <a14:hiddenLine xmlns:a14="http://schemas.microsoft.com/office/drawing/2010/main" xmlns:p14="http://schemas.microsoft.com/office/powerpoint/2010/main" xmlns:a16="http://schemas.microsoft.com/office/drawing/2014/main" xmlns="" w="9525">
+                  <a14:hiddenLine xmlns="" xmlns:a16="http://schemas.microsoft.com/office/drawing/2014/main" xmlns:p14="http://schemas.microsoft.com/office/powerpoint/2010/main" xmlns:a14="http://schemas.microsoft.com/office/drawing/2010/main" w="9525">
                     <a:solidFill>
                       <a:srgbClr val="000000"/>
                     </a:solidFill>
@@ -20434,7 +20457,7 @@
               </a:ln>
               <a:extLst>
                 <a:ext uri="{91240B29-F687-4f45-9708-019B960494DF}">
-                  <a14:hiddenLine xmlns:a14="http://schemas.microsoft.com/office/drawing/2010/main" xmlns:p14="http://schemas.microsoft.com/office/powerpoint/2010/main" xmlns:a16="http://schemas.microsoft.com/office/drawing/2014/main" xmlns="" w="9525">
+                  <a14:hiddenLine xmlns="" xmlns:a16="http://schemas.microsoft.com/office/drawing/2014/main" xmlns:p14="http://schemas.microsoft.com/office/powerpoint/2010/main" xmlns:a14="http://schemas.microsoft.com/office/drawing/2010/main" w="9525">
                     <a:solidFill>
                       <a:srgbClr val="000000"/>
                     </a:solidFill>
@@ -20521,7 +20544,7 @@
               </a:ln>
               <a:extLst>
                 <a:ext uri="{91240B29-F687-4f45-9708-019B960494DF}">
-                  <a14:hiddenLine xmlns:a14="http://schemas.microsoft.com/office/drawing/2010/main" xmlns:p14="http://schemas.microsoft.com/office/powerpoint/2010/main" xmlns:a16="http://schemas.microsoft.com/office/drawing/2014/main" xmlns="" w="9525">
+                  <a14:hiddenLine xmlns="" xmlns:a16="http://schemas.microsoft.com/office/drawing/2014/main" xmlns:p14="http://schemas.microsoft.com/office/powerpoint/2010/main" xmlns:a14="http://schemas.microsoft.com/office/drawing/2010/main" w="9525">
                     <a:solidFill>
                       <a:srgbClr val="000000"/>
                     </a:solidFill>
@@ -20663,7 +20686,7 @@
               </a:ln>
               <a:extLst>
                 <a:ext uri="{91240B29-F687-4f45-9708-019B960494DF}">
-                  <a14:hiddenLine xmlns:a14="http://schemas.microsoft.com/office/drawing/2010/main" xmlns:p14="http://schemas.microsoft.com/office/powerpoint/2010/main" xmlns:a16="http://schemas.microsoft.com/office/drawing/2014/main" xmlns="" w="9525">
+                  <a14:hiddenLine xmlns="" xmlns:a16="http://schemas.microsoft.com/office/drawing/2014/main" xmlns:p14="http://schemas.microsoft.com/office/powerpoint/2010/main" xmlns:a14="http://schemas.microsoft.com/office/drawing/2010/main" w="9525">
                     <a:solidFill>
                       <a:srgbClr val="000000"/>
                     </a:solidFill>
@@ -20795,7 +20818,7 @@
               </a:ln>
               <a:extLst>
                 <a:ext uri="{91240B29-F687-4f45-9708-019B960494DF}">
-                  <a14:hiddenLine xmlns:a14="http://schemas.microsoft.com/office/drawing/2010/main" xmlns:p14="http://schemas.microsoft.com/office/powerpoint/2010/main" xmlns:a16="http://schemas.microsoft.com/office/drawing/2014/main" xmlns="" w="9525">
+                  <a14:hiddenLine xmlns="" xmlns:a16="http://schemas.microsoft.com/office/drawing/2014/main" xmlns:p14="http://schemas.microsoft.com/office/powerpoint/2010/main" xmlns:a14="http://schemas.microsoft.com/office/drawing/2010/main" w="9525">
                     <a:solidFill>
                       <a:srgbClr val="000000"/>
                     </a:solidFill>
@@ -20932,7 +20955,7 @@
               </a:ln>
               <a:extLst>
                 <a:ext uri="{91240B29-F687-4f45-9708-019B960494DF}">
-                  <a14:hiddenLine xmlns:a14="http://schemas.microsoft.com/office/drawing/2010/main" xmlns:p14="http://schemas.microsoft.com/office/powerpoint/2010/main" xmlns:a16="http://schemas.microsoft.com/office/drawing/2014/main" xmlns="" w="9525">
+                  <a14:hiddenLine xmlns="" xmlns:a16="http://schemas.microsoft.com/office/drawing/2014/main" xmlns:p14="http://schemas.microsoft.com/office/powerpoint/2010/main" xmlns:a14="http://schemas.microsoft.com/office/drawing/2010/main" w="9525">
                     <a:solidFill>
                       <a:srgbClr val="000000"/>
                     </a:solidFill>
@@ -21044,7 +21067,7 @@
               </a:ln>
               <a:extLst>
                 <a:ext uri="{91240B29-F687-4f45-9708-019B960494DF}">
-                  <a14:hiddenLine xmlns:a14="http://schemas.microsoft.com/office/drawing/2010/main" xmlns:p14="http://schemas.microsoft.com/office/powerpoint/2010/main" xmlns:a16="http://schemas.microsoft.com/office/drawing/2014/main" xmlns="" w="9525">
+                  <a14:hiddenLine xmlns="" xmlns:a16="http://schemas.microsoft.com/office/drawing/2014/main" xmlns:p14="http://schemas.microsoft.com/office/powerpoint/2010/main" xmlns:a14="http://schemas.microsoft.com/office/drawing/2010/main" w="9525">
                     <a:solidFill>
                       <a:srgbClr val="000000"/>
                     </a:solidFill>
@@ -21131,7 +21154,7 @@
               </a:ln>
               <a:extLst>
                 <a:ext uri="{91240B29-F687-4f45-9708-019B960494DF}">
-                  <a14:hiddenLine xmlns:a14="http://schemas.microsoft.com/office/drawing/2010/main" xmlns:p14="http://schemas.microsoft.com/office/powerpoint/2010/main" xmlns:a16="http://schemas.microsoft.com/office/drawing/2014/main" xmlns="" w="9525">
+                  <a14:hiddenLine xmlns="" xmlns:a16="http://schemas.microsoft.com/office/drawing/2014/main" xmlns:p14="http://schemas.microsoft.com/office/powerpoint/2010/main" xmlns:a14="http://schemas.microsoft.com/office/drawing/2010/main" w="9525">
                     <a:solidFill>
                       <a:srgbClr val="000000"/>
                     </a:solidFill>
@@ -21243,7 +21266,7 @@
               </a:ln>
               <a:extLst>
                 <a:ext uri="{91240B29-F687-4f45-9708-019B960494DF}">
-                  <a14:hiddenLine xmlns:a14="http://schemas.microsoft.com/office/drawing/2010/main" xmlns:p14="http://schemas.microsoft.com/office/powerpoint/2010/main" xmlns:a16="http://schemas.microsoft.com/office/drawing/2014/main" xmlns="" w="9525">
+                  <a14:hiddenLine xmlns="" xmlns:a16="http://schemas.microsoft.com/office/drawing/2014/main" xmlns:p14="http://schemas.microsoft.com/office/powerpoint/2010/main" xmlns:a14="http://schemas.microsoft.com/office/drawing/2010/main" w="9525">
                     <a:solidFill>
                       <a:srgbClr val="000000"/>
                     </a:solidFill>
@@ -21333,7 +21356,7 @@
               </a:ln>
               <a:extLst>
                 <a:ext uri="{91240B29-F687-4f45-9708-019B960494DF}">
-                  <a14:hiddenLine xmlns:a14="http://schemas.microsoft.com/office/drawing/2010/main" xmlns:p14="http://schemas.microsoft.com/office/powerpoint/2010/main" xmlns:a16="http://schemas.microsoft.com/office/drawing/2014/main" xmlns="" w="9525">
+                  <a14:hiddenLine xmlns="" xmlns:a16="http://schemas.microsoft.com/office/drawing/2014/main" xmlns:p14="http://schemas.microsoft.com/office/powerpoint/2010/main" xmlns:a14="http://schemas.microsoft.com/office/drawing/2010/main" w="9525">
                     <a:solidFill>
                       <a:srgbClr val="000000"/>
                     </a:solidFill>
@@ -21445,7 +21468,7 @@
               </a:ln>
               <a:extLst>
                 <a:ext uri="{91240B29-F687-4f45-9708-019B960494DF}">
-                  <a14:hiddenLine xmlns:a14="http://schemas.microsoft.com/office/drawing/2010/main" xmlns:p14="http://schemas.microsoft.com/office/powerpoint/2010/main" xmlns:a16="http://schemas.microsoft.com/office/drawing/2014/main" xmlns="" w="9525">
+                  <a14:hiddenLine xmlns="" xmlns:a16="http://schemas.microsoft.com/office/drawing/2014/main" xmlns:p14="http://schemas.microsoft.com/office/powerpoint/2010/main" xmlns:a14="http://schemas.microsoft.com/office/drawing/2010/main" w="9525">
                     <a:solidFill>
                       <a:srgbClr val="000000"/>
                     </a:solidFill>
@@ -21535,7 +21558,7 @@
               </a:ln>
               <a:extLst>
                 <a:ext uri="{91240B29-F687-4f45-9708-019B960494DF}">
-                  <a14:hiddenLine xmlns:a14="http://schemas.microsoft.com/office/drawing/2010/main" xmlns:p14="http://schemas.microsoft.com/office/powerpoint/2010/main" xmlns:a16="http://schemas.microsoft.com/office/drawing/2014/main" xmlns="" w="9525">
+                  <a14:hiddenLine xmlns="" xmlns:a16="http://schemas.microsoft.com/office/drawing/2014/main" xmlns:p14="http://schemas.microsoft.com/office/powerpoint/2010/main" xmlns:a14="http://schemas.microsoft.com/office/drawing/2010/main" w="9525">
                     <a:solidFill>
                       <a:srgbClr val="000000"/>
                     </a:solidFill>
@@ -21647,7 +21670,7 @@
               </a:ln>
               <a:extLst>
                 <a:ext uri="{91240B29-F687-4f45-9708-019B960494DF}">
-                  <a14:hiddenLine xmlns:a14="http://schemas.microsoft.com/office/drawing/2010/main" xmlns:p14="http://schemas.microsoft.com/office/powerpoint/2010/main" xmlns:a16="http://schemas.microsoft.com/office/drawing/2014/main" xmlns="" w="9525">
+                  <a14:hiddenLine xmlns="" xmlns:a16="http://schemas.microsoft.com/office/drawing/2014/main" xmlns:p14="http://schemas.microsoft.com/office/powerpoint/2010/main" xmlns:a14="http://schemas.microsoft.com/office/drawing/2010/main" w="9525">
                     <a:solidFill>
                       <a:srgbClr val="000000"/>
                     </a:solidFill>
@@ -21703,7 +21726,7 @@
               </a:ln>
               <a:extLst>
                 <a:ext uri="{91240B29-F687-4f45-9708-019B960494DF}">
-                  <a14:hiddenLine xmlns:a14="http://schemas.microsoft.com/office/drawing/2010/main" xmlns:p14="http://schemas.microsoft.com/office/powerpoint/2010/main" xmlns:a16="http://schemas.microsoft.com/office/drawing/2014/main" xmlns="" w="9525">
+                  <a14:hiddenLine xmlns="" xmlns:a16="http://schemas.microsoft.com/office/drawing/2014/main" xmlns:p14="http://schemas.microsoft.com/office/powerpoint/2010/main" xmlns:a14="http://schemas.microsoft.com/office/drawing/2010/main" w="9525">
                     <a:solidFill>
                       <a:srgbClr val="000000"/>
                     </a:solidFill>
@@ -21772,7 +21795,7 @@
           <a:noFill/>
           <a:extLst>
             <a:ext uri="{909E8E84-426E-40dd-AFC4-6F175D3DCCD1}">
-              <a14:hiddenFill xmlns:a14="http://schemas.microsoft.com/office/drawing/2010/main" xmlns:p14="http://schemas.microsoft.com/office/powerpoint/2010/main" xmlns:a16="http://schemas.microsoft.com/office/drawing/2014/main" xmlns="">
+              <a14:hiddenFill xmlns="" xmlns:a16="http://schemas.microsoft.com/office/drawing/2014/main" xmlns:p14="http://schemas.microsoft.com/office/powerpoint/2010/main" xmlns:a14="http://schemas.microsoft.com/office/drawing/2010/main">
                 <a:solidFill>
                   <a:srgbClr val="FFFFFF"/>
                 </a:solidFill>
@@ -23666,4 +23689,272 @@
     </a:ext>
   </a:extLst>
 </a:theme>
+</file>
+
+<file path=customXml/item1.xml><?xml version="1.0" encoding="utf-8"?>
+<ct:contentTypeSchema xmlns:ct="http://schemas.microsoft.com/office/2006/metadata/contentType" xmlns:ma="http://schemas.microsoft.com/office/2006/metadata/properties/metaAttributes" ct:_="" ma:_="" ma:contentTypeName="Document" ma:contentTypeID="0x0101000AB73EB492119943B3969339C4E6DE8B" ma:contentTypeVersion="11" ma:contentTypeDescription="Create a new document." ma:contentTypeScope="" ma:versionID="bc8fbbb2255098cbbace3e84ba9e3314">
+  <xsd:schema xmlns:xsd="http://www.w3.org/2001/XMLSchema" xmlns:xs="http://www.w3.org/2001/XMLSchema" xmlns:p="http://schemas.microsoft.com/office/2006/metadata/properties" xmlns:ns3="2d182beb-936c-4a1e-8057-ffe191512bbb" xmlns:ns4="56334ec6-18e1-4e0d-8137-c57cc6a15c84" targetNamespace="http://schemas.microsoft.com/office/2006/metadata/properties" ma:root="true" ma:fieldsID="5f2134b7d5ca9c15cf8ebfa44ab89879" ns3:_="" ns4:_="">
+    <xsd:import namespace="2d182beb-936c-4a1e-8057-ffe191512bbb"/>
+    <xsd:import namespace="56334ec6-18e1-4e0d-8137-c57cc6a15c84"/>
+    <xsd:element name="properties">
+      <xsd:complexType>
+        <xsd:sequence>
+          <xsd:element name="documentManagement">
+            <xsd:complexType>
+              <xsd:all>
+                <xsd:element ref="ns3:MediaServiceMetadata" minOccurs="0"/>
+                <xsd:element ref="ns3:MediaServiceFastMetadata" minOccurs="0"/>
+                <xsd:element ref="ns3:MediaServiceAutoTags" minOccurs="0"/>
+                <xsd:element ref="ns3:MediaServiceGenerationTime" minOccurs="0"/>
+                <xsd:element ref="ns3:MediaServiceEventHashCode" minOccurs="0"/>
+                <xsd:element ref="ns3:_activity" minOccurs="0"/>
+                <xsd:element ref="ns4:SharedWithUsers" minOccurs="0"/>
+                <xsd:element ref="ns4:SharedWithDetails" minOccurs="0"/>
+                <xsd:element ref="ns4:SharingHintHash" minOccurs="0"/>
+                <xsd:element ref="ns3:MediaServiceObjectDetectorVersions" minOccurs="0"/>
+                <xsd:element ref="ns3:MediaServiceSearchProperties" minOccurs="0"/>
+              </xsd:all>
+            </xsd:complexType>
+          </xsd:element>
+        </xsd:sequence>
+      </xsd:complexType>
+    </xsd:element>
+  </xsd:schema>
+  <xsd:schema xmlns:xsd="http://www.w3.org/2001/XMLSchema" xmlns:xs="http://www.w3.org/2001/XMLSchema" xmlns:dms="http://schemas.microsoft.com/office/2006/documentManagement/types" xmlns:pc="http://schemas.microsoft.com/office/infopath/2007/PartnerControls" targetNamespace="2d182beb-936c-4a1e-8057-ffe191512bbb" elementFormDefault="qualified">
+    <xsd:import namespace="http://schemas.microsoft.com/office/2006/documentManagement/types"/>
+    <xsd:import namespace="http://schemas.microsoft.com/office/infopath/2007/PartnerControls"/>
+    <xsd:element name="MediaServiceMetadata" ma:index="8" nillable="true" ma:displayName="MediaServiceMetadata" ma:hidden="true" ma:internalName="MediaServiceMetadata" ma:readOnly="true">
+      <xsd:simpleType>
+        <xsd:restriction base="dms:Note"/>
+      </xsd:simpleType>
+    </xsd:element>
+    <xsd:element name="MediaServiceFastMetadata" ma:index="9" nillable="true" ma:displayName="MediaServiceFastMetadata" ma:hidden="true" ma:internalName="MediaServiceFastMetadata" ma:readOnly="true">
+      <xsd:simpleType>
+        <xsd:restriction base="dms:Note"/>
+      </xsd:simpleType>
+    </xsd:element>
+    <xsd:element name="MediaServiceAutoTags" ma:index="10" nillable="true" ma:displayName="Tags" ma:internalName="MediaServiceAutoTags" ma:readOnly="true">
+      <xsd:simpleType>
+        <xsd:restriction base="dms:Text"/>
+      </xsd:simpleType>
+    </xsd:element>
+    <xsd:element name="MediaServiceGenerationTime" ma:index="11" nillable="true" ma:displayName="MediaServiceGenerationTime" ma:hidden="true" ma:internalName="MediaServiceGenerationTime" ma:readOnly="true">
+      <xsd:simpleType>
+        <xsd:restriction base="dms:Text"/>
+      </xsd:simpleType>
+    </xsd:element>
+    <xsd:element name="MediaServiceEventHashCode" ma:index="12" nillable="true" ma:displayName="MediaServiceEventHashCode" ma:hidden="true" ma:internalName="MediaServiceEventHashCode" ma:readOnly="true">
+      <xsd:simpleType>
+        <xsd:restriction base="dms:Text"/>
+      </xsd:simpleType>
+    </xsd:element>
+    <xsd:element name="_activity" ma:index="13" nillable="true" ma:displayName="_activity" ma:hidden="true" ma:internalName="_activity">
+      <xsd:simpleType>
+        <xsd:restriction base="dms:Note"/>
+      </xsd:simpleType>
+    </xsd:element>
+    <xsd:element name="MediaServiceObjectDetectorVersions" ma:index="17" nillable="true" ma:displayName="MediaServiceObjectDetectorVersions" ma:hidden="true" ma:indexed="true" ma:internalName="MediaServiceObjectDetectorVersions" ma:readOnly="true">
+      <xsd:simpleType>
+        <xsd:restriction base="dms:Text"/>
+      </xsd:simpleType>
+    </xsd:element>
+    <xsd:element name="MediaServiceSearchProperties" ma:index="18" nillable="true" ma:displayName="MediaServiceSearchProperties" ma:hidden="true" ma:internalName="MediaServiceSearchProperties" ma:readOnly="true">
+      <xsd:simpleType>
+        <xsd:restriction base="dms:Note"/>
+      </xsd:simpleType>
+    </xsd:element>
+  </xsd:schema>
+  <xsd:schema xmlns:xsd="http://www.w3.org/2001/XMLSchema" xmlns:xs="http://www.w3.org/2001/XMLSchema" xmlns:dms="http://schemas.microsoft.com/office/2006/documentManagement/types" xmlns:pc="http://schemas.microsoft.com/office/infopath/2007/PartnerControls" targetNamespace="56334ec6-18e1-4e0d-8137-c57cc6a15c84" elementFormDefault="qualified">
+    <xsd:import namespace="http://schemas.microsoft.com/office/2006/documentManagement/types"/>
+    <xsd:import namespace="http://schemas.microsoft.com/office/infopath/2007/PartnerControls"/>
+    <xsd:element name="SharedWithUsers" ma:index="14" nillable="true" ma:displayName="Shared With" ma:internalName="SharedWithUsers" ma:readOnly="true">
+      <xsd:complexType>
+        <xsd:complexContent>
+          <xsd:extension base="dms:UserMulti">
+            <xsd:sequence>
+              <xsd:element name="UserInfo" minOccurs="0" maxOccurs="unbounded">
+                <xsd:complexType>
+                  <xsd:sequence>
+                    <xsd:element name="DisplayName" type="xsd:string" minOccurs="0"/>
+                    <xsd:element name="AccountId" type="dms:UserId" minOccurs="0" nillable="true"/>
+                    <xsd:element name="AccountType" type="xsd:string" minOccurs="0"/>
+                  </xsd:sequence>
+                </xsd:complexType>
+              </xsd:element>
+            </xsd:sequence>
+          </xsd:extension>
+        </xsd:complexContent>
+      </xsd:complexType>
+    </xsd:element>
+    <xsd:element name="SharedWithDetails" ma:index="15" nillable="true" ma:displayName="Shared With Details" ma:internalName="SharedWithDetails" ma:readOnly="true">
+      <xsd:simpleType>
+        <xsd:restriction base="dms:Note">
+          <xsd:maxLength value="255"/>
+        </xsd:restriction>
+      </xsd:simpleType>
+    </xsd:element>
+    <xsd:element name="SharingHintHash" ma:index="16" nillable="true" ma:displayName="Sharing Hint Hash" ma:hidden="true" ma:internalName="SharingHintHash" ma:readOnly="true">
+      <xsd:simpleType>
+        <xsd:restriction base="dms:Text"/>
+      </xsd:simpleType>
+    </xsd:element>
+  </xsd:schema>
+  <xsd:schema xmlns="http://schemas.openxmlformats.org/package/2006/metadata/core-properties" xmlns:xsd="http://www.w3.org/2001/XMLSchema" xmlns:xsi="http://www.w3.org/2001/XMLSchema-instance" xmlns:dc="http://purl.org/dc/elements/1.1/" xmlns:dcterms="http://purl.org/dc/terms/" xmlns:odoc="http://schemas.microsoft.com/internal/obd" targetNamespace="http://schemas.openxmlformats.org/package/2006/metadata/core-properties" elementFormDefault="qualified" attributeFormDefault="unqualified" blockDefault="#all">
+    <xsd:import namespace="http://purl.org/dc/elements/1.1/" schemaLocation="http://dublincore.org/schemas/xmls/qdc/2003/04/02/dc.xsd"/>
+    <xsd:import namespace="http://purl.org/dc/terms/" schemaLocation="http://dublincore.org/schemas/xmls/qdc/2003/04/02/dcterms.xsd"/>
+    <xsd:element name="coreProperties" type="CT_coreProperties"/>
+    <xsd:complexType name="CT_coreProperties">
+      <xsd:all>
+        <xsd:element ref="dc:creator" minOccurs="0" maxOccurs="1"/>
+        <xsd:element ref="dcterms:created" minOccurs="0" maxOccurs="1"/>
+        <xsd:element ref="dc:identifier" minOccurs="0" maxOccurs="1"/>
+        <xsd:element name="contentType" minOccurs="0" maxOccurs="1" type="xsd:string" ma:index="0" ma:displayName="Content Type"/>
+        <xsd:element ref="dc:title" minOccurs="0" maxOccurs="1" ma:index="4" ma:displayName="Title"/>
+        <xsd:element ref="dc:subject" minOccurs="0" maxOccurs="1"/>
+        <xsd:element ref="dc:description" minOccurs="0" maxOccurs="1"/>
+        <xsd:element name="keywords" minOccurs="0" maxOccurs="1" type="xsd:string"/>
+        <xsd:element ref="dc:language" minOccurs="0" maxOccurs="1"/>
+        <xsd:element name="category" minOccurs="0" maxOccurs="1" type="xsd:string"/>
+        <xsd:element name="version" minOccurs="0" maxOccurs="1" type="xsd:string"/>
+        <xsd:element name="revision" minOccurs="0" maxOccurs="1" type="xsd:string">
+          <xsd:annotation>
+            <xsd:documentation>
+                        This value indicates the number of saves or revisions. The application is responsible for updating this value after each revision.
+                    </xsd:documentation>
+          </xsd:annotation>
+        </xsd:element>
+        <xsd:element name="lastModifiedBy" minOccurs="0" maxOccurs="1" type="xsd:string"/>
+        <xsd:element ref="dcterms:modified" minOccurs="0" maxOccurs="1"/>
+        <xsd:element name="contentStatus" minOccurs="0" maxOccurs="1" type="xsd:string"/>
+      </xsd:all>
+    </xsd:complexType>
+  </xsd:schema>
+  <xs:schema xmlns:pc="http://schemas.microsoft.com/office/infopath/2007/PartnerControls" xmlns:xs="http://www.w3.org/2001/XMLSchema" targetNamespace="http://schemas.microsoft.com/office/infopath/2007/PartnerControls" elementFormDefault="qualified" attributeFormDefault="unqualified">
+    <xs:element name="Person">
+      <xs:complexType>
+        <xs:sequence>
+          <xs:element ref="pc:DisplayName" minOccurs="0"/>
+          <xs:element ref="pc:AccountId" minOccurs="0"/>
+          <xs:element ref="pc:AccountType" minOccurs="0"/>
+        </xs:sequence>
+      </xs:complexType>
+    </xs:element>
+    <xs:element name="DisplayName" type="xs:string"/>
+    <xs:element name="AccountId" type="xs:string"/>
+    <xs:element name="AccountType" type="xs:string"/>
+    <xs:element name="BDCAssociatedEntity">
+      <xs:complexType>
+        <xs:sequence>
+          <xs:element ref="pc:BDCEntity" minOccurs="0" maxOccurs="unbounded"/>
+        </xs:sequence>
+        <xs:attribute ref="pc:EntityNamespace"/>
+        <xs:attribute ref="pc:EntityName"/>
+        <xs:attribute ref="pc:SystemInstanceName"/>
+        <xs:attribute ref="pc:AssociationName"/>
+      </xs:complexType>
+    </xs:element>
+    <xs:attribute name="EntityNamespace" type="xs:string"/>
+    <xs:attribute name="EntityName" type="xs:string"/>
+    <xs:attribute name="SystemInstanceName" type="xs:string"/>
+    <xs:attribute name="AssociationName" type="xs:string"/>
+    <xs:element name="BDCEntity">
+      <xs:complexType>
+        <xs:sequence>
+          <xs:element ref="pc:EntityDisplayName" minOccurs="0"/>
+          <xs:element ref="pc:EntityInstanceReference" minOccurs="0"/>
+          <xs:element ref="pc:EntityId1" minOccurs="0"/>
+          <xs:element ref="pc:EntityId2" minOccurs="0"/>
+          <xs:element ref="pc:EntityId3" minOccurs="0"/>
+          <xs:element ref="pc:EntityId4" minOccurs="0"/>
+          <xs:element ref="pc:EntityId5" minOccurs="0"/>
+        </xs:sequence>
+      </xs:complexType>
+    </xs:element>
+    <xs:element name="EntityDisplayName" type="xs:string"/>
+    <xs:element name="EntityInstanceReference" type="xs:string"/>
+    <xs:element name="EntityId1" type="xs:string"/>
+    <xs:element name="EntityId2" type="xs:string"/>
+    <xs:element name="EntityId3" type="xs:string"/>
+    <xs:element name="EntityId4" type="xs:string"/>
+    <xs:element name="EntityId5" type="xs:string"/>
+    <xs:element name="Terms">
+      <xs:complexType>
+        <xs:sequence>
+          <xs:element ref="pc:TermInfo" minOccurs="0" maxOccurs="unbounded"/>
+        </xs:sequence>
+      </xs:complexType>
+    </xs:element>
+    <xs:element name="TermInfo">
+      <xs:complexType>
+        <xs:sequence>
+          <xs:element ref="pc:TermName" minOccurs="0"/>
+          <xs:element ref="pc:TermId" minOccurs="0"/>
+        </xs:sequence>
+      </xs:complexType>
+    </xs:element>
+    <xs:element name="TermName" type="xs:string"/>
+    <xs:element name="TermId" type="xs:string"/>
+  </xs:schema>
+</ct:contentTypeSchema>
+</file>
+
+<file path=customXml/item2.xml><?xml version="1.0" encoding="utf-8"?>
+<?mso-contentType ?>
+<FormTemplates xmlns="http://schemas.microsoft.com/sharepoint/v3/contenttype/forms">
+  <Display>DocumentLibraryForm</Display>
+  <Edit>DocumentLibraryForm</Edit>
+  <New>DocumentLibraryForm</New>
+</FormTemplates>
+</file>
+
+<file path=customXml/item3.xml><?xml version="1.0" encoding="utf-8"?>
+<p:properties xmlns:p="http://schemas.microsoft.com/office/2006/metadata/properties" xmlns:xsi="http://www.w3.org/2001/XMLSchema-instance" xmlns:pc="http://schemas.microsoft.com/office/infopath/2007/PartnerControls">
+  <documentManagement>
+    <_activity xmlns="2d182beb-936c-4a1e-8057-ffe191512bbb" xsi:nil="true"/>
+  </documentManagement>
+</p:properties>
+</file>
+
+<file path=customXml/itemProps1.xml><?xml version="1.0" encoding="utf-8"?>
+<ds:datastoreItem xmlns:ds="http://schemas.openxmlformats.org/officeDocument/2006/customXml" ds:itemID="{DEB0BBC4-07CC-42F3-954A-3D3D93489FC0}">
+  <ds:schemaRefs>
+    <ds:schemaRef ds:uri="http://schemas.microsoft.com/office/2006/metadata/contentType"/>
+    <ds:schemaRef ds:uri="http://schemas.microsoft.com/office/2006/metadata/properties/metaAttributes"/>
+    <ds:schemaRef ds:uri="http://www.w3.org/2001/XMLSchema"/>
+    <ds:schemaRef ds:uri="http://schemas.microsoft.com/office/2006/metadata/properties"/>
+    <ds:schemaRef ds:uri="2d182beb-936c-4a1e-8057-ffe191512bbb"/>
+    <ds:schemaRef ds:uri="56334ec6-18e1-4e0d-8137-c57cc6a15c84"/>
+    <ds:schemaRef ds:uri="http://schemas.microsoft.com/office/2006/documentManagement/types"/>
+    <ds:schemaRef ds:uri="http://schemas.microsoft.com/office/infopath/2007/PartnerControls"/>
+    <ds:schemaRef ds:uri="http://schemas.openxmlformats.org/package/2006/metadata/core-properties"/>
+    <ds:schemaRef ds:uri="http://purl.org/dc/elements/1.1/"/>
+    <ds:schemaRef ds:uri="http://purl.org/dc/terms/"/>
+    <ds:schemaRef ds:uri="http://schemas.microsoft.com/internal/obd"/>
+  </ds:schemaRefs>
+</ds:datastoreItem>
+</file>
+
+<file path=customXml/itemProps2.xml><?xml version="1.0" encoding="utf-8"?>
+<ds:datastoreItem xmlns:ds="http://schemas.openxmlformats.org/officeDocument/2006/customXml" ds:itemID="{B91A22D7-1472-4FF2-8175-3C34A5B5F515}">
+  <ds:schemaRefs>
+    <ds:schemaRef ds:uri="http://schemas.microsoft.com/sharepoint/v3/contenttype/forms"/>
+  </ds:schemaRefs>
+</ds:datastoreItem>
+</file>
+
+<file path=customXml/itemProps3.xml><?xml version="1.0" encoding="utf-8"?>
+<ds:datastoreItem xmlns:ds="http://schemas.openxmlformats.org/officeDocument/2006/customXml" ds:itemID="{8ED53339-68CC-48FE-8DCF-2CCC5E8CFB85}">
+  <ds:schemaRefs>
+    <ds:schemaRef ds:uri="2d182beb-936c-4a1e-8057-ffe191512bbb"/>
+    <ds:schemaRef ds:uri="http://schemas.microsoft.com/office/2006/documentManagement/types"/>
+    <ds:schemaRef ds:uri="http://purl.org/dc/elements/1.1/"/>
+    <ds:schemaRef ds:uri="http://purl.org/dc/dcmitype/"/>
+    <ds:schemaRef ds:uri="http://schemas.microsoft.com/office/2006/metadata/properties"/>
+    <ds:schemaRef ds:uri="56334ec6-18e1-4e0d-8137-c57cc6a15c84"/>
+    <ds:schemaRef ds:uri="http://schemas.microsoft.com/office/infopath/2007/PartnerControls"/>
+    <ds:schemaRef ds:uri="http://schemas.openxmlformats.org/package/2006/metadata/core-properties"/>
+    <ds:schemaRef ds:uri="http://www.w3.org/XML/1998/namespace"/>
+    <ds:schemaRef ds:uri="http://purl.org/dc/terms/"/>
+  </ds:schemaRefs>
+</ds:datastoreItem>
 </file>
--- a/final_Presentation_New.pptx
+++ b/final_Presentation_New.pptx
@@ -177,7 +177,7 @@
           <a:noFill/>
           <a:extLst>
             <a:ext uri="{909E8E84-426E-40dd-AFC4-6F175D3DCCD1}">
-              <a14:hiddenFill xmlns:a14="http://schemas.microsoft.com/office/drawing/2010/main" xmlns="">
+              <a14:hiddenFill xmlns="" xmlns:a14="http://schemas.microsoft.com/office/drawing/2010/main">
                 <a:solidFill>
                   <a:srgbClr val="FFFFFF"/>
                 </a:solidFill>
@@ -237,7 +237,7 @@
             </a:ln>
             <a:extLst>
               <a:ext uri="{91240B29-F687-4f45-9708-019B960494DF}">
-                <a14:hiddenLine xmlns:a14="http://schemas.microsoft.com/office/drawing/2010/main" xmlns="" w="9525">
+                <a14:hiddenLine xmlns="" xmlns:a14="http://schemas.microsoft.com/office/drawing/2010/main" w="9525">
                   <a:solidFill>
                     <a:srgbClr val="000000"/>
                   </a:solidFill>
@@ -327,7 +327,7 @@
             </a:ln>
             <a:extLst>
               <a:ext uri="{91240B29-F687-4f45-9708-019B960494DF}">
-                <a14:hiddenLine xmlns:a14="http://schemas.microsoft.com/office/drawing/2010/main" xmlns="" w="9525">
+                <a14:hiddenLine xmlns="" xmlns:a14="http://schemas.microsoft.com/office/drawing/2010/main" w="9525">
                   <a:solidFill>
                     <a:srgbClr val="000000"/>
                   </a:solidFill>
@@ -417,7 +417,7 @@
             </a:ln>
             <a:extLst>
               <a:ext uri="{91240B29-F687-4f45-9708-019B960494DF}">
-                <a14:hiddenLine xmlns:a14="http://schemas.microsoft.com/office/drawing/2010/main" xmlns="" w="9525">
+                <a14:hiddenLine xmlns="" xmlns:a14="http://schemas.microsoft.com/office/drawing/2010/main" w="9525">
                   <a:solidFill>
                     <a:srgbClr val="000000"/>
                   </a:solidFill>
@@ -451,7 +451,7 @@
             </a:ln>
             <a:extLst>
               <a:ext uri="{91240B29-F687-4f45-9708-019B960494DF}">
-                <a14:hiddenLine xmlns:a14="http://schemas.microsoft.com/office/drawing/2010/main" xmlns="" w="9525">
+                <a14:hiddenLine xmlns="" xmlns:a14="http://schemas.microsoft.com/office/drawing/2010/main" w="9525">
                   <a:solidFill>
                     <a:srgbClr val="000000"/>
                   </a:solidFill>
@@ -541,7 +541,7 @@
             </a:ln>
             <a:extLst>
               <a:ext uri="{91240B29-F687-4f45-9708-019B960494DF}">
-                <a14:hiddenLine xmlns:a14="http://schemas.microsoft.com/office/drawing/2010/main" xmlns="" w="9525">
+                <a14:hiddenLine xmlns="" xmlns:a14="http://schemas.microsoft.com/office/drawing/2010/main" w="9525">
                   <a:solidFill>
                     <a:srgbClr val="000000"/>
                   </a:solidFill>
@@ -603,7 +603,7 @@
             </a:ln>
             <a:extLst>
               <a:ext uri="{91240B29-F687-4f45-9708-019B960494DF}">
-                <a14:hiddenLine xmlns:a14="http://schemas.microsoft.com/office/drawing/2010/main" xmlns="" w="9525">
+                <a14:hiddenLine xmlns="" xmlns:a14="http://schemas.microsoft.com/office/drawing/2010/main" w="9525">
                   <a:solidFill>
                     <a:srgbClr val="000000"/>
                   </a:solidFill>
@@ -665,7 +665,7 @@
             </a:ln>
             <a:extLst>
               <a:ext uri="{91240B29-F687-4f45-9708-019B960494DF}">
-                <a14:hiddenLine xmlns:a14="http://schemas.microsoft.com/office/drawing/2010/main" xmlns="" w="9525">
+                <a14:hiddenLine xmlns="" xmlns:a14="http://schemas.microsoft.com/office/drawing/2010/main" w="9525">
                   <a:solidFill>
                     <a:srgbClr val="000000"/>
                   </a:solidFill>
@@ -755,7 +755,7 @@
             </a:ln>
             <a:extLst>
               <a:ext uri="{91240B29-F687-4f45-9708-019B960494DF}">
-                <a14:hiddenLine xmlns:a14="http://schemas.microsoft.com/office/drawing/2010/main" xmlns="" w="9525">
+                <a14:hiddenLine xmlns="" xmlns:a14="http://schemas.microsoft.com/office/drawing/2010/main" w="9525">
                   <a:solidFill>
                     <a:srgbClr val="000000"/>
                   </a:solidFill>
@@ -817,7 +817,7 @@
             </a:ln>
             <a:extLst>
               <a:ext uri="{91240B29-F687-4f45-9708-019B960494DF}">
-                <a14:hiddenLine xmlns:a14="http://schemas.microsoft.com/office/drawing/2010/main" xmlns="" w="9525">
+                <a14:hiddenLine xmlns="" xmlns:a14="http://schemas.microsoft.com/office/drawing/2010/main" w="9525">
                   <a:solidFill>
                     <a:srgbClr val="000000"/>
                   </a:solidFill>
@@ -879,7 +879,7 @@
             </a:ln>
             <a:extLst>
               <a:ext uri="{91240B29-F687-4f45-9708-019B960494DF}">
-                <a14:hiddenLine xmlns:a14="http://schemas.microsoft.com/office/drawing/2010/main" xmlns="" w="9525">
+                <a14:hiddenLine xmlns="" xmlns:a14="http://schemas.microsoft.com/office/drawing/2010/main" w="9525">
                   <a:solidFill>
                     <a:srgbClr val="000000"/>
                   </a:solidFill>
@@ -969,7 +969,7 @@
             </a:ln>
             <a:extLst>
               <a:ext uri="{91240B29-F687-4f45-9708-019B960494DF}">
-                <a14:hiddenLine xmlns:a14="http://schemas.microsoft.com/office/drawing/2010/main" xmlns="" w="9525">
+                <a14:hiddenLine xmlns="" xmlns:a14="http://schemas.microsoft.com/office/drawing/2010/main" w="9525">
                   <a:solidFill>
                     <a:srgbClr val="000000"/>
                   </a:solidFill>
@@ -1059,7 +1059,7 @@
             </a:ln>
             <a:extLst>
               <a:ext uri="{91240B29-F687-4f45-9708-019B960494DF}">
-                <a14:hiddenLine xmlns:a14="http://schemas.microsoft.com/office/drawing/2010/main" xmlns="" w="9525">
+                <a14:hiddenLine xmlns="" xmlns:a14="http://schemas.microsoft.com/office/drawing/2010/main" w="9525">
                   <a:solidFill>
                     <a:srgbClr val="000000"/>
                   </a:solidFill>
@@ -1121,7 +1121,7 @@
             </a:ln>
             <a:extLst>
               <a:ext uri="{91240B29-F687-4f45-9708-019B960494DF}">
-                <a14:hiddenLine xmlns:a14="http://schemas.microsoft.com/office/drawing/2010/main" xmlns="" w="9525">
+                <a14:hiddenLine xmlns="" xmlns:a14="http://schemas.microsoft.com/office/drawing/2010/main" w="9525">
                   <a:solidFill>
                     <a:srgbClr val="000000"/>
                   </a:solidFill>
@@ -1231,7 +1231,7 @@
             </a:ln>
             <a:extLst>
               <a:ext uri="{91240B29-F687-4f45-9708-019B960494DF}">
-                <a14:hiddenLine xmlns:a14="http://schemas.microsoft.com/office/drawing/2010/main" xmlns="" w="9525">
+                <a14:hiddenLine xmlns="" xmlns:a14="http://schemas.microsoft.com/office/drawing/2010/main" w="9525">
                   <a:solidFill>
                     <a:srgbClr val="000000"/>
                   </a:solidFill>
@@ -1293,7 +1293,7 @@
             </a:ln>
             <a:extLst>
               <a:ext uri="{91240B29-F687-4f45-9708-019B960494DF}">
-                <a14:hiddenLine xmlns:a14="http://schemas.microsoft.com/office/drawing/2010/main" xmlns="" w="9525">
+                <a14:hiddenLine xmlns="" xmlns:a14="http://schemas.microsoft.com/office/drawing/2010/main" w="9525">
                   <a:solidFill>
                     <a:srgbClr val="000000"/>
                   </a:solidFill>
@@ -1383,7 +1383,7 @@
             </a:ln>
             <a:extLst>
               <a:ext uri="{91240B29-F687-4f45-9708-019B960494DF}">
-                <a14:hiddenLine xmlns:a14="http://schemas.microsoft.com/office/drawing/2010/main" xmlns="" w="9525">
+                <a14:hiddenLine xmlns="" xmlns:a14="http://schemas.microsoft.com/office/drawing/2010/main" w="9525">
                   <a:solidFill>
                     <a:srgbClr val="000000"/>
                   </a:solidFill>
@@ -1473,7 +1473,7 @@
             </a:ln>
             <a:extLst>
               <a:ext uri="{91240B29-F687-4f45-9708-019B960494DF}">
-                <a14:hiddenLine xmlns:a14="http://schemas.microsoft.com/office/drawing/2010/main" xmlns="" w="9525">
+                <a14:hiddenLine xmlns="" xmlns:a14="http://schemas.microsoft.com/office/drawing/2010/main" w="9525">
                   <a:solidFill>
                     <a:srgbClr val="000000"/>
                   </a:solidFill>
@@ -1535,7 +1535,7 @@
             </a:ln>
             <a:extLst>
               <a:ext uri="{91240B29-F687-4f45-9708-019B960494DF}">
-                <a14:hiddenLine xmlns:a14="http://schemas.microsoft.com/office/drawing/2010/main" xmlns="" w="9525">
+                <a14:hiddenLine xmlns="" xmlns:a14="http://schemas.microsoft.com/office/drawing/2010/main" w="9525">
                   <a:solidFill>
                     <a:srgbClr val="000000"/>
                   </a:solidFill>
@@ -1625,7 +1625,7 @@
             </a:ln>
             <a:extLst>
               <a:ext uri="{91240B29-F687-4f45-9708-019B960494DF}">
-                <a14:hiddenLine xmlns:a14="http://schemas.microsoft.com/office/drawing/2010/main" xmlns="" w="9525">
+                <a14:hiddenLine xmlns="" xmlns:a14="http://schemas.microsoft.com/office/drawing/2010/main" w="9525">
                   <a:solidFill>
                     <a:srgbClr val="000000"/>
                   </a:solidFill>
@@ -1715,7 +1715,7 @@
             </a:ln>
             <a:extLst>
               <a:ext uri="{91240B29-F687-4f45-9708-019B960494DF}">
-                <a14:hiddenLine xmlns:a14="http://schemas.microsoft.com/office/drawing/2010/main" xmlns="" w="9525">
+                <a14:hiddenLine xmlns="" xmlns:a14="http://schemas.microsoft.com/office/drawing/2010/main" w="9525">
                   <a:solidFill>
                     <a:srgbClr val="000000"/>
                   </a:solidFill>
@@ -1771,7 +1771,7 @@
             </a:ln>
             <a:extLst>
               <a:ext uri="{91240B29-F687-4f45-9708-019B960494DF}">
-                <a14:hiddenLine xmlns:a14="http://schemas.microsoft.com/office/drawing/2010/main" xmlns="" w="9525">
+                <a14:hiddenLine xmlns="" xmlns:a14="http://schemas.microsoft.com/office/drawing/2010/main" w="9525">
                   <a:solidFill>
                     <a:srgbClr val="000000"/>
                   </a:solidFill>
@@ -1861,7 +1861,7 @@
             </a:ln>
             <a:extLst>
               <a:ext uri="{91240B29-F687-4f45-9708-019B960494DF}">
-                <a14:hiddenLine xmlns:a14="http://schemas.microsoft.com/office/drawing/2010/main" xmlns="" w="9525">
+                <a14:hiddenLine xmlns="" xmlns:a14="http://schemas.microsoft.com/office/drawing/2010/main" w="9525">
                   <a:solidFill>
                     <a:srgbClr val="000000"/>
                   </a:solidFill>
@@ -1917,7 +1917,7 @@
             </a:ln>
             <a:extLst>
               <a:ext uri="{91240B29-F687-4f45-9708-019B960494DF}">
-                <a14:hiddenLine xmlns:a14="http://schemas.microsoft.com/office/drawing/2010/main" xmlns="" w="9525">
+                <a14:hiddenLine xmlns="" xmlns:a14="http://schemas.microsoft.com/office/drawing/2010/main" w="9525">
                   <a:solidFill>
                     <a:srgbClr val="000000"/>
                   </a:solidFill>
@@ -2007,7 +2007,7 @@
             </a:ln>
             <a:extLst>
               <a:ext uri="{91240B29-F687-4f45-9708-019B960494DF}">
-                <a14:hiddenLine xmlns:a14="http://schemas.microsoft.com/office/drawing/2010/main" xmlns="" w="9525">
+                <a14:hiddenLine xmlns="" xmlns:a14="http://schemas.microsoft.com/office/drawing/2010/main" w="9525">
                   <a:solidFill>
                     <a:srgbClr val="000000"/>
                   </a:solidFill>
@@ -2075,7 +2075,7 @@
             </a:ln>
             <a:extLst>
               <a:ext uri="{91240B29-F687-4f45-9708-019B960494DF}">
-                <a14:hiddenLine xmlns:a14="http://schemas.microsoft.com/office/drawing/2010/main" xmlns="" w="9525">
+                <a14:hiddenLine xmlns="" xmlns:a14="http://schemas.microsoft.com/office/drawing/2010/main" w="9525">
                   <a:solidFill>
                     <a:srgbClr val="000000"/>
                   </a:solidFill>
@@ -2165,7 +2165,7 @@
             </a:ln>
             <a:extLst>
               <a:ext uri="{91240B29-F687-4f45-9708-019B960494DF}">
-                <a14:hiddenLine xmlns:a14="http://schemas.microsoft.com/office/drawing/2010/main" xmlns="" w="9525">
+                <a14:hiddenLine xmlns="" xmlns:a14="http://schemas.microsoft.com/office/drawing/2010/main" w="9525">
                   <a:solidFill>
                     <a:srgbClr val="000000"/>
                   </a:solidFill>
@@ -2233,7 +2233,7 @@
             </a:ln>
             <a:extLst>
               <a:ext uri="{91240B29-F687-4f45-9708-019B960494DF}">
-                <a14:hiddenLine xmlns:a14="http://schemas.microsoft.com/office/drawing/2010/main" xmlns="" w="9525">
+                <a14:hiddenLine xmlns="" xmlns:a14="http://schemas.microsoft.com/office/drawing/2010/main" w="9525">
                   <a:solidFill>
                     <a:srgbClr val="000000"/>
                   </a:solidFill>
@@ -2323,7 +2323,7 @@
             </a:ln>
             <a:extLst>
               <a:ext uri="{91240B29-F687-4f45-9708-019B960494DF}">
-                <a14:hiddenLine xmlns:a14="http://schemas.microsoft.com/office/drawing/2010/main" xmlns="" w="9525">
+                <a14:hiddenLine xmlns="" xmlns:a14="http://schemas.microsoft.com/office/drawing/2010/main" w="9525">
                   <a:solidFill>
                     <a:srgbClr val="000000"/>
                   </a:solidFill>
@@ -2357,7 +2357,7 @@
             </a:ln>
             <a:extLst>
               <a:ext uri="{91240B29-F687-4f45-9708-019B960494DF}">
-                <a14:hiddenLine xmlns:a14="http://schemas.microsoft.com/office/drawing/2010/main" xmlns="" w="9525">
+                <a14:hiddenLine xmlns="" xmlns:a14="http://schemas.microsoft.com/office/drawing/2010/main" w="9525">
                   <a:solidFill>
                     <a:srgbClr val="000000"/>
                   </a:solidFill>
@@ -2447,7 +2447,7 @@
             </a:ln>
             <a:extLst>
               <a:ext uri="{91240B29-F687-4f45-9708-019B960494DF}">
-                <a14:hiddenLine xmlns:a14="http://schemas.microsoft.com/office/drawing/2010/main" xmlns="" w="9525">
+                <a14:hiddenLine xmlns="" xmlns:a14="http://schemas.microsoft.com/office/drawing/2010/main" w="9525">
                   <a:solidFill>
                     <a:srgbClr val="000000"/>
                   </a:solidFill>
@@ -2509,7 +2509,7 @@
             </a:ln>
             <a:extLst>
               <a:ext uri="{91240B29-F687-4f45-9708-019B960494DF}">
-                <a14:hiddenLine xmlns:a14="http://schemas.microsoft.com/office/drawing/2010/main" xmlns="" w="9525">
+                <a14:hiddenLine xmlns="" xmlns:a14="http://schemas.microsoft.com/office/drawing/2010/main" w="9525">
                   <a:solidFill>
                     <a:srgbClr val="000000"/>
                   </a:solidFill>
@@ -2571,7 +2571,7 @@
             </a:ln>
             <a:extLst>
               <a:ext uri="{91240B29-F687-4f45-9708-019B960494DF}">
-                <a14:hiddenLine xmlns:a14="http://schemas.microsoft.com/office/drawing/2010/main" xmlns="" w="9525">
+                <a14:hiddenLine xmlns="" xmlns:a14="http://schemas.microsoft.com/office/drawing/2010/main" w="9525">
                   <a:solidFill>
                     <a:srgbClr val="000000"/>
                   </a:solidFill>
@@ -2661,7 +2661,7 @@
             </a:ln>
             <a:extLst>
               <a:ext uri="{91240B29-F687-4f45-9708-019B960494DF}">
-                <a14:hiddenLine xmlns:a14="http://schemas.microsoft.com/office/drawing/2010/main" xmlns="" w="9525">
+                <a14:hiddenLine xmlns="" xmlns:a14="http://schemas.microsoft.com/office/drawing/2010/main" w="9525">
                   <a:solidFill>
                     <a:srgbClr val="000000"/>
                   </a:solidFill>
@@ -2729,7 +2729,7 @@
             </a:ln>
             <a:extLst>
               <a:ext uri="{91240B29-F687-4f45-9708-019B960494DF}">
-                <a14:hiddenLine xmlns:a14="http://schemas.microsoft.com/office/drawing/2010/main" xmlns="" w="9525">
+                <a14:hiddenLine xmlns="" xmlns:a14="http://schemas.microsoft.com/office/drawing/2010/main" w="9525">
                   <a:solidFill>
                     <a:srgbClr val="000000"/>
                   </a:solidFill>
@@ -2791,7 +2791,7 @@
             </a:ln>
             <a:extLst>
               <a:ext uri="{91240B29-F687-4f45-9708-019B960494DF}">
-                <a14:hiddenLine xmlns:a14="http://schemas.microsoft.com/office/drawing/2010/main" xmlns="" w="9525">
+                <a14:hiddenLine xmlns="" xmlns:a14="http://schemas.microsoft.com/office/drawing/2010/main" w="9525">
                   <a:solidFill>
                     <a:srgbClr val="000000"/>
                   </a:solidFill>
@@ -2881,7 +2881,7 @@
             </a:ln>
             <a:extLst>
               <a:ext uri="{91240B29-F687-4f45-9708-019B960494DF}">
-                <a14:hiddenLine xmlns:a14="http://schemas.microsoft.com/office/drawing/2010/main" xmlns="" w="9525">
+                <a14:hiddenLine xmlns="" xmlns:a14="http://schemas.microsoft.com/office/drawing/2010/main" w="9525">
                   <a:solidFill>
                     <a:srgbClr val="000000"/>
                   </a:solidFill>
@@ -2943,7 +2943,7 @@
             </a:ln>
             <a:extLst>
               <a:ext uri="{91240B29-F687-4f45-9708-019B960494DF}">
-                <a14:hiddenLine xmlns:a14="http://schemas.microsoft.com/office/drawing/2010/main" xmlns="" w="9525">
+                <a14:hiddenLine xmlns="" xmlns:a14="http://schemas.microsoft.com/office/drawing/2010/main" w="9525">
                   <a:solidFill>
                     <a:srgbClr val="000000"/>
                   </a:solidFill>
@@ -3033,7 +3033,7 @@
             </a:ln>
             <a:extLst>
               <a:ext uri="{91240B29-F687-4f45-9708-019B960494DF}">
-                <a14:hiddenLine xmlns:a14="http://schemas.microsoft.com/office/drawing/2010/main" xmlns="" w="9525">
+                <a14:hiddenLine xmlns="" xmlns:a14="http://schemas.microsoft.com/office/drawing/2010/main" w="9525">
                   <a:solidFill>
                     <a:srgbClr val="000000"/>
                   </a:solidFill>
@@ -3095,7 +3095,7 @@
             </a:ln>
             <a:extLst>
               <a:ext uri="{91240B29-F687-4f45-9708-019B960494DF}">
-                <a14:hiddenLine xmlns:a14="http://schemas.microsoft.com/office/drawing/2010/main" xmlns="" w="9525">
+                <a14:hiddenLine xmlns="" xmlns:a14="http://schemas.microsoft.com/office/drawing/2010/main" w="9525">
                   <a:solidFill>
                     <a:srgbClr val="000000"/>
                   </a:solidFill>
@@ -3185,7 +3185,7 @@
             </a:ln>
             <a:extLst>
               <a:ext uri="{91240B29-F687-4f45-9708-019B960494DF}">
-                <a14:hiddenLine xmlns:a14="http://schemas.microsoft.com/office/drawing/2010/main" xmlns="" w="9525">
+                <a14:hiddenLine xmlns="" xmlns:a14="http://schemas.microsoft.com/office/drawing/2010/main" w="9525">
                   <a:solidFill>
                     <a:srgbClr val="000000"/>
                   </a:solidFill>
@@ -3219,7 +3219,7 @@
             </a:ln>
             <a:extLst>
               <a:ext uri="{91240B29-F687-4f45-9708-019B960494DF}">
-                <a14:hiddenLine xmlns:a14="http://schemas.microsoft.com/office/drawing/2010/main" xmlns="" w="9525">
+                <a14:hiddenLine xmlns="" xmlns:a14="http://schemas.microsoft.com/office/drawing/2010/main" w="9525">
                   <a:solidFill>
                     <a:srgbClr val="000000"/>
                   </a:solidFill>
@@ -3284,7 +3284,7 @@
             </a:ln>
             <a:extLst>
               <a:ext uri="{91240B29-F687-4f45-9708-019B960494DF}">
-                <a14:hiddenLine xmlns:a14="http://schemas.microsoft.com/office/drawing/2010/main" xmlns="" w="9525">
+                <a14:hiddenLine xmlns="" xmlns:a14="http://schemas.microsoft.com/office/drawing/2010/main" w="9525">
                   <a:solidFill>
                     <a:srgbClr val="000000"/>
                   </a:solidFill>
@@ -3374,7 +3374,7 @@
             </a:ln>
             <a:extLst>
               <a:ext uri="{91240B29-F687-4f45-9708-019B960494DF}">
-                <a14:hiddenLine xmlns:a14="http://schemas.microsoft.com/office/drawing/2010/main" xmlns="" w="9525">
+                <a14:hiddenLine xmlns="" xmlns:a14="http://schemas.microsoft.com/office/drawing/2010/main" w="9525">
                   <a:solidFill>
                     <a:srgbClr val="000000"/>
                   </a:solidFill>
@@ -3436,7 +3436,7 @@
             </a:ln>
             <a:extLst>
               <a:ext uri="{91240B29-F687-4f45-9708-019B960494DF}">
-                <a14:hiddenLine xmlns:a14="http://schemas.microsoft.com/office/drawing/2010/main" xmlns="" w="9525">
+                <a14:hiddenLine xmlns="" xmlns:a14="http://schemas.microsoft.com/office/drawing/2010/main" w="9525">
                   <a:solidFill>
                     <a:srgbClr val="000000"/>
                   </a:solidFill>
@@ -3526,7 +3526,7 @@
             </a:ln>
             <a:extLst>
               <a:ext uri="{91240B29-F687-4f45-9708-019B960494DF}">
-                <a14:hiddenLine xmlns:a14="http://schemas.microsoft.com/office/drawing/2010/main" xmlns="" w="9525">
+                <a14:hiddenLine xmlns="" xmlns:a14="http://schemas.microsoft.com/office/drawing/2010/main" w="9525">
                   <a:solidFill>
                     <a:srgbClr val="000000"/>
                   </a:solidFill>
@@ -3616,7 +3616,7 @@
             </a:ln>
             <a:extLst>
               <a:ext uri="{91240B29-F687-4f45-9708-019B960494DF}">
-                <a14:hiddenLine xmlns:a14="http://schemas.microsoft.com/office/drawing/2010/main" xmlns="" w="9525">
+                <a14:hiddenLine xmlns="" xmlns:a14="http://schemas.microsoft.com/office/drawing/2010/main" w="9525">
                   <a:solidFill>
                     <a:srgbClr val="000000"/>
                   </a:solidFill>
@@ -3681,7 +3681,7 @@
             </a:ln>
             <a:extLst>
               <a:ext uri="{91240B29-F687-4f45-9708-019B960494DF}">
-                <a14:hiddenLine xmlns:a14="http://schemas.microsoft.com/office/drawing/2010/main" xmlns="" w="9525">
+                <a14:hiddenLine xmlns="" xmlns:a14="http://schemas.microsoft.com/office/drawing/2010/main" w="9525">
                   <a:solidFill>
                     <a:srgbClr val="000000"/>
                   </a:solidFill>
@@ -3743,7 +3743,7 @@
             </a:ln>
             <a:extLst>
               <a:ext uri="{91240B29-F687-4f45-9708-019B960494DF}">
-                <a14:hiddenLine xmlns:a14="http://schemas.microsoft.com/office/drawing/2010/main" xmlns="" w="9525">
+                <a14:hiddenLine xmlns="" xmlns:a14="http://schemas.microsoft.com/office/drawing/2010/main" w="9525">
                   <a:solidFill>
                     <a:srgbClr val="000000"/>
                   </a:solidFill>
@@ -3833,7 +3833,7 @@
             </a:ln>
             <a:extLst>
               <a:ext uri="{91240B29-F687-4f45-9708-019B960494DF}">
-                <a14:hiddenLine xmlns:a14="http://schemas.microsoft.com/office/drawing/2010/main" xmlns="" w="9525">
+                <a14:hiddenLine xmlns="" xmlns:a14="http://schemas.microsoft.com/office/drawing/2010/main" w="9525">
                   <a:solidFill>
                     <a:srgbClr val="000000"/>
                   </a:solidFill>
@@ -3923,7 +3923,7 @@
             </a:ln>
             <a:extLst>
               <a:ext uri="{91240B29-F687-4f45-9708-019B960494DF}">
-                <a14:hiddenLine xmlns:a14="http://schemas.microsoft.com/office/drawing/2010/main" xmlns="" w="9525">
+                <a14:hiddenLine xmlns="" xmlns:a14="http://schemas.microsoft.com/office/drawing/2010/main" w="9525">
                   <a:solidFill>
                     <a:srgbClr val="000000"/>
                   </a:solidFill>
@@ -3985,7 +3985,7 @@
             </a:ln>
             <a:extLst>
               <a:ext uri="{91240B29-F687-4f45-9708-019B960494DF}">
-                <a14:hiddenLine xmlns:a14="http://schemas.microsoft.com/office/drawing/2010/main" xmlns="" w="9525">
+                <a14:hiddenLine xmlns="" xmlns:a14="http://schemas.microsoft.com/office/drawing/2010/main" w="9525">
                   <a:solidFill>
                     <a:srgbClr val="000000"/>
                   </a:solidFill>
@@ -4105,7 +4105,7 @@
             </a:ln>
             <a:extLst>
               <a:ext uri="{91240B29-F687-4f45-9708-019B960494DF}">
-                <a14:hiddenLine xmlns:a14="http://schemas.microsoft.com/office/drawing/2010/main" xmlns="" w="9525">
+                <a14:hiddenLine xmlns="" xmlns:a14="http://schemas.microsoft.com/office/drawing/2010/main" w="9525">
                   <a:solidFill>
                     <a:srgbClr val="000000"/>
                   </a:solidFill>
@@ -4173,7 +4173,7 @@
             </a:ln>
             <a:extLst>
               <a:ext uri="{91240B29-F687-4f45-9708-019B960494DF}">
-                <a14:hiddenLine xmlns:a14="http://schemas.microsoft.com/office/drawing/2010/main" xmlns="" w="9525">
+                <a14:hiddenLine xmlns="" xmlns:a14="http://schemas.microsoft.com/office/drawing/2010/main" w="9525">
                   <a:solidFill>
                     <a:srgbClr val="000000"/>
                   </a:solidFill>
@@ -4263,7 +4263,7 @@
             </a:ln>
             <a:extLst>
               <a:ext uri="{91240B29-F687-4f45-9708-019B960494DF}">
-                <a14:hiddenLine xmlns:a14="http://schemas.microsoft.com/office/drawing/2010/main" xmlns="" w="9525">
+                <a14:hiddenLine xmlns="" xmlns:a14="http://schemas.microsoft.com/office/drawing/2010/main" w="9525">
                   <a:solidFill>
                     <a:srgbClr val="000000"/>
                   </a:solidFill>
@@ -4403,7 +4403,7 @@
           <a:p>
             <a:fld id="{48A87A34-81AB-432B-8DAE-1953F412C126}" type="datetimeFigureOut">
               <a:rPr lang="en-US" dirty="0"/>
-              <a:t>4/24/2024</a:t>
+              <a:t>4/24/24</a:t>
             </a:fld>
             <a:endParaRPr lang="en-US" dirty="0"/>
           </a:p>
@@ -4665,7 +4665,7 @@
           <a:p>
             <a:fld id="{48A87A34-81AB-432B-8DAE-1953F412C126}" type="datetimeFigureOut">
               <a:rPr lang="en-US" dirty="0"/>
-              <a:t>4/24/2024</a:t>
+              <a:t>4/24/24</a:t>
             </a:fld>
             <a:endParaRPr lang="en-US" dirty="0"/>
           </a:p>
@@ -4856,7 +4856,7 @@
           <a:p>
             <a:fld id="{48A87A34-81AB-432B-8DAE-1953F412C126}" type="datetimeFigureOut">
               <a:rPr lang="en-US" dirty="0"/>
-              <a:t>4/24/2024</a:t>
+              <a:t>4/24/24</a:t>
             </a:fld>
             <a:endParaRPr lang="en-US" dirty="0"/>
           </a:p>
@@ -5114,7 +5114,7 @@
           <a:p>
             <a:fld id="{48A87A34-81AB-432B-8DAE-1953F412C126}" type="datetimeFigureOut">
               <a:rPr lang="en-US" dirty="0"/>
-              <a:t>4/24/2024</a:t>
+              <a:t>4/24/24</a:t>
             </a:fld>
             <a:endParaRPr lang="en-US" dirty="0"/>
           </a:p>
@@ -5543,7 +5543,7 @@
           <a:p>
             <a:fld id="{48A87A34-81AB-432B-8DAE-1953F412C126}" type="datetimeFigureOut">
               <a:rPr lang="en-US" dirty="0"/>
-              <a:t>4/24/2024</a:t>
+              <a:t>4/24/24</a:t>
             </a:fld>
             <a:endParaRPr lang="en-US" dirty="0"/>
           </a:p>
@@ -6084,7 +6084,7 @@
           <a:p>
             <a:fld id="{48A87A34-81AB-432B-8DAE-1953F412C126}" type="datetimeFigureOut">
               <a:rPr lang="en-US" dirty="0"/>
-              <a:t>4/24/2024</a:t>
+              <a:t>4/24/24</a:t>
             </a:fld>
             <a:endParaRPr lang="en-US" dirty="0"/>
           </a:p>
@@ -6799,7 +6799,7 @@
           <a:p>
             <a:fld id="{48A87A34-81AB-432B-8DAE-1953F412C126}" type="datetimeFigureOut">
               <a:rPr lang="en-US" dirty="0"/>
-              <a:t>4/24/2024</a:t>
+              <a:t>4/24/24</a:t>
             </a:fld>
             <a:endParaRPr lang="en-US" dirty="0"/>
           </a:p>
@@ -6964,7 +6964,7 @@
           <a:p>
             <a:fld id="{48A87A34-81AB-432B-8DAE-1953F412C126}" type="datetimeFigureOut">
               <a:rPr lang="en-US" dirty="0"/>
-              <a:t>4/24/2024</a:t>
+              <a:t>4/24/24</a:t>
             </a:fld>
             <a:endParaRPr lang="en-US" dirty="0"/>
           </a:p>
@@ -7139,7 +7139,7 @@
           <a:p>
             <a:fld id="{48A87A34-81AB-432B-8DAE-1953F412C126}" type="datetimeFigureOut">
               <a:rPr lang="en-US" dirty="0"/>
-              <a:t>4/24/2024</a:t>
+              <a:t>4/24/24</a:t>
             </a:fld>
             <a:endParaRPr lang="en-US" dirty="0"/>
           </a:p>
@@ -7304,7 +7304,7 @@
           <a:p>
             <a:fld id="{48A87A34-81AB-432B-8DAE-1953F412C126}" type="datetimeFigureOut">
               <a:rPr lang="en-US" dirty="0"/>
-              <a:t>4/24/2024</a:t>
+              <a:t>4/24/24</a:t>
             </a:fld>
             <a:endParaRPr lang="en-US" dirty="0"/>
           </a:p>
@@ -7549,7 +7549,7 @@
           <a:p>
             <a:fld id="{48A87A34-81AB-432B-8DAE-1953F412C126}" type="datetimeFigureOut">
               <a:rPr lang="en-US" dirty="0"/>
-              <a:t>4/24/2024</a:t>
+              <a:t>4/24/24</a:t>
             </a:fld>
             <a:endParaRPr lang="en-US" dirty="0"/>
           </a:p>
@@ -7776,7 +7776,7 @@
           <a:p>
             <a:fld id="{48A87A34-81AB-432B-8DAE-1953F412C126}" type="datetimeFigureOut">
               <a:rPr lang="en-US" dirty="0"/>
-              <a:t>4/24/2024</a:t>
+              <a:t>4/24/24</a:t>
             </a:fld>
             <a:endParaRPr lang="en-US" dirty="0"/>
           </a:p>
@@ -8152,7 +8152,7 @@
           <a:p>
             <a:fld id="{48A87A34-81AB-432B-8DAE-1953F412C126}" type="datetimeFigureOut">
               <a:rPr lang="en-US" dirty="0"/>
-              <a:t>4/24/2024</a:t>
+              <a:t>4/24/24</a:t>
             </a:fld>
             <a:endParaRPr lang="en-US" dirty="0"/>
           </a:p>
@@ -8265,7 +8265,7 @@
           <a:p>
             <a:fld id="{48A87A34-81AB-432B-8DAE-1953F412C126}" type="datetimeFigureOut">
               <a:rPr lang="en-US" dirty="0"/>
-              <a:t>4/24/2024</a:t>
+              <a:t>4/24/24</a:t>
             </a:fld>
             <a:endParaRPr lang="en-US" dirty="0"/>
           </a:p>
@@ -8355,7 +8355,7 @@
           <a:p>
             <a:fld id="{48A87A34-81AB-432B-8DAE-1953F412C126}" type="datetimeFigureOut">
               <a:rPr lang="en-US" dirty="0"/>
-              <a:t>4/24/2024</a:t>
+              <a:t>4/24/24</a:t>
             </a:fld>
             <a:endParaRPr lang="en-US" dirty="0"/>
           </a:p>
@@ -8599,7 +8599,7 @@
           <a:p>
             <a:fld id="{48A87A34-81AB-432B-8DAE-1953F412C126}" type="datetimeFigureOut">
               <a:rPr lang="en-US" dirty="0"/>
-              <a:t>4/24/2024</a:t>
+              <a:t>4/24/24</a:t>
             </a:fld>
             <a:endParaRPr lang="en-US" dirty="0"/>
           </a:p>
@@ -8874,7 +8874,7 @@
           <a:p>
             <a:fld id="{48A87A34-81AB-432B-8DAE-1953F412C126}" type="datetimeFigureOut">
               <a:rPr lang="en-US" dirty="0"/>
-              <a:t>4/24/2024</a:t>
+              <a:t>4/24/24</a:t>
             </a:fld>
             <a:endParaRPr lang="en-US" dirty="0"/>
           </a:p>
@@ -8985,7 +8985,7 @@
           <a:noFill/>
           <a:extLst>
             <a:ext uri="{909E8E84-426E-40dd-AFC4-6F175D3DCCD1}">
-              <a14:hiddenFill xmlns:a14="http://schemas.microsoft.com/office/drawing/2010/main" xmlns="">
+              <a14:hiddenFill xmlns="" xmlns:a14="http://schemas.microsoft.com/office/drawing/2010/main">
                 <a:solidFill>
                   <a:srgbClr val="FFFFFF"/>
                 </a:solidFill>
@@ -9059,7 +9059,7 @@
               </a:ln>
               <a:extLst>
                 <a:ext uri="{91240B29-F687-4f45-9708-019B960494DF}">
-                  <a14:hiddenLine xmlns:a14="http://schemas.microsoft.com/office/drawing/2010/main" xmlns="" w="9525">
+                  <a14:hiddenLine xmlns="" xmlns:a14="http://schemas.microsoft.com/office/drawing/2010/main" w="9525">
                     <a:solidFill>
                       <a:srgbClr val="000000"/>
                     </a:solidFill>
@@ -9149,7 +9149,7 @@
               </a:ln>
               <a:extLst>
                 <a:ext uri="{91240B29-F687-4f45-9708-019B960494DF}">
-                  <a14:hiddenLine xmlns:a14="http://schemas.microsoft.com/office/drawing/2010/main" xmlns="" w="9525">
+                  <a14:hiddenLine xmlns="" xmlns:a14="http://schemas.microsoft.com/office/drawing/2010/main" w="9525">
                     <a:solidFill>
                       <a:srgbClr val="000000"/>
                     </a:solidFill>
@@ -9239,7 +9239,7 @@
               </a:ln>
               <a:extLst>
                 <a:ext uri="{91240B29-F687-4f45-9708-019B960494DF}">
-                  <a14:hiddenLine xmlns:a14="http://schemas.microsoft.com/office/drawing/2010/main" xmlns="" w="9525">
+                  <a14:hiddenLine xmlns="" xmlns:a14="http://schemas.microsoft.com/office/drawing/2010/main" w="9525">
                     <a:solidFill>
                       <a:srgbClr val="000000"/>
                     </a:solidFill>
@@ -9301,7 +9301,7 @@
               </a:ln>
               <a:extLst>
                 <a:ext uri="{91240B29-F687-4f45-9708-019B960494DF}">
-                  <a14:hiddenLine xmlns:a14="http://schemas.microsoft.com/office/drawing/2010/main" xmlns="" w="9525">
+                  <a14:hiddenLine xmlns="" xmlns:a14="http://schemas.microsoft.com/office/drawing/2010/main" w="9525">
                     <a:solidFill>
                       <a:srgbClr val="000000"/>
                     </a:solidFill>
@@ -9391,7 +9391,7 @@
               </a:ln>
               <a:extLst>
                 <a:ext uri="{91240B29-F687-4f45-9708-019B960494DF}">
-                  <a14:hiddenLine xmlns:a14="http://schemas.microsoft.com/office/drawing/2010/main" xmlns="" w="9525">
+                  <a14:hiddenLine xmlns="" xmlns:a14="http://schemas.microsoft.com/office/drawing/2010/main" w="9525">
                     <a:solidFill>
                       <a:srgbClr val="000000"/>
                     </a:solidFill>
@@ -9453,7 +9453,7 @@
               </a:ln>
               <a:extLst>
                 <a:ext uri="{91240B29-F687-4f45-9708-019B960494DF}">
-                  <a14:hiddenLine xmlns:a14="http://schemas.microsoft.com/office/drawing/2010/main" xmlns="" w="9525">
+                  <a14:hiddenLine xmlns="" xmlns:a14="http://schemas.microsoft.com/office/drawing/2010/main" w="9525">
                     <a:solidFill>
                       <a:srgbClr val="000000"/>
                     </a:solidFill>
@@ -9515,7 +9515,7 @@
               </a:ln>
               <a:extLst>
                 <a:ext uri="{91240B29-F687-4f45-9708-019B960494DF}">
-                  <a14:hiddenLine xmlns:a14="http://schemas.microsoft.com/office/drawing/2010/main" xmlns="" w="9525">
+                  <a14:hiddenLine xmlns="" xmlns:a14="http://schemas.microsoft.com/office/drawing/2010/main" w="9525">
                     <a:solidFill>
                       <a:srgbClr val="000000"/>
                     </a:solidFill>
@@ -9605,7 +9605,7 @@
               </a:ln>
               <a:extLst>
                 <a:ext uri="{91240B29-F687-4f45-9708-019B960494DF}">
-                  <a14:hiddenLine xmlns:a14="http://schemas.microsoft.com/office/drawing/2010/main" xmlns="" w="9525">
+                  <a14:hiddenLine xmlns="" xmlns:a14="http://schemas.microsoft.com/office/drawing/2010/main" w="9525">
                     <a:solidFill>
                       <a:srgbClr val="000000"/>
                     </a:solidFill>
@@ -9695,7 +9695,7 @@
               </a:ln>
               <a:extLst>
                 <a:ext uri="{91240B29-F687-4f45-9708-019B960494DF}">
-                  <a14:hiddenLine xmlns:a14="http://schemas.microsoft.com/office/drawing/2010/main" xmlns="" w="9525">
+                  <a14:hiddenLine xmlns="" xmlns:a14="http://schemas.microsoft.com/office/drawing/2010/main" w="9525">
                     <a:solidFill>
                       <a:srgbClr val="000000"/>
                     </a:solidFill>
@@ -9757,7 +9757,7 @@
               </a:ln>
               <a:extLst>
                 <a:ext uri="{91240B29-F687-4f45-9708-019B960494DF}">
-                  <a14:hiddenLine xmlns:a14="http://schemas.microsoft.com/office/drawing/2010/main" xmlns="" w="9525">
+                  <a14:hiddenLine xmlns="" xmlns:a14="http://schemas.microsoft.com/office/drawing/2010/main" w="9525">
                     <a:solidFill>
                       <a:srgbClr val="000000"/>
                     </a:solidFill>
@@ -9867,7 +9867,7 @@
               </a:ln>
               <a:extLst>
                 <a:ext uri="{91240B29-F687-4f45-9708-019B960494DF}">
-                  <a14:hiddenLine xmlns:a14="http://schemas.microsoft.com/office/drawing/2010/main" xmlns="" w="9525">
+                  <a14:hiddenLine xmlns="" xmlns:a14="http://schemas.microsoft.com/office/drawing/2010/main" w="9525">
                     <a:solidFill>
                       <a:srgbClr val="000000"/>
                     </a:solidFill>
@@ -9951,7 +9951,7 @@
               </a:ln>
               <a:extLst>
                 <a:ext uri="{91240B29-F687-4f45-9708-019B960494DF}">
-                  <a14:hiddenLine xmlns:a14="http://schemas.microsoft.com/office/drawing/2010/main" xmlns="" w="9525">
+                  <a14:hiddenLine xmlns="" xmlns:a14="http://schemas.microsoft.com/office/drawing/2010/main" w="9525">
                     <a:solidFill>
                       <a:srgbClr val="000000"/>
                     </a:solidFill>
@@ -10013,7 +10013,7 @@
               </a:ln>
               <a:extLst>
                 <a:ext uri="{91240B29-F687-4f45-9708-019B960494DF}">
-                  <a14:hiddenLine xmlns:a14="http://schemas.microsoft.com/office/drawing/2010/main" xmlns="" w="9525">
+                  <a14:hiddenLine xmlns="" xmlns:a14="http://schemas.microsoft.com/office/drawing/2010/main" w="9525">
                     <a:solidFill>
                       <a:srgbClr val="000000"/>
                     </a:solidFill>
@@ -10075,7 +10075,7 @@
               </a:ln>
               <a:extLst>
                 <a:ext uri="{91240B29-F687-4f45-9708-019B960494DF}">
-                  <a14:hiddenLine xmlns:a14="http://schemas.microsoft.com/office/drawing/2010/main" xmlns="" w="9525">
+                  <a14:hiddenLine xmlns="" xmlns:a14="http://schemas.microsoft.com/office/drawing/2010/main" w="9525">
                     <a:solidFill>
                       <a:srgbClr val="000000"/>
                     </a:solidFill>
@@ -10165,7 +10165,7 @@
               </a:ln>
               <a:extLst>
                 <a:ext uri="{91240B29-F687-4f45-9708-019B960494DF}">
-                  <a14:hiddenLine xmlns:a14="http://schemas.microsoft.com/office/drawing/2010/main" xmlns="" w="9525">
+                  <a14:hiddenLine xmlns="" xmlns:a14="http://schemas.microsoft.com/office/drawing/2010/main" w="9525">
                     <a:solidFill>
                       <a:srgbClr val="000000"/>
                     </a:solidFill>
@@ -10199,7 +10199,7 @@
               </a:ln>
               <a:extLst>
                 <a:ext uri="{91240B29-F687-4f45-9708-019B960494DF}">
-                  <a14:hiddenLine xmlns:a14="http://schemas.microsoft.com/office/drawing/2010/main" xmlns="" w="9525">
+                  <a14:hiddenLine xmlns="" xmlns:a14="http://schemas.microsoft.com/office/drawing/2010/main" w="9525">
                     <a:solidFill>
                       <a:srgbClr val="000000"/>
                     </a:solidFill>
@@ -10264,7 +10264,7 @@
               </a:ln>
               <a:extLst>
                 <a:ext uri="{91240B29-F687-4f45-9708-019B960494DF}">
-                  <a14:hiddenLine xmlns:a14="http://schemas.microsoft.com/office/drawing/2010/main" xmlns="" w="9525">
+                  <a14:hiddenLine xmlns="" xmlns:a14="http://schemas.microsoft.com/office/drawing/2010/main" w="9525">
                     <a:solidFill>
                       <a:srgbClr val="000000"/>
                     </a:solidFill>
@@ -10354,7 +10354,7 @@
               </a:ln>
               <a:extLst>
                 <a:ext uri="{91240B29-F687-4f45-9708-019B960494DF}">
-                  <a14:hiddenLine xmlns:a14="http://schemas.microsoft.com/office/drawing/2010/main" xmlns="" w="9525">
+                  <a14:hiddenLine xmlns="" xmlns:a14="http://schemas.microsoft.com/office/drawing/2010/main" w="9525">
                     <a:solidFill>
                       <a:srgbClr val="000000"/>
                     </a:solidFill>
@@ -10416,7 +10416,7 @@
               </a:ln>
               <a:extLst>
                 <a:ext uri="{91240B29-F687-4f45-9708-019B960494DF}">
-                  <a14:hiddenLine xmlns:a14="http://schemas.microsoft.com/office/drawing/2010/main" xmlns="" w="9525">
+                  <a14:hiddenLine xmlns="" xmlns:a14="http://schemas.microsoft.com/office/drawing/2010/main" w="9525">
                     <a:solidFill>
                       <a:srgbClr val="000000"/>
                     </a:solidFill>
@@ -10506,7 +10506,7 @@
               </a:ln>
               <a:extLst>
                 <a:ext uri="{91240B29-F687-4f45-9708-019B960494DF}">
-                  <a14:hiddenLine xmlns:a14="http://schemas.microsoft.com/office/drawing/2010/main" xmlns="" w="9525">
+                  <a14:hiddenLine xmlns="" xmlns:a14="http://schemas.microsoft.com/office/drawing/2010/main" w="9525">
                     <a:solidFill>
                       <a:srgbClr val="000000"/>
                     </a:solidFill>
@@ -10571,7 +10571,7 @@
               </a:ln>
               <a:extLst>
                 <a:ext uri="{91240B29-F687-4f45-9708-019B960494DF}">
-                  <a14:hiddenLine xmlns:a14="http://schemas.microsoft.com/office/drawing/2010/main" xmlns="" w="9525">
+                  <a14:hiddenLine xmlns="" xmlns:a14="http://schemas.microsoft.com/office/drawing/2010/main" w="9525">
                     <a:solidFill>
                       <a:srgbClr val="000000"/>
                     </a:solidFill>
@@ -10633,7 +10633,7 @@
               </a:ln>
               <a:extLst>
                 <a:ext uri="{91240B29-F687-4f45-9708-019B960494DF}">
-                  <a14:hiddenLine xmlns:a14="http://schemas.microsoft.com/office/drawing/2010/main" xmlns="" w="9525">
+                  <a14:hiddenLine xmlns="" xmlns:a14="http://schemas.microsoft.com/office/drawing/2010/main" w="9525">
                     <a:solidFill>
                       <a:srgbClr val="000000"/>
                     </a:solidFill>
@@ -10723,7 +10723,7 @@
               </a:ln>
               <a:extLst>
                 <a:ext uri="{91240B29-F687-4f45-9708-019B960494DF}">
-                  <a14:hiddenLine xmlns:a14="http://schemas.microsoft.com/office/drawing/2010/main" xmlns="" w="9525">
+                  <a14:hiddenLine xmlns="" xmlns:a14="http://schemas.microsoft.com/office/drawing/2010/main" w="9525">
                     <a:solidFill>
                       <a:srgbClr val="000000"/>
                     </a:solidFill>
@@ -10813,7 +10813,7 @@
               </a:ln>
               <a:extLst>
                 <a:ext uri="{91240B29-F687-4f45-9708-019B960494DF}">
-                  <a14:hiddenLine xmlns:a14="http://schemas.microsoft.com/office/drawing/2010/main" xmlns="" w="9525">
+                  <a14:hiddenLine xmlns="" xmlns:a14="http://schemas.microsoft.com/office/drawing/2010/main" w="9525">
                     <a:solidFill>
                       <a:srgbClr val="000000"/>
                     </a:solidFill>
@@ -10878,7 +10878,7 @@
               </a:ln>
               <a:extLst>
                 <a:ext uri="{91240B29-F687-4f45-9708-019B960494DF}">
-                  <a14:hiddenLine xmlns:a14="http://schemas.microsoft.com/office/drawing/2010/main" xmlns="" w="9525">
+                  <a14:hiddenLine xmlns="" xmlns:a14="http://schemas.microsoft.com/office/drawing/2010/main" w="9525">
                     <a:solidFill>
                       <a:srgbClr val="000000"/>
                     </a:solidFill>
@@ -10998,7 +10998,7 @@
               </a:ln>
               <a:extLst>
                 <a:ext uri="{91240B29-F687-4f45-9708-019B960494DF}">
-                  <a14:hiddenLine xmlns:a14="http://schemas.microsoft.com/office/drawing/2010/main" xmlns="" w="9525">
+                  <a14:hiddenLine xmlns="" xmlns:a14="http://schemas.microsoft.com/office/drawing/2010/main" w="9525">
                     <a:solidFill>
                       <a:srgbClr val="000000"/>
                     </a:solidFill>
@@ -11096,7 +11096,7 @@
               </a:ln>
               <a:extLst>
                 <a:ext uri="{91240B29-F687-4f45-9708-019B960494DF}">
-                  <a14:hiddenLine xmlns:a14="http://schemas.microsoft.com/office/drawing/2010/main" xmlns="" w="9525">
+                  <a14:hiddenLine xmlns="" xmlns:a14="http://schemas.microsoft.com/office/drawing/2010/main" w="9525">
                     <a:solidFill>
                       <a:srgbClr val="000000"/>
                     </a:solidFill>
@@ -11211,7 +11211,7 @@
               </a:ln>
               <a:extLst>
                 <a:ext uri="{91240B29-F687-4f45-9708-019B960494DF}">
-                  <a14:hiddenLine xmlns:a14="http://schemas.microsoft.com/office/drawing/2010/main" xmlns="" w="9525">
+                  <a14:hiddenLine xmlns="" xmlns:a14="http://schemas.microsoft.com/office/drawing/2010/main" w="9525">
                     <a:solidFill>
                       <a:srgbClr val="000000"/>
                     </a:solidFill>
@@ -11301,7 +11301,7 @@
               </a:ln>
               <a:extLst>
                 <a:ext uri="{91240B29-F687-4f45-9708-019B960494DF}">
-                  <a14:hiddenLine xmlns:a14="http://schemas.microsoft.com/office/drawing/2010/main" xmlns="" w="9525">
+                  <a14:hiddenLine xmlns="" xmlns:a14="http://schemas.microsoft.com/office/drawing/2010/main" w="9525">
                     <a:solidFill>
                       <a:srgbClr val="000000"/>
                     </a:solidFill>
@@ -11366,7 +11366,7 @@
               </a:ln>
               <a:extLst>
                 <a:ext uri="{91240B29-F687-4f45-9708-019B960494DF}">
-                  <a14:hiddenLine xmlns:a14="http://schemas.microsoft.com/office/drawing/2010/main" xmlns="" w="9525">
+                  <a14:hiddenLine xmlns="" xmlns:a14="http://schemas.microsoft.com/office/drawing/2010/main" w="9525">
                     <a:solidFill>
                       <a:srgbClr val="000000"/>
                     </a:solidFill>
@@ -11456,7 +11456,7 @@
               </a:ln>
               <a:extLst>
                 <a:ext uri="{91240B29-F687-4f45-9708-019B960494DF}">
-                  <a14:hiddenLine xmlns:a14="http://schemas.microsoft.com/office/drawing/2010/main" xmlns="" w="9525">
+                  <a14:hiddenLine xmlns="" xmlns:a14="http://schemas.microsoft.com/office/drawing/2010/main" w="9525">
                     <a:solidFill>
                       <a:srgbClr val="000000"/>
                     </a:solidFill>
@@ -11524,7 +11524,7 @@
               </a:ln>
               <a:extLst>
                 <a:ext uri="{91240B29-F687-4f45-9708-019B960494DF}">
-                  <a14:hiddenLine xmlns:a14="http://schemas.microsoft.com/office/drawing/2010/main" xmlns="" w="9525">
+                  <a14:hiddenLine xmlns="" xmlns:a14="http://schemas.microsoft.com/office/drawing/2010/main" w="9525">
                     <a:solidFill>
                       <a:srgbClr val="000000"/>
                     </a:solidFill>
@@ -11614,7 +11614,7 @@
               </a:ln>
               <a:extLst>
                 <a:ext uri="{91240B29-F687-4f45-9708-019B960494DF}">
-                  <a14:hiddenLine xmlns:a14="http://schemas.microsoft.com/office/drawing/2010/main" xmlns="" w="9525">
+                  <a14:hiddenLine xmlns="" xmlns:a14="http://schemas.microsoft.com/office/drawing/2010/main" w="9525">
                     <a:solidFill>
                       <a:srgbClr val="000000"/>
                     </a:solidFill>
@@ -11682,7 +11682,7 @@
               </a:ln>
               <a:extLst>
                 <a:ext uri="{91240B29-F687-4f45-9708-019B960494DF}">
-                  <a14:hiddenLine xmlns:a14="http://schemas.microsoft.com/office/drawing/2010/main" xmlns="" w="9525">
+                  <a14:hiddenLine xmlns="" xmlns:a14="http://schemas.microsoft.com/office/drawing/2010/main" w="9525">
                     <a:solidFill>
                       <a:srgbClr val="000000"/>
                     </a:solidFill>
@@ -11772,7 +11772,7 @@
               </a:ln>
               <a:extLst>
                 <a:ext uri="{91240B29-F687-4f45-9708-019B960494DF}">
-                  <a14:hiddenLine xmlns:a14="http://schemas.microsoft.com/office/drawing/2010/main" xmlns="" w="9525">
+                  <a14:hiddenLine xmlns="" xmlns:a14="http://schemas.microsoft.com/office/drawing/2010/main" w="9525">
                     <a:solidFill>
                       <a:srgbClr val="000000"/>
                     </a:solidFill>
@@ -11806,7 +11806,7 @@
               </a:ln>
               <a:extLst>
                 <a:ext uri="{91240B29-F687-4f45-9708-019B960494DF}">
-                  <a14:hiddenLine xmlns:a14="http://schemas.microsoft.com/office/drawing/2010/main" xmlns="" w="9525">
+                  <a14:hiddenLine xmlns="" xmlns:a14="http://schemas.microsoft.com/office/drawing/2010/main" w="9525">
                     <a:solidFill>
                       <a:srgbClr val="000000"/>
                     </a:solidFill>
@@ -11947,7 +11947,7 @@
             <a:fld id="{48A87A34-81AB-432B-8DAE-1953F412C126}" type="datetimeFigureOut">
               <a:rPr lang="en-US" dirty="0"/>
               <a:pPr/>
-              <a:t>4/24/2024</a:t>
+              <a:t>4/24/24</a:t>
             </a:fld>
             <a:endParaRPr lang="en-US" dirty="0"/>
           </a:p>
@@ -14919,7 +14919,7 @@
           <a:noFill/>
           <a:extLst>
             <a:ext uri="{909E8E84-426E-40dd-AFC4-6F175D3DCCD1}">
-              <a14:hiddenFill xmlns="" xmlns:a16="http://schemas.microsoft.com/office/drawing/2014/main" xmlns:p14="http://schemas.microsoft.com/office/powerpoint/2010/main" xmlns:a14="http://schemas.microsoft.com/office/drawing/2010/main">
+              <a14:hiddenFill xmlns:a14="http://schemas.microsoft.com/office/drawing/2010/main" xmlns:p14="http://schemas.microsoft.com/office/powerpoint/2010/main" xmlns:a16="http://schemas.microsoft.com/office/drawing/2014/main" xmlns="">
                 <a:solidFill>
                   <a:srgbClr val="FFFFFF"/>
                 </a:solidFill>
@@ -15158,7 +15158,7 @@
             </a:ln>
             <a:extLst>
               <a:ext uri="{91240B29-F687-4f45-9708-019B960494DF}">
-                <a14:hiddenLine xmlns="" xmlns:a16="http://schemas.microsoft.com/office/drawing/2014/main" xmlns:p14="http://schemas.microsoft.com/office/powerpoint/2010/main" xmlns:a14="http://schemas.microsoft.com/office/drawing/2010/main" w="9525">
+                <a14:hiddenLine xmlns:a14="http://schemas.microsoft.com/office/drawing/2010/main" xmlns:p14="http://schemas.microsoft.com/office/powerpoint/2010/main" xmlns:a16="http://schemas.microsoft.com/office/drawing/2014/main" xmlns="" w="9525">
                   <a:solidFill>
                     <a:srgbClr val="000000"/>
                   </a:solidFill>
@@ -15270,7 +15270,7 @@
             </a:ln>
             <a:extLst>
               <a:ext uri="{91240B29-F687-4f45-9708-019B960494DF}">
-                <a14:hiddenLine xmlns="" xmlns:a16="http://schemas.microsoft.com/office/drawing/2014/main" xmlns:p14="http://schemas.microsoft.com/office/powerpoint/2010/main" xmlns:a14="http://schemas.microsoft.com/office/drawing/2010/main" w="9525">
+                <a14:hiddenLine xmlns:a14="http://schemas.microsoft.com/office/drawing/2010/main" xmlns:p14="http://schemas.microsoft.com/office/powerpoint/2010/main" xmlns:a16="http://schemas.microsoft.com/office/drawing/2014/main" xmlns="" w="9525">
                   <a:solidFill>
                     <a:srgbClr val="000000"/>
                   </a:solidFill>
@@ -15382,7 +15382,7 @@
             </a:ln>
             <a:extLst>
               <a:ext uri="{91240B29-F687-4f45-9708-019B960494DF}">
-                <a14:hiddenLine xmlns="" xmlns:a16="http://schemas.microsoft.com/office/drawing/2014/main" xmlns:p14="http://schemas.microsoft.com/office/powerpoint/2010/main" xmlns:a14="http://schemas.microsoft.com/office/drawing/2010/main" w="9525">
+                <a14:hiddenLine xmlns:a14="http://schemas.microsoft.com/office/drawing/2010/main" xmlns:p14="http://schemas.microsoft.com/office/powerpoint/2010/main" xmlns:a16="http://schemas.microsoft.com/office/drawing/2014/main" xmlns="" w="9525">
                   <a:solidFill>
                     <a:srgbClr val="000000"/>
                   </a:solidFill>
@@ -15466,7 +15466,7 @@
             </a:ln>
             <a:extLst>
               <a:ext uri="{91240B29-F687-4f45-9708-019B960494DF}">
-                <a14:hiddenLine xmlns="" xmlns:a16="http://schemas.microsoft.com/office/drawing/2014/main" xmlns:p14="http://schemas.microsoft.com/office/powerpoint/2010/main" xmlns:a14="http://schemas.microsoft.com/office/drawing/2010/main" w="9525">
+                <a14:hiddenLine xmlns:a14="http://schemas.microsoft.com/office/drawing/2010/main" xmlns:p14="http://schemas.microsoft.com/office/powerpoint/2010/main" xmlns:a16="http://schemas.microsoft.com/office/drawing/2014/main" xmlns="" w="9525">
                   <a:solidFill>
                     <a:srgbClr val="000000"/>
                   </a:solidFill>
@@ -15578,7 +15578,7 @@
             </a:ln>
             <a:extLst>
               <a:ext uri="{91240B29-F687-4f45-9708-019B960494DF}">
-                <a14:hiddenLine xmlns="" xmlns:a16="http://schemas.microsoft.com/office/drawing/2014/main" xmlns:p14="http://schemas.microsoft.com/office/powerpoint/2010/main" xmlns:a14="http://schemas.microsoft.com/office/drawing/2010/main" w="9525">
+                <a14:hiddenLine xmlns:a14="http://schemas.microsoft.com/office/drawing/2010/main" xmlns:p14="http://schemas.microsoft.com/office/powerpoint/2010/main" xmlns:a16="http://schemas.microsoft.com/office/drawing/2014/main" xmlns="" w="9525">
                   <a:solidFill>
                     <a:srgbClr val="000000"/>
                   </a:solidFill>
@@ -15662,7 +15662,7 @@
             </a:ln>
             <a:extLst>
               <a:ext uri="{91240B29-F687-4f45-9708-019B960494DF}">
-                <a14:hiddenLine xmlns="" xmlns:a16="http://schemas.microsoft.com/office/drawing/2014/main" xmlns:p14="http://schemas.microsoft.com/office/powerpoint/2010/main" xmlns:a14="http://schemas.microsoft.com/office/drawing/2010/main" w="9525">
+                <a14:hiddenLine xmlns:a14="http://schemas.microsoft.com/office/drawing/2010/main" xmlns:p14="http://schemas.microsoft.com/office/powerpoint/2010/main" xmlns:a16="http://schemas.microsoft.com/office/drawing/2014/main" xmlns="" w="9525">
                   <a:solidFill>
                     <a:srgbClr val="000000"/>
                   </a:solidFill>
@@ -15746,7 +15746,7 @@
             </a:ln>
             <a:extLst>
               <a:ext uri="{91240B29-F687-4f45-9708-019B960494DF}">
-                <a14:hiddenLine xmlns="" xmlns:a16="http://schemas.microsoft.com/office/drawing/2014/main" xmlns:p14="http://schemas.microsoft.com/office/powerpoint/2010/main" xmlns:a14="http://schemas.microsoft.com/office/drawing/2010/main" w="9525">
+                <a14:hiddenLine xmlns:a14="http://schemas.microsoft.com/office/drawing/2010/main" xmlns:p14="http://schemas.microsoft.com/office/powerpoint/2010/main" xmlns:a16="http://schemas.microsoft.com/office/drawing/2014/main" xmlns="" w="9525">
                   <a:solidFill>
                     <a:srgbClr val="000000"/>
                   </a:solidFill>
@@ -15858,7 +15858,7 @@
             </a:ln>
             <a:extLst>
               <a:ext uri="{91240B29-F687-4f45-9708-019B960494DF}">
-                <a14:hiddenLine xmlns="" xmlns:a16="http://schemas.microsoft.com/office/drawing/2014/main" xmlns:p14="http://schemas.microsoft.com/office/powerpoint/2010/main" xmlns:a14="http://schemas.microsoft.com/office/drawing/2010/main" w="9525">
+                <a14:hiddenLine xmlns:a14="http://schemas.microsoft.com/office/drawing/2010/main" xmlns:p14="http://schemas.microsoft.com/office/powerpoint/2010/main" xmlns:a16="http://schemas.microsoft.com/office/drawing/2014/main" xmlns="" w="9525">
                   <a:solidFill>
                     <a:srgbClr val="000000"/>
                   </a:solidFill>
@@ -15970,7 +15970,7 @@
             </a:ln>
             <a:extLst>
               <a:ext uri="{91240B29-F687-4f45-9708-019B960494DF}">
-                <a14:hiddenLine xmlns="" xmlns:a16="http://schemas.microsoft.com/office/drawing/2014/main" xmlns:p14="http://schemas.microsoft.com/office/powerpoint/2010/main" xmlns:a14="http://schemas.microsoft.com/office/drawing/2010/main" w="9525">
+                <a14:hiddenLine xmlns:a14="http://schemas.microsoft.com/office/drawing/2010/main" xmlns:p14="http://schemas.microsoft.com/office/powerpoint/2010/main" xmlns:a16="http://schemas.microsoft.com/office/drawing/2014/main" xmlns="" w="9525">
                   <a:solidFill>
                     <a:srgbClr val="000000"/>
                   </a:solidFill>
@@ -16054,7 +16054,7 @@
             </a:ln>
             <a:extLst>
               <a:ext uri="{91240B29-F687-4f45-9708-019B960494DF}">
-                <a14:hiddenLine xmlns="" xmlns:a16="http://schemas.microsoft.com/office/drawing/2014/main" xmlns:p14="http://schemas.microsoft.com/office/powerpoint/2010/main" xmlns:a14="http://schemas.microsoft.com/office/drawing/2010/main" w="9525">
+                <a14:hiddenLine xmlns:a14="http://schemas.microsoft.com/office/drawing/2010/main" xmlns:p14="http://schemas.microsoft.com/office/powerpoint/2010/main" xmlns:a16="http://schemas.microsoft.com/office/drawing/2014/main" xmlns="" w="9525">
                   <a:solidFill>
                     <a:srgbClr val="000000"/>
                   </a:solidFill>
@@ -16186,7 +16186,7 @@
             </a:ln>
             <a:extLst>
               <a:ext uri="{91240B29-F687-4f45-9708-019B960494DF}">
-                <a14:hiddenLine xmlns="" xmlns:a16="http://schemas.microsoft.com/office/drawing/2014/main" xmlns:p14="http://schemas.microsoft.com/office/powerpoint/2010/main" xmlns:a14="http://schemas.microsoft.com/office/drawing/2010/main" w="9525">
+                <a14:hiddenLine xmlns:a14="http://schemas.microsoft.com/office/drawing/2010/main" xmlns:p14="http://schemas.microsoft.com/office/powerpoint/2010/main" xmlns:a16="http://schemas.microsoft.com/office/drawing/2014/main" xmlns="" w="9525">
                   <a:solidFill>
                     <a:srgbClr val="000000"/>
                   </a:solidFill>
@@ -16314,7 +16314,7 @@
             </a:ln>
             <a:extLst>
               <a:ext uri="{91240B29-F687-4f45-9708-019B960494DF}">
-                <a14:hiddenLine xmlns="" xmlns:a16="http://schemas.microsoft.com/office/drawing/2014/main" xmlns:p14="http://schemas.microsoft.com/office/powerpoint/2010/main" xmlns:a14="http://schemas.microsoft.com/office/drawing/2010/main" w="9525">
+                <a14:hiddenLine xmlns:a14="http://schemas.microsoft.com/office/drawing/2010/main" xmlns:p14="http://schemas.microsoft.com/office/powerpoint/2010/main" xmlns:a16="http://schemas.microsoft.com/office/drawing/2014/main" xmlns="" w="9525">
                   <a:solidFill>
                     <a:srgbClr val="000000"/>
                   </a:solidFill>
@@ -16398,7 +16398,7 @@
             </a:ln>
             <a:extLst>
               <a:ext uri="{91240B29-F687-4f45-9708-019B960494DF}">
-                <a14:hiddenLine xmlns="" xmlns:a16="http://schemas.microsoft.com/office/drawing/2014/main" xmlns:p14="http://schemas.microsoft.com/office/powerpoint/2010/main" xmlns:a14="http://schemas.microsoft.com/office/drawing/2010/main" w="9525">
+                <a14:hiddenLine xmlns:a14="http://schemas.microsoft.com/office/drawing/2010/main" xmlns:p14="http://schemas.microsoft.com/office/powerpoint/2010/main" xmlns:a16="http://schemas.microsoft.com/office/drawing/2014/main" xmlns="" w="9525">
                   <a:solidFill>
                     <a:srgbClr val="000000"/>
                   </a:solidFill>
@@ -16482,7 +16482,7 @@
             </a:ln>
             <a:extLst>
               <a:ext uri="{91240B29-F687-4f45-9708-019B960494DF}">
-                <a14:hiddenLine xmlns="" xmlns:a16="http://schemas.microsoft.com/office/drawing/2014/main" xmlns:p14="http://schemas.microsoft.com/office/powerpoint/2010/main" xmlns:a14="http://schemas.microsoft.com/office/drawing/2010/main" w="9525">
+                <a14:hiddenLine xmlns:a14="http://schemas.microsoft.com/office/drawing/2010/main" xmlns:p14="http://schemas.microsoft.com/office/powerpoint/2010/main" xmlns:a16="http://schemas.microsoft.com/office/drawing/2014/main" xmlns="" w="9525">
                   <a:solidFill>
                     <a:srgbClr val="000000"/>
                   </a:solidFill>
@@ -16594,7 +16594,7 @@
             </a:ln>
             <a:extLst>
               <a:ext uri="{91240B29-F687-4f45-9708-019B960494DF}">
-                <a14:hiddenLine xmlns="" xmlns:a16="http://schemas.microsoft.com/office/drawing/2014/main" xmlns:p14="http://schemas.microsoft.com/office/powerpoint/2010/main" xmlns:a14="http://schemas.microsoft.com/office/drawing/2010/main" w="9525">
+                <a14:hiddenLine xmlns:a14="http://schemas.microsoft.com/office/drawing/2010/main" xmlns:p14="http://schemas.microsoft.com/office/powerpoint/2010/main" xmlns:a16="http://schemas.microsoft.com/office/drawing/2014/main" xmlns="" w="9525">
                   <a:solidFill>
                     <a:srgbClr val="000000"/>
                   </a:solidFill>
@@ -16650,7 +16650,7 @@
             </a:ln>
             <a:extLst>
               <a:ext uri="{91240B29-F687-4f45-9708-019B960494DF}">
-                <a14:hiddenLine xmlns="" xmlns:a16="http://schemas.microsoft.com/office/drawing/2014/main" xmlns:p14="http://schemas.microsoft.com/office/powerpoint/2010/main" xmlns:a14="http://schemas.microsoft.com/office/drawing/2010/main" w="9525">
+                <a14:hiddenLine xmlns:a14="http://schemas.microsoft.com/office/drawing/2010/main" xmlns:p14="http://schemas.microsoft.com/office/powerpoint/2010/main" xmlns:a16="http://schemas.microsoft.com/office/drawing/2014/main" xmlns="" w="9525">
                   <a:solidFill>
                     <a:srgbClr val="000000"/>
                   </a:solidFill>
@@ -16737,7 +16737,7 @@
             </a:ln>
             <a:extLst>
               <a:ext uri="{91240B29-F687-4f45-9708-019B960494DF}">
-                <a14:hiddenLine xmlns="" xmlns:a16="http://schemas.microsoft.com/office/drawing/2014/main" xmlns:p14="http://schemas.microsoft.com/office/powerpoint/2010/main" xmlns:a14="http://schemas.microsoft.com/office/drawing/2010/main" w="9525">
+                <a14:hiddenLine xmlns:a14="http://schemas.microsoft.com/office/drawing/2010/main" xmlns:p14="http://schemas.microsoft.com/office/powerpoint/2010/main" xmlns:a16="http://schemas.microsoft.com/office/drawing/2014/main" xmlns="" w="9525">
                   <a:solidFill>
                     <a:srgbClr val="000000"/>
                   </a:solidFill>
@@ -16849,7 +16849,7 @@
             </a:ln>
             <a:extLst>
               <a:ext uri="{91240B29-F687-4f45-9708-019B960494DF}">
-                <a14:hiddenLine xmlns="" xmlns:a16="http://schemas.microsoft.com/office/drawing/2014/main" xmlns:p14="http://schemas.microsoft.com/office/powerpoint/2010/main" xmlns:a14="http://schemas.microsoft.com/office/drawing/2010/main" w="9525">
+                <a14:hiddenLine xmlns:a14="http://schemas.microsoft.com/office/drawing/2010/main" xmlns:p14="http://schemas.microsoft.com/office/powerpoint/2010/main" xmlns:a16="http://schemas.microsoft.com/office/drawing/2014/main" xmlns="" w="9525">
                   <a:solidFill>
                     <a:srgbClr val="000000"/>
                   </a:solidFill>
@@ -16933,7 +16933,7 @@
             </a:ln>
             <a:extLst>
               <a:ext uri="{91240B29-F687-4f45-9708-019B960494DF}">
-                <a14:hiddenLine xmlns="" xmlns:a16="http://schemas.microsoft.com/office/drawing/2014/main" xmlns:p14="http://schemas.microsoft.com/office/powerpoint/2010/main" xmlns:a14="http://schemas.microsoft.com/office/drawing/2010/main" w="9525">
+                <a14:hiddenLine xmlns:a14="http://schemas.microsoft.com/office/drawing/2010/main" xmlns:p14="http://schemas.microsoft.com/office/powerpoint/2010/main" xmlns:a16="http://schemas.microsoft.com/office/drawing/2014/main" xmlns="" w="9525">
                   <a:solidFill>
                     <a:srgbClr val="000000"/>
                   </a:solidFill>
@@ -17045,7 +17045,7 @@
             </a:ln>
             <a:extLst>
               <a:ext uri="{91240B29-F687-4f45-9708-019B960494DF}">
-                <a14:hiddenLine xmlns="" xmlns:a16="http://schemas.microsoft.com/office/drawing/2014/main" xmlns:p14="http://schemas.microsoft.com/office/powerpoint/2010/main" xmlns:a14="http://schemas.microsoft.com/office/drawing/2010/main" w="9525">
+                <a14:hiddenLine xmlns:a14="http://schemas.microsoft.com/office/drawing/2010/main" xmlns:p14="http://schemas.microsoft.com/office/powerpoint/2010/main" xmlns:a16="http://schemas.microsoft.com/office/drawing/2014/main" xmlns="" w="9525">
                   <a:solidFill>
                     <a:srgbClr val="000000"/>
                   </a:solidFill>
@@ -17132,7 +17132,7 @@
             </a:ln>
             <a:extLst>
               <a:ext uri="{91240B29-F687-4f45-9708-019B960494DF}">
-                <a14:hiddenLine xmlns="" xmlns:a16="http://schemas.microsoft.com/office/drawing/2014/main" xmlns:p14="http://schemas.microsoft.com/office/powerpoint/2010/main" xmlns:a14="http://schemas.microsoft.com/office/drawing/2010/main" w="9525">
+                <a14:hiddenLine xmlns:a14="http://schemas.microsoft.com/office/drawing/2010/main" xmlns:p14="http://schemas.microsoft.com/office/powerpoint/2010/main" xmlns:a16="http://schemas.microsoft.com/office/drawing/2014/main" xmlns="" w="9525">
                   <a:solidFill>
                     <a:srgbClr val="000000"/>
                   </a:solidFill>
@@ -17216,7 +17216,7 @@
             </a:ln>
             <a:extLst>
               <a:ext uri="{91240B29-F687-4f45-9708-019B960494DF}">
-                <a14:hiddenLine xmlns="" xmlns:a16="http://schemas.microsoft.com/office/drawing/2014/main" xmlns:p14="http://schemas.microsoft.com/office/powerpoint/2010/main" xmlns:a14="http://schemas.microsoft.com/office/drawing/2010/main" w="9525">
+                <a14:hiddenLine xmlns:a14="http://schemas.microsoft.com/office/drawing/2010/main" xmlns:p14="http://schemas.microsoft.com/office/powerpoint/2010/main" xmlns:a16="http://schemas.microsoft.com/office/drawing/2014/main" xmlns="" w="9525">
                   <a:solidFill>
                     <a:srgbClr val="000000"/>
                   </a:solidFill>
@@ -17328,7 +17328,7 @@
             </a:ln>
             <a:extLst>
               <a:ext uri="{91240B29-F687-4f45-9708-019B960494DF}">
-                <a14:hiddenLine xmlns="" xmlns:a16="http://schemas.microsoft.com/office/drawing/2014/main" xmlns:p14="http://schemas.microsoft.com/office/powerpoint/2010/main" xmlns:a14="http://schemas.microsoft.com/office/drawing/2010/main" w="9525">
+                <a14:hiddenLine xmlns:a14="http://schemas.microsoft.com/office/drawing/2010/main" xmlns:p14="http://schemas.microsoft.com/office/powerpoint/2010/main" xmlns:a16="http://schemas.microsoft.com/office/drawing/2014/main" xmlns="" w="9525">
                   <a:solidFill>
                     <a:srgbClr val="000000"/>
                   </a:solidFill>
@@ -17440,7 +17440,7 @@
             </a:ln>
             <a:extLst>
               <a:ext uri="{91240B29-F687-4f45-9708-019B960494DF}">
-                <a14:hiddenLine xmlns="" xmlns:a16="http://schemas.microsoft.com/office/drawing/2014/main" xmlns:p14="http://schemas.microsoft.com/office/powerpoint/2010/main" xmlns:a14="http://schemas.microsoft.com/office/drawing/2010/main" w="9525">
+                <a14:hiddenLine xmlns:a14="http://schemas.microsoft.com/office/drawing/2010/main" xmlns:p14="http://schemas.microsoft.com/office/powerpoint/2010/main" xmlns:a16="http://schemas.microsoft.com/office/drawing/2014/main" xmlns="" w="9525">
                   <a:solidFill>
                     <a:srgbClr val="000000"/>
                   </a:solidFill>
@@ -17527,7 +17527,7 @@
             </a:ln>
             <a:extLst>
               <a:ext uri="{91240B29-F687-4f45-9708-019B960494DF}">
-                <a14:hiddenLine xmlns="" xmlns:a16="http://schemas.microsoft.com/office/drawing/2014/main" xmlns:p14="http://schemas.microsoft.com/office/powerpoint/2010/main" xmlns:a14="http://schemas.microsoft.com/office/drawing/2010/main" w="9525">
+                <a14:hiddenLine xmlns:a14="http://schemas.microsoft.com/office/drawing/2010/main" xmlns:p14="http://schemas.microsoft.com/office/powerpoint/2010/main" xmlns:a16="http://schemas.microsoft.com/office/drawing/2014/main" xmlns="" w="9525">
                   <a:solidFill>
                     <a:srgbClr val="000000"/>
                   </a:solidFill>
@@ -17669,7 +17669,7 @@
             </a:ln>
             <a:extLst>
               <a:ext uri="{91240B29-F687-4f45-9708-019B960494DF}">
-                <a14:hiddenLine xmlns="" xmlns:a16="http://schemas.microsoft.com/office/drawing/2014/main" xmlns:p14="http://schemas.microsoft.com/office/powerpoint/2010/main" xmlns:a14="http://schemas.microsoft.com/office/drawing/2010/main" w="9525">
+                <a14:hiddenLine xmlns:a14="http://schemas.microsoft.com/office/drawing/2010/main" xmlns:p14="http://schemas.microsoft.com/office/powerpoint/2010/main" xmlns:a16="http://schemas.microsoft.com/office/drawing/2014/main" xmlns="" w="9525">
                   <a:solidFill>
                     <a:srgbClr val="000000"/>
                   </a:solidFill>
@@ -18175,7 +18175,7 @@
               </a:ln>
               <a:extLst>
                 <a:ext uri="{91240B29-F687-4f45-9708-019B960494DF}">
-                  <a14:hiddenLine xmlns="" xmlns:a16="http://schemas.microsoft.com/office/drawing/2014/main" xmlns:p14="http://schemas.microsoft.com/office/powerpoint/2010/main" xmlns:a14="http://schemas.microsoft.com/office/drawing/2010/main" w="9525">
+                  <a14:hiddenLine xmlns:a14="http://schemas.microsoft.com/office/drawing/2010/main" xmlns:p14="http://schemas.microsoft.com/office/powerpoint/2010/main" xmlns:a16="http://schemas.microsoft.com/office/drawing/2014/main" xmlns="" w="9525">
                     <a:solidFill>
                       <a:srgbClr val="000000"/>
                     </a:solidFill>
@@ -18287,7 +18287,7 @@
               </a:ln>
               <a:extLst>
                 <a:ext uri="{91240B29-F687-4f45-9708-019B960494DF}">
-                  <a14:hiddenLine xmlns="" xmlns:a16="http://schemas.microsoft.com/office/drawing/2014/main" xmlns:p14="http://schemas.microsoft.com/office/powerpoint/2010/main" xmlns:a14="http://schemas.microsoft.com/office/drawing/2010/main" w="9525">
+                  <a14:hiddenLine xmlns:a14="http://schemas.microsoft.com/office/drawing/2010/main" xmlns:p14="http://schemas.microsoft.com/office/powerpoint/2010/main" xmlns:a16="http://schemas.microsoft.com/office/drawing/2014/main" xmlns="" w="9525">
                     <a:solidFill>
                       <a:srgbClr val="000000"/>
                     </a:solidFill>
@@ -18399,7 +18399,7 @@
               </a:ln>
               <a:extLst>
                 <a:ext uri="{91240B29-F687-4f45-9708-019B960494DF}">
-                  <a14:hiddenLine xmlns="" xmlns:a16="http://schemas.microsoft.com/office/drawing/2014/main" xmlns:p14="http://schemas.microsoft.com/office/powerpoint/2010/main" xmlns:a14="http://schemas.microsoft.com/office/drawing/2010/main" w="9525">
+                  <a14:hiddenLine xmlns:a14="http://schemas.microsoft.com/office/drawing/2010/main" xmlns:p14="http://schemas.microsoft.com/office/powerpoint/2010/main" xmlns:a16="http://schemas.microsoft.com/office/drawing/2014/main" xmlns="" w="9525">
                     <a:solidFill>
                       <a:srgbClr val="000000"/>
                     </a:solidFill>
@@ -18483,7 +18483,7 @@
               </a:ln>
               <a:extLst>
                 <a:ext uri="{91240B29-F687-4f45-9708-019B960494DF}">
-                  <a14:hiddenLine xmlns="" xmlns:a16="http://schemas.microsoft.com/office/drawing/2014/main" xmlns:p14="http://schemas.microsoft.com/office/powerpoint/2010/main" xmlns:a14="http://schemas.microsoft.com/office/drawing/2010/main" w="9525">
+                  <a14:hiddenLine xmlns:a14="http://schemas.microsoft.com/office/drawing/2010/main" xmlns:p14="http://schemas.microsoft.com/office/powerpoint/2010/main" xmlns:a16="http://schemas.microsoft.com/office/drawing/2014/main" xmlns="" w="9525">
                     <a:solidFill>
                       <a:srgbClr val="000000"/>
                     </a:solidFill>
@@ -18595,7 +18595,7 @@
               </a:ln>
               <a:extLst>
                 <a:ext uri="{91240B29-F687-4f45-9708-019B960494DF}">
-                  <a14:hiddenLine xmlns="" xmlns:a16="http://schemas.microsoft.com/office/drawing/2014/main" xmlns:p14="http://schemas.microsoft.com/office/powerpoint/2010/main" xmlns:a14="http://schemas.microsoft.com/office/drawing/2010/main" w="9525">
+                  <a14:hiddenLine xmlns:a14="http://schemas.microsoft.com/office/drawing/2010/main" xmlns:p14="http://schemas.microsoft.com/office/powerpoint/2010/main" xmlns:a16="http://schemas.microsoft.com/office/drawing/2014/main" xmlns="" w="9525">
                     <a:solidFill>
                       <a:srgbClr val="000000"/>
                     </a:solidFill>
@@ -18679,7 +18679,7 @@
               </a:ln>
               <a:extLst>
                 <a:ext uri="{91240B29-F687-4f45-9708-019B960494DF}">
-                  <a14:hiddenLine xmlns="" xmlns:a16="http://schemas.microsoft.com/office/drawing/2014/main" xmlns:p14="http://schemas.microsoft.com/office/powerpoint/2010/main" xmlns:a14="http://schemas.microsoft.com/office/drawing/2010/main" w="9525">
+                  <a14:hiddenLine xmlns:a14="http://schemas.microsoft.com/office/drawing/2010/main" xmlns:p14="http://schemas.microsoft.com/office/powerpoint/2010/main" xmlns:a16="http://schemas.microsoft.com/office/drawing/2014/main" xmlns="" w="9525">
                     <a:solidFill>
                       <a:srgbClr val="000000"/>
                     </a:solidFill>
@@ -18763,7 +18763,7 @@
               </a:ln>
               <a:extLst>
                 <a:ext uri="{91240B29-F687-4f45-9708-019B960494DF}">
-                  <a14:hiddenLine xmlns="" xmlns:a16="http://schemas.microsoft.com/office/drawing/2014/main" xmlns:p14="http://schemas.microsoft.com/office/powerpoint/2010/main" xmlns:a14="http://schemas.microsoft.com/office/drawing/2010/main" w="9525">
+                  <a14:hiddenLine xmlns:a14="http://schemas.microsoft.com/office/drawing/2010/main" xmlns:p14="http://schemas.microsoft.com/office/powerpoint/2010/main" xmlns:a16="http://schemas.microsoft.com/office/drawing/2014/main" xmlns="" w="9525">
                     <a:solidFill>
                       <a:srgbClr val="000000"/>
                     </a:solidFill>
@@ -18875,7 +18875,7 @@
               </a:ln>
               <a:extLst>
                 <a:ext uri="{91240B29-F687-4f45-9708-019B960494DF}">
-                  <a14:hiddenLine xmlns="" xmlns:a16="http://schemas.microsoft.com/office/drawing/2014/main" xmlns:p14="http://schemas.microsoft.com/office/powerpoint/2010/main" xmlns:a14="http://schemas.microsoft.com/office/drawing/2010/main" w="9525">
+                  <a14:hiddenLine xmlns:a14="http://schemas.microsoft.com/office/drawing/2010/main" xmlns:p14="http://schemas.microsoft.com/office/powerpoint/2010/main" xmlns:a16="http://schemas.microsoft.com/office/drawing/2014/main" xmlns="" w="9525">
                     <a:solidFill>
                       <a:srgbClr val="000000"/>
                     </a:solidFill>
@@ -18987,7 +18987,7 @@
               </a:ln>
               <a:extLst>
                 <a:ext uri="{91240B29-F687-4f45-9708-019B960494DF}">
-                  <a14:hiddenLine xmlns="" xmlns:a16="http://schemas.microsoft.com/office/drawing/2014/main" xmlns:p14="http://schemas.microsoft.com/office/powerpoint/2010/main" xmlns:a14="http://schemas.microsoft.com/office/drawing/2010/main" w="9525">
+                  <a14:hiddenLine xmlns:a14="http://schemas.microsoft.com/office/drawing/2010/main" xmlns:p14="http://schemas.microsoft.com/office/powerpoint/2010/main" xmlns:a16="http://schemas.microsoft.com/office/drawing/2014/main" xmlns="" w="9525">
                     <a:solidFill>
                       <a:srgbClr val="000000"/>
                     </a:solidFill>
@@ -19071,7 +19071,7 @@
               </a:ln>
               <a:extLst>
                 <a:ext uri="{91240B29-F687-4f45-9708-019B960494DF}">
-                  <a14:hiddenLine xmlns="" xmlns:a16="http://schemas.microsoft.com/office/drawing/2014/main" xmlns:p14="http://schemas.microsoft.com/office/powerpoint/2010/main" xmlns:a14="http://schemas.microsoft.com/office/drawing/2010/main" w="9525">
+                  <a14:hiddenLine xmlns:a14="http://schemas.microsoft.com/office/drawing/2010/main" xmlns:p14="http://schemas.microsoft.com/office/powerpoint/2010/main" xmlns:a16="http://schemas.microsoft.com/office/drawing/2014/main" xmlns="" w="9525">
                     <a:solidFill>
                       <a:srgbClr val="000000"/>
                     </a:solidFill>
@@ -19203,7 +19203,7 @@
               </a:ln>
               <a:extLst>
                 <a:ext uri="{91240B29-F687-4f45-9708-019B960494DF}">
-                  <a14:hiddenLine xmlns="" xmlns:a16="http://schemas.microsoft.com/office/drawing/2014/main" xmlns:p14="http://schemas.microsoft.com/office/powerpoint/2010/main" xmlns:a14="http://schemas.microsoft.com/office/drawing/2010/main" w="9525">
+                  <a14:hiddenLine xmlns:a14="http://schemas.microsoft.com/office/drawing/2010/main" xmlns:p14="http://schemas.microsoft.com/office/powerpoint/2010/main" xmlns:a16="http://schemas.microsoft.com/office/drawing/2014/main" xmlns="" w="9525">
                     <a:solidFill>
                       <a:srgbClr val="000000"/>
                     </a:solidFill>
@@ -19331,7 +19331,7 @@
               </a:ln>
               <a:extLst>
                 <a:ext uri="{91240B29-F687-4f45-9708-019B960494DF}">
-                  <a14:hiddenLine xmlns="" xmlns:a16="http://schemas.microsoft.com/office/drawing/2014/main" xmlns:p14="http://schemas.microsoft.com/office/powerpoint/2010/main" xmlns:a14="http://schemas.microsoft.com/office/drawing/2010/main" w="9525">
+                  <a14:hiddenLine xmlns:a14="http://schemas.microsoft.com/office/drawing/2010/main" xmlns:p14="http://schemas.microsoft.com/office/powerpoint/2010/main" xmlns:a16="http://schemas.microsoft.com/office/drawing/2014/main" xmlns="" w="9525">
                     <a:solidFill>
                       <a:srgbClr val="000000"/>
                     </a:solidFill>
@@ -19415,7 +19415,7 @@
               </a:ln>
               <a:extLst>
                 <a:ext uri="{91240B29-F687-4f45-9708-019B960494DF}">
-                  <a14:hiddenLine xmlns="" xmlns:a16="http://schemas.microsoft.com/office/drawing/2014/main" xmlns:p14="http://schemas.microsoft.com/office/powerpoint/2010/main" xmlns:a14="http://schemas.microsoft.com/office/drawing/2010/main" w="9525">
+                  <a14:hiddenLine xmlns:a14="http://schemas.microsoft.com/office/drawing/2010/main" xmlns:p14="http://schemas.microsoft.com/office/powerpoint/2010/main" xmlns:a16="http://schemas.microsoft.com/office/drawing/2014/main" xmlns="" w="9525">
                     <a:solidFill>
                       <a:srgbClr val="000000"/>
                     </a:solidFill>
@@ -19499,7 +19499,7 @@
               </a:ln>
               <a:extLst>
                 <a:ext uri="{91240B29-F687-4f45-9708-019B960494DF}">
-                  <a14:hiddenLine xmlns="" xmlns:a16="http://schemas.microsoft.com/office/drawing/2014/main" xmlns:p14="http://schemas.microsoft.com/office/powerpoint/2010/main" xmlns:a14="http://schemas.microsoft.com/office/drawing/2010/main" w="9525">
+                  <a14:hiddenLine xmlns:a14="http://schemas.microsoft.com/office/drawing/2010/main" xmlns:p14="http://schemas.microsoft.com/office/powerpoint/2010/main" xmlns:a16="http://schemas.microsoft.com/office/drawing/2014/main" xmlns="" w="9525">
                     <a:solidFill>
                       <a:srgbClr val="000000"/>
                     </a:solidFill>
@@ -19611,7 +19611,7 @@
               </a:ln>
               <a:extLst>
                 <a:ext uri="{91240B29-F687-4f45-9708-019B960494DF}">
-                  <a14:hiddenLine xmlns="" xmlns:a16="http://schemas.microsoft.com/office/drawing/2014/main" xmlns:p14="http://schemas.microsoft.com/office/powerpoint/2010/main" xmlns:a14="http://schemas.microsoft.com/office/drawing/2010/main" w="9525">
+                  <a14:hiddenLine xmlns:a14="http://schemas.microsoft.com/office/drawing/2010/main" xmlns:p14="http://schemas.microsoft.com/office/powerpoint/2010/main" xmlns:a16="http://schemas.microsoft.com/office/drawing/2014/main" xmlns="" w="9525">
                     <a:solidFill>
                       <a:srgbClr val="000000"/>
                     </a:solidFill>
@@ -19667,7 +19667,7 @@
               </a:ln>
               <a:extLst>
                 <a:ext uri="{91240B29-F687-4f45-9708-019B960494DF}">
-                  <a14:hiddenLine xmlns="" xmlns:a16="http://schemas.microsoft.com/office/drawing/2014/main" xmlns:p14="http://schemas.microsoft.com/office/powerpoint/2010/main" xmlns:a14="http://schemas.microsoft.com/office/drawing/2010/main" w="9525">
+                  <a14:hiddenLine xmlns:a14="http://schemas.microsoft.com/office/drawing/2010/main" xmlns:p14="http://schemas.microsoft.com/office/powerpoint/2010/main" xmlns:a16="http://schemas.microsoft.com/office/drawing/2014/main" xmlns="" w="9525">
                     <a:solidFill>
                       <a:srgbClr val="000000"/>
                     </a:solidFill>
@@ -19754,7 +19754,7 @@
               </a:ln>
               <a:extLst>
                 <a:ext uri="{91240B29-F687-4f45-9708-019B960494DF}">
-                  <a14:hiddenLine xmlns="" xmlns:a16="http://schemas.microsoft.com/office/drawing/2014/main" xmlns:p14="http://schemas.microsoft.com/office/powerpoint/2010/main" xmlns:a14="http://schemas.microsoft.com/office/drawing/2010/main" w="9525">
+                  <a14:hiddenLine xmlns:a14="http://schemas.microsoft.com/office/drawing/2010/main" xmlns:p14="http://schemas.microsoft.com/office/powerpoint/2010/main" xmlns:a16="http://schemas.microsoft.com/office/drawing/2014/main" xmlns="" w="9525">
                     <a:solidFill>
                       <a:srgbClr val="000000"/>
                     </a:solidFill>
@@ -19866,7 +19866,7 @@
               </a:ln>
               <a:extLst>
                 <a:ext uri="{91240B29-F687-4f45-9708-019B960494DF}">
-                  <a14:hiddenLine xmlns="" xmlns:a16="http://schemas.microsoft.com/office/drawing/2014/main" xmlns:p14="http://schemas.microsoft.com/office/powerpoint/2010/main" xmlns:a14="http://schemas.microsoft.com/office/drawing/2010/main" w="9525">
+                  <a14:hiddenLine xmlns:a14="http://schemas.microsoft.com/office/drawing/2010/main" xmlns:p14="http://schemas.microsoft.com/office/powerpoint/2010/main" xmlns:a16="http://schemas.microsoft.com/office/drawing/2014/main" xmlns="" w="9525">
                     <a:solidFill>
                       <a:srgbClr val="000000"/>
                     </a:solidFill>
@@ -19950,7 +19950,7 @@
               </a:ln>
               <a:extLst>
                 <a:ext uri="{91240B29-F687-4f45-9708-019B960494DF}">
-                  <a14:hiddenLine xmlns="" xmlns:a16="http://schemas.microsoft.com/office/drawing/2014/main" xmlns:p14="http://schemas.microsoft.com/office/powerpoint/2010/main" xmlns:a14="http://schemas.microsoft.com/office/drawing/2010/main" w="9525">
+                  <a14:hiddenLine xmlns:a14="http://schemas.microsoft.com/office/drawing/2010/main" xmlns:p14="http://schemas.microsoft.com/office/powerpoint/2010/main" xmlns:a16="http://schemas.microsoft.com/office/drawing/2014/main" xmlns="" w="9525">
                     <a:solidFill>
                       <a:srgbClr val="000000"/>
                     </a:solidFill>
@@ -20062,7 +20062,7 @@
               </a:ln>
               <a:extLst>
                 <a:ext uri="{91240B29-F687-4f45-9708-019B960494DF}">
-                  <a14:hiddenLine xmlns="" xmlns:a16="http://schemas.microsoft.com/office/drawing/2014/main" xmlns:p14="http://schemas.microsoft.com/office/powerpoint/2010/main" xmlns:a14="http://schemas.microsoft.com/office/drawing/2010/main" w="9525">
+                  <a14:hiddenLine xmlns:a14="http://schemas.microsoft.com/office/drawing/2010/main" xmlns:p14="http://schemas.microsoft.com/office/powerpoint/2010/main" xmlns:a16="http://schemas.microsoft.com/office/drawing/2014/main" xmlns="" w="9525">
                     <a:solidFill>
                       <a:srgbClr val="000000"/>
                     </a:solidFill>
@@ -20149,7 +20149,7 @@
               </a:ln>
               <a:extLst>
                 <a:ext uri="{91240B29-F687-4f45-9708-019B960494DF}">
-                  <a14:hiddenLine xmlns="" xmlns:a16="http://schemas.microsoft.com/office/drawing/2014/main" xmlns:p14="http://schemas.microsoft.com/office/powerpoint/2010/main" xmlns:a14="http://schemas.microsoft.com/office/drawing/2010/main" w="9525">
+                  <a14:hiddenLine xmlns:a14="http://schemas.microsoft.com/office/drawing/2010/main" xmlns:p14="http://schemas.microsoft.com/office/powerpoint/2010/main" xmlns:a16="http://schemas.microsoft.com/office/drawing/2014/main" xmlns="" w="9525">
                     <a:solidFill>
                       <a:srgbClr val="000000"/>
                     </a:solidFill>
@@ -20233,7 +20233,7 @@
               </a:ln>
               <a:extLst>
                 <a:ext uri="{91240B29-F687-4f45-9708-019B960494DF}">
-                  <a14:hiddenLine xmlns="" xmlns:a16="http://schemas.microsoft.com/office/drawing/2014/main" xmlns:p14="http://schemas.microsoft.com/office/powerpoint/2010/main" xmlns:a14="http://schemas.microsoft.com/office/drawing/2010/main" w="9525">
+                  <a14:hiddenLine xmlns:a14="http://schemas.microsoft.com/office/drawing/2010/main" xmlns:p14="http://schemas.microsoft.com/office/powerpoint/2010/main" xmlns:a16="http://schemas.microsoft.com/office/drawing/2014/main" xmlns="" w="9525">
                     <a:solidFill>
                       <a:srgbClr val="000000"/>
                     </a:solidFill>
@@ -20345,7 +20345,7 @@
               </a:ln>
               <a:extLst>
                 <a:ext uri="{91240B29-F687-4f45-9708-019B960494DF}">
-                  <a14:hiddenLine xmlns="" xmlns:a16="http://schemas.microsoft.com/office/drawing/2014/main" xmlns:p14="http://schemas.microsoft.com/office/powerpoint/2010/main" xmlns:a14="http://schemas.microsoft.com/office/drawing/2010/main" w="9525">
+                  <a14:hiddenLine xmlns:a14="http://schemas.microsoft.com/office/drawing/2010/main" xmlns:p14="http://schemas.microsoft.com/office/powerpoint/2010/main" xmlns:a16="http://schemas.microsoft.com/office/drawing/2014/main" xmlns="" w="9525">
                     <a:solidFill>
                       <a:srgbClr val="000000"/>
                     </a:solidFill>
@@ -20457,7 +20457,7 @@
               </a:ln>
               <a:extLst>
                 <a:ext uri="{91240B29-F687-4f45-9708-019B960494DF}">
-                  <a14:hiddenLine xmlns="" xmlns:a16="http://schemas.microsoft.com/office/drawing/2014/main" xmlns:p14="http://schemas.microsoft.com/office/powerpoint/2010/main" xmlns:a14="http://schemas.microsoft.com/office/drawing/2010/main" w="9525">
+                  <a14:hiddenLine xmlns:a14="http://schemas.microsoft.com/office/drawing/2010/main" xmlns:p14="http://schemas.microsoft.com/office/powerpoint/2010/main" xmlns:a16="http://schemas.microsoft.com/office/drawing/2014/main" xmlns="" w="9525">
                     <a:solidFill>
                       <a:srgbClr val="000000"/>
                     </a:solidFill>
@@ -20544,7 +20544,7 @@
               </a:ln>
               <a:extLst>
                 <a:ext uri="{91240B29-F687-4f45-9708-019B960494DF}">
-                  <a14:hiddenLine xmlns="" xmlns:a16="http://schemas.microsoft.com/office/drawing/2014/main" xmlns:p14="http://schemas.microsoft.com/office/powerpoint/2010/main" xmlns:a14="http://schemas.microsoft.com/office/drawing/2010/main" w="9525">
+                  <a14:hiddenLine xmlns:a14="http://schemas.microsoft.com/office/drawing/2010/main" xmlns:p14="http://schemas.microsoft.com/office/powerpoint/2010/main" xmlns:a16="http://schemas.microsoft.com/office/drawing/2014/main" xmlns="" w="9525">
                     <a:solidFill>
                       <a:srgbClr val="000000"/>
                     </a:solidFill>
@@ -20686,7 +20686,7 @@
               </a:ln>
               <a:extLst>
                 <a:ext uri="{91240B29-F687-4f45-9708-019B960494DF}">
-                  <a14:hiddenLine xmlns="" xmlns:a16="http://schemas.microsoft.com/office/drawing/2014/main" xmlns:p14="http://schemas.microsoft.com/office/powerpoint/2010/main" xmlns:a14="http://schemas.microsoft.com/office/drawing/2010/main" w="9525">
+                  <a14:hiddenLine xmlns:a14="http://schemas.microsoft.com/office/drawing/2010/main" xmlns:p14="http://schemas.microsoft.com/office/powerpoint/2010/main" xmlns:a16="http://schemas.microsoft.com/office/drawing/2014/main" xmlns="" w="9525">
                     <a:solidFill>
                       <a:srgbClr val="000000"/>
                     </a:solidFill>
@@ -20818,7 +20818,7 @@
               </a:ln>
               <a:extLst>
                 <a:ext uri="{91240B29-F687-4f45-9708-019B960494DF}">
-                  <a14:hiddenLine xmlns="" xmlns:a16="http://schemas.microsoft.com/office/drawing/2014/main" xmlns:p14="http://schemas.microsoft.com/office/powerpoint/2010/main" xmlns:a14="http://schemas.microsoft.com/office/drawing/2010/main" w="9525">
+                  <a14:hiddenLine xmlns:a14="http://schemas.microsoft.com/office/drawing/2010/main" xmlns:p14="http://schemas.microsoft.com/office/powerpoint/2010/main" xmlns:a16="http://schemas.microsoft.com/office/drawing/2014/main" xmlns="" w="9525">
                     <a:solidFill>
                       <a:srgbClr val="000000"/>
                     </a:solidFill>
@@ -20955,7 +20955,7 @@
               </a:ln>
               <a:extLst>
                 <a:ext uri="{91240B29-F687-4f45-9708-019B960494DF}">
-                  <a14:hiddenLine xmlns="" xmlns:a16="http://schemas.microsoft.com/office/drawing/2014/main" xmlns:p14="http://schemas.microsoft.com/office/powerpoint/2010/main" xmlns:a14="http://schemas.microsoft.com/office/drawing/2010/main" w="9525">
+                  <a14:hiddenLine xmlns:a14="http://schemas.microsoft.com/office/drawing/2010/main" xmlns:p14="http://schemas.microsoft.com/office/powerpoint/2010/main" xmlns:a16="http://schemas.microsoft.com/office/drawing/2014/main" xmlns="" w="9525">
                     <a:solidFill>
                       <a:srgbClr val="000000"/>
                     </a:solidFill>
@@ -21067,7 +21067,7 @@
               </a:ln>
               <a:extLst>
                 <a:ext uri="{91240B29-F687-4f45-9708-019B960494DF}">
-                  <a14:hiddenLine xmlns="" xmlns:a16="http://schemas.microsoft.com/office/drawing/2014/main" xmlns:p14="http://schemas.microsoft.com/office/powerpoint/2010/main" xmlns:a14="http://schemas.microsoft.com/office/drawing/2010/main" w="9525">
+                  <a14:hiddenLine xmlns:a14="http://schemas.microsoft.com/office/drawing/2010/main" xmlns:p14="http://schemas.microsoft.com/office/powerpoint/2010/main" xmlns:a16="http://schemas.microsoft.com/office/drawing/2014/main" xmlns="" w="9525">
                     <a:solidFill>
                       <a:srgbClr val="000000"/>
                     </a:solidFill>
@@ -21154,7 +21154,7 @@
               </a:ln>
               <a:extLst>
                 <a:ext uri="{91240B29-F687-4f45-9708-019B960494DF}">
-                  <a14:hiddenLine xmlns="" xmlns:a16="http://schemas.microsoft.com/office/drawing/2014/main" xmlns:p14="http://schemas.microsoft.com/office/powerpoint/2010/main" xmlns:a14="http://schemas.microsoft.com/office/drawing/2010/main" w="9525">
+                  <a14:hiddenLine xmlns:a14="http://schemas.microsoft.com/office/drawing/2010/main" xmlns:p14="http://schemas.microsoft.com/office/powerpoint/2010/main" xmlns:a16="http://schemas.microsoft.com/office/drawing/2014/main" xmlns="" w="9525">
                     <a:solidFill>
                       <a:srgbClr val="000000"/>
                     </a:solidFill>
@@ -21266,7 +21266,7 @@
               </a:ln>
               <a:extLst>
                 <a:ext uri="{91240B29-F687-4f45-9708-019B960494DF}">
-                  <a14:hiddenLine xmlns="" xmlns:a16="http://schemas.microsoft.com/office/drawing/2014/main" xmlns:p14="http://schemas.microsoft.com/office/powerpoint/2010/main" xmlns:a14="http://schemas.microsoft.com/office/drawing/2010/main" w="9525">
+                  <a14:hiddenLine xmlns:a14="http://schemas.microsoft.com/office/drawing/2010/main" xmlns:p14="http://schemas.microsoft.com/office/powerpoint/2010/main" xmlns:a16="http://schemas.microsoft.com/office/drawing/2014/main" xmlns="" w="9525">
                     <a:solidFill>
                       <a:srgbClr val="000000"/>
                     </a:solidFill>
@@ -21356,7 +21356,7 @@
               </a:ln>
               <a:extLst>
                 <a:ext uri="{91240B29-F687-4f45-9708-019B960494DF}">
-                  <a14:hiddenLine xmlns="" xmlns:a16="http://schemas.microsoft.com/office/drawing/2014/main" xmlns:p14="http://schemas.microsoft.com/office/powerpoint/2010/main" xmlns:a14="http://schemas.microsoft.com/office/drawing/2010/main" w="9525">
+                  <a14:hiddenLine xmlns:a14="http://schemas.microsoft.com/office/drawing/2010/main" xmlns:p14="http://schemas.microsoft.com/office/powerpoint/2010/main" xmlns:a16="http://schemas.microsoft.com/office/drawing/2014/main" xmlns="" w="9525">
                     <a:solidFill>
                       <a:srgbClr val="000000"/>
                     </a:solidFill>
@@ -21468,7 +21468,7 @@
               </a:ln>
               <a:extLst>
                 <a:ext uri="{91240B29-F687-4f45-9708-019B960494DF}">
-                  <a14:hiddenLine xmlns="" xmlns:a16="http://schemas.microsoft.com/office/drawing/2014/main" xmlns:p14="http://schemas.microsoft.com/office/powerpoint/2010/main" xmlns:a14="http://schemas.microsoft.com/office/drawing/2010/main" w="9525">
+                  <a14:hiddenLine xmlns:a14="http://schemas.microsoft.com/office/drawing/2010/main" xmlns:p14="http://schemas.microsoft.com/office/powerpoint/2010/main" xmlns:a16="http://schemas.microsoft.com/office/drawing/2014/main" xmlns="" w="9525">
                     <a:solidFill>
                       <a:srgbClr val="000000"/>
                     </a:solidFill>
@@ -21558,7 +21558,7 @@
               </a:ln>
               <a:extLst>
                 <a:ext uri="{91240B29-F687-4f45-9708-019B960494DF}">
-                  <a14:hiddenLine xmlns="" xmlns:a16="http://schemas.microsoft.com/office/drawing/2014/main" xmlns:p14="http://schemas.microsoft.com/office/powerpoint/2010/main" xmlns:a14="http://schemas.microsoft.com/office/drawing/2010/main" w="9525">
+                  <a14:hiddenLine xmlns:a14="http://schemas.microsoft.com/office/drawing/2010/main" xmlns:p14="http://schemas.microsoft.com/office/powerpoint/2010/main" xmlns:a16="http://schemas.microsoft.com/office/drawing/2014/main" xmlns="" w="9525">
                     <a:solidFill>
                       <a:srgbClr val="000000"/>
                     </a:solidFill>
@@ -21670,7 +21670,7 @@
               </a:ln>
               <a:extLst>
                 <a:ext uri="{91240B29-F687-4f45-9708-019B960494DF}">
-                  <a14:hiddenLine xmlns="" xmlns:a16="http://schemas.microsoft.com/office/drawing/2014/main" xmlns:p14="http://schemas.microsoft.com/office/powerpoint/2010/main" xmlns:a14="http://schemas.microsoft.com/office/drawing/2010/main" w="9525">
+                  <a14:hiddenLine xmlns:a14="http://schemas.microsoft.com/office/drawing/2010/main" xmlns:p14="http://schemas.microsoft.com/office/powerpoint/2010/main" xmlns:a16="http://schemas.microsoft.com/office/drawing/2014/main" xmlns="" w="9525">
                     <a:solidFill>
                       <a:srgbClr val="000000"/>
                     </a:solidFill>
@@ -21726,7 +21726,7 @@
               </a:ln>
               <a:extLst>
                 <a:ext uri="{91240B29-F687-4f45-9708-019B960494DF}">
-                  <a14:hiddenLine xmlns="" xmlns:a16="http://schemas.microsoft.com/office/drawing/2014/main" xmlns:p14="http://schemas.microsoft.com/office/powerpoint/2010/main" xmlns:a14="http://schemas.microsoft.com/office/drawing/2010/main" w="9525">
+                  <a14:hiddenLine xmlns:a14="http://schemas.microsoft.com/office/drawing/2010/main" xmlns:p14="http://schemas.microsoft.com/office/powerpoint/2010/main" xmlns:a16="http://schemas.microsoft.com/office/drawing/2014/main" xmlns="" w="9525">
                     <a:solidFill>
                       <a:srgbClr val="000000"/>
                     </a:solidFill>
@@ -21795,7 +21795,7 @@
           <a:noFill/>
           <a:extLst>
             <a:ext uri="{909E8E84-426E-40dd-AFC4-6F175D3DCCD1}">
-              <a14:hiddenFill xmlns="" xmlns:a16="http://schemas.microsoft.com/office/drawing/2014/main" xmlns:p14="http://schemas.microsoft.com/office/powerpoint/2010/main" xmlns:a14="http://schemas.microsoft.com/office/drawing/2010/main">
+              <a14:hiddenFill xmlns:a14="http://schemas.microsoft.com/office/drawing/2010/main" xmlns:p14="http://schemas.microsoft.com/office/powerpoint/2010/main" xmlns:a16="http://schemas.microsoft.com/office/drawing/2014/main" xmlns="">
                 <a:solidFill>
                   <a:srgbClr val="FFFFFF"/>
                 </a:solidFill>
@@ -23692,6 +23692,15 @@
 </file>
 
 <file path=customXml/item1.xml><?xml version="1.0" encoding="utf-8"?>
+<?mso-contentType ?>
+<FormTemplates xmlns="http://schemas.microsoft.com/sharepoint/v3/contenttype/forms">
+  <Display>DocumentLibraryForm</Display>
+  <Edit>DocumentLibraryForm</Edit>
+  <New>DocumentLibraryForm</New>
+</FormTemplates>
+</file>
+
+<file path=customXml/item2.xml><?xml version="1.0" encoding="utf-8"?>
 <ct:contentTypeSchema xmlns:ct="http://schemas.microsoft.com/office/2006/metadata/contentType" xmlns:ma="http://schemas.microsoft.com/office/2006/metadata/properties/metaAttributes" ct:_="" ma:_="" ma:contentTypeName="Document" ma:contentTypeID="0x0101000AB73EB492119943B3969339C4E6DE8B" ma:contentTypeVersion="11" ma:contentTypeDescription="Create a new document." ma:contentTypeScope="" ma:versionID="bc8fbbb2255098cbbace3e84ba9e3314">
   <xsd:schema xmlns:xsd="http://www.w3.org/2001/XMLSchema" xmlns:xs="http://www.w3.org/2001/XMLSchema" xmlns:p="http://schemas.microsoft.com/office/2006/metadata/properties" xmlns:ns3="2d182beb-936c-4a1e-8057-ffe191512bbb" xmlns:ns4="56334ec6-18e1-4e0d-8137-c57cc6a15c84" targetNamespace="http://schemas.microsoft.com/office/2006/metadata/properties" ma:root="true" ma:fieldsID="5f2134b7d5ca9c15cf8ebfa44ab89879" ns3:_="" ns4:_="">
     <xsd:import namespace="2d182beb-936c-4a1e-8057-ffe191512bbb"/>
@@ -23898,15 +23907,6 @@
 </ct:contentTypeSchema>
 </file>
 
-<file path=customXml/item2.xml><?xml version="1.0" encoding="utf-8"?>
-<?mso-contentType ?>
-<FormTemplates xmlns="http://schemas.microsoft.com/sharepoint/v3/contenttype/forms">
-  <Display>DocumentLibraryForm</Display>
-  <Edit>DocumentLibraryForm</Edit>
-  <New>DocumentLibraryForm</New>
-</FormTemplates>
-</file>
-
 <file path=customXml/item3.xml><?xml version="1.0" encoding="utf-8"?>
 <p:properties xmlns:p="http://schemas.microsoft.com/office/2006/metadata/properties" xmlns:xsi="http://www.w3.org/2001/XMLSchema-instance" xmlns:pc="http://schemas.microsoft.com/office/infopath/2007/PartnerControls">
   <documentManagement>
@@ -23916,6 +23916,14 @@
 </file>
 
 <file path=customXml/itemProps1.xml><?xml version="1.0" encoding="utf-8"?>
+<ds:datastoreItem xmlns:ds="http://schemas.openxmlformats.org/officeDocument/2006/customXml" ds:itemID="{B91A22D7-1472-4FF2-8175-3C34A5B5F515}">
+  <ds:schemaRefs>
+    <ds:schemaRef ds:uri="http://schemas.microsoft.com/sharepoint/v3/contenttype/forms"/>
+  </ds:schemaRefs>
+</ds:datastoreItem>
+</file>
+
+<file path=customXml/itemProps2.xml><?xml version="1.0" encoding="utf-8"?>
 <ds:datastoreItem xmlns:ds="http://schemas.openxmlformats.org/officeDocument/2006/customXml" ds:itemID="{DEB0BBC4-07CC-42F3-954A-3D3D93489FC0}">
   <ds:schemaRefs>
     <ds:schemaRef ds:uri="http://schemas.microsoft.com/office/2006/metadata/contentType"/>
@@ -23930,14 +23938,6 @@
     <ds:schemaRef ds:uri="http://purl.org/dc/elements/1.1/"/>
     <ds:schemaRef ds:uri="http://purl.org/dc/terms/"/>
     <ds:schemaRef ds:uri="http://schemas.microsoft.com/internal/obd"/>
-  </ds:schemaRefs>
-</ds:datastoreItem>
-</file>
-
-<file path=customXml/itemProps2.xml><?xml version="1.0" encoding="utf-8"?>
-<ds:datastoreItem xmlns:ds="http://schemas.openxmlformats.org/officeDocument/2006/customXml" ds:itemID="{B91A22D7-1472-4FF2-8175-3C34A5B5F515}">
-  <ds:schemaRefs>
-    <ds:schemaRef ds:uri="http://schemas.microsoft.com/sharepoint/v3/contenttype/forms"/>
   </ds:schemaRefs>
 </ds:datastoreItem>
 </file>
